--- a/Documentacion/Presentacion ppt.pptx
+++ b/Documentacion/Presentacion ppt.pptx
@@ -5,17 +5,24 @@
     <p:sldMasterId id="2147483804" r:id="rId1"/>
   </p:sldMasterIdLst>
   <p:notesMasterIdLst>
-    <p:notesMasterId r:id="rId10"/>
+    <p:notesMasterId r:id="rId14"/>
   </p:notesMasterIdLst>
+  <p:handoutMasterIdLst>
+    <p:handoutMasterId r:id="rId15"/>
+  </p:handoutMasterIdLst>
   <p:sldIdLst>
     <p:sldId id="256" r:id="rId2"/>
-    <p:sldId id="257" r:id="rId3"/>
-    <p:sldId id="258" r:id="rId4"/>
-    <p:sldId id="268" r:id="rId5"/>
-    <p:sldId id="269" r:id="rId6"/>
-    <p:sldId id="259" r:id="rId7"/>
-    <p:sldId id="270" r:id="rId8"/>
-    <p:sldId id="267" r:id="rId9"/>
+    <p:sldId id="271" r:id="rId3"/>
+    <p:sldId id="257" r:id="rId4"/>
+    <p:sldId id="258" r:id="rId5"/>
+    <p:sldId id="268" r:id="rId6"/>
+    <p:sldId id="269" r:id="rId7"/>
+    <p:sldId id="259" r:id="rId8"/>
+    <p:sldId id="270" r:id="rId9"/>
+    <p:sldId id="267" r:id="rId10"/>
+    <p:sldId id="274" r:id="rId11"/>
+    <p:sldId id="272" r:id="rId12"/>
+    <p:sldId id="273" r:id="rId13"/>
   </p:sldIdLst>
   <p:sldSz cx="9144000" cy="6858000" type="screen4x3"/>
   <p:notesSz cx="6858000" cy="9144000"/>
@@ -23,98 +30,349 @@
     <a:defPPr>
       <a:defRPr lang="es-PE"/>
     </a:defPPr>
-    <a:lvl1pPr marL="0" algn="l" defTabSz="914400" rtl="0" eaLnBrk="1" latinLnBrk="0" hangingPunct="1">
-      <a:defRPr sz="1800" kern="1200">
+    <a:lvl1pPr algn="l" rtl="0" fontAlgn="base">
+      <a:spcBef>
+        <a:spcPct val="0"/>
+      </a:spcBef>
+      <a:spcAft>
+        <a:spcPct val="0"/>
+      </a:spcAft>
+      <a:defRPr kern="1200">
         <a:solidFill>
           <a:schemeClr val="tx1"/>
         </a:solidFill>
-        <a:latin typeface="+mn-lt"/>
+        <a:latin typeface="Arial" charset="0"/>
         <a:ea typeface="+mn-ea"/>
         <a:cs typeface="+mn-cs"/>
       </a:defRPr>
     </a:lvl1pPr>
-    <a:lvl2pPr marL="457200" algn="l" defTabSz="914400" rtl="0" eaLnBrk="1" latinLnBrk="0" hangingPunct="1">
-      <a:defRPr sz="1800" kern="1200">
+    <a:lvl2pPr marL="457200" algn="l" rtl="0" fontAlgn="base">
+      <a:spcBef>
+        <a:spcPct val="0"/>
+      </a:spcBef>
+      <a:spcAft>
+        <a:spcPct val="0"/>
+      </a:spcAft>
+      <a:defRPr kern="1200">
         <a:solidFill>
           <a:schemeClr val="tx1"/>
         </a:solidFill>
-        <a:latin typeface="+mn-lt"/>
+        <a:latin typeface="Arial" charset="0"/>
         <a:ea typeface="+mn-ea"/>
         <a:cs typeface="+mn-cs"/>
       </a:defRPr>
     </a:lvl2pPr>
-    <a:lvl3pPr marL="914400" algn="l" defTabSz="914400" rtl="0" eaLnBrk="1" latinLnBrk="0" hangingPunct="1">
-      <a:defRPr sz="1800" kern="1200">
+    <a:lvl3pPr marL="914400" algn="l" rtl="0" fontAlgn="base">
+      <a:spcBef>
+        <a:spcPct val="0"/>
+      </a:spcBef>
+      <a:spcAft>
+        <a:spcPct val="0"/>
+      </a:spcAft>
+      <a:defRPr kern="1200">
         <a:solidFill>
           <a:schemeClr val="tx1"/>
         </a:solidFill>
-        <a:latin typeface="+mn-lt"/>
+        <a:latin typeface="Arial" charset="0"/>
         <a:ea typeface="+mn-ea"/>
         <a:cs typeface="+mn-cs"/>
       </a:defRPr>
     </a:lvl3pPr>
-    <a:lvl4pPr marL="1371600" algn="l" defTabSz="914400" rtl="0" eaLnBrk="1" latinLnBrk="0" hangingPunct="1">
-      <a:defRPr sz="1800" kern="1200">
+    <a:lvl4pPr marL="1371600" algn="l" rtl="0" fontAlgn="base">
+      <a:spcBef>
+        <a:spcPct val="0"/>
+      </a:spcBef>
+      <a:spcAft>
+        <a:spcPct val="0"/>
+      </a:spcAft>
+      <a:defRPr kern="1200">
         <a:solidFill>
           <a:schemeClr val="tx1"/>
         </a:solidFill>
-        <a:latin typeface="+mn-lt"/>
+        <a:latin typeface="Arial" charset="0"/>
         <a:ea typeface="+mn-ea"/>
         <a:cs typeface="+mn-cs"/>
       </a:defRPr>
     </a:lvl4pPr>
-    <a:lvl5pPr marL="1828800" algn="l" defTabSz="914400" rtl="0" eaLnBrk="1" latinLnBrk="0" hangingPunct="1">
-      <a:defRPr sz="1800" kern="1200">
+    <a:lvl5pPr marL="1828800" algn="l" rtl="0" fontAlgn="base">
+      <a:spcBef>
+        <a:spcPct val="0"/>
+      </a:spcBef>
+      <a:spcAft>
+        <a:spcPct val="0"/>
+      </a:spcAft>
+      <a:defRPr kern="1200">
         <a:solidFill>
           <a:schemeClr val="tx1"/>
         </a:solidFill>
-        <a:latin typeface="+mn-lt"/>
+        <a:latin typeface="Arial" charset="0"/>
         <a:ea typeface="+mn-ea"/>
         <a:cs typeface="+mn-cs"/>
       </a:defRPr>
     </a:lvl5pPr>
     <a:lvl6pPr marL="2286000" algn="l" defTabSz="914400" rtl="0" eaLnBrk="1" latinLnBrk="0" hangingPunct="1">
-      <a:defRPr sz="1800" kern="1200">
+      <a:defRPr kern="1200">
         <a:solidFill>
           <a:schemeClr val="tx1"/>
         </a:solidFill>
-        <a:latin typeface="+mn-lt"/>
+        <a:latin typeface="Arial" charset="0"/>
         <a:ea typeface="+mn-ea"/>
         <a:cs typeface="+mn-cs"/>
       </a:defRPr>
     </a:lvl6pPr>
     <a:lvl7pPr marL="2743200" algn="l" defTabSz="914400" rtl="0" eaLnBrk="1" latinLnBrk="0" hangingPunct="1">
-      <a:defRPr sz="1800" kern="1200">
+      <a:defRPr kern="1200">
         <a:solidFill>
           <a:schemeClr val="tx1"/>
         </a:solidFill>
-        <a:latin typeface="+mn-lt"/>
+        <a:latin typeface="Arial" charset="0"/>
         <a:ea typeface="+mn-ea"/>
         <a:cs typeface="+mn-cs"/>
       </a:defRPr>
     </a:lvl7pPr>
     <a:lvl8pPr marL="3200400" algn="l" defTabSz="914400" rtl="0" eaLnBrk="1" latinLnBrk="0" hangingPunct="1">
-      <a:defRPr sz="1800" kern="1200">
+      <a:defRPr kern="1200">
         <a:solidFill>
           <a:schemeClr val="tx1"/>
         </a:solidFill>
-        <a:latin typeface="+mn-lt"/>
+        <a:latin typeface="Arial" charset="0"/>
         <a:ea typeface="+mn-ea"/>
         <a:cs typeface="+mn-cs"/>
       </a:defRPr>
     </a:lvl8pPr>
     <a:lvl9pPr marL="3657600" algn="l" defTabSz="914400" rtl="0" eaLnBrk="1" latinLnBrk="0" hangingPunct="1">
-      <a:defRPr sz="1800" kern="1200">
+      <a:defRPr kern="1200">
         <a:solidFill>
           <a:schemeClr val="tx1"/>
         </a:solidFill>
-        <a:latin typeface="+mn-lt"/>
+        <a:latin typeface="Arial" charset="0"/>
         <a:ea typeface="+mn-ea"/>
         <a:cs typeface="+mn-cs"/>
       </a:defRPr>
     </a:lvl9pPr>
   </p:defaultTextStyle>
 </p:presentation>
+</file>
+
+<file path=ppt/handoutMasters/handoutMaster1.xml><?xml version="1.0" encoding="utf-8"?>
+<p:handoutMaster xmlns:a="http://schemas.openxmlformats.org/drawingml/2006/main" xmlns:r="http://schemas.openxmlformats.org/officeDocument/2006/relationships" xmlns:p="http://schemas.openxmlformats.org/presentationml/2006/main">
+  <p:cSld>
+    <p:bg>
+      <p:bgPr>
+        <a:solidFill>
+          <a:schemeClr val="bg1"/>
+        </a:solidFill>
+        <a:effectLst/>
+      </p:bgPr>
+    </p:bg>
+    <p:spTree>
+      <p:nvGrpSpPr>
+        <p:cNvPr id="1" name=""/>
+        <p:cNvGrpSpPr/>
+        <p:nvPr/>
+      </p:nvGrpSpPr>
+      <p:grpSpPr>
+        <a:xfrm>
+          <a:off x="0" y="0"/>
+          <a:ext cx="0" cy="0"/>
+          <a:chOff x="0" y="0"/>
+          <a:chExt cx="0" cy="0"/>
+        </a:xfrm>
+      </p:grpSpPr>
+      <p:sp>
+        <p:nvSpPr>
+          <p:cNvPr id="27650" name="Rectangle 2"/>
+          <p:cNvSpPr>
+            <a:spLocks noGrp="1" noChangeArrowheads="1"/>
+          </p:cNvSpPr>
+          <p:nvPr>
+            <p:ph type="hdr" sz="quarter"/>
+          </p:nvPr>
+        </p:nvSpPr>
+        <p:spPr bwMode="auto">
+          <a:xfrm>
+            <a:off x="0" y="0"/>
+            <a:ext cx="2971800" cy="457200"/>
+          </a:xfrm>
+          <a:prstGeom prst="rect">
+            <a:avLst/>
+          </a:prstGeom>
+          <a:noFill/>
+          <a:ln w="9525">
+            <a:noFill/>
+            <a:miter lim="800000"/>
+            <a:headEnd/>
+            <a:tailEnd/>
+          </a:ln>
+          <a:effectLst/>
+        </p:spPr>
+        <p:txBody>
+          <a:bodyPr vert="horz" wrap="square" lIns="91440" tIns="45720" rIns="91440" bIns="45720" numCol="1" anchor="t" anchorCtr="0" compatLnSpc="1">
+            <a:prstTxWarp prst="textNoShape">
+              <a:avLst/>
+            </a:prstTxWarp>
+          </a:bodyPr>
+          <a:lstStyle>
+            <a:lvl1pPr>
+              <a:defRPr sz="1200">
+                <a:latin typeface="Calibri" pitchFamily="34" charset="0"/>
+              </a:defRPr>
+            </a:lvl1pPr>
+          </a:lstStyle>
+          <a:p>
+            <a:endParaRPr lang="en-US"/>
+          </a:p>
+        </p:txBody>
+      </p:sp>
+      <p:sp>
+        <p:nvSpPr>
+          <p:cNvPr id="27651" name="Rectangle 3"/>
+          <p:cNvSpPr>
+            <a:spLocks noGrp="1" noChangeArrowheads="1"/>
+          </p:cNvSpPr>
+          <p:nvPr>
+            <p:ph type="dt" sz="quarter" idx="1"/>
+          </p:nvPr>
+        </p:nvSpPr>
+        <p:spPr bwMode="auto">
+          <a:xfrm>
+            <a:off x="3884613" y="0"/>
+            <a:ext cx="2971800" cy="457200"/>
+          </a:xfrm>
+          <a:prstGeom prst="rect">
+            <a:avLst/>
+          </a:prstGeom>
+          <a:noFill/>
+          <a:ln w="9525">
+            <a:noFill/>
+            <a:miter lim="800000"/>
+            <a:headEnd/>
+            <a:tailEnd/>
+          </a:ln>
+          <a:effectLst/>
+        </p:spPr>
+        <p:txBody>
+          <a:bodyPr vert="horz" wrap="square" lIns="91440" tIns="45720" rIns="91440" bIns="45720" numCol="1" anchor="t" anchorCtr="0" compatLnSpc="1">
+            <a:prstTxWarp prst="textNoShape">
+              <a:avLst/>
+            </a:prstTxWarp>
+          </a:bodyPr>
+          <a:lstStyle>
+            <a:lvl1pPr algn="r">
+              <a:defRPr sz="1200">
+                <a:latin typeface="Calibri" pitchFamily="34" charset="0"/>
+              </a:defRPr>
+            </a:lvl1pPr>
+          </a:lstStyle>
+          <a:p>
+            <a:fld id="{BCFC7CF4-D90D-4E28-A888-9C7FB898C6CF}" type="datetimeFigureOut">
+              <a:rPr lang="en-US"/>
+              <a:pPr/>
+              <a:t>11/21/2011</a:t>
+            </a:fld>
+            <a:endParaRPr lang="en-US"/>
+          </a:p>
+        </p:txBody>
+      </p:sp>
+      <p:sp>
+        <p:nvSpPr>
+          <p:cNvPr id="27652" name="Rectangle 4"/>
+          <p:cNvSpPr>
+            <a:spLocks noGrp="1" noChangeArrowheads="1"/>
+          </p:cNvSpPr>
+          <p:nvPr>
+            <p:ph type="ftr" sz="quarter" idx="2"/>
+          </p:nvPr>
+        </p:nvSpPr>
+        <p:spPr bwMode="auto">
+          <a:xfrm>
+            <a:off x="0" y="8685213"/>
+            <a:ext cx="2971800" cy="457200"/>
+          </a:xfrm>
+          <a:prstGeom prst="rect">
+            <a:avLst/>
+          </a:prstGeom>
+          <a:noFill/>
+          <a:ln w="9525">
+            <a:noFill/>
+            <a:miter lim="800000"/>
+            <a:headEnd/>
+            <a:tailEnd/>
+          </a:ln>
+          <a:effectLst/>
+        </p:spPr>
+        <p:txBody>
+          <a:bodyPr vert="horz" wrap="square" lIns="91440" tIns="45720" rIns="91440" bIns="45720" numCol="1" anchor="b" anchorCtr="0" compatLnSpc="1">
+            <a:prstTxWarp prst="textNoShape">
+              <a:avLst/>
+            </a:prstTxWarp>
+          </a:bodyPr>
+          <a:lstStyle>
+            <a:lvl1pPr>
+              <a:defRPr sz="1200">
+                <a:latin typeface="Calibri" pitchFamily="34" charset="0"/>
+              </a:defRPr>
+            </a:lvl1pPr>
+          </a:lstStyle>
+          <a:p>
+            <a:endParaRPr lang="en-US"/>
+          </a:p>
+        </p:txBody>
+      </p:sp>
+      <p:sp>
+        <p:nvSpPr>
+          <p:cNvPr id="27653" name="Rectangle 5"/>
+          <p:cNvSpPr>
+            <a:spLocks noGrp="1" noChangeArrowheads="1"/>
+          </p:cNvSpPr>
+          <p:nvPr>
+            <p:ph type="sldNum" sz="quarter" idx="3"/>
+          </p:nvPr>
+        </p:nvSpPr>
+        <p:spPr bwMode="auto">
+          <a:xfrm>
+            <a:off x="3884613" y="8685213"/>
+            <a:ext cx="2971800" cy="457200"/>
+          </a:xfrm>
+          <a:prstGeom prst="rect">
+            <a:avLst/>
+          </a:prstGeom>
+          <a:noFill/>
+          <a:ln w="9525">
+            <a:noFill/>
+            <a:miter lim="800000"/>
+            <a:headEnd/>
+            <a:tailEnd/>
+          </a:ln>
+          <a:effectLst/>
+        </p:spPr>
+        <p:txBody>
+          <a:bodyPr vert="horz" wrap="square" lIns="91440" tIns="45720" rIns="91440" bIns="45720" numCol="1" anchor="b" anchorCtr="0" compatLnSpc="1">
+            <a:prstTxWarp prst="textNoShape">
+              <a:avLst/>
+            </a:prstTxWarp>
+          </a:bodyPr>
+          <a:lstStyle>
+            <a:lvl1pPr algn="r">
+              <a:defRPr sz="1200">
+                <a:latin typeface="Calibri" pitchFamily="34" charset="0"/>
+              </a:defRPr>
+            </a:lvl1pPr>
+          </a:lstStyle>
+          <a:p>
+            <a:fld id="{6D05C532-E64C-4190-8CCB-34A1C1962F4C}" type="slidenum">
+              <a:rPr lang="en-US"/>
+              <a:pPr/>
+              <a:t>‹Nº›</a:t>
+            </a:fld>
+            <a:endParaRPr lang="en-US"/>
+          </a:p>
+        </p:txBody>
+      </p:sp>
+    </p:spTree>
+  </p:cSld>
+  <p:clrMap bg1="lt1" tx1="dk1" bg2="lt2" tx2="dk2" accent1="accent1" accent2="accent2" accent3="accent3" accent4="accent4" accent5="accent5" accent6="accent6" hlink="hlink" folHlink="folHlink"/>
+</p:handoutMaster>
 </file>
 
 <file path=ppt/notesMasters/notesMaster1.xml><?xml version="1.0" encoding="utf-8"?>
@@ -161,11 +419,22 @@
         <p:txBody>
           <a:bodyPr vert="horz" lIns="91440" tIns="45720" rIns="91440" bIns="45720" rtlCol="0"/>
           <a:lstStyle>
-            <a:lvl1pPr algn="l">
-              <a:defRPr sz="1200"/>
+            <a:lvl1pPr algn="l" fontAlgn="auto">
+              <a:spcBef>
+                <a:spcPts val="0"/>
+              </a:spcBef>
+              <a:spcAft>
+                <a:spcPts val="0"/>
+              </a:spcAft>
+              <a:defRPr sz="1200" dirty="0">
+                <a:latin typeface="+mn-lt"/>
+              </a:defRPr>
             </a:lvl1pPr>
           </a:lstStyle>
           <a:p>
+            <a:pPr>
+              <a:defRPr/>
+            </a:pPr>
             <a:endParaRPr lang="es-PE"/>
           </a:p>
         </p:txBody>
@@ -192,17 +461,30 @@
         <p:txBody>
           <a:bodyPr vert="horz" lIns="91440" tIns="45720" rIns="91440" bIns="45720" rtlCol="0"/>
           <a:lstStyle>
-            <a:lvl1pPr algn="r">
-              <a:defRPr sz="1200"/>
+            <a:lvl1pPr algn="r" fontAlgn="auto">
+              <a:spcBef>
+                <a:spcPts val="0"/>
+              </a:spcBef>
+              <a:spcAft>
+                <a:spcPts val="0"/>
+              </a:spcAft>
+              <a:defRPr sz="1200" smtClean="0">
+                <a:latin typeface="+mn-lt"/>
+              </a:defRPr>
             </a:lvl1pPr>
           </a:lstStyle>
           <a:p>
-            <a:fld id="{0007A05F-237D-4D86-96CD-CE52F13E2254}" type="datetimeFigureOut">
-              <a:rPr lang="es-PE" smtClean="0"/>
-              <a:pPr/>
-              <a:t>19/11/2011</a:t>
+            <a:pPr>
+              <a:defRPr/>
+            </a:pPr>
+            <a:fld id="{466215F1-5A6E-4207-AC4B-284EC9DD1DC5}" type="datetimeFigureOut">
+              <a:rPr lang="es-PE"/>
+              <a:pPr>
+                <a:defRPr/>
+              </a:pPr>
+              <a:t>21/11/2011</a:t>
             </a:fld>
-            <a:endParaRPr lang="es-PE"/>
+            <a:endParaRPr lang="es-PE" dirty="0"/>
           </a:p>
         </p:txBody>
       </p:sp>
@@ -235,7 +517,8 @@
           <a:bodyPr vert="horz" lIns="91440" tIns="45720" rIns="91440" bIns="45720" rtlCol="0" anchor="ctr"/>
           <a:lstStyle/>
           <a:p>
-            <a:endParaRPr lang="es-PE"/>
+            <a:pPr lvl="0"/>
+            <a:endParaRPr lang="es-PE" noProof="0" dirty="0"/>
           </a:p>
         </p:txBody>
       </p:sp>
@@ -266,38 +549,38 @@
           <a:p>
             <a:pPr lvl="0"/>
             <a:r>
-              <a:rPr lang="es-ES" smtClean="0"/>
+              <a:rPr lang="es-ES" noProof="0" smtClean="0"/>
               <a:t>Haga clic para modificar el estilo de texto del patrón</a:t>
             </a:r>
           </a:p>
           <a:p>
             <a:pPr lvl="1"/>
             <a:r>
-              <a:rPr lang="es-ES" smtClean="0"/>
+              <a:rPr lang="es-ES" noProof="0" smtClean="0"/>
               <a:t>Segundo nivel</a:t>
             </a:r>
           </a:p>
           <a:p>
             <a:pPr lvl="2"/>
             <a:r>
-              <a:rPr lang="es-ES" smtClean="0"/>
+              <a:rPr lang="es-ES" noProof="0" smtClean="0"/>
               <a:t>Tercer nivel</a:t>
             </a:r>
           </a:p>
           <a:p>
             <a:pPr lvl="3"/>
             <a:r>
-              <a:rPr lang="es-ES" smtClean="0"/>
+              <a:rPr lang="es-ES" noProof="0" smtClean="0"/>
               <a:t>Cuarto nivel</a:t>
             </a:r>
           </a:p>
           <a:p>
             <a:pPr lvl="4"/>
             <a:r>
-              <a:rPr lang="es-ES" smtClean="0"/>
+              <a:rPr lang="es-ES" noProof="0" smtClean="0"/>
               <a:t>Quinto nivel</a:t>
             </a:r>
-            <a:endParaRPr lang="es-PE"/>
+            <a:endParaRPr lang="es-PE" noProof="0"/>
           </a:p>
         </p:txBody>
       </p:sp>
@@ -323,11 +606,22 @@
         <p:txBody>
           <a:bodyPr vert="horz" lIns="91440" tIns="45720" rIns="91440" bIns="45720" rtlCol="0" anchor="b"/>
           <a:lstStyle>
-            <a:lvl1pPr algn="l">
-              <a:defRPr sz="1200"/>
+            <a:lvl1pPr algn="l" fontAlgn="auto">
+              <a:spcBef>
+                <a:spcPts val="0"/>
+              </a:spcBef>
+              <a:spcAft>
+                <a:spcPts val="0"/>
+              </a:spcAft>
+              <a:defRPr sz="1200" dirty="0">
+                <a:latin typeface="+mn-lt"/>
+              </a:defRPr>
             </a:lvl1pPr>
           </a:lstStyle>
           <a:p>
+            <a:pPr>
+              <a:defRPr/>
+            </a:pPr>
             <a:endParaRPr lang="es-PE"/>
           </a:p>
         </p:txBody>
@@ -354,17 +648,30 @@
         <p:txBody>
           <a:bodyPr vert="horz" lIns="91440" tIns="45720" rIns="91440" bIns="45720" rtlCol="0" anchor="b"/>
           <a:lstStyle>
-            <a:lvl1pPr algn="r">
-              <a:defRPr sz="1200"/>
+            <a:lvl1pPr algn="r" fontAlgn="auto">
+              <a:spcBef>
+                <a:spcPts val="0"/>
+              </a:spcBef>
+              <a:spcAft>
+                <a:spcPts val="0"/>
+              </a:spcAft>
+              <a:defRPr sz="1200" smtClean="0">
+                <a:latin typeface="+mn-lt"/>
+              </a:defRPr>
             </a:lvl1pPr>
           </a:lstStyle>
           <a:p>
-            <a:fld id="{63B3396D-71E6-470F-8E29-DF789CC60801}" type="slidenum">
-              <a:rPr lang="es-PE" smtClean="0"/>
-              <a:pPr/>
+            <a:pPr>
+              <a:defRPr/>
+            </a:pPr>
+            <a:fld id="{7807588B-20EC-47A3-82F0-58B0FE97A2BE}" type="slidenum">
+              <a:rPr lang="es-PE"/>
+              <a:pPr>
+                <a:defRPr/>
+              </a:pPr>
               <a:t>‹Nº›</a:t>
             </a:fld>
-            <a:endParaRPr lang="es-PE"/>
+            <a:endParaRPr lang="es-PE" dirty="0"/>
           </a:p>
         </p:txBody>
       </p:sp>
@@ -372,7 +679,13 @@
   </p:cSld>
   <p:clrMap bg1="lt1" tx1="dk1" bg2="lt2" tx2="dk2" accent1="accent1" accent2="accent2" accent3="accent3" accent4="accent4" accent5="accent5" accent6="accent6" hlink="hlink" folHlink="folHlink"/>
   <p:notesStyle>
-    <a:lvl1pPr marL="0" algn="l" defTabSz="914400" rtl="0" eaLnBrk="1" latinLnBrk="0" hangingPunct="1">
+    <a:lvl1pPr algn="l" rtl="0" fontAlgn="base">
+      <a:spcBef>
+        <a:spcPct val="30000"/>
+      </a:spcBef>
+      <a:spcAft>
+        <a:spcPct val="0"/>
+      </a:spcAft>
       <a:defRPr sz="1200" kern="1200">
         <a:solidFill>
           <a:schemeClr val="tx1"/>
@@ -382,7 +695,13 @@
         <a:cs typeface="+mn-cs"/>
       </a:defRPr>
     </a:lvl1pPr>
-    <a:lvl2pPr marL="457200" algn="l" defTabSz="914400" rtl="0" eaLnBrk="1" latinLnBrk="0" hangingPunct="1">
+    <a:lvl2pPr marL="457200" algn="l" rtl="0" fontAlgn="base">
+      <a:spcBef>
+        <a:spcPct val="30000"/>
+      </a:spcBef>
+      <a:spcAft>
+        <a:spcPct val="0"/>
+      </a:spcAft>
       <a:defRPr sz="1200" kern="1200">
         <a:solidFill>
           <a:schemeClr val="tx1"/>
@@ -392,7 +711,13 @@
         <a:cs typeface="+mn-cs"/>
       </a:defRPr>
     </a:lvl2pPr>
-    <a:lvl3pPr marL="914400" algn="l" defTabSz="914400" rtl="0" eaLnBrk="1" latinLnBrk="0" hangingPunct="1">
+    <a:lvl3pPr marL="914400" algn="l" rtl="0" fontAlgn="base">
+      <a:spcBef>
+        <a:spcPct val="30000"/>
+      </a:spcBef>
+      <a:spcAft>
+        <a:spcPct val="0"/>
+      </a:spcAft>
       <a:defRPr sz="1200" kern="1200">
         <a:solidFill>
           <a:schemeClr val="tx1"/>
@@ -402,7 +727,13 @@
         <a:cs typeface="+mn-cs"/>
       </a:defRPr>
     </a:lvl3pPr>
-    <a:lvl4pPr marL="1371600" algn="l" defTabSz="914400" rtl="0" eaLnBrk="1" latinLnBrk="0" hangingPunct="1">
+    <a:lvl4pPr marL="1371600" algn="l" rtl="0" fontAlgn="base">
+      <a:spcBef>
+        <a:spcPct val="30000"/>
+      </a:spcBef>
+      <a:spcAft>
+        <a:spcPct val="0"/>
+      </a:spcAft>
       <a:defRPr sz="1200" kern="1200">
         <a:solidFill>
           <a:schemeClr val="tx1"/>
@@ -412,7 +743,13 @@
         <a:cs typeface="+mn-cs"/>
       </a:defRPr>
     </a:lvl4pPr>
-    <a:lvl5pPr marL="1828800" algn="l" defTabSz="914400" rtl="0" eaLnBrk="1" latinLnBrk="0" hangingPunct="1">
+    <a:lvl5pPr marL="1828800" algn="l" rtl="0" fontAlgn="base">
+      <a:spcBef>
+        <a:spcPct val="30000"/>
+      </a:spcBef>
+      <a:spcAft>
+        <a:spcPct val="0"/>
+      </a:spcAft>
       <a:defRPr sz="1200" kern="1200">
         <a:solidFill>
           <a:schemeClr val="tx1"/>
@@ -466,6 +803,870 @@
 </p:notesMaster>
 </file>
 
+<file path=ppt/notesSlides/notesSlide1.xml><?xml version="1.0" encoding="utf-8"?>
+<p:notes xmlns:a="http://schemas.openxmlformats.org/drawingml/2006/main" xmlns:r="http://schemas.openxmlformats.org/officeDocument/2006/relationships" xmlns:p="http://schemas.openxmlformats.org/presentationml/2006/main">
+  <p:cSld>
+    <p:spTree>
+      <p:nvGrpSpPr>
+        <p:cNvPr id="1" name=""/>
+        <p:cNvGrpSpPr/>
+        <p:nvPr/>
+      </p:nvGrpSpPr>
+      <p:grpSpPr>
+        <a:xfrm>
+          <a:off x="0" y="0"/>
+          <a:ext cx="0" cy="0"/>
+          <a:chOff x="0" y="0"/>
+          <a:chExt cx="0" cy="0"/>
+        </a:xfrm>
+      </p:grpSpPr>
+      <p:sp>
+        <p:nvSpPr>
+          <p:cNvPr id="28674" name="Rectangle 2"/>
+          <p:cNvSpPr>
+            <a:spLocks noGrp="1" noRot="1" noChangeAspect="1" noTextEdit="1"/>
+          </p:cNvSpPr>
+          <p:nvPr>
+            <p:ph type="sldImg"/>
+          </p:nvPr>
+        </p:nvSpPr>
+        <p:spPr bwMode="auto">
+          <a:noFill/>
+          <a:ln>
+            <a:solidFill>
+              <a:srgbClr val="000000"/>
+            </a:solidFill>
+            <a:miter lim="800000"/>
+            <a:headEnd/>
+            <a:tailEnd/>
+          </a:ln>
+        </p:spPr>
+      </p:sp>
+      <p:sp>
+        <p:nvSpPr>
+          <p:cNvPr id="28675" name="Rectangle 3"/>
+          <p:cNvSpPr>
+            <a:spLocks noGrp="1"/>
+          </p:cNvSpPr>
+          <p:nvPr>
+            <p:ph type="body" idx="1"/>
+          </p:nvPr>
+        </p:nvSpPr>
+        <p:spPr bwMode="auto">
+          <a:noFill/>
+        </p:spPr>
+        <p:txBody>
+          <a:bodyPr wrap="square" numCol="1" anchor="t" anchorCtr="0" compatLnSpc="1">
+            <a:prstTxWarp prst="textNoShape">
+              <a:avLst/>
+            </a:prstTxWarp>
+          </a:bodyPr>
+          <a:lstStyle/>
+          <a:p>
+            <a:endParaRPr lang="en-US" smtClean="0"/>
+          </a:p>
+        </p:txBody>
+      </p:sp>
+    </p:spTree>
+  </p:cSld>
+  <p:clrMapOvr>
+    <a:masterClrMapping/>
+  </p:clrMapOvr>
+</p:notes>
+</file>
+
+<file path=ppt/notesSlides/notesSlide10.xml><?xml version="1.0" encoding="utf-8"?>
+<p:notes xmlns:a="http://schemas.openxmlformats.org/drawingml/2006/main" xmlns:r="http://schemas.openxmlformats.org/officeDocument/2006/relationships" xmlns:p="http://schemas.openxmlformats.org/presentationml/2006/main">
+  <p:cSld>
+    <p:spTree>
+      <p:nvGrpSpPr>
+        <p:cNvPr id="1" name=""/>
+        <p:cNvGrpSpPr/>
+        <p:nvPr/>
+      </p:nvGrpSpPr>
+      <p:grpSpPr>
+        <a:xfrm>
+          <a:off x="0" y="0"/>
+          <a:ext cx="0" cy="0"/>
+          <a:chOff x="0" y="0"/>
+          <a:chExt cx="0" cy="0"/>
+        </a:xfrm>
+      </p:grpSpPr>
+      <p:sp>
+        <p:nvSpPr>
+          <p:cNvPr id="37890" name="Rectangle 2"/>
+          <p:cNvSpPr>
+            <a:spLocks noGrp="1" noRot="1" noChangeAspect="1" noTextEdit="1"/>
+          </p:cNvSpPr>
+          <p:nvPr>
+            <p:ph type="sldImg"/>
+          </p:nvPr>
+        </p:nvSpPr>
+        <p:spPr bwMode="auto">
+          <a:noFill/>
+          <a:ln>
+            <a:solidFill>
+              <a:srgbClr val="000000"/>
+            </a:solidFill>
+            <a:miter lim="800000"/>
+            <a:headEnd/>
+            <a:tailEnd/>
+          </a:ln>
+        </p:spPr>
+      </p:sp>
+      <p:sp>
+        <p:nvSpPr>
+          <p:cNvPr id="37891" name="Rectangle 3"/>
+          <p:cNvSpPr>
+            <a:spLocks noGrp="1"/>
+          </p:cNvSpPr>
+          <p:nvPr>
+            <p:ph type="body" idx="1"/>
+          </p:nvPr>
+        </p:nvSpPr>
+        <p:spPr bwMode="auto">
+          <a:noFill/>
+        </p:spPr>
+        <p:txBody>
+          <a:bodyPr wrap="square" numCol="1" anchor="t" anchorCtr="0" compatLnSpc="1">
+            <a:prstTxWarp prst="textNoShape">
+              <a:avLst/>
+            </a:prstTxWarp>
+          </a:bodyPr>
+          <a:lstStyle/>
+          <a:p>
+            <a:endParaRPr lang="en-US" smtClean="0"/>
+          </a:p>
+        </p:txBody>
+      </p:sp>
+    </p:spTree>
+  </p:cSld>
+  <p:clrMapOvr>
+    <a:masterClrMapping/>
+  </p:clrMapOvr>
+</p:notes>
+</file>
+
+<file path=ppt/notesSlides/notesSlide11.xml><?xml version="1.0" encoding="utf-8"?>
+<p:notes xmlns:a="http://schemas.openxmlformats.org/drawingml/2006/main" xmlns:r="http://schemas.openxmlformats.org/officeDocument/2006/relationships" xmlns:p="http://schemas.openxmlformats.org/presentationml/2006/main">
+  <p:cSld>
+    <p:spTree>
+      <p:nvGrpSpPr>
+        <p:cNvPr id="1" name=""/>
+        <p:cNvGrpSpPr/>
+        <p:nvPr/>
+      </p:nvGrpSpPr>
+      <p:grpSpPr>
+        <a:xfrm>
+          <a:off x="0" y="0"/>
+          <a:ext cx="0" cy="0"/>
+          <a:chOff x="0" y="0"/>
+          <a:chExt cx="0" cy="0"/>
+        </a:xfrm>
+      </p:grpSpPr>
+      <p:sp>
+        <p:nvSpPr>
+          <p:cNvPr id="38914" name="Rectangle 2"/>
+          <p:cNvSpPr>
+            <a:spLocks noGrp="1" noRot="1" noChangeAspect="1" noTextEdit="1"/>
+          </p:cNvSpPr>
+          <p:nvPr>
+            <p:ph type="sldImg"/>
+          </p:nvPr>
+        </p:nvSpPr>
+        <p:spPr bwMode="auto">
+          <a:noFill/>
+          <a:ln>
+            <a:solidFill>
+              <a:srgbClr val="000000"/>
+            </a:solidFill>
+            <a:miter lim="800000"/>
+            <a:headEnd/>
+            <a:tailEnd/>
+          </a:ln>
+        </p:spPr>
+      </p:sp>
+      <p:sp>
+        <p:nvSpPr>
+          <p:cNvPr id="38915" name="Rectangle 3"/>
+          <p:cNvSpPr>
+            <a:spLocks noGrp="1"/>
+          </p:cNvSpPr>
+          <p:nvPr>
+            <p:ph type="body" idx="1"/>
+          </p:nvPr>
+        </p:nvSpPr>
+        <p:spPr bwMode="auto">
+          <a:noFill/>
+        </p:spPr>
+        <p:txBody>
+          <a:bodyPr wrap="square" numCol="1" anchor="t" anchorCtr="0" compatLnSpc="1">
+            <a:prstTxWarp prst="textNoShape">
+              <a:avLst/>
+            </a:prstTxWarp>
+          </a:bodyPr>
+          <a:lstStyle/>
+          <a:p>
+            <a:endParaRPr lang="en-US" smtClean="0"/>
+          </a:p>
+        </p:txBody>
+      </p:sp>
+    </p:spTree>
+  </p:cSld>
+  <p:clrMapOvr>
+    <a:masterClrMapping/>
+  </p:clrMapOvr>
+</p:notes>
+</file>
+
+<file path=ppt/notesSlides/notesSlide12.xml><?xml version="1.0" encoding="utf-8"?>
+<p:notes xmlns:a="http://schemas.openxmlformats.org/drawingml/2006/main" xmlns:r="http://schemas.openxmlformats.org/officeDocument/2006/relationships" xmlns:p="http://schemas.openxmlformats.org/presentationml/2006/main">
+  <p:cSld>
+    <p:spTree>
+      <p:nvGrpSpPr>
+        <p:cNvPr id="1" name=""/>
+        <p:cNvGrpSpPr/>
+        <p:nvPr/>
+      </p:nvGrpSpPr>
+      <p:grpSpPr>
+        <a:xfrm>
+          <a:off x="0" y="0"/>
+          <a:ext cx="0" cy="0"/>
+          <a:chOff x="0" y="0"/>
+          <a:chExt cx="0" cy="0"/>
+        </a:xfrm>
+      </p:grpSpPr>
+      <p:sp>
+        <p:nvSpPr>
+          <p:cNvPr id="39938" name="Rectangle 2"/>
+          <p:cNvSpPr>
+            <a:spLocks noGrp="1" noRot="1" noChangeAspect="1" noTextEdit="1"/>
+          </p:cNvSpPr>
+          <p:nvPr>
+            <p:ph type="sldImg"/>
+          </p:nvPr>
+        </p:nvSpPr>
+        <p:spPr bwMode="auto">
+          <a:noFill/>
+          <a:ln>
+            <a:solidFill>
+              <a:srgbClr val="000000"/>
+            </a:solidFill>
+            <a:miter lim="800000"/>
+            <a:headEnd/>
+            <a:tailEnd/>
+          </a:ln>
+        </p:spPr>
+      </p:sp>
+      <p:sp>
+        <p:nvSpPr>
+          <p:cNvPr id="39939" name="Rectangle 3"/>
+          <p:cNvSpPr>
+            <a:spLocks noGrp="1"/>
+          </p:cNvSpPr>
+          <p:nvPr>
+            <p:ph type="body" idx="1"/>
+          </p:nvPr>
+        </p:nvSpPr>
+        <p:spPr bwMode="auto">
+          <a:noFill/>
+        </p:spPr>
+        <p:txBody>
+          <a:bodyPr wrap="square" numCol="1" anchor="t" anchorCtr="0" compatLnSpc="1">
+            <a:prstTxWarp prst="textNoShape">
+              <a:avLst/>
+            </a:prstTxWarp>
+          </a:bodyPr>
+          <a:lstStyle/>
+          <a:p>
+            <a:endParaRPr lang="en-US" smtClean="0"/>
+          </a:p>
+        </p:txBody>
+      </p:sp>
+    </p:spTree>
+  </p:cSld>
+  <p:clrMapOvr>
+    <a:masterClrMapping/>
+  </p:clrMapOvr>
+</p:notes>
+</file>
+
+<file path=ppt/notesSlides/notesSlide2.xml><?xml version="1.0" encoding="utf-8"?>
+<p:notes xmlns:a="http://schemas.openxmlformats.org/drawingml/2006/main" xmlns:r="http://schemas.openxmlformats.org/officeDocument/2006/relationships" xmlns:p="http://schemas.openxmlformats.org/presentationml/2006/main">
+  <p:cSld>
+    <p:spTree>
+      <p:nvGrpSpPr>
+        <p:cNvPr id="1" name=""/>
+        <p:cNvGrpSpPr/>
+        <p:nvPr/>
+      </p:nvGrpSpPr>
+      <p:grpSpPr>
+        <a:xfrm>
+          <a:off x="0" y="0"/>
+          <a:ext cx="0" cy="0"/>
+          <a:chOff x="0" y="0"/>
+          <a:chExt cx="0" cy="0"/>
+        </a:xfrm>
+      </p:grpSpPr>
+      <p:sp>
+        <p:nvSpPr>
+          <p:cNvPr id="29698" name="Rectangle 2"/>
+          <p:cNvSpPr>
+            <a:spLocks noGrp="1" noRot="1" noChangeAspect="1" noTextEdit="1"/>
+          </p:cNvSpPr>
+          <p:nvPr>
+            <p:ph type="sldImg"/>
+          </p:nvPr>
+        </p:nvSpPr>
+        <p:spPr bwMode="auto">
+          <a:noFill/>
+          <a:ln>
+            <a:solidFill>
+              <a:srgbClr val="000000"/>
+            </a:solidFill>
+            <a:miter lim="800000"/>
+            <a:headEnd/>
+            <a:tailEnd/>
+          </a:ln>
+        </p:spPr>
+      </p:sp>
+      <p:sp>
+        <p:nvSpPr>
+          <p:cNvPr id="29699" name="Rectangle 3"/>
+          <p:cNvSpPr>
+            <a:spLocks noGrp="1"/>
+          </p:cNvSpPr>
+          <p:nvPr>
+            <p:ph type="body" idx="1"/>
+          </p:nvPr>
+        </p:nvSpPr>
+        <p:spPr bwMode="auto">
+          <a:noFill/>
+        </p:spPr>
+        <p:txBody>
+          <a:bodyPr wrap="square" numCol="1" anchor="t" anchorCtr="0" compatLnSpc="1">
+            <a:prstTxWarp prst="textNoShape">
+              <a:avLst/>
+            </a:prstTxWarp>
+          </a:bodyPr>
+          <a:lstStyle/>
+          <a:p>
+            <a:endParaRPr lang="en-US" smtClean="0"/>
+          </a:p>
+        </p:txBody>
+      </p:sp>
+    </p:spTree>
+  </p:cSld>
+  <p:clrMapOvr>
+    <a:masterClrMapping/>
+  </p:clrMapOvr>
+</p:notes>
+</file>
+
+<file path=ppt/notesSlides/notesSlide3.xml><?xml version="1.0" encoding="utf-8"?>
+<p:notes xmlns:a="http://schemas.openxmlformats.org/drawingml/2006/main" xmlns:r="http://schemas.openxmlformats.org/officeDocument/2006/relationships" xmlns:p="http://schemas.openxmlformats.org/presentationml/2006/main">
+  <p:cSld>
+    <p:spTree>
+      <p:nvGrpSpPr>
+        <p:cNvPr id="1" name=""/>
+        <p:cNvGrpSpPr/>
+        <p:nvPr/>
+      </p:nvGrpSpPr>
+      <p:grpSpPr>
+        <a:xfrm>
+          <a:off x="0" y="0"/>
+          <a:ext cx="0" cy="0"/>
+          <a:chOff x="0" y="0"/>
+          <a:chExt cx="0" cy="0"/>
+        </a:xfrm>
+      </p:grpSpPr>
+      <p:sp>
+        <p:nvSpPr>
+          <p:cNvPr id="30722" name="Rectangle 2"/>
+          <p:cNvSpPr>
+            <a:spLocks noGrp="1" noRot="1" noChangeAspect="1" noTextEdit="1"/>
+          </p:cNvSpPr>
+          <p:nvPr>
+            <p:ph type="sldImg"/>
+          </p:nvPr>
+        </p:nvSpPr>
+        <p:spPr bwMode="auto">
+          <a:noFill/>
+          <a:ln>
+            <a:solidFill>
+              <a:srgbClr val="000000"/>
+            </a:solidFill>
+            <a:miter lim="800000"/>
+            <a:headEnd/>
+            <a:tailEnd/>
+          </a:ln>
+        </p:spPr>
+      </p:sp>
+      <p:sp>
+        <p:nvSpPr>
+          <p:cNvPr id="30723" name="Rectangle 3"/>
+          <p:cNvSpPr>
+            <a:spLocks noGrp="1"/>
+          </p:cNvSpPr>
+          <p:nvPr>
+            <p:ph type="body" idx="1"/>
+          </p:nvPr>
+        </p:nvSpPr>
+        <p:spPr bwMode="auto">
+          <a:noFill/>
+        </p:spPr>
+        <p:txBody>
+          <a:bodyPr wrap="square" numCol="1" anchor="t" anchorCtr="0" compatLnSpc="1">
+            <a:prstTxWarp prst="textNoShape">
+              <a:avLst/>
+            </a:prstTxWarp>
+          </a:bodyPr>
+          <a:lstStyle/>
+          <a:p>
+            <a:endParaRPr lang="en-US" smtClean="0"/>
+          </a:p>
+        </p:txBody>
+      </p:sp>
+    </p:spTree>
+  </p:cSld>
+  <p:clrMapOvr>
+    <a:masterClrMapping/>
+  </p:clrMapOvr>
+</p:notes>
+</file>
+
+<file path=ppt/notesSlides/notesSlide4.xml><?xml version="1.0" encoding="utf-8"?>
+<p:notes xmlns:a="http://schemas.openxmlformats.org/drawingml/2006/main" xmlns:r="http://schemas.openxmlformats.org/officeDocument/2006/relationships" xmlns:p="http://schemas.openxmlformats.org/presentationml/2006/main">
+  <p:cSld>
+    <p:spTree>
+      <p:nvGrpSpPr>
+        <p:cNvPr id="1" name=""/>
+        <p:cNvGrpSpPr/>
+        <p:nvPr/>
+      </p:nvGrpSpPr>
+      <p:grpSpPr>
+        <a:xfrm>
+          <a:off x="0" y="0"/>
+          <a:ext cx="0" cy="0"/>
+          <a:chOff x="0" y="0"/>
+          <a:chExt cx="0" cy="0"/>
+        </a:xfrm>
+      </p:grpSpPr>
+      <p:sp>
+        <p:nvSpPr>
+          <p:cNvPr id="31746" name="Rectangle 2"/>
+          <p:cNvSpPr>
+            <a:spLocks noGrp="1" noRot="1" noChangeAspect="1" noTextEdit="1"/>
+          </p:cNvSpPr>
+          <p:nvPr>
+            <p:ph type="sldImg"/>
+          </p:nvPr>
+        </p:nvSpPr>
+        <p:spPr bwMode="auto">
+          <a:noFill/>
+          <a:ln>
+            <a:solidFill>
+              <a:srgbClr val="000000"/>
+            </a:solidFill>
+            <a:miter lim="800000"/>
+            <a:headEnd/>
+            <a:tailEnd/>
+          </a:ln>
+        </p:spPr>
+      </p:sp>
+      <p:sp>
+        <p:nvSpPr>
+          <p:cNvPr id="31747" name="Rectangle 3"/>
+          <p:cNvSpPr>
+            <a:spLocks noGrp="1"/>
+          </p:cNvSpPr>
+          <p:nvPr>
+            <p:ph type="body" idx="1"/>
+          </p:nvPr>
+        </p:nvSpPr>
+        <p:spPr bwMode="auto">
+          <a:noFill/>
+        </p:spPr>
+        <p:txBody>
+          <a:bodyPr wrap="square" numCol="1" anchor="t" anchorCtr="0" compatLnSpc="1">
+            <a:prstTxWarp prst="textNoShape">
+              <a:avLst/>
+            </a:prstTxWarp>
+          </a:bodyPr>
+          <a:lstStyle/>
+          <a:p>
+            <a:endParaRPr lang="en-US" smtClean="0"/>
+          </a:p>
+        </p:txBody>
+      </p:sp>
+    </p:spTree>
+  </p:cSld>
+  <p:clrMapOvr>
+    <a:masterClrMapping/>
+  </p:clrMapOvr>
+</p:notes>
+</file>
+
+<file path=ppt/notesSlides/notesSlide5.xml><?xml version="1.0" encoding="utf-8"?>
+<p:notes xmlns:a="http://schemas.openxmlformats.org/drawingml/2006/main" xmlns:r="http://schemas.openxmlformats.org/officeDocument/2006/relationships" xmlns:p="http://schemas.openxmlformats.org/presentationml/2006/main">
+  <p:cSld>
+    <p:spTree>
+      <p:nvGrpSpPr>
+        <p:cNvPr id="1" name=""/>
+        <p:cNvGrpSpPr/>
+        <p:nvPr/>
+      </p:nvGrpSpPr>
+      <p:grpSpPr>
+        <a:xfrm>
+          <a:off x="0" y="0"/>
+          <a:ext cx="0" cy="0"/>
+          <a:chOff x="0" y="0"/>
+          <a:chExt cx="0" cy="0"/>
+        </a:xfrm>
+      </p:grpSpPr>
+      <p:sp>
+        <p:nvSpPr>
+          <p:cNvPr id="32770" name="Rectangle 2"/>
+          <p:cNvSpPr>
+            <a:spLocks noGrp="1" noRot="1" noChangeAspect="1" noTextEdit="1"/>
+          </p:cNvSpPr>
+          <p:nvPr>
+            <p:ph type="sldImg"/>
+          </p:nvPr>
+        </p:nvSpPr>
+        <p:spPr bwMode="auto">
+          <a:noFill/>
+          <a:ln>
+            <a:solidFill>
+              <a:srgbClr val="000000"/>
+            </a:solidFill>
+            <a:miter lim="800000"/>
+            <a:headEnd/>
+            <a:tailEnd/>
+          </a:ln>
+        </p:spPr>
+      </p:sp>
+      <p:sp>
+        <p:nvSpPr>
+          <p:cNvPr id="32771" name="Rectangle 3"/>
+          <p:cNvSpPr>
+            <a:spLocks noGrp="1"/>
+          </p:cNvSpPr>
+          <p:nvPr>
+            <p:ph type="body" idx="1"/>
+          </p:nvPr>
+        </p:nvSpPr>
+        <p:spPr bwMode="auto">
+          <a:noFill/>
+        </p:spPr>
+        <p:txBody>
+          <a:bodyPr wrap="square" numCol="1" anchor="t" anchorCtr="0" compatLnSpc="1">
+            <a:prstTxWarp prst="textNoShape">
+              <a:avLst/>
+            </a:prstTxWarp>
+          </a:bodyPr>
+          <a:lstStyle/>
+          <a:p>
+            <a:endParaRPr lang="en-US" smtClean="0"/>
+          </a:p>
+        </p:txBody>
+      </p:sp>
+    </p:spTree>
+  </p:cSld>
+  <p:clrMapOvr>
+    <a:masterClrMapping/>
+  </p:clrMapOvr>
+</p:notes>
+</file>
+
+<file path=ppt/notesSlides/notesSlide6.xml><?xml version="1.0" encoding="utf-8"?>
+<p:notes xmlns:a="http://schemas.openxmlformats.org/drawingml/2006/main" xmlns:r="http://schemas.openxmlformats.org/officeDocument/2006/relationships" xmlns:p="http://schemas.openxmlformats.org/presentationml/2006/main">
+  <p:cSld>
+    <p:spTree>
+      <p:nvGrpSpPr>
+        <p:cNvPr id="1" name=""/>
+        <p:cNvGrpSpPr/>
+        <p:nvPr/>
+      </p:nvGrpSpPr>
+      <p:grpSpPr>
+        <a:xfrm>
+          <a:off x="0" y="0"/>
+          <a:ext cx="0" cy="0"/>
+          <a:chOff x="0" y="0"/>
+          <a:chExt cx="0" cy="0"/>
+        </a:xfrm>
+      </p:grpSpPr>
+      <p:sp>
+        <p:nvSpPr>
+          <p:cNvPr id="33794" name="Rectangle 2"/>
+          <p:cNvSpPr>
+            <a:spLocks noGrp="1" noRot="1" noChangeAspect="1" noTextEdit="1"/>
+          </p:cNvSpPr>
+          <p:nvPr>
+            <p:ph type="sldImg"/>
+          </p:nvPr>
+        </p:nvSpPr>
+        <p:spPr bwMode="auto">
+          <a:noFill/>
+          <a:ln>
+            <a:solidFill>
+              <a:srgbClr val="000000"/>
+            </a:solidFill>
+            <a:miter lim="800000"/>
+            <a:headEnd/>
+            <a:tailEnd/>
+          </a:ln>
+        </p:spPr>
+      </p:sp>
+      <p:sp>
+        <p:nvSpPr>
+          <p:cNvPr id="33795" name="Rectangle 3"/>
+          <p:cNvSpPr>
+            <a:spLocks noGrp="1"/>
+          </p:cNvSpPr>
+          <p:nvPr>
+            <p:ph type="body" idx="1"/>
+          </p:nvPr>
+        </p:nvSpPr>
+        <p:spPr bwMode="auto">
+          <a:noFill/>
+        </p:spPr>
+        <p:txBody>
+          <a:bodyPr wrap="square" numCol="1" anchor="t" anchorCtr="0" compatLnSpc="1">
+            <a:prstTxWarp prst="textNoShape">
+              <a:avLst/>
+            </a:prstTxWarp>
+          </a:bodyPr>
+          <a:lstStyle/>
+          <a:p>
+            <a:endParaRPr lang="en-US" smtClean="0"/>
+          </a:p>
+        </p:txBody>
+      </p:sp>
+    </p:spTree>
+  </p:cSld>
+  <p:clrMapOvr>
+    <a:masterClrMapping/>
+  </p:clrMapOvr>
+</p:notes>
+</file>
+
+<file path=ppt/notesSlides/notesSlide7.xml><?xml version="1.0" encoding="utf-8"?>
+<p:notes xmlns:a="http://schemas.openxmlformats.org/drawingml/2006/main" xmlns:r="http://schemas.openxmlformats.org/officeDocument/2006/relationships" xmlns:p="http://schemas.openxmlformats.org/presentationml/2006/main">
+  <p:cSld>
+    <p:spTree>
+      <p:nvGrpSpPr>
+        <p:cNvPr id="1" name=""/>
+        <p:cNvGrpSpPr/>
+        <p:nvPr/>
+      </p:nvGrpSpPr>
+      <p:grpSpPr>
+        <a:xfrm>
+          <a:off x="0" y="0"/>
+          <a:ext cx="0" cy="0"/>
+          <a:chOff x="0" y="0"/>
+          <a:chExt cx="0" cy="0"/>
+        </a:xfrm>
+      </p:grpSpPr>
+      <p:sp>
+        <p:nvSpPr>
+          <p:cNvPr id="34818" name="Rectangle 2"/>
+          <p:cNvSpPr>
+            <a:spLocks noGrp="1" noRot="1" noChangeAspect="1" noTextEdit="1"/>
+          </p:cNvSpPr>
+          <p:nvPr>
+            <p:ph type="sldImg"/>
+          </p:nvPr>
+        </p:nvSpPr>
+        <p:spPr bwMode="auto">
+          <a:noFill/>
+          <a:ln>
+            <a:solidFill>
+              <a:srgbClr val="000000"/>
+            </a:solidFill>
+            <a:miter lim="800000"/>
+            <a:headEnd/>
+            <a:tailEnd/>
+          </a:ln>
+        </p:spPr>
+      </p:sp>
+      <p:sp>
+        <p:nvSpPr>
+          <p:cNvPr id="34819" name="Rectangle 3"/>
+          <p:cNvSpPr>
+            <a:spLocks noGrp="1"/>
+          </p:cNvSpPr>
+          <p:nvPr>
+            <p:ph type="body" idx="1"/>
+          </p:nvPr>
+        </p:nvSpPr>
+        <p:spPr bwMode="auto">
+          <a:noFill/>
+        </p:spPr>
+        <p:txBody>
+          <a:bodyPr wrap="square" numCol="1" anchor="t" anchorCtr="0" compatLnSpc="1">
+            <a:prstTxWarp prst="textNoShape">
+              <a:avLst/>
+            </a:prstTxWarp>
+          </a:bodyPr>
+          <a:lstStyle/>
+          <a:p>
+            <a:endParaRPr lang="en-US" smtClean="0"/>
+          </a:p>
+        </p:txBody>
+      </p:sp>
+    </p:spTree>
+  </p:cSld>
+  <p:clrMapOvr>
+    <a:masterClrMapping/>
+  </p:clrMapOvr>
+</p:notes>
+</file>
+
+<file path=ppt/notesSlides/notesSlide8.xml><?xml version="1.0" encoding="utf-8"?>
+<p:notes xmlns:a="http://schemas.openxmlformats.org/drawingml/2006/main" xmlns:r="http://schemas.openxmlformats.org/officeDocument/2006/relationships" xmlns:p="http://schemas.openxmlformats.org/presentationml/2006/main">
+  <p:cSld>
+    <p:spTree>
+      <p:nvGrpSpPr>
+        <p:cNvPr id="1" name=""/>
+        <p:cNvGrpSpPr/>
+        <p:nvPr/>
+      </p:nvGrpSpPr>
+      <p:grpSpPr>
+        <a:xfrm>
+          <a:off x="0" y="0"/>
+          <a:ext cx="0" cy="0"/>
+          <a:chOff x="0" y="0"/>
+          <a:chExt cx="0" cy="0"/>
+        </a:xfrm>
+      </p:grpSpPr>
+      <p:sp>
+        <p:nvSpPr>
+          <p:cNvPr id="35842" name="Rectangle 2"/>
+          <p:cNvSpPr>
+            <a:spLocks noGrp="1" noRot="1" noChangeAspect="1" noTextEdit="1"/>
+          </p:cNvSpPr>
+          <p:nvPr>
+            <p:ph type="sldImg"/>
+          </p:nvPr>
+        </p:nvSpPr>
+        <p:spPr bwMode="auto">
+          <a:noFill/>
+          <a:ln>
+            <a:solidFill>
+              <a:srgbClr val="000000"/>
+            </a:solidFill>
+            <a:miter lim="800000"/>
+            <a:headEnd/>
+            <a:tailEnd/>
+          </a:ln>
+        </p:spPr>
+      </p:sp>
+      <p:sp>
+        <p:nvSpPr>
+          <p:cNvPr id="35843" name="Rectangle 3"/>
+          <p:cNvSpPr>
+            <a:spLocks noGrp="1"/>
+          </p:cNvSpPr>
+          <p:nvPr>
+            <p:ph type="body" idx="1"/>
+          </p:nvPr>
+        </p:nvSpPr>
+        <p:spPr bwMode="auto">
+          <a:noFill/>
+        </p:spPr>
+        <p:txBody>
+          <a:bodyPr wrap="square" numCol="1" anchor="t" anchorCtr="0" compatLnSpc="1">
+            <a:prstTxWarp prst="textNoShape">
+              <a:avLst/>
+            </a:prstTxWarp>
+          </a:bodyPr>
+          <a:lstStyle/>
+          <a:p>
+            <a:endParaRPr lang="en-US" smtClean="0"/>
+          </a:p>
+        </p:txBody>
+      </p:sp>
+    </p:spTree>
+  </p:cSld>
+  <p:clrMapOvr>
+    <a:masterClrMapping/>
+  </p:clrMapOvr>
+</p:notes>
+</file>
+
+<file path=ppt/notesSlides/notesSlide9.xml><?xml version="1.0" encoding="utf-8"?>
+<p:notes xmlns:a="http://schemas.openxmlformats.org/drawingml/2006/main" xmlns:r="http://schemas.openxmlformats.org/officeDocument/2006/relationships" xmlns:p="http://schemas.openxmlformats.org/presentationml/2006/main">
+  <p:cSld>
+    <p:spTree>
+      <p:nvGrpSpPr>
+        <p:cNvPr id="1" name=""/>
+        <p:cNvGrpSpPr/>
+        <p:nvPr/>
+      </p:nvGrpSpPr>
+      <p:grpSpPr>
+        <a:xfrm>
+          <a:off x="0" y="0"/>
+          <a:ext cx="0" cy="0"/>
+          <a:chOff x="0" y="0"/>
+          <a:chExt cx="0" cy="0"/>
+        </a:xfrm>
+      </p:grpSpPr>
+      <p:sp>
+        <p:nvSpPr>
+          <p:cNvPr id="36866" name="Rectangle 2"/>
+          <p:cNvSpPr>
+            <a:spLocks noGrp="1" noRot="1" noChangeAspect="1" noTextEdit="1"/>
+          </p:cNvSpPr>
+          <p:nvPr>
+            <p:ph type="sldImg"/>
+          </p:nvPr>
+        </p:nvSpPr>
+        <p:spPr bwMode="auto">
+          <a:noFill/>
+          <a:ln>
+            <a:solidFill>
+              <a:srgbClr val="000000"/>
+            </a:solidFill>
+            <a:miter lim="800000"/>
+            <a:headEnd/>
+            <a:tailEnd/>
+          </a:ln>
+        </p:spPr>
+      </p:sp>
+      <p:sp>
+        <p:nvSpPr>
+          <p:cNvPr id="36867" name="Rectangle 3"/>
+          <p:cNvSpPr>
+            <a:spLocks noGrp="1"/>
+          </p:cNvSpPr>
+          <p:nvPr>
+            <p:ph type="body" idx="1"/>
+          </p:nvPr>
+        </p:nvSpPr>
+        <p:spPr bwMode="auto">
+          <a:noFill/>
+        </p:spPr>
+        <p:txBody>
+          <a:bodyPr wrap="square" numCol="1" anchor="t" anchorCtr="0" compatLnSpc="1">
+            <a:prstTxWarp prst="textNoShape">
+              <a:avLst/>
+            </a:prstTxWarp>
+          </a:bodyPr>
+          <a:lstStyle/>
+          <a:p>
+            <a:endParaRPr lang="en-US" smtClean="0"/>
+          </a:p>
+        </p:txBody>
+      </p:sp>
+    </p:spTree>
+  </p:cSld>
+  <p:clrMapOvr>
+    <a:masterClrMapping/>
+  </p:clrMapOvr>
+</p:notes>
+</file>
+
 <file path=ppt/slideLayouts/slideLayout1.xml><?xml version="1.0" encoding="utf-8"?>
 <p:sldLayout xmlns:a="http://schemas.openxmlformats.org/drawingml/2006/main" xmlns:r="http://schemas.openxmlformats.org/officeDocument/2006/relationships" xmlns:p="http://schemas.openxmlformats.org/presentationml/2006/main" type="title" preserve="1">
   <p:cSld name="Diapositiva de título">
@@ -495,15 +1696,15 @@
         </p:nvSpPr>
         <p:spPr>
           <a:xfrm>
-            <a:off x="685800" y="1905000"/>
-            <a:ext cx="7543800" cy="2593975"/>
+            <a:off x="539552" y="548681"/>
+            <a:ext cx="7543800" cy="1152127"/>
           </a:xfrm>
         </p:spPr>
         <p:txBody>
           <a:bodyPr anchor="b"/>
           <a:lstStyle>
             <a:lvl1pPr>
-              <a:defRPr sz="6600">
+              <a:defRPr sz="2800">
                 <a:ln>
                   <a:noFill/>
                 </a:ln>
@@ -515,8 +1716,8 @@
           </a:lstStyle>
           <a:p>
             <a:r>
-              <a:rPr lang="es-ES" smtClean="0"/>
-              <a:t>Haga clic para modificar el estilo de título del patrón</a:t>
+              <a:rPr lang="en-US" dirty="0" err="1" smtClean="0"/>
+              <a:t>Click to edit Master title style</a:t>
             </a:r>
             <a:endParaRPr lang="en-US" dirty="0"/>
           </a:p>
@@ -539,7 +1740,7 @@
           </a:xfrm>
         </p:spPr>
         <p:txBody>
-          <a:bodyPr anchor="t">
+          <a:bodyPr>
             <a:normAutofit/>
           </a:bodyPr>
           <a:lstStyle>
@@ -640,73 +1841,6 @@
               <a:t>Haga clic para modificar el estilo de subtítulo del patrón</a:t>
             </a:r>
             <a:endParaRPr lang="en-US" dirty="0"/>
-          </a:p>
-        </p:txBody>
-      </p:sp>
-      <p:sp>
-        <p:nvSpPr>
-          <p:cNvPr id="4" name="Date Placeholder 3"/>
-          <p:cNvSpPr>
-            <a:spLocks noGrp="1"/>
-          </p:cNvSpPr>
-          <p:nvPr>
-            <p:ph type="dt" sz="half" idx="10"/>
-          </p:nvPr>
-        </p:nvSpPr>
-        <p:spPr/>
-        <p:txBody>
-          <a:bodyPr/>
-          <a:lstStyle/>
-          <a:p>
-            <a:fld id="{468F0D72-8056-4982-839C-6B5742D0CAF2}" type="datetimeFigureOut">
-              <a:rPr lang="es-PE" smtClean="0"/>
-              <a:pPr/>
-              <a:t>19/11/2011</a:t>
-            </a:fld>
-            <a:endParaRPr lang="es-PE"/>
-          </a:p>
-        </p:txBody>
-      </p:sp>
-      <p:sp>
-        <p:nvSpPr>
-          <p:cNvPr id="5" name="Footer Placeholder 4"/>
-          <p:cNvSpPr>
-            <a:spLocks noGrp="1"/>
-          </p:cNvSpPr>
-          <p:nvPr>
-            <p:ph type="ftr" sz="quarter" idx="11"/>
-          </p:nvPr>
-        </p:nvSpPr>
-        <p:spPr/>
-        <p:txBody>
-          <a:bodyPr/>
-          <a:lstStyle/>
-          <a:p>
-            <a:endParaRPr lang="es-PE"/>
-          </a:p>
-        </p:txBody>
-      </p:sp>
-      <p:sp>
-        <p:nvSpPr>
-          <p:cNvPr id="6" name="Slide Number Placeholder 5"/>
-          <p:cNvSpPr>
-            <a:spLocks noGrp="1"/>
-          </p:cNvSpPr>
-          <p:nvPr>
-            <p:ph type="sldNum" sz="quarter" idx="12"/>
-          </p:nvPr>
-        </p:nvSpPr>
-        <p:spPr/>
-        <p:txBody>
-          <a:bodyPr/>
-          <a:lstStyle/>
-          <a:p>
-            <a:fld id="{D42D44A9-5D44-4256-98ED-6C0FAEEAA66C}" type="slidenum">
-              <a:rPr lang="es-PE" smtClean="0"/>
-              <a:pPr/>
-              <a:t>‹Nº›</a:t>
-            </a:fld>
-            <a:endParaRPr lang="es-PE"/>
           </a:p>
         </p:txBody>
       </p:sp>
@@ -812,68 +1946,95 @@
       </p:sp>
       <p:sp>
         <p:nvSpPr>
-          <p:cNvPr id="4" name="Date Placeholder 3"/>
+          <p:cNvPr id="4" name="Slide Number Placeholder 5"/>
           <p:cNvSpPr>
             <a:spLocks noGrp="1"/>
           </p:cNvSpPr>
           <p:nvPr>
-            <p:ph type="dt" sz="half" idx="10"/>
-          </p:nvPr>
-        </p:nvSpPr>
-        <p:spPr/>
+            <p:ph type="sldNum" sz="quarter" idx="10"/>
+          </p:nvPr>
+        </p:nvSpPr>
+        <p:spPr>
+          <a:ln/>
+        </p:spPr>
         <p:txBody>
           <a:bodyPr/>
-          <a:lstStyle/>
-          <a:p>
-            <a:fld id="{468F0D72-8056-4982-839C-6B5742D0CAF2}" type="datetimeFigureOut">
-              <a:rPr lang="es-PE" smtClean="0"/>
-              <a:pPr/>
-              <a:t>19/11/2011</a:t>
-            </a:fld>
-            <a:endParaRPr lang="es-PE"/>
-          </a:p>
-        </p:txBody>
-      </p:sp>
-      <p:sp>
-        <p:nvSpPr>
-          <p:cNvPr id="5" name="Footer Placeholder 4"/>
-          <p:cNvSpPr>
-            <a:spLocks noGrp="1"/>
-          </p:cNvSpPr>
-          <p:nvPr>
-            <p:ph type="ftr" sz="quarter" idx="11"/>
-          </p:nvPr>
-        </p:nvSpPr>
-        <p:spPr/>
-        <p:txBody>
-          <a:bodyPr/>
-          <a:lstStyle/>
-          <a:p>
-            <a:endParaRPr lang="es-PE"/>
-          </a:p>
-        </p:txBody>
-      </p:sp>
-      <p:sp>
-        <p:nvSpPr>
-          <p:cNvPr id="6" name="Slide Number Placeholder 5"/>
-          <p:cNvSpPr>
-            <a:spLocks noGrp="1"/>
-          </p:cNvSpPr>
-          <p:nvPr>
-            <p:ph type="sldNum" sz="quarter" idx="12"/>
-          </p:nvPr>
-        </p:nvSpPr>
-        <p:spPr/>
-        <p:txBody>
-          <a:bodyPr/>
-          <a:lstStyle/>
-          <a:p>
-            <a:fld id="{D42D44A9-5D44-4256-98ED-6C0FAEEAA66C}" type="slidenum">
-              <a:rPr lang="es-PE" smtClean="0"/>
-              <a:pPr/>
+          <a:lstStyle>
+            <a:lvl1pPr>
+              <a:defRPr/>
+            </a:lvl1pPr>
+          </a:lstStyle>
+          <a:p>
+            <a:pPr>
+              <a:defRPr/>
+            </a:pPr>
+            <a:fld id="{85AE5A1C-3D22-4E4A-98A3-B2047AF310D7}" type="slidenum">
+              <a:rPr lang="es-PE"/>
+              <a:pPr>
+                <a:defRPr/>
+              </a:pPr>
               <a:t>‹Nº›</a:t>
             </a:fld>
+            <a:endParaRPr lang="es-PE" dirty="0"/>
+          </a:p>
+        </p:txBody>
+      </p:sp>
+      <p:sp>
+        <p:nvSpPr>
+          <p:cNvPr id="5" name="Footer Placeholder 4"/>
+          <p:cNvSpPr>
+            <a:spLocks noGrp="1"/>
+          </p:cNvSpPr>
+          <p:nvPr>
+            <p:ph type="ftr" sz="quarter" idx="11"/>
+          </p:nvPr>
+        </p:nvSpPr>
+        <p:spPr/>
+        <p:txBody>
+          <a:bodyPr/>
+          <a:lstStyle>
+            <a:lvl1pPr>
+              <a:defRPr/>
+            </a:lvl1pPr>
+          </a:lstStyle>
+          <a:p>
+            <a:pPr>
+              <a:defRPr/>
+            </a:pPr>
             <a:endParaRPr lang="es-PE"/>
+          </a:p>
+        </p:txBody>
+      </p:sp>
+      <p:sp>
+        <p:nvSpPr>
+          <p:cNvPr id="6" name="Date Placeholder 3"/>
+          <p:cNvSpPr>
+            <a:spLocks noGrp="1"/>
+          </p:cNvSpPr>
+          <p:nvPr>
+            <p:ph type="dt" sz="half" idx="12"/>
+          </p:nvPr>
+        </p:nvSpPr>
+        <p:spPr/>
+        <p:txBody>
+          <a:bodyPr/>
+          <a:lstStyle>
+            <a:lvl1pPr>
+              <a:defRPr/>
+            </a:lvl1pPr>
+          </a:lstStyle>
+          <a:p>
+            <a:pPr>
+              <a:defRPr/>
+            </a:pPr>
+            <a:fld id="{D37D0F2F-DA4A-47F4-8F10-F55FCDC18574}" type="datetimeFigureOut">
+              <a:rPr lang="es-PE"/>
+              <a:pPr>
+                <a:defRPr/>
+              </a:pPr>
+              <a:t>21/11/2011</a:t>
+            </a:fld>
+            <a:endParaRPr lang="es-PE" dirty="0"/>
           </a:p>
         </p:txBody>
       </p:sp>
@@ -989,68 +2150,95 @@
       </p:sp>
       <p:sp>
         <p:nvSpPr>
-          <p:cNvPr id="4" name="Date Placeholder 3"/>
+          <p:cNvPr id="4" name="Slide Number Placeholder 5"/>
           <p:cNvSpPr>
             <a:spLocks noGrp="1"/>
           </p:cNvSpPr>
           <p:nvPr>
-            <p:ph type="dt" sz="half" idx="10"/>
-          </p:nvPr>
-        </p:nvSpPr>
-        <p:spPr/>
+            <p:ph type="sldNum" sz="quarter" idx="10"/>
+          </p:nvPr>
+        </p:nvSpPr>
+        <p:spPr>
+          <a:ln/>
+        </p:spPr>
         <p:txBody>
           <a:bodyPr/>
-          <a:lstStyle/>
-          <a:p>
-            <a:fld id="{468F0D72-8056-4982-839C-6B5742D0CAF2}" type="datetimeFigureOut">
-              <a:rPr lang="es-PE" smtClean="0"/>
-              <a:pPr/>
-              <a:t>19/11/2011</a:t>
-            </a:fld>
-            <a:endParaRPr lang="es-PE"/>
-          </a:p>
-        </p:txBody>
-      </p:sp>
-      <p:sp>
-        <p:nvSpPr>
-          <p:cNvPr id="5" name="Footer Placeholder 4"/>
-          <p:cNvSpPr>
-            <a:spLocks noGrp="1"/>
-          </p:cNvSpPr>
-          <p:nvPr>
-            <p:ph type="ftr" sz="quarter" idx="11"/>
-          </p:nvPr>
-        </p:nvSpPr>
-        <p:spPr/>
-        <p:txBody>
-          <a:bodyPr/>
-          <a:lstStyle/>
-          <a:p>
-            <a:endParaRPr lang="es-PE"/>
-          </a:p>
-        </p:txBody>
-      </p:sp>
-      <p:sp>
-        <p:nvSpPr>
-          <p:cNvPr id="6" name="Slide Number Placeholder 5"/>
-          <p:cNvSpPr>
-            <a:spLocks noGrp="1"/>
-          </p:cNvSpPr>
-          <p:nvPr>
-            <p:ph type="sldNum" sz="quarter" idx="12"/>
-          </p:nvPr>
-        </p:nvSpPr>
-        <p:spPr/>
-        <p:txBody>
-          <a:bodyPr/>
-          <a:lstStyle/>
-          <a:p>
-            <a:fld id="{D42D44A9-5D44-4256-98ED-6C0FAEEAA66C}" type="slidenum">
-              <a:rPr lang="es-PE" smtClean="0"/>
-              <a:pPr/>
+          <a:lstStyle>
+            <a:lvl1pPr>
+              <a:defRPr/>
+            </a:lvl1pPr>
+          </a:lstStyle>
+          <a:p>
+            <a:pPr>
+              <a:defRPr/>
+            </a:pPr>
+            <a:fld id="{FF8B6BE8-9101-4506-8DF8-5EA8F3E78615}" type="slidenum">
+              <a:rPr lang="es-PE"/>
+              <a:pPr>
+                <a:defRPr/>
+              </a:pPr>
               <a:t>‹Nº›</a:t>
             </a:fld>
+            <a:endParaRPr lang="es-PE" dirty="0"/>
+          </a:p>
+        </p:txBody>
+      </p:sp>
+      <p:sp>
+        <p:nvSpPr>
+          <p:cNvPr id="5" name="Footer Placeholder 4"/>
+          <p:cNvSpPr>
+            <a:spLocks noGrp="1"/>
+          </p:cNvSpPr>
+          <p:nvPr>
+            <p:ph type="ftr" sz="quarter" idx="11"/>
+          </p:nvPr>
+        </p:nvSpPr>
+        <p:spPr/>
+        <p:txBody>
+          <a:bodyPr/>
+          <a:lstStyle>
+            <a:lvl1pPr>
+              <a:defRPr/>
+            </a:lvl1pPr>
+          </a:lstStyle>
+          <a:p>
+            <a:pPr>
+              <a:defRPr/>
+            </a:pPr>
             <a:endParaRPr lang="es-PE"/>
+          </a:p>
+        </p:txBody>
+      </p:sp>
+      <p:sp>
+        <p:nvSpPr>
+          <p:cNvPr id="6" name="Date Placeholder 3"/>
+          <p:cNvSpPr>
+            <a:spLocks noGrp="1"/>
+          </p:cNvSpPr>
+          <p:nvPr>
+            <p:ph type="dt" sz="half" idx="12"/>
+          </p:nvPr>
+        </p:nvSpPr>
+        <p:spPr/>
+        <p:txBody>
+          <a:bodyPr/>
+          <a:lstStyle>
+            <a:lvl1pPr>
+              <a:defRPr/>
+            </a:lvl1pPr>
+          </a:lstStyle>
+          <a:p>
+            <a:pPr>
+              <a:defRPr/>
+            </a:pPr>
+            <a:fld id="{EF230A42-BDE1-4498-B51A-0EA10F0BFBB4}" type="datetimeFigureOut">
+              <a:rPr lang="es-PE"/>
+              <a:pPr>
+                <a:defRPr/>
+              </a:pPr>
+              <a:t>21/11/2011</a:t>
+            </a:fld>
+            <a:endParaRPr lang="es-PE" dirty="0"/>
           </a:p>
         </p:txBody>
       </p:sp>
@@ -1156,68 +2344,95 @@
       </p:sp>
       <p:sp>
         <p:nvSpPr>
-          <p:cNvPr id="4" name="Date Placeholder 3"/>
+          <p:cNvPr id="4" name="Slide Number Placeholder 5"/>
           <p:cNvSpPr>
             <a:spLocks noGrp="1"/>
           </p:cNvSpPr>
           <p:nvPr>
-            <p:ph type="dt" sz="half" idx="10"/>
-          </p:nvPr>
-        </p:nvSpPr>
-        <p:spPr/>
+            <p:ph type="sldNum" sz="quarter" idx="10"/>
+          </p:nvPr>
+        </p:nvSpPr>
+        <p:spPr>
+          <a:ln/>
+        </p:spPr>
         <p:txBody>
           <a:bodyPr/>
-          <a:lstStyle/>
-          <a:p>
-            <a:fld id="{468F0D72-8056-4982-839C-6B5742D0CAF2}" type="datetimeFigureOut">
-              <a:rPr lang="es-PE" smtClean="0"/>
-              <a:pPr/>
-              <a:t>19/11/2011</a:t>
-            </a:fld>
-            <a:endParaRPr lang="es-PE"/>
-          </a:p>
-        </p:txBody>
-      </p:sp>
-      <p:sp>
-        <p:nvSpPr>
-          <p:cNvPr id="5" name="Footer Placeholder 4"/>
-          <p:cNvSpPr>
-            <a:spLocks noGrp="1"/>
-          </p:cNvSpPr>
-          <p:nvPr>
-            <p:ph type="ftr" sz="quarter" idx="11"/>
-          </p:nvPr>
-        </p:nvSpPr>
-        <p:spPr/>
-        <p:txBody>
-          <a:bodyPr/>
-          <a:lstStyle/>
-          <a:p>
-            <a:endParaRPr lang="es-PE"/>
-          </a:p>
-        </p:txBody>
-      </p:sp>
-      <p:sp>
-        <p:nvSpPr>
-          <p:cNvPr id="6" name="Slide Number Placeholder 5"/>
-          <p:cNvSpPr>
-            <a:spLocks noGrp="1"/>
-          </p:cNvSpPr>
-          <p:nvPr>
-            <p:ph type="sldNum" sz="quarter" idx="12"/>
-          </p:nvPr>
-        </p:nvSpPr>
-        <p:spPr/>
-        <p:txBody>
-          <a:bodyPr/>
-          <a:lstStyle/>
-          <a:p>
-            <a:fld id="{D42D44A9-5D44-4256-98ED-6C0FAEEAA66C}" type="slidenum">
-              <a:rPr lang="es-PE" smtClean="0"/>
-              <a:pPr/>
+          <a:lstStyle>
+            <a:lvl1pPr>
+              <a:defRPr/>
+            </a:lvl1pPr>
+          </a:lstStyle>
+          <a:p>
+            <a:pPr>
+              <a:defRPr/>
+            </a:pPr>
+            <a:fld id="{5009B379-6E72-4287-B14E-B24FE9FC0602}" type="slidenum">
+              <a:rPr lang="es-PE"/>
+              <a:pPr>
+                <a:defRPr/>
+              </a:pPr>
               <a:t>‹Nº›</a:t>
             </a:fld>
+            <a:endParaRPr lang="es-PE" dirty="0"/>
+          </a:p>
+        </p:txBody>
+      </p:sp>
+      <p:sp>
+        <p:nvSpPr>
+          <p:cNvPr id="5" name="Footer Placeholder 4"/>
+          <p:cNvSpPr>
+            <a:spLocks noGrp="1"/>
+          </p:cNvSpPr>
+          <p:nvPr>
+            <p:ph type="ftr" sz="quarter" idx="11"/>
+          </p:nvPr>
+        </p:nvSpPr>
+        <p:spPr/>
+        <p:txBody>
+          <a:bodyPr/>
+          <a:lstStyle>
+            <a:lvl1pPr>
+              <a:defRPr/>
+            </a:lvl1pPr>
+          </a:lstStyle>
+          <a:p>
+            <a:pPr>
+              <a:defRPr/>
+            </a:pPr>
             <a:endParaRPr lang="es-PE"/>
+          </a:p>
+        </p:txBody>
+      </p:sp>
+      <p:sp>
+        <p:nvSpPr>
+          <p:cNvPr id="6" name="Date Placeholder 3"/>
+          <p:cNvSpPr>
+            <a:spLocks noGrp="1"/>
+          </p:cNvSpPr>
+          <p:nvPr>
+            <p:ph type="dt" sz="half" idx="12"/>
+          </p:nvPr>
+        </p:nvSpPr>
+        <p:spPr/>
+        <p:txBody>
+          <a:bodyPr/>
+          <a:lstStyle>
+            <a:lvl1pPr>
+              <a:defRPr/>
+            </a:lvl1pPr>
+          </a:lstStyle>
+          <a:p>
+            <a:pPr>
+              <a:defRPr/>
+            </a:pPr>
+            <a:fld id="{E8A9279C-E8C0-4015-B7E0-388CE93F6C4E}" type="datetimeFigureOut">
+              <a:rPr lang="es-PE"/>
+              <a:pPr>
+                <a:defRPr/>
+              </a:pPr>
+              <a:t>21/11/2011</a:t>
+            </a:fld>
+            <a:endParaRPr lang="es-PE" dirty="0"/>
           </a:p>
         </p:txBody>
       </p:sp>
@@ -1399,68 +2614,95 @@
       </p:sp>
       <p:sp>
         <p:nvSpPr>
-          <p:cNvPr id="4" name="Date Placeholder 3"/>
+          <p:cNvPr id="4" name="Slide Number Placeholder 5"/>
           <p:cNvSpPr>
             <a:spLocks noGrp="1"/>
           </p:cNvSpPr>
           <p:nvPr>
-            <p:ph type="dt" sz="half" idx="10"/>
-          </p:nvPr>
-        </p:nvSpPr>
-        <p:spPr/>
+            <p:ph type="sldNum" sz="quarter" idx="10"/>
+          </p:nvPr>
+        </p:nvSpPr>
+        <p:spPr>
+          <a:ln/>
+        </p:spPr>
         <p:txBody>
           <a:bodyPr/>
-          <a:lstStyle/>
-          <a:p>
-            <a:fld id="{468F0D72-8056-4982-839C-6B5742D0CAF2}" type="datetimeFigureOut">
-              <a:rPr lang="es-PE" smtClean="0"/>
-              <a:pPr/>
-              <a:t>19/11/2011</a:t>
-            </a:fld>
-            <a:endParaRPr lang="es-PE"/>
-          </a:p>
-        </p:txBody>
-      </p:sp>
-      <p:sp>
-        <p:nvSpPr>
-          <p:cNvPr id="5" name="Footer Placeholder 4"/>
-          <p:cNvSpPr>
-            <a:spLocks noGrp="1"/>
-          </p:cNvSpPr>
-          <p:nvPr>
-            <p:ph type="ftr" sz="quarter" idx="11"/>
-          </p:nvPr>
-        </p:nvSpPr>
-        <p:spPr/>
-        <p:txBody>
-          <a:bodyPr/>
-          <a:lstStyle/>
-          <a:p>
-            <a:endParaRPr lang="es-PE"/>
-          </a:p>
-        </p:txBody>
-      </p:sp>
-      <p:sp>
-        <p:nvSpPr>
-          <p:cNvPr id="6" name="Slide Number Placeholder 5"/>
-          <p:cNvSpPr>
-            <a:spLocks noGrp="1"/>
-          </p:cNvSpPr>
-          <p:nvPr>
-            <p:ph type="sldNum" sz="quarter" idx="12"/>
-          </p:nvPr>
-        </p:nvSpPr>
-        <p:spPr/>
-        <p:txBody>
-          <a:bodyPr/>
-          <a:lstStyle/>
-          <a:p>
-            <a:fld id="{D42D44A9-5D44-4256-98ED-6C0FAEEAA66C}" type="slidenum">
-              <a:rPr lang="es-PE" smtClean="0"/>
-              <a:pPr/>
+          <a:lstStyle>
+            <a:lvl1pPr>
+              <a:defRPr/>
+            </a:lvl1pPr>
+          </a:lstStyle>
+          <a:p>
+            <a:pPr>
+              <a:defRPr/>
+            </a:pPr>
+            <a:fld id="{880DC6E2-AAEA-4C76-8773-E756E81E9CD7}" type="slidenum">
+              <a:rPr lang="es-PE"/>
+              <a:pPr>
+                <a:defRPr/>
+              </a:pPr>
               <a:t>‹Nº›</a:t>
             </a:fld>
+            <a:endParaRPr lang="es-PE" dirty="0"/>
+          </a:p>
+        </p:txBody>
+      </p:sp>
+      <p:sp>
+        <p:nvSpPr>
+          <p:cNvPr id="5" name="Footer Placeholder 4"/>
+          <p:cNvSpPr>
+            <a:spLocks noGrp="1"/>
+          </p:cNvSpPr>
+          <p:nvPr>
+            <p:ph type="ftr" sz="quarter" idx="11"/>
+          </p:nvPr>
+        </p:nvSpPr>
+        <p:spPr/>
+        <p:txBody>
+          <a:bodyPr/>
+          <a:lstStyle>
+            <a:lvl1pPr>
+              <a:defRPr/>
+            </a:lvl1pPr>
+          </a:lstStyle>
+          <a:p>
+            <a:pPr>
+              <a:defRPr/>
+            </a:pPr>
             <a:endParaRPr lang="es-PE"/>
+          </a:p>
+        </p:txBody>
+      </p:sp>
+      <p:sp>
+        <p:nvSpPr>
+          <p:cNvPr id="6" name="Date Placeholder 3"/>
+          <p:cNvSpPr>
+            <a:spLocks noGrp="1"/>
+          </p:cNvSpPr>
+          <p:nvPr>
+            <p:ph type="dt" sz="half" idx="12"/>
+          </p:nvPr>
+        </p:nvSpPr>
+        <p:spPr/>
+        <p:txBody>
+          <a:bodyPr/>
+          <a:lstStyle>
+            <a:lvl1pPr>
+              <a:defRPr/>
+            </a:lvl1pPr>
+          </a:lstStyle>
+          <a:p>
+            <a:pPr>
+              <a:defRPr/>
+            </a:pPr>
+            <a:fld id="{04820C23-2C65-4C28-8B97-ADD13D8C57A9}" type="datetimeFigureOut">
+              <a:rPr lang="es-PE"/>
+              <a:pPr>
+                <a:defRPr/>
+              </a:pPr>
+              <a:t>21/11/2011</a:t>
+            </a:fld>
+            <a:endParaRPr lang="es-PE" dirty="0"/>
           </a:p>
         </p:txBody>
       </p:sp>
@@ -1684,68 +2926,95 @@
       </p:sp>
       <p:sp>
         <p:nvSpPr>
-          <p:cNvPr id="5" name="Date Placeholder 4"/>
+          <p:cNvPr id="5" name="Slide Number Placeholder 5"/>
           <p:cNvSpPr>
             <a:spLocks noGrp="1"/>
           </p:cNvSpPr>
           <p:nvPr>
-            <p:ph type="dt" sz="half" idx="10"/>
-          </p:nvPr>
-        </p:nvSpPr>
-        <p:spPr/>
+            <p:ph type="sldNum" sz="quarter" idx="10"/>
+          </p:nvPr>
+        </p:nvSpPr>
+        <p:spPr>
+          <a:ln/>
+        </p:spPr>
         <p:txBody>
           <a:bodyPr/>
-          <a:lstStyle/>
-          <a:p>
-            <a:fld id="{468F0D72-8056-4982-839C-6B5742D0CAF2}" type="datetimeFigureOut">
-              <a:rPr lang="es-PE" smtClean="0"/>
-              <a:pPr/>
-              <a:t>19/11/2011</a:t>
-            </a:fld>
-            <a:endParaRPr lang="es-PE"/>
-          </a:p>
-        </p:txBody>
-      </p:sp>
-      <p:sp>
-        <p:nvSpPr>
-          <p:cNvPr id="6" name="Footer Placeholder 5"/>
-          <p:cNvSpPr>
-            <a:spLocks noGrp="1"/>
-          </p:cNvSpPr>
-          <p:nvPr>
-            <p:ph type="ftr" sz="quarter" idx="11"/>
-          </p:nvPr>
-        </p:nvSpPr>
-        <p:spPr/>
-        <p:txBody>
-          <a:bodyPr/>
-          <a:lstStyle/>
-          <a:p>
-            <a:endParaRPr lang="es-PE"/>
-          </a:p>
-        </p:txBody>
-      </p:sp>
-      <p:sp>
-        <p:nvSpPr>
-          <p:cNvPr id="7" name="Slide Number Placeholder 6"/>
-          <p:cNvSpPr>
-            <a:spLocks noGrp="1"/>
-          </p:cNvSpPr>
-          <p:nvPr>
-            <p:ph type="sldNum" sz="quarter" idx="12"/>
-          </p:nvPr>
-        </p:nvSpPr>
-        <p:spPr/>
-        <p:txBody>
-          <a:bodyPr/>
-          <a:lstStyle/>
-          <a:p>
-            <a:fld id="{D42D44A9-5D44-4256-98ED-6C0FAEEAA66C}" type="slidenum">
-              <a:rPr lang="es-PE" smtClean="0"/>
-              <a:pPr/>
+          <a:lstStyle>
+            <a:lvl1pPr>
+              <a:defRPr/>
+            </a:lvl1pPr>
+          </a:lstStyle>
+          <a:p>
+            <a:pPr>
+              <a:defRPr/>
+            </a:pPr>
+            <a:fld id="{712955A2-6D7B-4FDB-AD53-4C0585B56F86}" type="slidenum">
+              <a:rPr lang="es-PE"/>
+              <a:pPr>
+                <a:defRPr/>
+              </a:pPr>
               <a:t>‹Nº›</a:t>
             </a:fld>
+            <a:endParaRPr lang="es-PE" dirty="0"/>
+          </a:p>
+        </p:txBody>
+      </p:sp>
+      <p:sp>
+        <p:nvSpPr>
+          <p:cNvPr id="6" name="Footer Placeholder 4"/>
+          <p:cNvSpPr>
+            <a:spLocks noGrp="1"/>
+          </p:cNvSpPr>
+          <p:nvPr>
+            <p:ph type="ftr" sz="quarter" idx="11"/>
+          </p:nvPr>
+        </p:nvSpPr>
+        <p:spPr/>
+        <p:txBody>
+          <a:bodyPr/>
+          <a:lstStyle>
+            <a:lvl1pPr>
+              <a:defRPr/>
+            </a:lvl1pPr>
+          </a:lstStyle>
+          <a:p>
+            <a:pPr>
+              <a:defRPr/>
+            </a:pPr>
             <a:endParaRPr lang="es-PE"/>
+          </a:p>
+        </p:txBody>
+      </p:sp>
+      <p:sp>
+        <p:nvSpPr>
+          <p:cNvPr id="7" name="Date Placeholder 3"/>
+          <p:cNvSpPr>
+            <a:spLocks noGrp="1"/>
+          </p:cNvSpPr>
+          <p:nvPr>
+            <p:ph type="dt" sz="half" idx="12"/>
+          </p:nvPr>
+        </p:nvSpPr>
+        <p:spPr/>
+        <p:txBody>
+          <a:bodyPr/>
+          <a:lstStyle>
+            <a:lvl1pPr>
+              <a:defRPr/>
+            </a:lvl1pPr>
+          </a:lstStyle>
+          <a:p>
+            <a:pPr>
+              <a:defRPr/>
+            </a:pPr>
+            <a:fld id="{54992554-A2B1-4122-ABA4-F02D02BBFBDD}" type="datetimeFigureOut">
+              <a:rPr lang="es-PE"/>
+              <a:pPr>
+                <a:defRPr/>
+              </a:pPr>
+              <a:t>21/11/2011</a:t>
+            </a:fld>
+            <a:endParaRPr lang="es-PE" dirty="0"/>
           </a:p>
         </p:txBody>
       </p:sp>
@@ -2115,68 +3384,95 @@
       </p:sp>
       <p:sp>
         <p:nvSpPr>
-          <p:cNvPr id="7" name="Date Placeholder 6"/>
+          <p:cNvPr id="7" name="Slide Number Placeholder 5"/>
           <p:cNvSpPr>
             <a:spLocks noGrp="1"/>
           </p:cNvSpPr>
           <p:nvPr>
-            <p:ph type="dt" sz="half" idx="10"/>
-          </p:nvPr>
-        </p:nvSpPr>
-        <p:spPr/>
+            <p:ph type="sldNum" sz="quarter" idx="10"/>
+          </p:nvPr>
+        </p:nvSpPr>
+        <p:spPr>
+          <a:ln/>
+        </p:spPr>
         <p:txBody>
           <a:bodyPr/>
-          <a:lstStyle/>
-          <a:p>
-            <a:fld id="{468F0D72-8056-4982-839C-6B5742D0CAF2}" type="datetimeFigureOut">
-              <a:rPr lang="es-PE" smtClean="0"/>
-              <a:pPr/>
-              <a:t>19/11/2011</a:t>
-            </a:fld>
-            <a:endParaRPr lang="es-PE"/>
-          </a:p>
-        </p:txBody>
-      </p:sp>
-      <p:sp>
-        <p:nvSpPr>
-          <p:cNvPr id="8" name="Footer Placeholder 7"/>
-          <p:cNvSpPr>
-            <a:spLocks noGrp="1"/>
-          </p:cNvSpPr>
-          <p:nvPr>
-            <p:ph type="ftr" sz="quarter" idx="11"/>
-          </p:nvPr>
-        </p:nvSpPr>
-        <p:spPr/>
-        <p:txBody>
-          <a:bodyPr/>
-          <a:lstStyle/>
-          <a:p>
-            <a:endParaRPr lang="es-PE"/>
-          </a:p>
-        </p:txBody>
-      </p:sp>
-      <p:sp>
-        <p:nvSpPr>
-          <p:cNvPr id="9" name="Slide Number Placeholder 8"/>
-          <p:cNvSpPr>
-            <a:spLocks noGrp="1"/>
-          </p:cNvSpPr>
-          <p:nvPr>
-            <p:ph type="sldNum" sz="quarter" idx="12"/>
-          </p:nvPr>
-        </p:nvSpPr>
-        <p:spPr/>
-        <p:txBody>
-          <a:bodyPr/>
-          <a:lstStyle/>
-          <a:p>
-            <a:fld id="{D42D44A9-5D44-4256-98ED-6C0FAEEAA66C}" type="slidenum">
-              <a:rPr lang="es-PE" smtClean="0"/>
-              <a:pPr/>
+          <a:lstStyle>
+            <a:lvl1pPr>
+              <a:defRPr/>
+            </a:lvl1pPr>
+          </a:lstStyle>
+          <a:p>
+            <a:pPr>
+              <a:defRPr/>
+            </a:pPr>
+            <a:fld id="{A2C1B7AF-AB9B-4F80-9FA6-6622CA997639}" type="slidenum">
+              <a:rPr lang="es-PE"/>
+              <a:pPr>
+                <a:defRPr/>
+              </a:pPr>
               <a:t>‹Nº›</a:t>
             </a:fld>
+            <a:endParaRPr lang="es-PE" dirty="0"/>
+          </a:p>
+        </p:txBody>
+      </p:sp>
+      <p:sp>
+        <p:nvSpPr>
+          <p:cNvPr id="8" name="Footer Placeholder 4"/>
+          <p:cNvSpPr>
+            <a:spLocks noGrp="1"/>
+          </p:cNvSpPr>
+          <p:nvPr>
+            <p:ph type="ftr" sz="quarter" idx="11"/>
+          </p:nvPr>
+        </p:nvSpPr>
+        <p:spPr/>
+        <p:txBody>
+          <a:bodyPr/>
+          <a:lstStyle>
+            <a:lvl1pPr>
+              <a:defRPr/>
+            </a:lvl1pPr>
+          </a:lstStyle>
+          <a:p>
+            <a:pPr>
+              <a:defRPr/>
+            </a:pPr>
             <a:endParaRPr lang="es-PE"/>
+          </a:p>
+        </p:txBody>
+      </p:sp>
+      <p:sp>
+        <p:nvSpPr>
+          <p:cNvPr id="9" name="Date Placeholder 3"/>
+          <p:cNvSpPr>
+            <a:spLocks noGrp="1"/>
+          </p:cNvSpPr>
+          <p:nvPr>
+            <p:ph type="dt" sz="half" idx="12"/>
+          </p:nvPr>
+        </p:nvSpPr>
+        <p:spPr/>
+        <p:txBody>
+          <a:bodyPr/>
+          <a:lstStyle>
+            <a:lvl1pPr>
+              <a:defRPr/>
+            </a:lvl1pPr>
+          </a:lstStyle>
+          <a:p>
+            <a:pPr>
+              <a:defRPr/>
+            </a:pPr>
+            <a:fld id="{22138D6D-7566-4D43-A27E-1290F069DB4D}" type="datetimeFigureOut">
+              <a:rPr lang="es-PE"/>
+              <a:pPr>
+                <a:defRPr/>
+              </a:pPr>
+              <a:t>21/11/2011</a:t>
+            </a:fld>
+            <a:endParaRPr lang="es-PE" dirty="0"/>
           </a:p>
         </p:txBody>
       </p:sp>
@@ -2230,68 +3526,95 @@
       </p:sp>
       <p:sp>
         <p:nvSpPr>
-          <p:cNvPr id="3" name="Date Placeholder 2"/>
+          <p:cNvPr id="3" name="Slide Number Placeholder 5"/>
           <p:cNvSpPr>
             <a:spLocks noGrp="1"/>
           </p:cNvSpPr>
           <p:nvPr>
-            <p:ph type="dt" sz="half" idx="10"/>
-          </p:nvPr>
-        </p:nvSpPr>
-        <p:spPr/>
+            <p:ph type="sldNum" sz="quarter" idx="10"/>
+          </p:nvPr>
+        </p:nvSpPr>
+        <p:spPr>
+          <a:ln/>
+        </p:spPr>
         <p:txBody>
           <a:bodyPr/>
-          <a:lstStyle/>
-          <a:p>
-            <a:fld id="{468F0D72-8056-4982-839C-6B5742D0CAF2}" type="datetimeFigureOut">
-              <a:rPr lang="es-PE" smtClean="0"/>
-              <a:pPr/>
-              <a:t>19/11/2011</a:t>
-            </a:fld>
-            <a:endParaRPr lang="es-PE"/>
-          </a:p>
-        </p:txBody>
-      </p:sp>
-      <p:sp>
-        <p:nvSpPr>
-          <p:cNvPr id="4" name="Footer Placeholder 3"/>
-          <p:cNvSpPr>
-            <a:spLocks noGrp="1"/>
-          </p:cNvSpPr>
-          <p:nvPr>
-            <p:ph type="ftr" sz="quarter" idx="11"/>
-          </p:nvPr>
-        </p:nvSpPr>
-        <p:spPr/>
-        <p:txBody>
-          <a:bodyPr/>
-          <a:lstStyle/>
-          <a:p>
-            <a:endParaRPr lang="es-PE"/>
-          </a:p>
-        </p:txBody>
-      </p:sp>
-      <p:sp>
-        <p:nvSpPr>
-          <p:cNvPr id="5" name="Slide Number Placeholder 4"/>
-          <p:cNvSpPr>
-            <a:spLocks noGrp="1"/>
-          </p:cNvSpPr>
-          <p:nvPr>
-            <p:ph type="sldNum" sz="quarter" idx="12"/>
-          </p:nvPr>
-        </p:nvSpPr>
-        <p:spPr/>
-        <p:txBody>
-          <a:bodyPr/>
-          <a:lstStyle/>
-          <a:p>
-            <a:fld id="{D42D44A9-5D44-4256-98ED-6C0FAEEAA66C}" type="slidenum">
-              <a:rPr lang="es-PE" smtClean="0"/>
-              <a:pPr/>
+          <a:lstStyle>
+            <a:lvl1pPr>
+              <a:defRPr/>
+            </a:lvl1pPr>
+          </a:lstStyle>
+          <a:p>
+            <a:pPr>
+              <a:defRPr/>
+            </a:pPr>
+            <a:fld id="{616A06B7-437F-4F5C-89AA-8CC3F87141C2}" type="slidenum">
+              <a:rPr lang="es-PE"/>
+              <a:pPr>
+                <a:defRPr/>
+              </a:pPr>
               <a:t>‹Nº›</a:t>
             </a:fld>
+            <a:endParaRPr lang="es-PE" dirty="0"/>
+          </a:p>
+        </p:txBody>
+      </p:sp>
+      <p:sp>
+        <p:nvSpPr>
+          <p:cNvPr id="4" name="Footer Placeholder 4"/>
+          <p:cNvSpPr>
+            <a:spLocks noGrp="1"/>
+          </p:cNvSpPr>
+          <p:nvPr>
+            <p:ph type="ftr" sz="quarter" idx="11"/>
+          </p:nvPr>
+        </p:nvSpPr>
+        <p:spPr/>
+        <p:txBody>
+          <a:bodyPr/>
+          <a:lstStyle>
+            <a:lvl1pPr>
+              <a:defRPr/>
+            </a:lvl1pPr>
+          </a:lstStyle>
+          <a:p>
+            <a:pPr>
+              <a:defRPr/>
+            </a:pPr>
             <a:endParaRPr lang="es-PE"/>
+          </a:p>
+        </p:txBody>
+      </p:sp>
+      <p:sp>
+        <p:nvSpPr>
+          <p:cNvPr id="5" name="Date Placeholder 3"/>
+          <p:cNvSpPr>
+            <a:spLocks noGrp="1"/>
+          </p:cNvSpPr>
+          <p:nvPr>
+            <p:ph type="dt" sz="half" idx="12"/>
+          </p:nvPr>
+        </p:nvSpPr>
+        <p:spPr/>
+        <p:txBody>
+          <a:bodyPr/>
+          <a:lstStyle>
+            <a:lvl1pPr>
+              <a:defRPr/>
+            </a:lvl1pPr>
+          </a:lstStyle>
+          <a:p>
+            <a:pPr>
+              <a:defRPr/>
+            </a:pPr>
+            <a:fld id="{B4EDBE70-D4E5-456A-862A-6CB29839BFC0}" type="datetimeFigureOut">
+              <a:rPr lang="es-PE"/>
+              <a:pPr>
+                <a:defRPr/>
+              </a:pPr>
+              <a:t>21/11/2011</a:t>
+            </a:fld>
+            <a:endParaRPr lang="es-PE" dirty="0"/>
           </a:p>
         </p:txBody>
       </p:sp>
@@ -2322,68 +3645,95 @@
       </p:grpSpPr>
       <p:sp>
         <p:nvSpPr>
-          <p:cNvPr id="2" name="Date Placeholder 1"/>
+          <p:cNvPr id="2" name="Slide Number Placeholder 5"/>
           <p:cNvSpPr>
             <a:spLocks noGrp="1"/>
           </p:cNvSpPr>
           <p:nvPr>
-            <p:ph type="dt" sz="half" idx="10"/>
-          </p:nvPr>
-        </p:nvSpPr>
-        <p:spPr/>
+            <p:ph type="sldNum" sz="quarter" idx="10"/>
+          </p:nvPr>
+        </p:nvSpPr>
+        <p:spPr>
+          <a:ln/>
+        </p:spPr>
         <p:txBody>
           <a:bodyPr/>
-          <a:lstStyle/>
-          <a:p>
-            <a:fld id="{468F0D72-8056-4982-839C-6B5742D0CAF2}" type="datetimeFigureOut">
-              <a:rPr lang="es-PE" smtClean="0"/>
-              <a:pPr/>
-              <a:t>19/11/2011</a:t>
-            </a:fld>
-            <a:endParaRPr lang="es-PE"/>
-          </a:p>
-        </p:txBody>
-      </p:sp>
-      <p:sp>
-        <p:nvSpPr>
-          <p:cNvPr id="3" name="Footer Placeholder 2"/>
-          <p:cNvSpPr>
-            <a:spLocks noGrp="1"/>
-          </p:cNvSpPr>
-          <p:nvPr>
-            <p:ph type="ftr" sz="quarter" idx="11"/>
-          </p:nvPr>
-        </p:nvSpPr>
-        <p:spPr/>
-        <p:txBody>
-          <a:bodyPr/>
-          <a:lstStyle/>
-          <a:p>
-            <a:endParaRPr lang="es-PE"/>
-          </a:p>
-        </p:txBody>
-      </p:sp>
-      <p:sp>
-        <p:nvSpPr>
-          <p:cNvPr id="4" name="Slide Number Placeholder 3"/>
-          <p:cNvSpPr>
-            <a:spLocks noGrp="1"/>
-          </p:cNvSpPr>
-          <p:nvPr>
-            <p:ph type="sldNum" sz="quarter" idx="12"/>
-          </p:nvPr>
-        </p:nvSpPr>
-        <p:spPr/>
-        <p:txBody>
-          <a:bodyPr/>
-          <a:lstStyle/>
-          <a:p>
-            <a:fld id="{D42D44A9-5D44-4256-98ED-6C0FAEEAA66C}" type="slidenum">
-              <a:rPr lang="es-PE" smtClean="0"/>
-              <a:pPr/>
+          <a:lstStyle>
+            <a:lvl1pPr>
+              <a:defRPr/>
+            </a:lvl1pPr>
+          </a:lstStyle>
+          <a:p>
+            <a:pPr>
+              <a:defRPr/>
+            </a:pPr>
+            <a:fld id="{0622AF31-CD0A-44E2-936A-B502DA3FAA25}" type="slidenum">
+              <a:rPr lang="es-PE"/>
+              <a:pPr>
+                <a:defRPr/>
+              </a:pPr>
               <a:t>‹Nº›</a:t>
             </a:fld>
+            <a:endParaRPr lang="es-PE" dirty="0"/>
+          </a:p>
+        </p:txBody>
+      </p:sp>
+      <p:sp>
+        <p:nvSpPr>
+          <p:cNvPr id="3" name="Footer Placeholder 4"/>
+          <p:cNvSpPr>
+            <a:spLocks noGrp="1"/>
+          </p:cNvSpPr>
+          <p:nvPr>
+            <p:ph type="ftr" sz="quarter" idx="11"/>
+          </p:nvPr>
+        </p:nvSpPr>
+        <p:spPr/>
+        <p:txBody>
+          <a:bodyPr/>
+          <a:lstStyle>
+            <a:lvl1pPr>
+              <a:defRPr/>
+            </a:lvl1pPr>
+          </a:lstStyle>
+          <a:p>
+            <a:pPr>
+              <a:defRPr/>
+            </a:pPr>
             <a:endParaRPr lang="es-PE"/>
+          </a:p>
+        </p:txBody>
+      </p:sp>
+      <p:sp>
+        <p:nvSpPr>
+          <p:cNvPr id="4" name="Date Placeholder 3"/>
+          <p:cNvSpPr>
+            <a:spLocks noGrp="1"/>
+          </p:cNvSpPr>
+          <p:nvPr>
+            <p:ph type="dt" sz="half" idx="12"/>
+          </p:nvPr>
+        </p:nvSpPr>
+        <p:spPr/>
+        <p:txBody>
+          <a:bodyPr/>
+          <a:lstStyle>
+            <a:lvl1pPr>
+              <a:defRPr/>
+            </a:lvl1pPr>
+          </a:lstStyle>
+          <a:p>
+            <a:pPr>
+              <a:defRPr/>
+            </a:pPr>
+            <a:fld id="{839301D5-4C1A-4EB3-8AC2-7800A27F214D}" type="datetimeFigureOut">
+              <a:rPr lang="es-PE"/>
+              <a:pPr>
+                <a:defRPr/>
+              </a:pPr>
+              <a:t>21/11/2011</a:t>
+            </a:fld>
+            <a:endParaRPr lang="es-PE" dirty="0"/>
           </a:p>
         </p:txBody>
       </p:sp>
@@ -2513,73 +3863,6 @@
       </p:sp>
       <p:sp>
         <p:nvSpPr>
-          <p:cNvPr id="5" name="Date Placeholder 4"/>
-          <p:cNvSpPr>
-            <a:spLocks noGrp="1"/>
-          </p:cNvSpPr>
-          <p:nvPr>
-            <p:ph type="dt" sz="half" idx="10"/>
-          </p:nvPr>
-        </p:nvSpPr>
-        <p:spPr/>
-        <p:txBody>
-          <a:bodyPr/>
-          <a:lstStyle/>
-          <a:p>
-            <a:fld id="{468F0D72-8056-4982-839C-6B5742D0CAF2}" type="datetimeFigureOut">
-              <a:rPr lang="es-PE" smtClean="0"/>
-              <a:pPr/>
-              <a:t>19/11/2011</a:t>
-            </a:fld>
-            <a:endParaRPr lang="es-PE"/>
-          </a:p>
-        </p:txBody>
-      </p:sp>
-      <p:sp>
-        <p:nvSpPr>
-          <p:cNvPr id="6" name="Footer Placeholder 5"/>
-          <p:cNvSpPr>
-            <a:spLocks noGrp="1"/>
-          </p:cNvSpPr>
-          <p:nvPr>
-            <p:ph type="ftr" sz="quarter" idx="11"/>
-          </p:nvPr>
-        </p:nvSpPr>
-        <p:spPr/>
-        <p:txBody>
-          <a:bodyPr/>
-          <a:lstStyle/>
-          <a:p>
-            <a:endParaRPr lang="es-PE"/>
-          </a:p>
-        </p:txBody>
-      </p:sp>
-      <p:sp>
-        <p:nvSpPr>
-          <p:cNvPr id="7" name="Slide Number Placeholder 6"/>
-          <p:cNvSpPr>
-            <a:spLocks noGrp="1"/>
-          </p:cNvSpPr>
-          <p:nvPr>
-            <p:ph type="sldNum" sz="quarter" idx="12"/>
-          </p:nvPr>
-        </p:nvSpPr>
-        <p:spPr/>
-        <p:txBody>
-          <a:bodyPr/>
-          <a:lstStyle/>
-          <a:p>
-            <a:fld id="{D42D44A9-5D44-4256-98ED-6C0FAEEAA66C}" type="slidenum">
-              <a:rPr lang="es-PE" smtClean="0"/>
-              <a:pPr/>
-              <a:t>‹Nº›</a:t>
-            </a:fld>
-            <a:endParaRPr lang="es-PE"/>
-          </a:p>
-        </p:txBody>
-      </p:sp>
-      <p:sp>
-        <p:nvSpPr>
           <p:cNvPr id="9" name="Content Placeholder 8"/>
           <p:cNvSpPr>
             <a:spLocks noGrp="1"/>
@@ -2632,6 +3915,100 @@
               <a:t>Quinto nivel</a:t>
             </a:r>
             <a:endParaRPr lang="en-US"/>
+          </a:p>
+        </p:txBody>
+      </p:sp>
+      <p:sp>
+        <p:nvSpPr>
+          <p:cNvPr id="5" name="Slide Number Placeholder 5"/>
+          <p:cNvSpPr>
+            <a:spLocks noGrp="1"/>
+          </p:cNvSpPr>
+          <p:nvPr>
+            <p:ph type="sldNum" sz="quarter" idx="14"/>
+          </p:nvPr>
+        </p:nvSpPr>
+        <p:spPr>
+          <a:ln/>
+        </p:spPr>
+        <p:txBody>
+          <a:bodyPr/>
+          <a:lstStyle>
+            <a:lvl1pPr>
+              <a:defRPr/>
+            </a:lvl1pPr>
+          </a:lstStyle>
+          <a:p>
+            <a:pPr>
+              <a:defRPr/>
+            </a:pPr>
+            <a:fld id="{E9F60111-8A28-457F-9C42-33131215D6A4}" type="slidenum">
+              <a:rPr lang="es-PE"/>
+              <a:pPr>
+                <a:defRPr/>
+              </a:pPr>
+              <a:t>‹Nº›</a:t>
+            </a:fld>
+            <a:endParaRPr lang="es-PE" dirty="0"/>
+          </a:p>
+        </p:txBody>
+      </p:sp>
+      <p:sp>
+        <p:nvSpPr>
+          <p:cNvPr id="6" name="Footer Placeholder 4"/>
+          <p:cNvSpPr>
+            <a:spLocks noGrp="1"/>
+          </p:cNvSpPr>
+          <p:nvPr>
+            <p:ph type="ftr" sz="quarter" idx="15"/>
+          </p:nvPr>
+        </p:nvSpPr>
+        <p:spPr/>
+        <p:txBody>
+          <a:bodyPr/>
+          <a:lstStyle>
+            <a:lvl1pPr>
+              <a:defRPr/>
+            </a:lvl1pPr>
+          </a:lstStyle>
+          <a:p>
+            <a:pPr>
+              <a:defRPr/>
+            </a:pPr>
+            <a:endParaRPr lang="es-PE"/>
+          </a:p>
+        </p:txBody>
+      </p:sp>
+      <p:sp>
+        <p:nvSpPr>
+          <p:cNvPr id="7" name="Date Placeholder 3"/>
+          <p:cNvSpPr>
+            <a:spLocks noGrp="1"/>
+          </p:cNvSpPr>
+          <p:nvPr>
+            <p:ph type="dt" sz="half" idx="16"/>
+          </p:nvPr>
+        </p:nvSpPr>
+        <p:spPr/>
+        <p:txBody>
+          <a:bodyPr/>
+          <a:lstStyle>
+            <a:lvl1pPr>
+              <a:defRPr/>
+            </a:lvl1pPr>
+          </a:lstStyle>
+          <a:p>
+            <a:pPr>
+              <a:defRPr/>
+            </a:pPr>
+            <a:fld id="{595690DD-DFF4-4589-A432-A88A14D55197}" type="datetimeFigureOut">
+              <a:rPr lang="es-PE"/>
+              <a:pPr>
+                <a:defRPr/>
+              </a:pPr>
+              <a:t>21/11/2011</a:t>
+            </a:fld>
+            <a:endParaRPr lang="es-PE" dirty="0"/>
           </a:p>
         </p:txBody>
       </p:sp>
@@ -2716,7 +4093,9 @@
           </a:xfrm>
         </p:spPr>
         <p:txBody>
-          <a:bodyPr/>
+          <a:bodyPr rtlCol="0">
+            <a:normAutofit/>
+          </a:bodyPr>
           <a:lstStyle>
             <a:lvl1pPr marL="0" indent="0">
               <a:buNone/>
@@ -2756,11 +4135,12 @@
             </a:lvl9pPr>
           </a:lstStyle>
           <a:p>
-            <a:r>
-              <a:rPr lang="es-ES" smtClean="0"/>
+            <a:pPr lvl="0"/>
+            <a:r>
+              <a:rPr lang="es-ES" noProof="0" dirty="0" smtClean="0"/>
               <a:t>Haga clic en el icono para agregar una imagen</a:t>
             </a:r>
-            <a:endParaRPr lang="en-US" dirty="0"/>
+            <a:endParaRPr lang="en-US" noProof="0" dirty="0"/>
           </a:p>
         </p:txBody>
       </p:sp>
@@ -2833,68 +4213,95 @@
       </p:sp>
       <p:sp>
         <p:nvSpPr>
-          <p:cNvPr id="8" name="Date Placeholder 7"/>
+          <p:cNvPr id="5" name="Slide Number Placeholder 5"/>
           <p:cNvSpPr>
             <a:spLocks noGrp="1"/>
           </p:cNvSpPr>
           <p:nvPr>
-            <p:ph type="dt" sz="half" idx="10"/>
-          </p:nvPr>
-        </p:nvSpPr>
-        <p:spPr/>
+            <p:ph type="sldNum" sz="quarter" idx="10"/>
+          </p:nvPr>
+        </p:nvSpPr>
+        <p:spPr>
+          <a:ln/>
+        </p:spPr>
         <p:txBody>
           <a:bodyPr/>
-          <a:lstStyle/>
-          <a:p>
-            <a:fld id="{468F0D72-8056-4982-839C-6B5742D0CAF2}" type="datetimeFigureOut">
-              <a:rPr lang="es-PE" smtClean="0"/>
-              <a:pPr/>
-              <a:t>19/11/2011</a:t>
-            </a:fld>
-            <a:endParaRPr lang="es-PE"/>
-          </a:p>
-        </p:txBody>
-      </p:sp>
-      <p:sp>
-        <p:nvSpPr>
-          <p:cNvPr id="9" name="Slide Number Placeholder 8"/>
-          <p:cNvSpPr>
-            <a:spLocks noGrp="1"/>
-          </p:cNvSpPr>
-          <p:nvPr>
-            <p:ph type="sldNum" sz="quarter" idx="11"/>
-          </p:nvPr>
-        </p:nvSpPr>
-        <p:spPr/>
-        <p:txBody>
-          <a:bodyPr/>
-          <a:lstStyle/>
-          <a:p>
-            <a:fld id="{D42D44A9-5D44-4256-98ED-6C0FAEEAA66C}" type="slidenum">
-              <a:rPr lang="es-PE" smtClean="0"/>
-              <a:pPr/>
+          <a:lstStyle>
+            <a:lvl1pPr>
+              <a:defRPr/>
+            </a:lvl1pPr>
+          </a:lstStyle>
+          <a:p>
+            <a:pPr>
+              <a:defRPr/>
+            </a:pPr>
+            <a:fld id="{9015F784-82A2-49B7-A727-C13141361616}" type="slidenum">
+              <a:rPr lang="es-PE"/>
+              <a:pPr>
+                <a:defRPr/>
+              </a:pPr>
               <a:t>‹Nº›</a:t>
             </a:fld>
+            <a:endParaRPr lang="es-PE" dirty="0"/>
+          </a:p>
+        </p:txBody>
+      </p:sp>
+      <p:sp>
+        <p:nvSpPr>
+          <p:cNvPr id="6" name="Footer Placeholder 4"/>
+          <p:cNvSpPr>
+            <a:spLocks noGrp="1"/>
+          </p:cNvSpPr>
+          <p:nvPr>
+            <p:ph type="ftr" sz="quarter" idx="11"/>
+          </p:nvPr>
+        </p:nvSpPr>
+        <p:spPr/>
+        <p:txBody>
+          <a:bodyPr/>
+          <a:lstStyle>
+            <a:lvl1pPr>
+              <a:defRPr/>
+            </a:lvl1pPr>
+          </a:lstStyle>
+          <a:p>
+            <a:pPr>
+              <a:defRPr/>
+            </a:pPr>
             <a:endParaRPr lang="es-PE"/>
           </a:p>
         </p:txBody>
       </p:sp>
       <p:sp>
         <p:nvSpPr>
-          <p:cNvPr id="10" name="Footer Placeholder 9"/>
+          <p:cNvPr id="7" name="Date Placeholder 3"/>
           <p:cNvSpPr>
             <a:spLocks noGrp="1"/>
           </p:cNvSpPr>
           <p:nvPr>
-            <p:ph type="ftr" sz="quarter" idx="12"/>
+            <p:ph type="dt" sz="half" idx="12"/>
           </p:nvPr>
         </p:nvSpPr>
         <p:spPr/>
         <p:txBody>
           <a:bodyPr/>
-          <a:lstStyle/>
-          <a:p>
-            <a:endParaRPr lang="es-PE"/>
+          <a:lstStyle>
+            <a:lvl1pPr>
+              <a:defRPr/>
+            </a:lvl1pPr>
+          </a:lstStyle>
+          <a:p>
+            <a:pPr>
+              <a:defRPr/>
+            </a:pPr>
+            <a:fld id="{039C9B9B-A345-4FCA-A122-7181C6C10FF0}" type="datetimeFigureOut">
+              <a:rPr lang="es-PE"/>
+              <a:pPr>
+                <a:defRPr/>
+              </a:pPr>
+              <a:t>21/11/2011</a:t>
+            </a:fld>
+            <a:endParaRPr lang="es-PE" dirty="0"/>
           </a:p>
         </p:txBody>
       </p:sp>
@@ -2963,7 +4370,7 @@
       </p:sp>
       <p:sp>
         <p:nvSpPr>
-          <p:cNvPr id="3" name="Text Placeholder 2"/>
+          <p:cNvPr id="1027" name="Text Placeholder 2"/>
           <p:cNvSpPr>
             <a:spLocks noGrp="1"/>
           </p:cNvSpPr>
@@ -2971,7 +4378,7 @@
             <p:ph type="body" idx="1"/>
           </p:nvPr>
         </p:nvSpPr>
-        <p:spPr>
+        <p:spPr bwMode="auto">
           <a:xfrm>
             <a:off x="457200" y="1600200"/>
             <a:ext cx="7620000" cy="4800600"/>
@@ -2979,10 +4386,19 @@
           <a:prstGeom prst="rect">
             <a:avLst/>
           </a:prstGeom>
+          <a:noFill/>
+          <a:ln w="9525">
+            <a:noFill/>
+            <a:miter lim="800000"/>
+            <a:headEnd/>
+            <a:tailEnd/>
+          </a:ln>
         </p:spPr>
         <p:txBody>
-          <a:bodyPr vert="horz" lIns="91440" tIns="45720" rIns="91440" bIns="45720" rtlCol="0">
-            <a:normAutofit/>
+          <a:bodyPr vert="horz" wrap="square" lIns="91440" tIns="45720" rIns="91440" bIns="45720" numCol="1" anchor="t" anchorCtr="0" compatLnSpc="1">
+            <a:prstTxWarp prst="textNoShape">
+              <a:avLst/>
+            </a:prstTxWarp>
           </a:bodyPr>
           <a:lstStyle/>
           <a:p>
@@ -3019,7 +4435,7 @@
               <a:rPr lang="es-ES" smtClean="0"/>
               <a:t>Quinto nivel</a:t>
             </a:r>
-            <a:endParaRPr lang="en-US" dirty="0"/>
+            <a:endParaRPr lang="en-US" smtClean="0"/>
           </a:p>
         </p:txBody>
       </p:sp>
@@ -3061,11 +4477,19 @@
           </a:fontRef>
         </p:style>
         <p:txBody>
-          <a:bodyPr rtlCol="0" anchor="ctr"/>
+          <a:bodyPr anchor="ctr"/>
           <a:lstStyle/>
           <a:p>
-            <a:pPr algn="ctr"/>
-            <a:endParaRPr lang="en-US"/>
+            <a:pPr algn="ctr" fontAlgn="auto">
+              <a:spcBef>
+                <a:spcPts val="0"/>
+              </a:spcBef>
+              <a:spcAft>
+                <a:spcPts val="0"/>
+              </a:spcAft>
+              <a:defRPr/>
+            </a:pPr>
+            <a:endParaRPr lang="en-US" dirty="0"/>
           </a:p>
         </p:txBody>
       </p:sp>
@@ -3107,11 +4531,19 @@
           </a:fontRef>
         </p:style>
         <p:txBody>
-          <a:bodyPr rtlCol="0" anchor="ctr"/>
+          <a:bodyPr anchor="ctr"/>
           <a:lstStyle/>
           <a:p>
-            <a:pPr algn="ctr"/>
-            <a:endParaRPr lang="en-US"/>
+            <a:pPr algn="ctr" fontAlgn="auto">
+              <a:spcBef>
+                <a:spcPts val="0"/>
+              </a:spcBef>
+              <a:spcAft>
+                <a:spcPts val="0"/>
+              </a:spcAft>
+              <a:defRPr/>
+            </a:pPr>
+            <a:endParaRPr lang="en-US" dirty="0"/>
           </a:p>
         </p:txBody>
       </p:sp>
@@ -3127,8 +4559,8 @@
         </p:nvSpPr>
         <p:spPr>
           <a:xfrm>
-            <a:off x="8531788" y="5648960"/>
-            <a:ext cx="548640" cy="396240"/>
+            <a:off x="8531225" y="5648325"/>
+            <a:ext cx="549275" cy="396875"/>
           </a:xfrm>
           <a:prstGeom prst="bracketPair">
             <a:avLst>
@@ -3144,21 +4576,33 @@
         <p:txBody>
           <a:bodyPr vert="horz" lIns="0" tIns="0" rIns="0" bIns="0" rtlCol="0" anchor="ctr"/>
           <a:lstStyle>
-            <a:lvl1pPr algn="ctr">
-              <a:defRPr sz="1800">
+            <a:lvl1pPr algn="ctr" fontAlgn="auto">
+              <a:spcBef>
+                <a:spcPts val="0"/>
+              </a:spcBef>
+              <a:spcAft>
+                <a:spcPts val="0"/>
+              </a:spcAft>
+              <a:defRPr sz="1800" smtClean="0">
                 <a:solidFill>
                   <a:srgbClr val="FFFFFF"/>
                 </a:solidFill>
+                <a:latin typeface="+mn-lt"/>
               </a:defRPr>
             </a:lvl1pPr>
           </a:lstStyle>
           <a:p>
-            <a:fld id="{D42D44A9-5D44-4256-98ED-6C0FAEEAA66C}" type="slidenum">
-              <a:rPr lang="es-PE" smtClean="0"/>
-              <a:pPr/>
+            <a:pPr>
+              <a:defRPr/>
+            </a:pPr>
+            <a:fld id="{A5ECF4AF-378D-49C2-88D0-3F7361E31C2E}" type="slidenum">
+              <a:rPr lang="es-PE"/>
+              <a:pPr>
+                <a:defRPr/>
+              </a:pPr>
               <a:t>‹Nº›</a:t>
             </a:fld>
-            <a:endParaRPr lang="es-PE"/>
+            <a:endParaRPr lang="es-PE" dirty="0"/>
           </a:p>
         </p:txBody>
       </p:sp>
@@ -3174,8 +4618,8 @@
         </p:nvSpPr>
         <p:spPr>
           <a:xfrm rot="16200000">
-            <a:off x="7586910" y="4048760"/>
-            <a:ext cx="2367281" cy="365760"/>
+            <a:off x="7587456" y="4048919"/>
+            <a:ext cx="2366963" cy="365125"/>
           </a:xfrm>
           <a:prstGeom prst="rect">
             <a:avLst/>
@@ -3184,15 +4628,25 @@
         <p:txBody>
           <a:bodyPr vert="horz" lIns="91440" tIns="45720" rIns="91440" bIns="45720" rtlCol="0" anchor="ctr"/>
           <a:lstStyle>
-            <a:lvl1pPr algn="r">
-              <a:defRPr sz="1200">
+            <a:lvl1pPr algn="r" fontAlgn="auto">
+              <a:spcBef>
+                <a:spcPts val="0"/>
+              </a:spcBef>
+              <a:spcAft>
+                <a:spcPts val="0"/>
+              </a:spcAft>
+              <a:defRPr sz="1200" dirty="0">
                 <a:solidFill>
                   <a:schemeClr val="bg2"/>
                 </a:solidFill>
+                <a:latin typeface="+mn-lt"/>
               </a:defRPr>
             </a:lvl1pPr>
           </a:lstStyle>
           <a:p>
+            <a:pPr>
+              <a:defRPr/>
+            </a:pPr>
             <a:endParaRPr lang="es-PE"/>
           </a:p>
         </p:txBody>
@@ -3209,8 +4663,8 @@
         </p:nvSpPr>
         <p:spPr>
           <a:xfrm rot="16200000">
-            <a:off x="7551351" y="1645920"/>
-            <a:ext cx="2438399" cy="365760"/>
+            <a:off x="7551738" y="1646237"/>
+            <a:ext cx="2438400" cy="365125"/>
           </a:xfrm>
           <a:prstGeom prst="rect">
             <a:avLst/>
@@ -3219,21 +4673,33 @@
         <p:txBody>
           <a:bodyPr vert="horz" lIns="91440" tIns="45720" rIns="91440" bIns="45720" rtlCol="0" anchor="ctr"/>
           <a:lstStyle>
-            <a:lvl1pPr algn="l">
-              <a:defRPr sz="1200">
+            <a:lvl1pPr algn="l" fontAlgn="auto">
+              <a:spcBef>
+                <a:spcPts val="0"/>
+              </a:spcBef>
+              <a:spcAft>
+                <a:spcPts val="0"/>
+              </a:spcAft>
+              <a:defRPr sz="1200" smtClean="0">
                 <a:solidFill>
                   <a:schemeClr val="bg2"/>
                 </a:solidFill>
+                <a:latin typeface="+mn-lt"/>
               </a:defRPr>
             </a:lvl1pPr>
           </a:lstStyle>
           <a:p>
-            <a:fld id="{468F0D72-8056-4982-839C-6B5742D0CAF2}" type="datetimeFigureOut">
-              <a:rPr lang="es-PE" smtClean="0"/>
-              <a:pPr/>
-              <a:t>19/11/2011</a:t>
+            <a:pPr>
+              <a:defRPr/>
+            </a:pPr>
+            <a:fld id="{B24F3BAC-D6B8-4CC4-8980-4DF2F2393937}" type="datetimeFigureOut">
+              <a:rPr lang="es-PE"/>
+              <a:pPr>
+                <a:defRPr/>
+              </a:pPr>
+              <a:t>21/11/2011</a:t>
             </a:fld>
-            <a:endParaRPr lang="es-PE"/>
+            <a:endParaRPr lang="es-PE" dirty="0"/>
           </a:p>
         </p:txBody>
       </p:sp>
@@ -3241,48 +4707,161 @@
   </p:cSld>
   <p:clrMap bg1="lt1" tx1="dk1" bg2="lt2" tx2="dk2" accent1="accent1" accent2="accent2" accent3="accent3" accent4="accent4" accent5="accent5" accent6="accent6" hlink="hlink" folHlink="folHlink"/>
   <p:sldLayoutIdLst>
-    <p:sldLayoutId id="2147483805" r:id="rId1"/>
-    <p:sldLayoutId id="2147483806" r:id="rId2"/>
-    <p:sldLayoutId id="2147483807" r:id="rId3"/>
-    <p:sldLayoutId id="2147483808" r:id="rId4"/>
-    <p:sldLayoutId id="2147483809" r:id="rId5"/>
-    <p:sldLayoutId id="2147483810" r:id="rId6"/>
-    <p:sldLayoutId id="2147483811" r:id="rId7"/>
-    <p:sldLayoutId id="2147483812" r:id="rId8"/>
-    <p:sldLayoutId id="2147483813" r:id="rId9"/>
-    <p:sldLayoutId id="2147483814" r:id="rId10"/>
-    <p:sldLayoutId id="2147483815" r:id="rId11"/>
+    <p:sldLayoutId id="2147483816" r:id="rId1"/>
+    <p:sldLayoutId id="2147483815" r:id="rId2"/>
+    <p:sldLayoutId id="2147483814" r:id="rId3"/>
+    <p:sldLayoutId id="2147483813" r:id="rId4"/>
+    <p:sldLayoutId id="2147483812" r:id="rId5"/>
+    <p:sldLayoutId id="2147483811" r:id="rId6"/>
+    <p:sldLayoutId id="2147483810" r:id="rId7"/>
+    <p:sldLayoutId id="2147483809" r:id="rId8"/>
+    <p:sldLayoutId id="2147483808" r:id="rId9"/>
+    <p:sldLayoutId id="2147483807" r:id="rId10"/>
+    <p:sldLayoutId id="2147483806" r:id="rId11"/>
   </p:sldLayoutIdLst>
   <p:txStyles>
     <p:titleStyle>
-      <a:lvl1pPr algn="l" defTabSz="914400" rtl="0" eaLnBrk="1" latinLnBrk="0" hangingPunct="1">
+      <a:lvl1pPr algn="l" rtl="0" fontAlgn="base">
         <a:spcBef>
           <a:spcPct val="0"/>
         </a:spcBef>
-        <a:buNone/>
-        <a:defRPr sz="4600" kern="1200" cap="none" spc="-100" baseline="0">
-          <a:ln>
-            <a:noFill/>
-          </a:ln>
+        <a:spcAft>
+          <a:spcPct val="0"/>
+        </a:spcAft>
+        <a:defRPr sz="4600" kern="1200" spc="-100">
           <a:solidFill>
             <a:schemeClr val="tx2"/>
           </a:solidFill>
-          <a:effectLst/>
           <a:latin typeface="+mj-lt"/>
           <a:ea typeface="+mj-ea"/>
           <a:cs typeface="+mj-cs"/>
         </a:defRPr>
       </a:lvl1pPr>
+      <a:lvl2pPr algn="l" rtl="0" fontAlgn="base">
+        <a:spcBef>
+          <a:spcPct val="0"/>
+        </a:spcBef>
+        <a:spcAft>
+          <a:spcPct val="0"/>
+        </a:spcAft>
+        <a:defRPr sz="4600">
+          <a:solidFill>
+            <a:schemeClr val="tx2"/>
+          </a:solidFill>
+          <a:latin typeface="Cambria" pitchFamily="18" charset="0"/>
+        </a:defRPr>
+      </a:lvl2pPr>
+      <a:lvl3pPr algn="l" rtl="0" fontAlgn="base">
+        <a:spcBef>
+          <a:spcPct val="0"/>
+        </a:spcBef>
+        <a:spcAft>
+          <a:spcPct val="0"/>
+        </a:spcAft>
+        <a:defRPr sz="4600">
+          <a:solidFill>
+            <a:schemeClr val="tx2"/>
+          </a:solidFill>
+          <a:latin typeface="Cambria" pitchFamily="18" charset="0"/>
+        </a:defRPr>
+      </a:lvl3pPr>
+      <a:lvl4pPr algn="l" rtl="0" fontAlgn="base">
+        <a:spcBef>
+          <a:spcPct val="0"/>
+        </a:spcBef>
+        <a:spcAft>
+          <a:spcPct val="0"/>
+        </a:spcAft>
+        <a:defRPr sz="4600">
+          <a:solidFill>
+            <a:schemeClr val="tx2"/>
+          </a:solidFill>
+          <a:latin typeface="Cambria" pitchFamily="18" charset="0"/>
+        </a:defRPr>
+      </a:lvl4pPr>
+      <a:lvl5pPr algn="l" rtl="0" fontAlgn="base">
+        <a:spcBef>
+          <a:spcPct val="0"/>
+        </a:spcBef>
+        <a:spcAft>
+          <a:spcPct val="0"/>
+        </a:spcAft>
+        <a:defRPr sz="4600">
+          <a:solidFill>
+            <a:schemeClr val="tx2"/>
+          </a:solidFill>
+          <a:latin typeface="Cambria" pitchFamily="18" charset="0"/>
+        </a:defRPr>
+      </a:lvl5pPr>
+      <a:lvl6pPr marL="457200" algn="l" rtl="0" fontAlgn="base">
+        <a:spcBef>
+          <a:spcPct val="0"/>
+        </a:spcBef>
+        <a:spcAft>
+          <a:spcPct val="0"/>
+        </a:spcAft>
+        <a:defRPr sz="4600">
+          <a:solidFill>
+            <a:schemeClr val="tx2"/>
+          </a:solidFill>
+          <a:latin typeface="Cambria" pitchFamily="18" charset="0"/>
+        </a:defRPr>
+      </a:lvl6pPr>
+      <a:lvl7pPr marL="914400" algn="l" rtl="0" fontAlgn="base">
+        <a:spcBef>
+          <a:spcPct val="0"/>
+        </a:spcBef>
+        <a:spcAft>
+          <a:spcPct val="0"/>
+        </a:spcAft>
+        <a:defRPr sz="4600">
+          <a:solidFill>
+            <a:schemeClr val="tx2"/>
+          </a:solidFill>
+          <a:latin typeface="Cambria" pitchFamily="18" charset="0"/>
+        </a:defRPr>
+      </a:lvl7pPr>
+      <a:lvl8pPr marL="1371600" algn="l" rtl="0" fontAlgn="base">
+        <a:spcBef>
+          <a:spcPct val="0"/>
+        </a:spcBef>
+        <a:spcAft>
+          <a:spcPct val="0"/>
+        </a:spcAft>
+        <a:defRPr sz="4600">
+          <a:solidFill>
+            <a:schemeClr val="tx2"/>
+          </a:solidFill>
+          <a:latin typeface="Cambria" pitchFamily="18" charset="0"/>
+        </a:defRPr>
+      </a:lvl8pPr>
+      <a:lvl9pPr marL="1828800" algn="l" rtl="0" fontAlgn="base">
+        <a:spcBef>
+          <a:spcPct val="0"/>
+        </a:spcBef>
+        <a:spcAft>
+          <a:spcPct val="0"/>
+        </a:spcAft>
+        <a:defRPr sz="4600">
+          <a:solidFill>
+            <a:schemeClr val="tx2"/>
+          </a:solidFill>
+          <a:latin typeface="Cambria" pitchFamily="18" charset="0"/>
+        </a:defRPr>
+      </a:lvl9pPr>
     </p:titleStyle>
     <p:bodyStyle>
-      <a:lvl1pPr marL="342900" indent="-228600" algn="l" defTabSz="914400" rtl="0" eaLnBrk="1" latinLnBrk="0" hangingPunct="1">
+      <a:lvl1pPr marL="342900" indent="-228600" algn="l" rtl="0" fontAlgn="base">
         <a:spcBef>
           <a:spcPct val="20000"/>
         </a:spcBef>
+        <a:spcAft>
+          <a:spcPct val="0"/>
+        </a:spcAft>
         <a:buClr>
           <a:schemeClr val="accent1"/>
         </a:buClr>
-        <a:buFont typeface="Arial" pitchFamily="34" charset="0"/>
+        <a:buFont typeface="Arial" charset="0"/>
         <a:buChar char="•"/>
         <a:defRPr sz="2200" kern="1200">
           <a:solidFill>
@@ -3293,14 +4872,17 @@
           <a:cs typeface="+mn-cs"/>
         </a:defRPr>
       </a:lvl1pPr>
-      <a:lvl2pPr marL="640080" indent="-228600" algn="l" defTabSz="914400" rtl="0" eaLnBrk="1" latinLnBrk="0" hangingPunct="1">
+      <a:lvl2pPr marL="639763" indent="-228600" algn="l" rtl="0" fontAlgn="base">
         <a:spcBef>
           <a:spcPct val="20000"/>
         </a:spcBef>
+        <a:spcAft>
+          <a:spcPct val="0"/>
+        </a:spcAft>
         <a:buClr>
           <a:schemeClr val="accent2"/>
         </a:buClr>
-        <a:buFont typeface="Arial" pitchFamily="34" charset="0"/>
+        <a:buFont typeface="Arial" charset="0"/>
         <a:buChar char="•"/>
         <a:defRPr sz="2000" kern="1200">
           <a:solidFill>
@@ -3311,16 +4893,19 @@
           <a:cs typeface="+mn-cs"/>
         </a:defRPr>
       </a:lvl2pPr>
-      <a:lvl3pPr marL="1005840" indent="-228600" algn="l" defTabSz="914400" rtl="0" eaLnBrk="1" latinLnBrk="0" hangingPunct="1">
+      <a:lvl3pPr marL="1004888" indent="-228600" algn="l" rtl="0" fontAlgn="base">
         <a:spcBef>
           <a:spcPct val="20000"/>
         </a:spcBef>
+        <a:spcAft>
+          <a:spcPct val="0"/>
+        </a:spcAft>
         <a:buClr>
-          <a:schemeClr val="accent3"/>
+          <a:srgbClr val="D2CB6C"/>
         </a:buClr>
-        <a:buFont typeface="Arial" pitchFamily="34" charset="0"/>
+        <a:buFont typeface="Arial" charset="0"/>
         <a:buChar char="•"/>
-        <a:defRPr sz="1800" kern="1200">
+        <a:defRPr kern="1200">
           <a:solidFill>
             <a:schemeClr val="tx1"/>
           </a:solidFill>
@@ -3329,14 +4914,17 @@
           <a:cs typeface="+mn-cs"/>
         </a:defRPr>
       </a:lvl3pPr>
-      <a:lvl4pPr marL="1280160" indent="-228600" algn="l" defTabSz="914400" rtl="0" eaLnBrk="1" latinLnBrk="0" hangingPunct="1">
+      <a:lvl4pPr marL="1279525" indent="-228600" algn="l" rtl="0" fontAlgn="base">
         <a:spcBef>
           <a:spcPct val="20000"/>
         </a:spcBef>
+        <a:spcAft>
+          <a:spcPct val="0"/>
+        </a:spcAft>
         <a:buClr>
-          <a:schemeClr val="accent4"/>
+          <a:srgbClr val="95A39D"/>
         </a:buClr>
-        <a:buFont typeface="Arial" pitchFamily="34" charset="0"/>
+        <a:buFont typeface="Arial" charset="0"/>
         <a:buChar char="•"/>
         <a:defRPr sz="1600" kern="1200">
           <a:solidFill>
@@ -3347,16 +4935,19 @@
           <a:cs typeface="+mn-cs"/>
         </a:defRPr>
       </a:lvl4pPr>
-      <a:lvl5pPr marL="1554480" indent="-228600" algn="l" defTabSz="914400" rtl="0" eaLnBrk="1" latinLnBrk="0" hangingPunct="1">
+      <a:lvl5pPr marL="1554163" indent="-228600" algn="l" rtl="0" fontAlgn="base">
         <a:spcBef>
           <a:spcPct val="20000"/>
         </a:spcBef>
+        <a:spcAft>
+          <a:spcPct val="0"/>
+        </a:spcAft>
         <a:buClr>
-          <a:schemeClr val="accent5"/>
+          <a:srgbClr val="C89F5D"/>
         </a:buClr>
-        <a:buFont typeface="Arial" pitchFamily="34" charset="0"/>
+        <a:buFont typeface="Arial" charset="0"/>
         <a:buChar char="•"/>
-        <a:defRPr sz="1400" kern="1200" baseline="0">
+        <a:defRPr sz="1400" kern="1200">
           <a:solidFill>
             <a:schemeClr val="tx1"/>
           </a:solidFill>
@@ -3566,15 +5157,20 @@
         </p:nvSpPr>
         <p:spPr>
           <a:xfrm>
-            <a:off x="683568" y="908720"/>
-            <a:ext cx="7543800" cy="3086199"/>
+            <a:off x="179388" y="1196975"/>
+            <a:ext cx="8048625" cy="3086100"/>
           </a:xfrm>
         </p:spPr>
         <p:txBody>
           <a:bodyPr/>
           <a:lstStyle/>
           <a:p>
-            <a:pPr lvl="0"/>
+            <a:pPr fontAlgn="auto">
+              <a:spcAft>
+                <a:spcPts val="0"/>
+              </a:spcAft>
+              <a:defRPr/>
+            </a:pPr>
             <a:r>
               <a:rPr lang="es-PE" sz="7000" dirty="0" smtClean="0"/>
               <a:t/>
@@ -3584,7 +5180,7 @@
             </a:br>
             <a:r>
               <a:rPr lang="es-PE" sz="7000" dirty="0" smtClean="0"/>
-              <a:t>BASTANTEO DE PODERES</a:t>
+              <a:t>DESARROLLO DE PRUEBAS UNITARIAS</a:t>
             </a:r>
             <a:endParaRPr lang="es-PE" sz="7000" dirty="0"/>
           </a:p>
@@ -3603,96 +5199,922 @@
         <p:spPr>
           <a:xfrm>
             <a:off x="685800" y="4572000"/>
-            <a:ext cx="6461760" cy="1737320"/>
+            <a:ext cx="6461125" cy="1736725"/>
           </a:xfrm>
         </p:spPr>
         <p:txBody>
-          <a:bodyPr>
-            <a:normAutofit fontScale="85000" lnSpcReduction="20000"/>
+          <a:bodyPr rtlCol="0">
+            <a:normAutofit fontScale="77500" lnSpcReduction="20000"/>
           </a:bodyPr>
           <a:lstStyle/>
           <a:p>
+            <a:pPr fontAlgn="auto">
+              <a:spcAft>
+                <a:spcPts val="0"/>
+              </a:spcAft>
+              <a:buFont typeface="Arial" pitchFamily="34" charset="0"/>
+              <a:buNone/>
+              <a:defRPr/>
+            </a:pPr>
             <a:r>
               <a:rPr lang="es-PE" dirty="0" smtClean="0"/>
               <a:t> </a:t>
             </a:r>
           </a:p>
           <a:p>
+            <a:pPr fontAlgn="auto">
+              <a:spcAft>
+                <a:spcPts val="0"/>
+              </a:spcAft>
+              <a:buFont typeface="Arial" pitchFamily="34" charset="0"/>
+              <a:buNone/>
+              <a:defRPr/>
+            </a:pPr>
             <a:r>
               <a:rPr lang="es-PE" sz="3000" dirty="0" smtClean="0"/>
               <a:t>Integrantes</a:t>
             </a:r>
           </a:p>
           <a:p>
+            <a:pPr fontAlgn="auto">
+              <a:spcAft>
+                <a:spcPts val="0"/>
+              </a:spcAft>
+              <a:buFont typeface="Arial" pitchFamily="34" charset="0"/>
+              <a:buNone/>
+              <a:defRPr/>
+            </a:pPr>
             <a:r>
               <a:rPr lang="es-PE" sz="3000" dirty="0" smtClean="0"/>
               <a:t> </a:t>
             </a:r>
           </a:p>
           <a:p>
-            <a:r>
-              <a:rPr lang="es-ES" sz="1200" dirty="0" smtClean="0"/>
+            <a:pPr fontAlgn="auto">
+              <a:spcAft>
+                <a:spcPts val="0"/>
+              </a:spcAft>
+              <a:buFont typeface="Arial" pitchFamily="34" charset="0"/>
+              <a:buNone/>
+              <a:defRPr/>
+            </a:pPr>
+            <a:r>
+              <a:rPr lang="es-ES" sz="1300" b="1" dirty="0" smtClean="0"/>
               <a:t>De La Cruz Saavedra, Omar Alberto</a:t>
             </a:r>
-            <a:endParaRPr lang="es-PE" sz="1200" dirty="0" smtClean="0"/>
-          </a:p>
-          <a:p>
-            <a:r>
-              <a:rPr lang="es-ES" sz="1200" dirty="0" smtClean="0"/>
+            <a:endParaRPr lang="es-PE" sz="1300" b="1" dirty="0" smtClean="0"/>
+          </a:p>
+          <a:p>
+            <a:pPr fontAlgn="auto">
+              <a:spcAft>
+                <a:spcPts val="0"/>
+              </a:spcAft>
+              <a:buFont typeface="Arial" pitchFamily="34" charset="0"/>
+              <a:buNone/>
+              <a:defRPr/>
+            </a:pPr>
+            <a:r>
+              <a:rPr lang="es-ES" sz="1300" b="1" dirty="0" smtClean="0"/>
               <a:t>Gabriel Tuesta, Vanessa Vilma</a:t>
             </a:r>
-            <a:endParaRPr lang="es-PE" sz="1200" dirty="0" smtClean="0"/>
-          </a:p>
-          <a:p>
-            <a:r>
-              <a:rPr lang="es-ES" sz="1200" dirty="0" smtClean="0"/>
+            <a:endParaRPr lang="es-PE" sz="1300" b="1" dirty="0" smtClean="0"/>
+          </a:p>
+          <a:p>
+            <a:pPr fontAlgn="auto">
+              <a:spcAft>
+                <a:spcPts val="0"/>
+              </a:spcAft>
+              <a:buFont typeface="Arial" pitchFamily="34" charset="0"/>
+              <a:buNone/>
+              <a:defRPr/>
+            </a:pPr>
+            <a:r>
+              <a:rPr lang="es-ES" sz="1300" b="1" dirty="0" smtClean="0"/>
               <a:t>Guevara Ramos, </a:t>
             </a:r>
             <a:r>
-              <a:rPr lang="es-ES" sz="1200" dirty="0" err="1" smtClean="0"/>
+              <a:rPr lang="es-ES" sz="1300" b="1" dirty="0" err="1" smtClean="0"/>
               <a:t>Derwin</a:t>
             </a:r>
             <a:r>
-              <a:rPr lang="es-ES" sz="1200" dirty="0" smtClean="0"/>
+              <a:rPr lang="es-ES" sz="1300" b="1" dirty="0" smtClean="0"/>
               <a:t> </a:t>
             </a:r>
             <a:r>
-              <a:rPr lang="es-ES" sz="1200" dirty="0" err="1" smtClean="0"/>
+              <a:rPr lang="es-ES" sz="1300" b="1" dirty="0" err="1" smtClean="0"/>
               <a:t>Yusepi</a:t>
             </a:r>
-            <a:endParaRPr lang="es-PE" sz="1200" dirty="0" smtClean="0"/>
-          </a:p>
-          <a:p>
-            <a:r>
-              <a:rPr lang="es-ES" sz="1200" dirty="0" smtClean="0"/>
+            <a:endParaRPr lang="es-PE" sz="1300" b="1" dirty="0" smtClean="0"/>
+          </a:p>
+          <a:p>
+            <a:pPr fontAlgn="auto">
+              <a:spcAft>
+                <a:spcPts val="0"/>
+              </a:spcAft>
+              <a:buFont typeface="Arial" pitchFamily="34" charset="0"/>
+              <a:buNone/>
+              <a:defRPr/>
+            </a:pPr>
+            <a:r>
+              <a:rPr lang="es-ES" sz="1300" b="1" dirty="0" smtClean="0"/>
               <a:t>Ortega </a:t>
             </a:r>
             <a:r>
-              <a:rPr lang="es-ES" sz="1200" dirty="0" err="1" smtClean="0"/>
+              <a:rPr lang="es-ES" sz="1300" b="1" dirty="0" err="1" smtClean="0"/>
               <a:t>Alvarez</a:t>
             </a:r>
             <a:r>
-              <a:rPr lang="es-ES" sz="1200" dirty="0" smtClean="0"/>
+              <a:rPr lang="es-ES" sz="1300" b="1" dirty="0" smtClean="0"/>
               <a:t>, </a:t>
             </a:r>
             <a:r>
-              <a:rPr lang="es-ES" sz="1200" dirty="0" err="1" smtClean="0"/>
+              <a:rPr lang="es-ES" sz="1300" b="1" dirty="0" err="1" smtClean="0"/>
               <a:t>Ritchard</a:t>
             </a:r>
             <a:r>
-              <a:rPr lang="es-ES" sz="1200" dirty="0" smtClean="0"/>
+              <a:rPr lang="es-ES" sz="1300" b="1" dirty="0" smtClean="0"/>
               <a:t> Eduardo</a:t>
             </a:r>
-            <a:endParaRPr lang="es-PE" sz="3000" dirty="0"/>
-          </a:p>
-        </p:txBody>
-      </p:sp>
+            <a:endParaRPr lang="es-PE" sz="1300" b="1" dirty="0"/>
+          </a:p>
+        </p:txBody>
+      </p:sp>
+      <p:grpSp>
+        <p:nvGrpSpPr>
+          <p:cNvPr id="14339" name="8 Grupo"/>
+          <p:cNvGrpSpPr>
+            <a:grpSpLocks/>
+          </p:cNvGrpSpPr>
+          <p:nvPr/>
+        </p:nvGrpSpPr>
+        <p:grpSpPr bwMode="auto">
+          <a:xfrm>
+            <a:off x="0" y="0"/>
+            <a:ext cx="8459788" cy="923925"/>
+            <a:chOff x="0" y="0"/>
+            <a:chExt cx="8460432" cy="923330"/>
+          </a:xfrm>
+        </p:grpSpPr>
+        <p:sp>
+          <p:nvSpPr>
+            <p:cNvPr id="7" name="6 CuadroTexto"/>
+            <p:cNvSpPr txBox="1"/>
+            <p:nvPr/>
+          </p:nvSpPr>
+          <p:spPr>
+            <a:xfrm>
+              <a:off x="0" y="0"/>
+              <a:ext cx="8460432" cy="923330"/>
+            </a:xfrm>
+            <a:prstGeom prst="rect">
+              <a:avLst/>
+            </a:prstGeom>
+            <a:solidFill>
+              <a:srgbClr val="FFC000"/>
+            </a:solidFill>
+          </p:spPr>
+          <p:txBody>
+            <a:bodyPr>
+              <a:spAutoFit/>
+            </a:bodyPr>
+            <a:lstStyle/>
+            <a:p>
+              <a:pPr fontAlgn="auto">
+                <a:spcBef>
+                  <a:spcPts val="0"/>
+                </a:spcBef>
+                <a:spcAft>
+                  <a:spcPts val="0"/>
+                </a:spcAft>
+                <a:defRPr/>
+              </a:pPr>
+              <a:r>
+                <a:rPr lang="es-PE" sz="3600" dirty="0">
+                  <a:latin typeface="+mj-lt"/>
+                </a:rPr>
+                <a:t>	      </a:t>
+              </a:r>
+              <a:r>
+                <a:rPr lang="es-PE" sz="3600" b="1" dirty="0">
+                  <a:latin typeface="+mj-lt"/>
+                </a:rPr>
+                <a:t>BASTANTEO DE PODERES</a:t>
+              </a:r>
+            </a:p>
+            <a:p>
+              <a:pPr fontAlgn="auto">
+                <a:spcBef>
+                  <a:spcPts val="0"/>
+                </a:spcBef>
+                <a:spcAft>
+                  <a:spcPts val="0"/>
+                </a:spcAft>
+                <a:defRPr/>
+              </a:pPr>
+              <a:endParaRPr lang="es-ES" dirty="0">
+                <a:latin typeface="+mn-lt"/>
+              </a:endParaRPr>
+            </a:p>
+          </p:txBody>
+        </p:sp>
+        <p:pic>
+          <p:nvPicPr>
+            <p:cNvPr id="14341" name="4 Imagen" descr="logo_java.png"/>
+            <p:cNvPicPr>
+              <a:picLocks noChangeAspect="1"/>
+            </p:cNvPicPr>
+            <p:nvPr/>
+          </p:nvPicPr>
+          <p:blipFill>
+            <a:blip r:embed="rId3" cstate="print"/>
+            <a:srcRect/>
+            <a:stretch>
+              <a:fillRect/>
+            </a:stretch>
+          </p:blipFill>
+          <p:spPr bwMode="auto">
+            <a:xfrm>
+              <a:off x="7668344" y="0"/>
+              <a:ext cx="720080" cy="720080"/>
+            </a:xfrm>
+            <a:prstGeom prst="rect">
+              <a:avLst/>
+            </a:prstGeom>
+            <a:noFill/>
+            <a:ln w="9525">
+              <a:noFill/>
+              <a:miter lim="800000"/>
+              <a:headEnd/>
+              <a:tailEnd/>
+            </a:ln>
+          </p:spPr>
+        </p:pic>
+        <p:pic>
+          <p:nvPicPr>
+            <p:cNvPr id="14342" name="7 Imagen" descr="logo_epe.jpg"/>
+            <p:cNvPicPr>
+              <a:picLocks noChangeAspect="1"/>
+            </p:cNvPicPr>
+            <p:nvPr/>
+          </p:nvPicPr>
+          <p:blipFill>
+            <a:blip r:embed="rId4" cstate="print"/>
+            <a:srcRect/>
+            <a:stretch>
+              <a:fillRect/>
+            </a:stretch>
+          </p:blipFill>
+          <p:spPr bwMode="auto">
+            <a:xfrm>
+              <a:off x="0" y="0"/>
+              <a:ext cx="695325" cy="885825"/>
+            </a:xfrm>
+            <a:prstGeom prst="rect">
+              <a:avLst/>
+            </a:prstGeom>
+            <a:noFill/>
+            <a:ln w="9525">
+              <a:noFill/>
+              <a:miter lim="800000"/>
+              <a:headEnd/>
+              <a:tailEnd/>
+            </a:ln>
+          </p:spPr>
+        </p:pic>
+      </p:grpSp>
     </p:spTree>
-    <p:extLst>
-      <p:ext uri="{BB962C8B-B14F-4D97-AF65-F5344CB8AC3E}">
-        <p14:creationId xmlns="" xmlns:p14="http://schemas.microsoft.com/office/powerpoint/2010/main" val="4127172830"/>
-      </p:ext>
-    </p:extLst>
+  </p:cSld>
+  <p:clrMapOvr>
+    <a:masterClrMapping/>
+  </p:clrMapOvr>
+  <p:timing>
+    <p:tnLst>
+      <p:par>
+        <p:cTn id="1" dur="indefinite" restart="never" nodeType="tmRoot"/>
+      </p:par>
+    </p:tnLst>
+  </p:timing>
+</p:sld>
+</file>
+
+<file path=ppt/slides/slide10.xml><?xml version="1.0" encoding="utf-8"?>
+<p:sld xmlns:a="http://schemas.openxmlformats.org/drawingml/2006/main" xmlns:r="http://schemas.openxmlformats.org/officeDocument/2006/relationships" xmlns:p="http://schemas.openxmlformats.org/presentationml/2006/main">
+  <p:cSld>
+    <p:spTree>
+      <p:nvGrpSpPr>
+        <p:cNvPr id="1" name=""/>
+        <p:cNvGrpSpPr/>
+        <p:nvPr/>
+      </p:nvGrpSpPr>
+      <p:grpSpPr>
+        <a:xfrm>
+          <a:off x="0" y="0"/>
+          <a:ext cx="0" cy="0"/>
+          <a:chOff x="0" y="0"/>
+          <a:chExt cx="0" cy="0"/>
+        </a:xfrm>
+      </p:grpSpPr>
+      <p:grpSp>
+        <p:nvGrpSpPr>
+          <p:cNvPr id="26627" name="3 Grupo"/>
+          <p:cNvGrpSpPr>
+            <a:grpSpLocks/>
+          </p:cNvGrpSpPr>
+          <p:nvPr/>
+        </p:nvGrpSpPr>
+        <p:grpSpPr bwMode="auto">
+          <a:xfrm>
+            <a:off x="0" y="0"/>
+            <a:ext cx="8459788" cy="923925"/>
+            <a:chOff x="0" y="0"/>
+            <a:chExt cx="8460432" cy="923330"/>
+          </a:xfrm>
+        </p:grpSpPr>
+        <p:sp>
+          <p:nvSpPr>
+            <p:cNvPr id="5" name="4 CuadroTexto"/>
+            <p:cNvSpPr txBox="1"/>
+            <p:nvPr/>
+          </p:nvSpPr>
+          <p:spPr>
+            <a:xfrm>
+              <a:off x="0" y="0"/>
+              <a:ext cx="8460432" cy="923330"/>
+            </a:xfrm>
+            <a:prstGeom prst="rect">
+              <a:avLst/>
+            </a:prstGeom>
+            <a:solidFill>
+              <a:srgbClr val="FFC000"/>
+            </a:solidFill>
+          </p:spPr>
+          <p:txBody>
+            <a:bodyPr>
+              <a:spAutoFit/>
+            </a:bodyPr>
+            <a:lstStyle/>
+            <a:p>
+              <a:pPr fontAlgn="auto">
+                <a:spcBef>
+                  <a:spcPts val="0"/>
+                </a:spcBef>
+                <a:spcAft>
+                  <a:spcPts val="0"/>
+                </a:spcAft>
+                <a:defRPr/>
+              </a:pPr>
+              <a:r>
+                <a:rPr lang="es-PE" sz="3600" dirty="0">
+                  <a:latin typeface="+mj-lt"/>
+                </a:rPr>
+                <a:t>	      </a:t>
+              </a:r>
+              <a:r>
+                <a:rPr lang="es-PE" sz="3600" b="1" dirty="0">
+                  <a:latin typeface="+mj-lt"/>
+                </a:rPr>
+                <a:t>BASTANTEO DE PODERES</a:t>
+              </a:r>
+            </a:p>
+            <a:p>
+              <a:pPr fontAlgn="auto">
+                <a:spcBef>
+                  <a:spcPts val="0"/>
+                </a:spcBef>
+                <a:spcAft>
+                  <a:spcPts val="0"/>
+                </a:spcAft>
+                <a:defRPr/>
+              </a:pPr>
+              <a:endParaRPr lang="es-ES" dirty="0">
+                <a:latin typeface="+mn-lt"/>
+              </a:endParaRPr>
+            </a:p>
+          </p:txBody>
+        </p:sp>
+        <p:pic>
+          <p:nvPicPr>
+            <p:cNvPr id="26629" name="5 Imagen" descr="logo_java.png"/>
+            <p:cNvPicPr>
+              <a:picLocks noChangeAspect="1"/>
+            </p:cNvPicPr>
+            <p:nvPr/>
+          </p:nvPicPr>
+          <p:blipFill>
+            <a:blip r:embed="rId3" cstate="print"/>
+            <a:srcRect/>
+            <a:stretch>
+              <a:fillRect/>
+            </a:stretch>
+          </p:blipFill>
+          <p:spPr bwMode="auto">
+            <a:xfrm>
+              <a:off x="7668344" y="0"/>
+              <a:ext cx="720080" cy="720080"/>
+            </a:xfrm>
+            <a:prstGeom prst="rect">
+              <a:avLst/>
+            </a:prstGeom>
+            <a:noFill/>
+            <a:ln w="9525">
+              <a:noFill/>
+              <a:miter lim="800000"/>
+              <a:headEnd/>
+              <a:tailEnd/>
+            </a:ln>
+          </p:spPr>
+        </p:pic>
+        <p:pic>
+          <p:nvPicPr>
+            <p:cNvPr id="26630" name="6 Imagen" descr="logo_epe.jpg"/>
+            <p:cNvPicPr>
+              <a:picLocks noChangeAspect="1"/>
+            </p:cNvPicPr>
+            <p:nvPr/>
+          </p:nvPicPr>
+          <p:blipFill>
+            <a:blip r:embed="rId4" cstate="print"/>
+            <a:srcRect/>
+            <a:stretch>
+              <a:fillRect/>
+            </a:stretch>
+          </p:blipFill>
+          <p:spPr bwMode="auto">
+            <a:xfrm>
+              <a:off x="0" y="0"/>
+              <a:ext cx="695325" cy="885825"/>
+            </a:xfrm>
+            <a:prstGeom prst="rect">
+              <a:avLst/>
+            </a:prstGeom>
+            <a:noFill/>
+            <a:ln w="9525">
+              <a:noFill/>
+              <a:miter lim="800000"/>
+              <a:headEnd/>
+              <a:tailEnd/>
+            </a:ln>
+          </p:spPr>
+        </p:pic>
+      </p:grpSp>
+      <p:pic>
+        <p:nvPicPr>
+          <p:cNvPr id="26631" name="Picture 7" descr="diagrama de clases"/>
+          <p:cNvPicPr>
+            <a:picLocks noChangeAspect="1" noChangeArrowheads="1"/>
+          </p:cNvPicPr>
+          <p:nvPr/>
+        </p:nvPicPr>
+        <p:blipFill>
+          <a:blip r:embed="rId5" cstate="print"/>
+          <a:srcRect b="10922"/>
+          <a:stretch>
+            <a:fillRect/>
+          </a:stretch>
+        </p:blipFill>
+        <p:spPr bwMode="auto">
+          <a:xfrm>
+            <a:off x="1763713" y="981075"/>
+            <a:ext cx="4995862" cy="5256213"/>
+          </a:xfrm>
+          <a:prstGeom prst="rect">
+            <a:avLst/>
+          </a:prstGeom>
+          <a:noFill/>
+        </p:spPr>
+      </p:pic>
+    </p:spTree>
+  </p:cSld>
+  <p:clrMapOvr>
+    <a:masterClrMapping/>
+  </p:clrMapOvr>
+  <p:timing>
+    <p:tnLst>
+      <p:par>
+        <p:cTn id="1" dur="indefinite" restart="never" nodeType="tmRoot"/>
+      </p:par>
+    </p:tnLst>
+  </p:timing>
+</p:sld>
+</file>
+
+<file path=ppt/slides/slide11.xml><?xml version="1.0" encoding="utf-8"?>
+<p:sld xmlns:a="http://schemas.openxmlformats.org/drawingml/2006/main" xmlns:r="http://schemas.openxmlformats.org/officeDocument/2006/relationships" xmlns:p="http://schemas.openxmlformats.org/presentationml/2006/main">
+  <p:cSld>
+    <p:spTree>
+      <p:nvGrpSpPr>
+        <p:cNvPr id="1" name=""/>
+        <p:cNvGrpSpPr/>
+        <p:nvPr/>
+      </p:nvGrpSpPr>
+      <p:grpSpPr>
+        <a:xfrm>
+          <a:off x="0" y="0"/>
+          <a:ext cx="0" cy="0"/>
+          <a:chOff x="0" y="0"/>
+          <a:chExt cx="0" cy="0"/>
+        </a:xfrm>
+      </p:grpSpPr>
+      <p:pic>
+        <p:nvPicPr>
+          <p:cNvPr id="23553" name="Picture 2"/>
+          <p:cNvPicPr>
+            <a:picLocks noChangeAspect="1" noChangeArrowheads="1"/>
+          </p:cNvPicPr>
+          <p:nvPr/>
+        </p:nvPicPr>
+        <p:blipFill>
+          <a:blip r:embed="rId3" cstate="print"/>
+          <a:srcRect/>
+          <a:stretch>
+            <a:fillRect/>
+          </a:stretch>
+        </p:blipFill>
+        <p:spPr bwMode="auto">
+          <a:xfrm>
+            <a:off x="111125" y="1628775"/>
+            <a:ext cx="8258175" cy="4464050"/>
+          </a:xfrm>
+          <a:prstGeom prst="rect">
+            <a:avLst/>
+          </a:prstGeom>
+          <a:noFill/>
+          <a:ln w="9525">
+            <a:noFill/>
+            <a:miter lim="800000"/>
+            <a:headEnd/>
+            <a:tailEnd/>
+          </a:ln>
+        </p:spPr>
+      </p:pic>
+      <p:grpSp>
+        <p:nvGrpSpPr>
+          <p:cNvPr id="23554" name="5 Grupo"/>
+          <p:cNvGrpSpPr>
+            <a:grpSpLocks/>
+          </p:cNvGrpSpPr>
+          <p:nvPr/>
+        </p:nvGrpSpPr>
+        <p:grpSpPr bwMode="auto">
+          <a:xfrm>
+            <a:off x="0" y="0"/>
+            <a:ext cx="8459788" cy="923925"/>
+            <a:chOff x="0" y="0"/>
+            <a:chExt cx="8460432" cy="923330"/>
+          </a:xfrm>
+        </p:grpSpPr>
+        <p:sp>
+          <p:nvSpPr>
+            <p:cNvPr id="7" name="6 CuadroTexto"/>
+            <p:cNvSpPr txBox="1"/>
+            <p:nvPr/>
+          </p:nvSpPr>
+          <p:spPr>
+            <a:xfrm>
+              <a:off x="0" y="0"/>
+              <a:ext cx="8460432" cy="923330"/>
+            </a:xfrm>
+            <a:prstGeom prst="rect">
+              <a:avLst/>
+            </a:prstGeom>
+            <a:solidFill>
+              <a:srgbClr val="FFC000"/>
+            </a:solidFill>
+          </p:spPr>
+          <p:txBody>
+            <a:bodyPr>
+              <a:spAutoFit/>
+            </a:bodyPr>
+            <a:lstStyle/>
+            <a:p>
+              <a:pPr fontAlgn="auto">
+                <a:spcBef>
+                  <a:spcPts val="0"/>
+                </a:spcBef>
+                <a:spcAft>
+                  <a:spcPts val="0"/>
+                </a:spcAft>
+                <a:defRPr/>
+              </a:pPr>
+              <a:r>
+                <a:rPr lang="es-PE" sz="3600" dirty="0">
+                  <a:latin typeface="+mj-lt"/>
+                </a:rPr>
+                <a:t>	      </a:t>
+              </a:r>
+              <a:r>
+                <a:rPr lang="es-PE" sz="3600" b="1" dirty="0">
+                  <a:latin typeface="+mj-lt"/>
+                </a:rPr>
+                <a:t>BASTANTEO DE PODERES</a:t>
+              </a:r>
+            </a:p>
+            <a:p>
+              <a:pPr fontAlgn="auto">
+                <a:spcBef>
+                  <a:spcPts val="0"/>
+                </a:spcBef>
+                <a:spcAft>
+                  <a:spcPts val="0"/>
+                </a:spcAft>
+                <a:defRPr/>
+              </a:pPr>
+              <a:endParaRPr lang="es-ES" dirty="0">
+                <a:latin typeface="+mn-lt"/>
+              </a:endParaRPr>
+            </a:p>
+          </p:txBody>
+        </p:sp>
+        <p:pic>
+          <p:nvPicPr>
+            <p:cNvPr id="23556" name="7 Imagen" descr="logo_java.png"/>
+            <p:cNvPicPr>
+              <a:picLocks noChangeAspect="1"/>
+            </p:cNvPicPr>
+            <p:nvPr/>
+          </p:nvPicPr>
+          <p:blipFill>
+            <a:blip r:embed="rId4" cstate="print"/>
+            <a:srcRect/>
+            <a:stretch>
+              <a:fillRect/>
+            </a:stretch>
+          </p:blipFill>
+          <p:spPr bwMode="auto">
+            <a:xfrm>
+              <a:off x="7668344" y="0"/>
+              <a:ext cx="720080" cy="720080"/>
+            </a:xfrm>
+            <a:prstGeom prst="rect">
+              <a:avLst/>
+            </a:prstGeom>
+            <a:noFill/>
+            <a:ln w="9525">
+              <a:noFill/>
+              <a:miter lim="800000"/>
+              <a:headEnd/>
+              <a:tailEnd/>
+            </a:ln>
+          </p:spPr>
+        </p:pic>
+        <p:pic>
+          <p:nvPicPr>
+            <p:cNvPr id="23557" name="8 Imagen" descr="logo_epe.jpg"/>
+            <p:cNvPicPr>
+              <a:picLocks noChangeAspect="1"/>
+            </p:cNvPicPr>
+            <p:nvPr/>
+          </p:nvPicPr>
+          <p:blipFill>
+            <a:blip r:embed="rId5" cstate="print"/>
+            <a:srcRect/>
+            <a:stretch>
+              <a:fillRect/>
+            </a:stretch>
+          </p:blipFill>
+          <p:spPr bwMode="auto">
+            <a:xfrm>
+              <a:off x="0" y="0"/>
+              <a:ext cx="695325" cy="885825"/>
+            </a:xfrm>
+            <a:prstGeom prst="rect">
+              <a:avLst/>
+            </a:prstGeom>
+            <a:noFill/>
+            <a:ln w="9525">
+              <a:noFill/>
+              <a:miter lim="800000"/>
+              <a:headEnd/>
+              <a:tailEnd/>
+            </a:ln>
+          </p:spPr>
+        </p:pic>
+      </p:grpSp>
+    </p:spTree>
+  </p:cSld>
+  <p:clrMapOvr>
+    <a:masterClrMapping/>
+  </p:clrMapOvr>
+  <p:timing>
+    <p:tnLst>
+      <p:par>
+        <p:cTn id="1" dur="indefinite" restart="never" nodeType="tmRoot"/>
+      </p:par>
+    </p:tnLst>
+  </p:timing>
+</p:sld>
+</file>
+
+<file path=ppt/slides/slide12.xml><?xml version="1.0" encoding="utf-8"?>
+<p:sld xmlns:a="http://schemas.openxmlformats.org/drawingml/2006/main" xmlns:r="http://schemas.openxmlformats.org/officeDocument/2006/relationships" xmlns:p="http://schemas.openxmlformats.org/presentationml/2006/main">
+  <p:cSld>
+    <p:spTree>
+      <p:nvGrpSpPr>
+        <p:cNvPr id="1" name=""/>
+        <p:cNvGrpSpPr/>
+        <p:nvPr/>
+      </p:nvGrpSpPr>
+      <p:grpSpPr>
+        <a:xfrm>
+          <a:off x="0" y="0"/>
+          <a:ext cx="0" cy="0"/>
+          <a:chOff x="0" y="0"/>
+          <a:chExt cx="0" cy="0"/>
+        </a:xfrm>
+      </p:grpSpPr>
+      <p:sp>
+        <p:nvSpPr>
+          <p:cNvPr id="24577" name="Rectangle 6"/>
+          <p:cNvSpPr>
+            <a:spLocks noChangeArrowheads="1"/>
+          </p:cNvSpPr>
+          <p:nvPr/>
+        </p:nvSpPr>
+        <p:spPr bwMode="auto">
+          <a:xfrm>
+            <a:off x="539750" y="3068638"/>
+            <a:ext cx="7772400" cy="923925"/>
+          </a:xfrm>
+          <a:prstGeom prst="rect">
+            <a:avLst/>
+          </a:prstGeom>
+          <a:noFill/>
+          <a:ln w="9525">
+            <a:noFill/>
+            <a:miter lim="800000"/>
+            <a:headEnd/>
+            <a:tailEnd/>
+          </a:ln>
+        </p:spPr>
+        <p:txBody>
+          <a:bodyPr lIns="92075" tIns="46038" rIns="92075" bIns="46038">
+            <a:spAutoFit/>
+          </a:bodyPr>
+          <a:lstStyle/>
+          <a:p>
+            <a:pPr algn="ctr"/>
+            <a:r>
+              <a:rPr lang="es-ES_tradnl" sz="5400" b="1">
+                <a:solidFill>
+                  <a:srgbClr val="C00000"/>
+                </a:solidFill>
+                <a:latin typeface="Calibri" pitchFamily="34" charset="0"/>
+              </a:rPr>
+              <a:t>Muchas Gracias!</a:t>
+            </a:r>
+            <a:endParaRPr lang="en-US" sz="5400" b="1">
+              <a:solidFill>
+                <a:srgbClr val="C00000"/>
+              </a:solidFill>
+              <a:latin typeface="Calibri" pitchFamily="34" charset="0"/>
+            </a:endParaRPr>
+          </a:p>
+        </p:txBody>
+      </p:sp>
+      <p:grpSp>
+        <p:nvGrpSpPr>
+          <p:cNvPr id="24578" name="5 Grupo"/>
+          <p:cNvGrpSpPr>
+            <a:grpSpLocks/>
+          </p:cNvGrpSpPr>
+          <p:nvPr/>
+        </p:nvGrpSpPr>
+        <p:grpSpPr bwMode="auto">
+          <a:xfrm>
+            <a:off x="0" y="0"/>
+            <a:ext cx="8459788" cy="923925"/>
+            <a:chOff x="0" y="0"/>
+            <a:chExt cx="8460432" cy="923330"/>
+          </a:xfrm>
+        </p:grpSpPr>
+        <p:sp>
+          <p:nvSpPr>
+            <p:cNvPr id="7" name="6 CuadroTexto"/>
+            <p:cNvSpPr txBox="1"/>
+            <p:nvPr/>
+          </p:nvSpPr>
+          <p:spPr>
+            <a:xfrm>
+              <a:off x="0" y="0"/>
+              <a:ext cx="8460432" cy="923330"/>
+            </a:xfrm>
+            <a:prstGeom prst="rect">
+              <a:avLst/>
+            </a:prstGeom>
+            <a:solidFill>
+              <a:srgbClr val="FFC000"/>
+            </a:solidFill>
+          </p:spPr>
+          <p:txBody>
+            <a:bodyPr>
+              <a:spAutoFit/>
+            </a:bodyPr>
+            <a:lstStyle/>
+            <a:p>
+              <a:pPr fontAlgn="auto">
+                <a:spcBef>
+                  <a:spcPts val="0"/>
+                </a:spcBef>
+                <a:spcAft>
+                  <a:spcPts val="0"/>
+                </a:spcAft>
+                <a:defRPr/>
+              </a:pPr>
+              <a:r>
+                <a:rPr lang="es-PE" sz="3600" dirty="0">
+                  <a:latin typeface="+mj-lt"/>
+                </a:rPr>
+                <a:t>	      </a:t>
+              </a:r>
+              <a:r>
+                <a:rPr lang="es-PE" sz="3600" b="1" dirty="0">
+                  <a:latin typeface="+mj-lt"/>
+                </a:rPr>
+                <a:t>BASTANTEO DE PODERES</a:t>
+              </a:r>
+            </a:p>
+            <a:p>
+              <a:pPr fontAlgn="auto">
+                <a:spcBef>
+                  <a:spcPts val="0"/>
+                </a:spcBef>
+                <a:spcAft>
+                  <a:spcPts val="0"/>
+                </a:spcAft>
+                <a:defRPr/>
+              </a:pPr>
+              <a:endParaRPr lang="es-ES" dirty="0">
+                <a:latin typeface="+mn-lt"/>
+              </a:endParaRPr>
+            </a:p>
+          </p:txBody>
+        </p:sp>
+        <p:pic>
+          <p:nvPicPr>
+            <p:cNvPr id="24580" name="7 Imagen" descr="logo_java.png"/>
+            <p:cNvPicPr>
+              <a:picLocks noChangeAspect="1"/>
+            </p:cNvPicPr>
+            <p:nvPr/>
+          </p:nvPicPr>
+          <p:blipFill>
+            <a:blip r:embed="rId3" cstate="print"/>
+            <a:srcRect/>
+            <a:stretch>
+              <a:fillRect/>
+            </a:stretch>
+          </p:blipFill>
+          <p:spPr bwMode="auto">
+            <a:xfrm>
+              <a:off x="7668344" y="0"/>
+              <a:ext cx="720080" cy="720080"/>
+            </a:xfrm>
+            <a:prstGeom prst="rect">
+              <a:avLst/>
+            </a:prstGeom>
+            <a:noFill/>
+            <a:ln w="9525">
+              <a:noFill/>
+              <a:miter lim="800000"/>
+              <a:headEnd/>
+              <a:tailEnd/>
+            </a:ln>
+          </p:spPr>
+        </p:pic>
+        <p:pic>
+          <p:nvPicPr>
+            <p:cNvPr id="24581" name="8 Imagen" descr="logo_epe.jpg"/>
+            <p:cNvPicPr>
+              <a:picLocks noChangeAspect="1"/>
+            </p:cNvPicPr>
+            <p:nvPr/>
+          </p:nvPicPr>
+          <p:blipFill>
+            <a:blip r:embed="rId4" cstate="print"/>
+            <a:srcRect/>
+            <a:stretch>
+              <a:fillRect/>
+            </a:stretch>
+          </p:blipFill>
+          <p:spPr bwMode="auto">
+            <a:xfrm>
+              <a:off x="0" y="0"/>
+              <a:ext cx="695325" cy="885825"/>
+            </a:xfrm>
+            <a:prstGeom prst="rect">
+              <a:avLst/>
+            </a:prstGeom>
+            <a:noFill/>
+            <a:ln w="9525">
+              <a:noFill/>
+              <a:miter lim="800000"/>
+              <a:headEnd/>
+              <a:tailEnd/>
+            </a:ln>
+          </p:spPr>
+        </p:pic>
+      </p:grpSp>
+    </p:spTree>
   </p:cSld>
   <p:clrMapOvr>
     <a:masterClrMapping/>
@@ -3726,45 +6148,239 @@
       </p:grpSpPr>
       <p:sp>
         <p:nvSpPr>
-          <p:cNvPr id="3" name="2 Marcador de contenido"/>
-          <p:cNvSpPr>
-            <a:spLocks noGrp="1"/>
-          </p:cNvSpPr>
-          <p:nvPr>
-            <p:ph idx="1"/>
-          </p:nvPr>
-        </p:nvSpPr>
-        <p:spPr>
+          <p:cNvPr id="15361" name="Text Box 4"/>
+          <p:cNvSpPr txBox="1">
+            <a:spLocks noChangeArrowheads="1"/>
+          </p:cNvSpPr>
+          <p:nvPr/>
+        </p:nvSpPr>
+        <p:spPr bwMode="auto">
           <a:xfrm>
-            <a:off x="755576" y="2780928"/>
-            <a:ext cx="7745505" cy="964629"/>
+            <a:off x="971550" y="2276475"/>
+            <a:ext cx="6629400" cy="3048000"/>
           </a:xfrm>
+          <a:prstGeom prst="rect">
+            <a:avLst/>
+          </a:prstGeom>
+          <a:noFill/>
+          <a:ln w="9525">
+            <a:noFill/>
+            <a:miter lim="800000"/>
+            <a:headEnd/>
+            <a:tailEnd/>
+          </a:ln>
         </p:spPr>
         <p:txBody>
           <a:bodyPr>
-            <a:normAutofit lnSpcReduction="10000"/>
+            <a:spAutoFit/>
           </a:bodyPr>
           <a:lstStyle/>
           <a:p>
-            <a:pPr marL="68580" lvl="0" indent="0" algn="ctr">
-              <a:buNone/>
+            <a:pPr algn="ctr">
+              <a:spcBef>
+                <a:spcPct val="50000"/>
+              </a:spcBef>
             </a:pPr>
             <a:r>
-              <a:rPr lang="es-PE" sz="6000" b="1" dirty="0"/>
-              <a:t>Historias de Usuario</a:t>
-            </a:r>
-          </a:p>
-          <a:p>
-            <a:endParaRPr lang="es-PE" dirty="0"/>
-          </a:p>
-        </p:txBody>
-      </p:sp>
+              <a:rPr lang="es-MX" sz="3200" i="1">
+                <a:latin typeface="Calibri" pitchFamily="34" charset="0"/>
+              </a:rPr>
+              <a:t>En el presente trabajo nos hemos propuesto alcanzar nuestro objetivo el cual es cumplir la metodología de historia de usuarios o casos de prueba identificando los requerimientos del proyecto.</a:t>
+            </a:r>
+          </a:p>
+        </p:txBody>
+      </p:sp>
+      <p:sp>
+        <p:nvSpPr>
+          <p:cNvPr id="15362" name="Text Box 2"/>
+          <p:cNvSpPr txBox="1">
+            <a:spLocks noChangeArrowheads="1"/>
+          </p:cNvSpPr>
+          <p:nvPr/>
+        </p:nvSpPr>
+        <p:spPr bwMode="auto">
+          <a:xfrm>
+            <a:off x="1547813" y="1268413"/>
+            <a:ext cx="5562600" cy="579437"/>
+          </a:xfrm>
+          <a:prstGeom prst="rect">
+            <a:avLst/>
+          </a:prstGeom>
+          <a:noFill/>
+          <a:ln w="9525">
+            <a:noFill/>
+            <a:miter lim="800000"/>
+            <a:headEnd/>
+            <a:tailEnd/>
+          </a:ln>
+        </p:spPr>
+        <p:txBody>
+          <a:bodyPr>
+            <a:spAutoFit/>
+          </a:bodyPr>
+          <a:lstStyle/>
+          <a:p>
+            <a:pPr algn="ctr">
+              <a:spcBef>
+                <a:spcPct val="50000"/>
+              </a:spcBef>
+            </a:pPr>
+            <a:r>
+              <a:rPr lang="es-MX" sz="3200" b="1">
+                <a:latin typeface="Calibri" pitchFamily="34" charset="0"/>
+              </a:rPr>
+              <a:t>INTRODUCCION</a:t>
+            </a:r>
+            <a:endParaRPr lang="es-ES" sz="3200" b="1">
+              <a:latin typeface="Calibri" pitchFamily="34" charset="0"/>
+            </a:endParaRPr>
+          </a:p>
+        </p:txBody>
+      </p:sp>
+      <p:grpSp>
+        <p:nvGrpSpPr>
+          <p:cNvPr id="15363" name="7 Grupo"/>
+          <p:cNvGrpSpPr>
+            <a:grpSpLocks/>
+          </p:cNvGrpSpPr>
+          <p:nvPr/>
+        </p:nvGrpSpPr>
+        <p:grpSpPr bwMode="auto">
+          <a:xfrm>
+            <a:off x="0" y="0"/>
+            <a:ext cx="8459788" cy="923925"/>
+            <a:chOff x="0" y="0"/>
+            <a:chExt cx="8460432" cy="923330"/>
+          </a:xfrm>
+        </p:grpSpPr>
+        <p:sp>
+          <p:nvSpPr>
+            <p:cNvPr id="9" name="8 CuadroTexto"/>
+            <p:cNvSpPr txBox="1"/>
+            <p:nvPr/>
+          </p:nvSpPr>
+          <p:spPr>
+            <a:xfrm>
+              <a:off x="0" y="0"/>
+              <a:ext cx="8460432" cy="923330"/>
+            </a:xfrm>
+            <a:prstGeom prst="rect">
+              <a:avLst/>
+            </a:prstGeom>
+            <a:solidFill>
+              <a:srgbClr val="FFC000"/>
+            </a:solidFill>
+          </p:spPr>
+          <p:txBody>
+            <a:bodyPr>
+              <a:spAutoFit/>
+            </a:bodyPr>
+            <a:lstStyle/>
+            <a:p>
+              <a:pPr fontAlgn="auto">
+                <a:spcBef>
+                  <a:spcPts val="0"/>
+                </a:spcBef>
+                <a:spcAft>
+                  <a:spcPts val="0"/>
+                </a:spcAft>
+                <a:defRPr/>
+              </a:pPr>
+              <a:r>
+                <a:rPr lang="es-PE" sz="3600" dirty="0">
+                  <a:latin typeface="+mj-lt"/>
+                </a:rPr>
+                <a:t>	      </a:t>
+              </a:r>
+              <a:r>
+                <a:rPr lang="es-PE" sz="3600" b="1" dirty="0">
+                  <a:latin typeface="+mj-lt"/>
+                </a:rPr>
+                <a:t>BASTANTEO DE PODERES</a:t>
+              </a:r>
+            </a:p>
+            <a:p>
+              <a:pPr fontAlgn="auto">
+                <a:spcBef>
+                  <a:spcPts val="0"/>
+                </a:spcBef>
+                <a:spcAft>
+                  <a:spcPts val="0"/>
+                </a:spcAft>
+                <a:defRPr/>
+              </a:pPr>
+              <a:endParaRPr lang="es-ES" dirty="0">
+                <a:latin typeface="+mn-lt"/>
+              </a:endParaRPr>
+            </a:p>
+          </p:txBody>
+        </p:sp>
+        <p:pic>
+          <p:nvPicPr>
+            <p:cNvPr id="15365" name="9 Imagen" descr="logo_java.png"/>
+            <p:cNvPicPr>
+              <a:picLocks noChangeAspect="1"/>
+            </p:cNvPicPr>
+            <p:nvPr/>
+          </p:nvPicPr>
+          <p:blipFill>
+            <a:blip r:embed="rId3" cstate="print"/>
+            <a:srcRect/>
+            <a:stretch>
+              <a:fillRect/>
+            </a:stretch>
+          </p:blipFill>
+          <p:spPr bwMode="auto">
+            <a:xfrm>
+              <a:off x="7668344" y="0"/>
+              <a:ext cx="720080" cy="720080"/>
+            </a:xfrm>
+            <a:prstGeom prst="rect">
+              <a:avLst/>
+            </a:prstGeom>
+            <a:noFill/>
+            <a:ln w="9525">
+              <a:noFill/>
+              <a:miter lim="800000"/>
+              <a:headEnd/>
+              <a:tailEnd/>
+            </a:ln>
+          </p:spPr>
+        </p:pic>
+        <p:pic>
+          <p:nvPicPr>
+            <p:cNvPr id="15366" name="10 Imagen" descr="logo_epe.jpg"/>
+            <p:cNvPicPr>
+              <a:picLocks noChangeAspect="1"/>
+            </p:cNvPicPr>
+            <p:nvPr/>
+          </p:nvPicPr>
+          <p:blipFill>
+            <a:blip r:embed="rId4" cstate="print"/>
+            <a:srcRect/>
+            <a:stretch>
+              <a:fillRect/>
+            </a:stretch>
+          </p:blipFill>
+          <p:spPr bwMode="auto">
+            <a:xfrm>
+              <a:off x="0" y="0"/>
+              <a:ext cx="695325" cy="885825"/>
+            </a:xfrm>
+            <a:prstGeom prst="rect">
+              <a:avLst/>
+            </a:prstGeom>
+            <a:noFill/>
+            <a:ln w="9525">
+              <a:noFill/>
+              <a:miter lim="800000"/>
+              <a:headEnd/>
+              <a:tailEnd/>
+            </a:ln>
+          </p:spPr>
+        </p:pic>
+      </p:grpSp>
     </p:spTree>
-    <p:extLst>
-      <p:ext uri="{BB962C8B-B14F-4D97-AF65-F5344CB8AC3E}">
-        <p14:creationId xmlns="" xmlns:p14="http://schemas.microsoft.com/office/powerpoint/2010/main" val="3003819035"/>
-      </p:ext>
-    </p:extLst>
   </p:cSld>
   <p:clrMapOvr>
     <a:masterClrMapping/>
@@ -3798,7 +6414,7 @@
       </p:grpSpPr>
       <p:sp>
         <p:nvSpPr>
-          <p:cNvPr id="5" name="4 Marcador de contenido"/>
+          <p:cNvPr id="3" name="2 Marcador de contenido"/>
           <p:cNvSpPr>
             <a:spLocks noGrp="1"/>
           </p:cNvSpPr>
@@ -3808,188 +6424,186 @@
         </p:nvSpPr>
         <p:spPr>
           <a:xfrm>
-            <a:off x="457200" y="1600200"/>
-            <a:ext cx="7859216" cy="4800600"/>
+            <a:off x="755650" y="2781300"/>
+            <a:ext cx="7745413" cy="963613"/>
           </a:xfrm>
         </p:spPr>
-        <p:style>
-          <a:lnRef idx="2">
-            <a:schemeClr val="accent1"/>
-          </a:lnRef>
-          <a:fillRef idx="1">
-            <a:schemeClr val="lt1"/>
-          </a:fillRef>
-          <a:effectRef idx="0">
-            <a:schemeClr val="accent1"/>
-          </a:effectRef>
-          <a:fontRef idx="minor">
-            <a:schemeClr val="dk1"/>
-          </a:fontRef>
-        </p:style>
-        <p:txBody>
-          <a:bodyPr>
-            <a:normAutofit fontScale="92500"/>
+        <p:txBody>
+          <a:bodyPr rtlCol="0">
+            <a:normAutofit lnSpcReduction="10000"/>
           </a:bodyPr>
           <a:lstStyle/>
           <a:p>
-            <a:pPr>
-              <a:buNone/>
+            <a:pPr marL="68580" indent="0" algn="ctr" fontAlgn="auto">
+              <a:spcAft>
+                <a:spcPts val="0"/>
+              </a:spcAft>
+              <a:buFont typeface="Arial" pitchFamily="34" charset="0"/>
+              <a:buNone/>
+              <a:defRPr/>
             </a:pPr>
             <a:r>
-              <a:rPr lang="es-PE" sz="2000" b="1" dirty="0" smtClean="0"/>
-              <a:t>Historia: Registrar Clientes</a:t>
-            </a:r>
-          </a:p>
-          <a:p>
-            <a:pPr>
-              <a:buNone/>
+              <a:rPr lang="es-PE" sz="6000" b="1" dirty="0"/>
+              <a:t>Historias de Usuario</a:t>
+            </a:r>
+          </a:p>
+          <a:p>
+            <a:pPr fontAlgn="auto">
+              <a:spcAft>
+                <a:spcPts val="0"/>
+              </a:spcAft>
+              <a:buFont typeface="Arial" pitchFamily="34" charset="0"/>
+              <a:buChar char="•"/>
+              <a:defRPr/>
             </a:pPr>
-            <a:r>
-              <a:rPr lang="es-PE" sz="2000" b="1" dirty="0" smtClean="0"/>
-              <a:t>ID: </a:t>
-            </a:r>
-            <a:r>
-              <a:rPr lang="es-PE" sz="2000" dirty="0" smtClean="0"/>
-              <a:t>1</a:t>
-            </a:r>
-          </a:p>
-          <a:p>
-            <a:pPr>
-              <a:buNone/>
-            </a:pPr>
-            <a:r>
-              <a:rPr lang="es-PE" sz="2000" b="1" dirty="0" smtClean="0"/>
-              <a:t>Descripción:</a:t>
-            </a:r>
-          </a:p>
-          <a:p>
-            <a:pPr>
-              <a:buNone/>
-            </a:pPr>
-            <a:r>
-              <a:rPr lang="es-PE" sz="2100" dirty="0" smtClean="0"/>
-              <a:t>Como</a:t>
-            </a:r>
-            <a:r>
-              <a:rPr lang="es-PE" sz="2000" dirty="0" smtClean="0"/>
-              <a:t> supervisor deseo registrar clientes de modo que los abogados puedan bastantear sus poderes bancarios.</a:t>
-            </a:r>
-          </a:p>
-          <a:p>
-            <a:pPr>
-              <a:buNone/>
-            </a:pPr>
-            <a:r>
-              <a:rPr lang="es-PE" sz="2000" b="1" dirty="0" smtClean="0"/>
-              <a:t>Cuando:</a:t>
-            </a:r>
-          </a:p>
-          <a:p>
-            <a:pPr>
-              <a:buNone/>
-            </a:pPr>
-            <a:r>
-              <a:rPr lang="es-PE" sz="2000" dirty="0" smtClean="0"/>
-              <a:t>Registro un cliente debo indicar su RUC, su código de cliente interno (8 dígitos), razón social, fecha de inicio de operaciones, tipo de empresa (SAA, SAC, SRL, etc.) y cantidad de empleados.</a:t>
-            </a:r>
-          </a:p>
-          <a:p>
-            <a:pPr>
-              <a:buNone/>
-            </a:pPr>
-            <a:r>
-              <a:rPr lang="es-PE" sz="2000" b="1" dirty="0" smtClean="0"/>
-              <a:t>Importancia: </a:t>
-            </a:r>
-            <a:r>
-              <a:rPr lang="es-PE" sz="2000" dirty="0" smtClean="0"/>
-              <a:t>650</a:t>
-            </a:r>
-          </a:p>
-          <a:p>
-            <a:pPr>
-              <a:buNone/>
-            </a:pPr>
-            <a:r>
-              <a:rPr lang="es-PE" sz="2000" b="1" dirty="0" smtClean="0"/>
-              <a:t>Espero:</a:t>
-            </a:r>
-          </a:p>
-          <a:p>
-            <a:pPr>
-              <a:buNone/>
-            </a:pPr>
-            <a:r>
-              <a:rPr lang="es-PE" sz="2000" dirty="0" smtClean="0"/>
-              <a:t>-Confirmación del registro OK.</a:t>
-            </a:r>
-          </a:p>
-          <a:p>
-            <a:pPr>
-              <a:buNone/>
-            </a:pPr>
-            <a:r>
-              <a:rPr lang="es-PE" sz="2000" dirty="0" smtClean="0"/>
-              <a:t>- Mensaje de error si no se ingresan los datos requeridos.</a:t>
-            </a:r>
-          </a:p>
-          <a:p>
-            <a:pPr>
-              <a:buNone/>
-            </a:pPr>
-            <a:r>
-              <a:rPr lang="es-PE" sz="2000" dirty="0" smtClean="0"/>
-              <a:t>- Mensaje de error si el cliente ya existe (RUC o código de cliente repetido).</a:t>
-            </a:r>
-          </a:p>
-          <a:p>
-            <a:pPr>
-              <a:buNone/>
-            </a:pPr>
-            <a:endParaRPr lang="es-PE" sz="2000" b="1" dirty="0" smtClean="0"/>
-          </a:p>
-          <a:p>
-            <a:endParaRPr lang="es-PE" sz="2000" dirty="0"/>
-          </a:p>
-        </p:txBody>
-      </p:sp>
-      <p:sp>
-        <p:nvSpPr>
-          <p:cNvPr id="6" name="5 Título"/>
-          <p:cNvSpPr>
-            <a:spLocks noGrp="1"/>
-          </p:cNvSpPr>
-          <p:nvPr>
-            <p:ph type="title"/>
-          </p:nvPr>
-        </p:nvSpPr>
-        <p:spPr/>
-        <p:txBody>
-          <a:bodyPr/>
-          <a:lstStyle/>
-          <a:p>
-            <a:pPr algn="ctr"/>
-            <a:r>
-              <a:rPr lang="es-ES" sz="3600" b="1" dirty="0" smtClean="0"/>
-              <a:t>Historia: Controlar Usuarios</a:t>
-            </a:r>
-            <a:r>
-              <a:rPr lang="es-PE" b="1" i="1" dirty="0" smtClean="0"/>
-              <a:t/>
-            </a:r>
-            <a:br>
-              <a:rPr lang="es-PE" b="1" i="1" dirty="0" smtClean="0"/>
-            </a:br>
             <a:endParaRPr lang="es-PE" dirty="0"/>
           </a:p>
         </p:txBody>
       </p:sp>
+      <p:grpSp>
+        <p:nvGrpSpPr>
+          <p:cNvPr id="16386" name="3 Grupo"/>
+          <p:cNvGrpSpPr>
+            <a:grpSpLocks/>
+          </p:cNvGrpSpPr>
+          <p:nvPr/>
+        </p:nvGrpSpPr>
+        <p:grpSpPr bwMode="auto">
+          <a:xfrm>
+            <a:off x="0" y="0"/>
+            <a:ext cx="8459788" cy="923925"/>
+            <a:chOff x="0" y="0"/>
+            <a:chExt cx="8460432" cy="923330"/>
+          </a:xfrm>
+        </p:grpSpPr>
+        <p:sp>
+          <p:nvSpPr>
+            <p:cNvPr id="5" name="4 CuadroTexto"/>
+            <p:cNvSpPr txBox="1"/>
+            <p:nvPr/>
+          </p:nvSpPr>
+          <p:spPr>
+            <a:xfrm>
+              <a:off x="0" y="0"/>
+              <a:ext cx="8460432" cy="923330"/>
+            </a:xfrm>
+            <a:prstGeom prst="rect">
+              <a:avLst/>
+            </a:prstGeom>
+            <a:solidFill>
+              <a:srgbClr val="FFC000"/>
+            </a:solidFill>
+          </p:spPr>
+          <p:txBody>
+            <a:bodyPr>
+              <a:spAutoFit/>
+            </a:bodyPr>
+            <a:lstStyle/>
+            <a:p>
+              <a:pPr fontAlgn="auto">
+                <a:spcBef>
+                  <a:spcPts val="0"/>
+                </a:spcBef>
+                <a:spcAft>
+                  <a:spcPts val="0"/>
+                </a:spcAft>
+                <a:defRPr/>
+              </a:pPr>
+              <a:r>
+                <a:rPr lang="es-PE" sz="3600" dirty="0">
+                  <a:latin typeface="+mj-lt"/>
+                </a:rPr>
+                <a:t>	      </a:t>
+              </a:r>
+              <a:r>
+                <a:rPr lang="es-PE" sz="3600" b="1" dirty="0">
+                  <a:latin typeface="+mj-lt"/>
+                </a:rPr>
+                <a:t>BASTANTEO DE PODERES</a:t>
+              </a:r>
+            </a:p>
+            <a:p>
+              <a:pPr fontAlgn="auto">
+                <a:spcBef>
+                  <a:spcPts val="0"/>
+                </a:spcBef>
+                <a:spcAft>
+                  <a:spcPts val="0"/>
+                </a:spcAft>
+                <a:defRPr/>
+              </a:pPr>
+              <a:endParaRPr lang="es-ES" dirty="0">
+                <a:latin typeface="+mn-lt"/>
+              </a:endParaRPr>
+            </a:p>
+          </p:txBody>
+        </p:sp>
+        <p:pic>
+          <p:nvPicPr>
+            <p:cNvPr id="16388" name="5 Imagen" descr="logo_java.png"/>
+            <p:cNvPicPr>
+              <a:picLocks noChangeAspect="1"/>
+            </p:cNvPicPr>
+            <p:nvPr/>
+          </p:nvPicPr>
+          <p:blipFill>
+            <a:blip r:embed="rId3" cstate="print"/>
+            <a:srcRect/>
+            <a:stretch>
+              <a:fillRect/>
+            </a:stretch>
+          </p:blipFill>
+          <p:spPr bwMode="auto">
+            <a:xfrm>
+              <a:off x="7668344" y="0"/>
+              <a:ext cx="720080" cy="720080"/>
+            </a:xfrm>
+            <a:prstGeom prst="rect">
+              <a:avLst/>
+            </a:prstGeom>
+            <a:noFill/>
+            <a:ln w="9525">
+              <a:noFill/>
+              <a:miter lim="800000"/>
+              <a:headEnd/>
+              <a:tailEnd/>
+            </a:ln>
+          </p:spPr>
+        </p:pic>
+        <p:pic>
+          <p:nvPicPr>
+            <p:cNvPr id="16389" name="6 Imagen" descr="logo_epe.jpg"/>
+            <p:cNvPicPr>
+              <a:picLocks noChangeAspect="1"/>
+            </p:cNvPicPr>
+            <p:nvPr/>
+          </p:nvPicPr>
+          <p:blipFill>
+            <a:blip r:embed="rId4" cstate="print"/>
+            <a:srcRect/>
+            <a:stretch>
+              <a:fillRect/>
+            </a:stretch>
+          </p:blipFill>
+          <p:spPr bwMode="auto">
+            <a:xfrm>
+              <a:off x="0" y="0"/>
+              <a:ext cx="695325" cy="885825"/>
+            </a:xfrm>
+            <a:prstGeom prst="rect">
+              <a:avLst/>
+            </a:prstGeom>
+            <a:noFill/>
+            <a:ln w="9525">
+              <a:noFill/>
+              <a:miter lim="800000"/>
+              <a:headEnd/>
+              <a:tailEnd/>
+            </a:ln>
+          </p:spPr>
+        </p:pic>
+      </p:grpSp>
     </p:spTree>
-    <p:extLst>
-      <p:ext uri="{BB962C8B-B14F-4D97-AF65-F5344CB8AC3E}">
-        <p14:creationId xmlns="" xmlns:p14="http://schemas.microsoft.com/office/powerpoint/2010/main" val="4121851476"/>
-      </p:ext>
-    </p:extLst>
   </p:cSld>
   <p:clrMapOvr>
     <a:masterClrMapping/>
@@ -4021,34 +6635,434 @@
           <a:chExt cx="0" cy="0"/>
         </a:xfrm>
       </p:grpSpPr>
-      <p:pic>
-        <p:nvPicPr>
-          <p:cNvPr id="3" name="2 Marcador de contenido" descr="IngresarCliente.jpg"/>
-          <p:cNvPicPr>
-            <a:picLocks noGrp="1" noChangeAspect="1"/>
-          </p:cNvPicPr>
+      <p:sp>
+        <p:nvSpPr>
+          <p:cNvPr id="5" name="4 Marcador de contenido"/>
+          <p:cNvSpPr>
+            <a:spLocks noGrp="1"/>
+          </p:cNvSpPr>
           <p:nvPr>
             <p:ph idx="1"/>
           </p:nvPr>
-        </p:nvPicPr>
-        <p:blipFill>
-          <a:blip r:embed="rId2" cstate="print"/>
-          <a:stretch>
-            <a:fillRect/>
-          </a:stretch>
-        </p:blipFill>
+        </p:nvSpPr>
         <p:spPr>
           <a:xfrm>
-            <a:off x="971600" y="188640"/>
-            <a:ext cx="6487988" cy="6487988"/>
+            <a:off x="457200" y="1600200"/>
+            <a:ext cx="7859713" cy="4800600"/>
           </a:xfrm>
         </p:spPr>
-      </p:pic>
+        <p:style>
+          <a:lnRef idx="2">
+            <a:schemeClr val="accent1"/>
+          </a:lnRef>
+          <a:fillRef idx="1">
+            <a:schemeClr val="lt1"/>
+          </a:fillRef>
+          <a:effectRef idx="0">
+            <a:schemeClr val="accent1"/>
+          </a:effectRef>
+          <a:fontRef idx="minor">
+            <a:schemeClr val="dk1"/>
+          </a:fontRef>
+        </p:style>
+        <p:txBody>
+          <a:bodyPr rtlCol="0">
+            <a:normAutofit fontScale="92500"/>
+          </a:bodyPr>
+          <a:lstStyle/>
+          <a:p>
+            <a:pPr fontAlgn="auto">
+              <a:spcAft>
+                <a:spcPts val="0"/>
+              </a:spcAft>
+              <a:buFont typeface="Arial" pitchFamily="34" charset="0"/>
+              <a:buNone/>
+              <a:defRPr/>
+            </a:pPr>
+            <a:r>
+              <a:rPr lang="es-PE" sz="2000" b="1" dirty="0" smtClean="0"/>
+              <a:t>Historia: Registrar Clientes</a:t>
+            </a:r>
+          </a:p>
+          <a:p>
+            <a:pPr fontAlgn="auto">
+              <a:spcAft>
+                <a:spcPts val="0"/>
+              </a:spcAft>
+              <a:buFont typeface="Arial" pitchFamily="34" charset="0"/>
+              <a:buNone/>
+              <a:defRPr/>
+            </a:pPr>
+            <a:r>
+              <a:rPr lang="es-PE" sz="2000" b="1" dirty="0" smtClean="0"/>
+              <a:t>ID: </a:t>
+            </a:r>
+            <a:r>
+              <a:rPr lang="es-PE" sz="2000" dirty="0" smtClean="0"/>
+              <a:t>1</a:t>
+            </a:r>
+          </a:p>
+          <a:p>
+            <a:pPr fontAlgn="auto">
+              <a:spcAft>
+                <a:spcPts val="0"/>
+              </a:spcAft>
+              <a:buFont typeface="Arial" pitchFamily="34" charset="0"/>
+              <a:buNone/>
+              <a:defRPr/>
+            </a:pPr>
+            <a:r>
+              <a:rPr lang="es-PE" sz="2000" b="1" dirty="0" smtClean="0"/>
+              <a:t>Descripción:</a:t>
+            </a:r>
+          </a:p>
+          <a:p>
+            <a:pPr fontAlgn="auto">
+              <a:spcAft>
+                <a:spcPts val="0"/>
+              </a:spcAft>
+              <a:buFont typeface="Arial" pitchFamily="34" charset="0"/>
+              <a:buNone/>
+              <a:defRPr/>
+            </a:pPr>
+            <a:r>
+              <a:rPr lang="es-PE" sz="2100" dirty="0" smtClean="0"/>
+              <a:t>Como</a:t>
+            </a:r>
+            <a:r>
+              <a:rPr lang="es-PE" sz="2000" dirty="0" smtClean="0"/>
+              <a:t> supervisor deseo registrar clientes de modo que los abogados puedan bastantear sus poderes bancarios.</a:t>
+            </a:r>
+          </a:p>
+          <a:p>
+            <a:pPr fontAlgn="auto">
+              <a:spcAft>
+                <a:spcPts val="0"/>
+              </a:spcAft>
+              <a:buFont typeface="Arial" pitchFamily="34" charset="0"/>
+              <a:buNone/>
+              <a:defRPr/>
+            </a:pPr>
+            <a:r>
+              <a:rPr lang="es-PE" sz="2000" b="1" dirty="0" smtClean="0"/>
+              <a:t>Cuando:</a:t>
+            </a:r>
+          </a:p>
+          <a:p>
+            <a:pPr fontAlgn="auto">
+              <a:spcAft>
+                <a:spcPts val="0"/>
+              </a:spcAft>
+              <a:buFont typeface="Arial" pitchFamily="34" charset="0"/>
+              <a:buNone/>
+              <a:defRPr/>
+            </a:pPr>
+            <a:r>
+              <a:rPr lang="es-PE" sz="2000" dirty="0" smtClean="0"/>
+              <a:t>Registro un cliente debo indicar su RUC, su código de cliente interno (8 dígitos), razón social, fecha de inicio de operaciones, tipo de empresa (SAA, SAC, SRL, etc.) y cantidad de empleados.</a:t>
+            </a:r>
+          </a:p>
+          <a:p>
+            <a:pPr fontAlgn="auto">
+              <a:spcAft>
+                <a:spcPts val="0"/>
+              </a:spcAft>
+              <a:buFont typeface="Arial" pitchFamily="34" charset="0"/>
+              <a:buNone/>
+              <a:defRPr/>
+            </a:pPr>
+            <a:r>
+              <a:rPr lang="es-PE" sz="2000" b="1" dirty="0" smtClean="0"/>
+              <a:t>Importancia: </a:t>
+            </a:r>
+            <a:r>
+              <a:rPr lang="es-PE" sz="2000" dirty="0" smtClean="0"/>
+              <a:t>650</a:t>
+            </a:r>
+          </a:p>
+          <a:p>
+            <a:pPr fontAlgn="auto">
+              <a:spcAft>
+                <a:spcPts val="0"/>
+              </a:spcAft>
+              <a:buFont typeface="Arial" pitchFamily="34" charset="0"/>
+              <a:buNone/>
+              <a:defRPr/>
+            </a:pPr>
+            <a:r>
+              <a:rPr lang="es-PE" sz="2000" b="1" dirty="0" smtClean="0"/>
+              <a:t>Espero:</a:t>
+            </a:r>
+          </a:p>
+          <a:p>
+            <a:pPr fontAlgn="auto">
+              <a:spcAft>
+                <a:spcPts val="0"/>
+              </a:spcAft>
+              <a:buFont typeface="Arial" pitchFamily="34" charset="0"/>
+              <a:buNone/>
+              <a:defRPr/>
+            </a:pPr>
+            <a:r>
+              <a:rPr lang="es-PE" sz="2000" dirty="0" smtClean="0"/>
+              <a:t>-Confirmación del registro OK.</a:t>
+            </a:r>
+          </a:p>
+          <a:p>
+            <a:pPr fontAlgn="auto">
+              <a:spcAft>
+                <a:spcPts val="0"/>
+              </a:spcAft>
+              <a:buFont typeface="Arial" pitchFamily="34" charset="0"/>
+              <a:buNone/>
+              <a:defRPr/>
+            </a:pPr>
+            <a:r>
+              <a:rPr lang="es-PE" sz="2000" dirty="0" smtClean="0"/>
+              <a:t>- Mensaje de error si no se ingresan los datos requeridos.</a:t>
+            </a:r>
+          </a:p>
+          <a:p>
+            <a:pPr fontAlgn="auto">
+              <a:spcAft>
+                <a:spcPts val="0"/>
+              </a:spcAft>
+              <a:buFont typeface="Arial" pitchFamily="34" charset="0"/>
+              <a:buNone/>
+              <a:defRPr/>
+            </a:pPr>
+            <a:r>
+              <a:rPr lang="es-PE" sz="2000" dirty="0" smtClean="0"/>
+              <a:t>- Mensaje de error si el cliente ya existe (RUC o código de cliente repetido).</a:t>
+            </a:r>
+          </a:p>
+          <a:p>
+            <a:pPr fontAlgn="auto">
+              <a:spcAft>
+                <a:spcPts val="0"/>
+              </a:spcAft>
+              <a:buFont typeface="Arial" pitchFamily="34" charset="0"/>
+              <a:buNone/>
+              <a:defRPr/>
+            </a:pPr>
+            <a:endParaRPr lang="es-PE" sz="2000" b="1" dirty="0" smtClean="0"/>
+          </a:p>
+          <a:p>
+            <a:pPr fontAlgn="auto">
+              <a:spcAft>
+                <a:spcPts val="0"/>
+              </a:spcAft>
+              <a:buFont typeface="Arial" pitchFamily="34" charset="0"/>
+              <a:buChar char="•"/>
+              <a:defRPr/>
+            </a:pPr>
+            <a:endParaRPr lang="es-PE" sz="2000" dirty="0"/>
+          </a:p>
+        </p:txBody>
+      </p:sp>
+      <p:sp>
+        <p:nvSpPr>
+          <p:cNvPr id="6" name="5 Título"/>
+          <p:cNvSpPr>
+            <a:spLocks noGrp="1"/>
+          </p:cNvSpPr>
+          <p:nvPr>
+            <p:ph type="title"/>
+          </p:nvPr>
+        </p:nvSpPr>
+        <p:spPr>
+          <a:xfrm>
+            <a:off x="539750" y="981075"/>
+            <a:ext cx="7283450" cy="503238"/>
+          </a:xfrm>
+        </p:spPr>
+        <p:txBody>
+          <a:bodyPr/>
+          <a:lstStyle/>
+          <a:p>
+            <a:pPr algn="ctr" fontAlgn="auto">
+              <a:spcAft>
+                <a:spcPts val="0"/>
+              </a:spcAft>
+              <a:defRPr/>
+            </a:pPr>
+            <a:r>
+              <a:rPr lang="es-ES" sz="3600" b="1" dirty="0" smtClean="0"/>
+              <a:t/>
+            </a:r>
+            <a:br>
+              <a:rPr lang="es-ES" sz="3600" b="1" dirty="0" smtClean="0"/>
+            </a:br>
+            <a:r>
+              <a:rPr lang="es-ES" sz="3600" b="1" dirty="0" smtClean="0"/>
+              <a:t>Historia: Controlar Usuarios</a:t>
+            </a:r>
+            <a:r>
+              <a:rPr lang="es-PE" b="1" i="1" dirty="0" smtClean="0"/>
+              <a:t/>
+            </a:r>
+            <a:br>
+              <a:rPr lang="es-PE" b="1" i="1" dirty="0" smtClean="0"/>
+            </a:br>
+            <a:endParaRPr lang="es-PE" dirty="0"/>
+          </a:p>
+        </p:txBody>
+      </p:sp>
+      <p:grpSp>
+        <p:nvGrpSpPr>
+          <p:cNvPr id="17411" name="6 Grupo"/>
+          <p:cNvGrpSpPr>
+            <a:grpSpLocks/>
+          </p:cNvGrpSpPr>
+          <p:nvPr/>
+        </p:nvGrpSpPr>
+        <p:grpSpPr bwMode="auto">
+          <a:xfrm>
+            <a:off x="0" y="0"/>
+            <a:ext cx="8459788" cy="923925"/>
+            <a:chOff x="0" y="0"/>
+            <a:chExt cx="8460432" cy="923330"/>
+          </a:xfrm>
+        </p:grpSpPr>
+        <p:sp>
+          <p:nvSpPr>
+            <p:cNvPr id="8" name="7 CuadroTexto"/>
+            <p:cNvSpPr txBox="1"/>
+            <p:nvPr/>
+          </p:nvSpPr>
+          <p:spPr>
+            <a:xfrm>
+              <a:off x="0" y="0"/>
+              <a:ext cx="8460432" cy="923330"/>
+            </a:xfrm>
+            <a:prstGeom prst="rect">
+              <a:avLst/>
+            </a:prstGeom>
+            <a:solidFill>
+              <a:srgbClr val="FFC000"/>
+            </a:solidFill>
+          </p:spPr>
+          <p:txBody>
+            <a:bodyPr>
+              <a:spAutoFit/>
+            </a:bodyPr>
+            <a:lstStyle/>
+            <a:p>
+              <a:pPr fontAlgn="auto">
+                <a:spcBef>
+                  <a:spcPts val="0"/>
+                </a:spcBef>
+                <a:spcAft>
+                  <a:spcPts val="0"/>
+                </a:spcAft>
+                <a:defRPr/>
+              </a:pPr>
+              <a:r>
+                <a:rPr lang="es-PE" sz="3600" dirty="0">
+                  <a:latin typeface="+mj-lt"/>
+                </a:rPr>
+                <a:t>	      </a:t>
+              </a:r>
+              <a:r>
+                <a:rPr lang="es-PE" sz="3600" b="1" dirty="0">
+                  <a:latin typeface="+mj-lt"/>
+                </a:rPr>
+                <a:t>BASTANTEO DE PODERES</a:t>
+              </a:r>
+            </a:p>
+            <a:p>
+              <a:pPr fontAlgn="auto">
+                <a:spcBef>
+                  <a:spcPts val="0"/>
+                </a:spcBef>
+                <a:spcAft>
+                  <a:spcPts val="0"/>
+                </a:spcAft>
+                <a:defRPr/>
+              </a:pPr>
+              <a:endParaRPr lang="es-ES" dirty="0">
+                <a:latin typeface="+mn-lt"/>
+              </a:endParaRPr>
+            </a:p>
+          </p:txBody>
+        </p:sp>
+        <p:pic>
+          <p:nvPicPr>
+            <p:cNvPr id="17413" name="8 Imagen" descr="logo_java.png"/>
+            <p:cNvPicPr>
+              <a:picLocks noChangeAspect="1"/>
+            </p:cNvPicPr>
+            <p:nvPr/>
+          </p:nvPicPr>
+          <p:blipFill>
+            <a:blip r:embed="rId3" cstate="print"/>
+            <a:srcRect/>
+            <a:stretch>
+              <a:fillRect/>
+            </a:stretch>
+          </p:blipFill>
+          <p:spPr bwMode="auto">
+            <a:xfrm>
+              <a:off x="7668344" y="0"/>
+              <a:ext cx="720080" cy="720080"/>
+            </a:xfrm>
+            <a:prstGeom prst="rect">
+              <a:avLst/>
+            </a:prstGeom>
+            <a:noFill/>
+            <a:ln w="9525">
+              <a:noFill/>
+              <a:miter lim="800000"/>
+              <a:headEnd/>
+              <a:tailEnd/>
+            </a:ln>
+          </p:spPr>
+        </p:pic>
+        <p:pic>
+          <p:nvPicPr>
+            <p:cNvPr id="17414" name="9 Imagen" descr="logo_epe.jpg"/>
+            <p:cNvPicPr>
+              <a:picLocks noChangeAspect="1"/>
+            </p:cNvPicPr>
+            <p:nvPr/>
+          </p:nvPicPr>
+          <p:blipFill>
+            <a:blip r:embed="rId4" cstate="print"/>
+            <a:srcRect/>
+            <a:stretch>
+              <a:fillRect/>
+            </a:stretch>
+          </p:blipFill>
+          <p:spPr bwMode="auto">
+            <a:xfrm>
+              <a:off x="0" y="0"/>
+              <a:ext cx="695325" cy="885825"/>
+            </a:xfrm>
+            <a:prstGeom prst="rect">
+              <a:avLst/>
+            </a:prstGeom>
+            <a:noFill/>
+            <a:ln w="9525">
+              <a:noFill/>
+              <a:miter lim="800000"/>
+              <a:headEnd/>
+              <a:tailEnd/>
+            </a:ln>
+          </p:spPr>
+        </p:pic>
+      </p:grpSp>
     </p:spTree>
   </p:cSld>
   <p:clrMapOvr>
     <a:masterClrMapping/>
   </p:clrMapOvr>
+  <p:timing>
+    <p:tnLst>
+      <p:par>
+        <p:cTn id="1" dur="indefinite" restart="never" nodeType="tmRoot"/>
+      </p:par>
+    </p:tnLst>
+  </p:timing>
 </p:sld>
 </file>
 
@@ -4069,167 +7083,174 @@
           <a:chExt cx="0" cy="0"/>
         </a:xfrm>
       </p:grpSpPr>
-      <p:sp>
-        <p:nvSpPr>
-          <p:cNvPr id="5" name="4 Marcador de contenido"/>
-          <p:cNvSpPr>
-            <a:spLocks noGrp="1"/>
-          </p:cNvSpPr>
+      <p:pic>
+        <p:nvPicPr>
+          <p:cNvPr id="18433" name="2 Marcador de contenido" descr="IngresarCliente.jpg"/>
+          <p:cNvPicPr>
+            <a:picLocks noGrp="1" noChangeAspect="1"/>
+          </p:cNvPicPr>
           <p:nvPr>
             <p:ph idx="1"/>
           </p:nvPr>
-        </p:nvSpPr>
+        </p:nvPicPr>
+        <p:blipFill>
+          <a:blip r:embed="rId3" cstate="print"/>
+          <a:srcRect/>
+          <a:stretch>
+            <a:fillRect/>
+          </a:stretch>
+        </p:blipFill>
         <p:spPr>
-          <a:ln>
+          <a:xfrm>
+            <a:off x="1116013" y="692150"/>
+            <a:ext cx="6480175" cy="6481763"/>
+          </a:xfrm>
+        </p:spPr>
+      </p:pic>
+      <p:grpSp>
+        <p:nvGrpSpPr>
+          <p:cNvPr id="18434" name="3 Grupo"/>
+          <p:cNvGrpSpPr>
+            <a:grpSpLocks/>
+          </p:cNvGrpSpPr>
+          <p:nvPr/>
+        </p:nvGrpSpPr>
+        <p:grpSpPr bwMode="auto">
+          <a:xfrm>
+            <a:off x="0" y="0"/>
+            <a:ext cx="8459788" cy="923925"/>
+            <a:chOff x="0" y="0"/>
+            <a:chExt cx="8460432" cy="923330"/>
+          </a:xfrm>
+        </p:grpSpPr>
+        <p:sp>
+          <p:nvSpPr>
+            <p:cNvPr id="5" name="4 CuadroTexto"/>
+            <p:cNvSpPr txBox="1"/>
+            <p:nvPr/>
+          </p:nvSpPr>
+          <p:spPr>
+            <a:xfrm>
+              <a:off x="0" y="0"/>
+              <a:ext cx="8460432" cy="923330"/>
+            </a:xfrm>
+            <a:prstGeom prst="rect">
+              <a:avLst/>
+            </a:prstGeom>
             <a:solidFill>
-              <a:schemeClr val="accent1"/>
+              <a:srgbClr val="FFC000"/>
             </a:solidFill>
-          </a:ln>
-        </p:spPr>
-        <p:txBody>
-          <a:bodyPr>
-            <a:normAutofit fontScale="92500" lnSpcReduction="10000"/>
-          </a:bodyPr>
-          <a:lstStyle/>
-          <a:p>
-            <a:pPr algn="just">
-              <a:buNone/>
-            </a:pPr>
-            <a:r>
-              <a:rPr lang="es-ES" b="1" dirty="0" smtClean="0"/>
-              <a:t>ID: </a:t>
-            </a:r>
-            <a:r>
-              <a:rPr lang="es-ES" dirty="0" smtClean="0"/>
-              <a:t>2</a:t>
-            </a:r>
-            <a:endParaRPr lang="es-PE" dirty="0" smtClean="0"/>
-          </a:p>
-          <a:p>
-            <a:pPr algn="just">
-              <a:buNone/>
-            </a:pPr>
-            <a:r>
-              <a:rPr lang="es-ES" b="1" dirty="0" smtClean="0"/>
-              <a:t>Descripción:</a:t>
-            </a:r>
-            <a:endParaRPr lang="es-PE" dirty="0" smtClean="0"/>
-          </a:p>
-          <a:p>
-            <a:pPr algn="just"/>
-            <a:r>
-              <a:rPr lang="es-ES" dirty="0" smtClean="0"/>
-              <a:t>Como supervisor deseo registrar clientes de modo que los abogados puedan bastantear sus poderes bancarios.</a:t>
-            </a:r>
-            <a:endParaRPr lang="es-PE" dirty="0" smtClean="0"/>
-          </a:p>
-          <a:p>
-            <a:pPr algn="just">
-              <a:buNone/>
-            </a:pPr>
-            <a:r>
-              <a:rPr lang="es-ES" b="1" dirty="0" smtClean="0"/>
-              <a:t>Cuando:</a:t>
-            </a:r>
-            <a:endParaRPr lang="es-PE" dirty="0" smtClean="0"/>
-          </a:p>
-          <a:p>
-            <a:pPr algn="just"/>
-            <a:r>
-              <a:rPr lang="es-ES" dirty="0" smtClean="0"/>
-              <a:t>Inscribo un representante debo indicar su tipo y número de documento, sus nombres y apellidos, cargo en la empresa y un grupo de bastanteo (A, B, C, etc.).</a:t>
-            </a:r>
-            <a:endParaRPr lang="es-PE" dirty="0" smtClean="0"/>
-          </a:p>
-          <a:p>
-            <a:pPr algn="just">
-              <a:buNone/>
-            </a:pPr>
-            <a:r>
-              <a:rPr lang="es-ES" b="1" dirty="0" smtClean="0"/>
-              <a:t>Importancia: </a:t>
-            </a:r>
-            <a:r>
-              <a:rPr lang="es-ES" dirty="0" smtClean="0"/>
-              <a:t>600</a:t>
-            </a:r>
-            <a:endParaRPr lang="es-PE" dirty="0" smtClean="0"/>
-          </a:p>
-          <a:p>
-            <a:pPr algn="just">
-              <a:buNone/>
-            </a:pPr>
-            <a:r>
-              <a:rPr lang="es-ES" b="1" dirty="0" smtClean="0"/>
-              <a:t>Espero:</a:t>
-            </a:r>
-            <a:endParaRPr lang="es-PE" dirty="0" smtClean="0"/>
-          </a:p>
-          <a:p>
-            <a:pPr algn="just">
-              <a:buNone/>
-            </a:pPr>
-            <a:r>
-              <a:rPr lang="es-ES" dirty="0" smtClean="0"/>
-              <a:t>- Confirmación de la inscripción Ok.</a:t>
-            </a:r>
-            <a:endParaRPr lang="es-PE" dirty="0" smtClean="0"/>
-          </a:p>
-          <a:p>
-            <a:pPr algn="just">
-              <a:buNone/>
-            </a:pPr>
-            <a:r>
-              <a:rPr lang="es-ES" dirty="0" smtClean="0"/>
-              <a:t>- Mensaje de error si no se ingresan los datos requeridos.</a:t>
-            </a:r>
-            <a:endParaRPr lang="es-PE" dirty="0" smtClean="0"/>
-          </a:p>
-          <a:p>
-            <a:pPr algn="just">
-              <a:buNone/>
-            </a:pPr>
-            <a:r>
-              <a:rPr lang="es-ES" dirty="0" smtClean="0"/>
-              <a:t>- Mensaje de error si ya es representante de la empresa (según tipo y número de documento).</a:t>
-            </a:r>
-            <a:endParaRPr lang="es-PE" dirty="0" smtClean="0"/>
-          </a:p>
-          <a:p>
-            <a:endParaRPr lang="es-PE" sz="2000" dirty="0"/>
-          </a:p>
-        </p:txBody>
-      </p:sp>
-      <p:sp>
-        <p:nvSpPr>
-          <p:cNvPr id="6" name="5 Título"/>
-          <p:cNvSpPr>
-            <a:spLocks noGrp="1"/>
-          </p:cNvSpPr>
-          <p:nvPr>
-            <p:ph type="title"/>
-          </p:nvPr>
-        </p:nvSpPr>
-        <p:spPr/>
-        <p:txBody>
-          <a:bodyPr/>
-          <a:lstStyle/>
-          <a:p>
-            <a:pPr algn="ctr"/>
-            <a:r>
-              <a:rPr lang="es-ES" sz="3600" b="1" dirty="0" smtClean="0"/>
-              <a:t>Historia: Inscribir Representantes</a:t>
-            </a:r>
-            <a:endParaRPr lang="es-PE" dirty="0"/>
-          </a:p>
-        </p:txBody>
-      </p:sp>
+          </p:spPr>
+          <p:txBody>
+            <a:bodyPr>
+              <a:spAutoFit/>
+            </a:bodyPr>
+            <a:lstStyle/>
+            <a:p>
+              <a:pPr fontAlgn="auto">
+                <a:spcBef>
+                  <a:spcPts val="0"/>
+                </a:spcBef>
+                <a:spcAft>
+                  <a:spcPts val="0"/>
+                </a:spcAft>
+                <a:defRPr/>
+              </a:pPr>
+              <a:r>
+                <a:rPr lang="es-PE" sz="3600" dirty="0">
+                  <a:latin typeface="+mj-lt"/>
+                </a:rPr>
+                <a:t>	      </a:t>
+              </a:r>
+              <a:r>
+                <a:rPr lang="es-PE" sz="3600" b="1" dirty="0">
+                  <a:latin typeface="+mj-lt"/>
+                </a:rPr>
+                <a:t>BASTANTEO DE PODERES</a:t>
+              </a:r>
+            </a:p>
+            <a:p>
+              <a:pPr fontAlgn="auto">
+                <a:spcBef>
+                  <a:spcPts val="0"/>
+                </a:spcBef>
+                <a:spcAft>
+                  <a:spcPts val="0"/>
+                </a:spcAft>
+                <a:defRPr/>
+              </a:pPr>
+              <a:endParaRPr lang="es-ES" dirty="0">
+                <a:latin typeface="+mn-lt"/>
+              </a:endParaRPr>
+            </a:p>
+          </p:txBody>
+        </p:sp>
+        <p:pic>
+          <p:nvPicPr>
+            <p:cNvPr id="18436" name="5 Imagen" descr="logo_java.png"/>
+            <p:cNvPicPr>
+              <a:picLocks noChangeAspect="1"/>
+            </p:cNvPicPr>
+            <p:nvPr/>
+          </p:nvPicPr>
+          <p:blipFill>
+            <a:blip r:embed="rId4" cstate="print"/>
+            <a:srcRect/>
+            <a:stretch>
+              <a:fillRect/>
+            </a:stretch>
+          </p:blipFill>
+          <p:spPr bwMode="auto">
+            <a:xfrm>
+              <a:off x="7668344" y="0"/>
+              <a:ext cx="720080" cy="720080"/>
+            </a:xfrm>
+            <a:prstGeom prst="rect">
+              <a:avLst/>
+            </a:prstGeom>
+            <a:noFill/>
+            <a:ln w="9525">
+              <a:noFill/>
+              <a:miter lim="800000"/>
+              <a:headEnd/>
+              <a:tailEnd/>
+            </a:ln>
+          </p:spPr>
+        </p:pic>
+        <p:pic>
+          <p:nvPicPr>
+            <p:cNvPr id="18437" name="6 Imagen" descr="logo_epe.jpg"/>
+            <p:cNvPicPr>
+              <a:picLocks noChangeAspect="1"/>
+            </p:cNvPicPr>
+            <p:nvPr/>
+          </p:nvPicPr>
+          <p:blipFill>
+            <a:blip r:embed="rId5" cstate="print"/>
+            <a:srcRect/>
+            <a:stretch>
+              <a:fillRect/>
+            </a:stretch>
+          </p:blipFill>
+          <p:spPr bwMode="auto">
+            <a:xfrm>
+              <a:off x="0" y="0"/>
+              <a:ext cx="695325" cy="885825"/>
+            </a:xfrm>
+            <a:prstGeom prst="rect">
+              <a:avLst/>
+            </a:prstGeom>
+            <a:noFill/>
+            <a:ln w="9525">
+              <a:noFill/>
+              <a:miter lim="800000"/>
+              <a:headEnd/>
+              <a:tailEnd/>
+            </a:ln>
+          </p:spPr>
+        </p:pic>
+      </p:grpSp>
     </p:spTree>
-    <p:extLst>
-      <p:ext uri="{BB962C8B-B14F-4D97-AF65-F5344CB8AC3E}">
-        <p14:creationId xmlns="" xmlns:p14="http://schemas.microsoft.com/office/powerpoint/2010/main" val="4121851476"/>
-      </p:ext>
-    </p:extLst>
   </p:cSld>
   <p:clrMapOvr>
     <a:masterClrMapping/>
@@ -4261,36 +7282,381 @@
           <a:chExt cx="0" cy="0"/>
         </a:xfrm>
       </p:grpSpPr>
-      <p:pic>
-        <p:nvPicPr>
-          <p:cNvPr id="7" name="6 Marcador de contenido" descr="Inscribir.png"/>
-          <p:cNvPicPr>
-            <a:picLocks noGrp="1" noChangeAspect="1"/>
-          </p:cNvPicPr>
+      <p:sp>
+        <p:nvSpPr>
+          <p:cNvPr id="5" name="4 Marcador de contenido"/>
+          <p:cNvSpPr>
+            <a:spLocks noGrp="1"/>
+          </p:cNvSpPr>
           <p:nvPr>
             <p:ph idx="1"/>
           </p:nvPr>
-        </p:nvPicPr>
-        <p:blipFill>
-          <a:blip r:embed="rId2" cstate="print"/>
-          <a:srcRect t="7578" b="11694"/>
-          <a:stretch>
-            <a:fillRect/>
-          </a:stretch>
-        </p:blipFill>
+        </p:nvSpPr>
         <p:spPr>
           <a:xfrm>
-            <a:off x="1412875" y="1124744"/>
-            <a:ext cx="5708650" cy="4608512"/>
+            <a:off x="468313" y="1773238"/>
+            <a:ext cx="7620000" cy="4800600"/>
+          </a:xfrm>
+          <a:ln>
+            <a:solidFill>
+              <a:schemeClr val="accent1"/>
+            </a:solidFill>
+          </a:ln>
+        </p:spPr>
+        <p:txBody>
+          <a:bodyPr rtlCol="0">
+            <a:normAutofit fontScale="92500" lnSpcReduction="10000"/>
+          </a:bodyPr>
+          <a:lstStyle/>
+          <a:p>
+            <a:pPr algn="just" fontAlgn="auto">
+              <a:spcAft>
+                <a:spcPts val="0"/>
+              </a:spcAft>
+              <a:buFont typeface="Arial" pitchFamily="34" charset="0"/>
+              <a:buNone/>
+              <a:defRPr/>
+            </a:pPr>
+            <a:r>
+              <a:rPr lang="es-ES" b="1" dirty="0" smtClean="0"/>
+              <a:t>ID: </a:t>
+            </a:r>
+            <a:r>
+              <a:rPr lang="es-ES" dirty="0" smtClean="0"/>
+              <a:t>2</a:t>
+            </a:r>
+            <a:endParaRPr lang="es-PE" dirty="0" smtClean="0"/>
+          </a:p>
+          <a:p>
+            <a:pPr algn="just" fontAlgn="auto">
+              <a:spcAft>
+                <a:spcPts val="0"/>
+              </a:spcAft>
+              <a:buFont typeface="Arial" pitchFamily="34" charset="0"/>
+              <a:buNone/>
+              <a:defRPr/>
+            </a:pPr>
+            <a:r>
+              <a:rPr lang="es-ES" b="1" dirty="0" smtClean="0"/>
+              <a:t>Descripción:</a:t>
+            </a:r>
+            <a:endParaRPr lang="es-PE" dirty="0" smtClean="0"/>
+          </a:p>
+          <a:p>
+            <a:pPr algn="just" fontAlgn="auto">
+              <a:spcAft>
+                <a:spcPts val="0"/>
+              </a:spcAft>
+              <a:buFont typeface="Arial" pitchFamily="34" charset="0"/>
+              <a:buChar char="•"/>
+              <a:defRPr/>
+            </a:pPr>
+            <a:r>
+              <a:rPr lang="es-ES" dirty="0" smtClean="0"/>
+              <a:t>Como supervisor deseo registrar clientes de modo que los abogados puedan bastantear sus poderes bancarios.</a:t>
+            </a:r>
+            <a:endParaRPr lang="es-PE" dirty="0" smtClean="0"/>
+          </a:p>
+          <a:p>
+            <a:pPr algn="just" fontAlgn="auto">
+              <a:spcAft>
+                <a:spcPts val="0"/>
+              </a:spcAft>
+              <a:buFont typeface="Arial" pitchFamily="34" charset="0"/>
+              <a:buNone/>
+              <a:defRPr/>
+            </a:pPr>
+            <a:r>
+              <a:rPr lang="es-ES" b="1" dirty="0" smtClean="0"/>
+              <a:t>Cuando:</a:t>
+            </a:r>
+            <a:endParaRPr lang="es-PE" dirty="0" smtClean="0"/>
+          </a:p>
+          <a:p>
+            <a:pPr algn="just" fontAlgn="auto">
+              <a:spcAft>
+                <a:spcPts val="0"/>
+              </a:spcAft>
+              <a:buFont typeface="Arial" pitchFamily="34" charset="0"/>
+              <a:buChar char="•"/>
+              <a:defRPr/>
+            </a:pPr>
+            <a:r>
+              <a:rPr lang="es-ES" dirty="0" smtClean="0"/>
+              <a:t>Inscribo un representante debo indicar su tipo y número de documento, sus nombres y apellidos, cargo en la empresa y un grupo de bastanteo (A, B, C, etc.).</a:t>
+            </a:r>
+            <a:endParaRPr lang="es-PE" dirty="0" smtClean="0"/>
+          </a:p>
+          <a:p>
+            <a:pPr algn="just" fontAlgn="auto">
+              <a:spcAft>
+                <a:spcPts val="0"/>
+              </a:spcAft>
+              <a:buFont typeface="Arial" pitchFamily="34" charset="0"/>
+              <a:buNone/>
+              <a:defRPr/>
+            </a:pPr>
+            <a:r>
+              <a:rPr lang="es-ES" b="1" dirty="0" smtClean="0"/>
+              <a:t>Importancia: </a:t>
+            </a:r>
+            <a:r>
+              <a:rPr lang="es-ES" dirty="0" smtClean="0"/>
+              <a:t>600</a:t>
+            </a:r>
+            <a:endParaRPr lang="es-PE" dirty="0" smtClean="0"/>
+          </a:p>
+          <a:p>
+            <a:pPr algn="just" fontAlgn="auto">
+              <a:spcAft>
+                <a:spcPts val="0"/>
+              </a:spcAft>
+              <a:buFont typeface="Arial" pitchFamily="34" charset="0"/>
+              <a:buNone/>
+              <a:defRPr/>
+            </a:pPr>
+            <a:r>
+              <a:rPr lang="es-ES" b="1" dirty="0" smtClean="0"/>
+              <a:t>Espero:</a:t>
+            </a:r>
+            <a:endParaRPr lang="es-PE" dirty="0" smtClean="0"/>
+          </a:p>
+          <a:p>
+            <a:pPr algn="just" fontAlgn="auto">
+              <a:spcAft>
+                <a:spcPts val="0"/>
+              </a:spcAft>
+              <a:buFont typeface="Arial" pitchFamily="34" charset="0"/>
+              <a:buNone/>
+              <a:defRPr/>
+            </a:pPr>
+            <a:r>
+              <a:rPr lang="es-ES" dirty="0" smtClean="0"/>
+              <a:t>- Confirmación de la inscripción Ok.</a:t>
+            </a:r>
+            <a:endParaRPr lang="es-PE" dirty="0" smtClean="0"/>
+          </a:p>
+          <a:p>
+            <a:pPr algn="just" fontAlgn="auto">
+              <a:spcAft>
+                <a:spcPts val="0"/>
+              </a:spcAft>
+              <a:buFont typeface="Arial" pitchFamily="34" charset="0"/>
+              <a:buNone/>
+              <a:defRPr/>
+            </a:pPr>
+            <a:r>
+              <a:rPr lang="es-ES" dirty="0" smtClean="0"/>
+              <a:t>- Mensaje de error si no se ingresan los datos requeridos.</a:t>
+            </a:r>
+            <a:endParaRPr lang="es-PE" dirty="0" smtClean="0"/>
+          </a:p>
+          <a:p>
+            <a:pPr algn="just" fontAlgn="auto">
+              <a:spcAft>
+                <a:spcPts val="0"/>
+              </a:spcAft>
+              <a:buFont typeface="Arial" pitchFamily="34" charset="0"/>
+              <a:buNone/>
+              <a:defRPr/>
+            </a:pPr>
+            <a:r>
+              <a:rPr lang="es-ES" dirty="0" smtClean="0"/>
+              <a:t>- Mensaje de error si ya es representante de la empresa (según tipo y número de documento).</a:t>
+            </a:r>
+            <a:endParaRPr lang="es-PE" dirty="0" smtClean="0"/>
+          </a:p>
+          <a:p>
+            <a:pPr fontAlgn="auto">
+              <a:spcAft>
+                <a:spcPts val="0"/>
+              </a:spcAft>
+              <a:buFont typeface="Arial" pitchFamily="34" charset="0"/>
+              <a:buChar char="•"/>
+              <a:defRPr/>
+            </a:pPr>
+            <a:endParaRPr lang="es-PE" sz="2000" dirty="0"/>
+          </a:p>
+        </p:txBody>
+      </p:sp>
+      <p:sp>
+        <p:nvSpPr>
+          <p:cNvPr id="6" name="5 Título"/>
+          <p:cNvSpPr>
+            <a:spLocks noGrp="1"/>
+          </p:cNvSpPr>
+          <p:nvPr>
+            <p:ph type="title"/>
+          </p:nvPr>
+        </p:nvSpPr>
+        <p:spPr>
+          <a:xfrm>
+            <a:off x="468313" y="981075"/>
+            <a:ext cx="7620000" cy="706438"/>
           </a:xfrm>
         </p:spPr>
-      </p:pic>
+        <p:txBody>
+          <a:bodyPr/>
+          <a:lstStyle/>
+          <a:p>
+            <a:pPr algn="ctr" fontAlgn="auto">
+              <a:spcAft>
+                <a:spcPts val="0"/>
+              </a:spcAft>
+              <a:defRPr/>
+            </a:pPr>
+            <a:r>
+              <a:rPr lang="es-ES" sz="3600" b="1" dirty="0" smtClean="0"/>
+              <a:t>Historia: Inscribir Representantes</a:t>
+            </a:r>
+            <a:endParaRPr lang="es-PE" dirty="0"/>
+          </a:p>
+        </p:txBody>
+      </p:sp>
+      <p:grpSp>
+        <p:nvGrpSpPr>
+          <p:cNvPr id="19459" name="3 Grupo"/>
+          <p:cNvGrpSpPr>
+            <a:grpSpLocks/>
+          </p:cNvGrpSpPr>
+          <p:nvPr/>
+        </p:nvGrpSpPr>
+        <p:grpSpPr bwMode="auto">
+          <a:xfrm>
+            <a:off x="0" y="0"/>
+            <a:ext cx="8459788" cy="923925"/>
+            <a:chOff x="0" y="0"/>
+            <a:chExt cx="8460432" cy="923330"/>
+          </a:xfrm>
+        </p:grpSpPr>
+        <p:sp>
+          <p:nvSpPr>
+            <p:cNvPr id="7" name="6 CuadroTexto"/>
+            <p:cNvSpPr txBox="1"/>
+            <p:nvPr/>
+          </p:nvSpPr>
+          <p:spPr>
+            <a:xfrm>
+              <a:off x="0" y="0"/>
+              <a:ext cx="8460432" cy="923330"/>
+            </a:xfrm>
+            <a:prstGeom prst="rect">
+              <a:avLst/>
+            </a:prstGeom>
+            <a:solidFill>
+              <a:srgbClr val="FFC000"/>
+            </a:solidFill>
+          </p:spPr>
+          <p:txBody>
+            <a:bodyPr>
+              <a:spAutoFit/>
+            </a:bodyPr>
+            <a:lstStyle/>
+            <a:p>
+              <a:pPr fontAlgn="auto">
+                <a:spcBef>
+                  <a:spcPts val="0"/>
+                </a:spcBef>
+                <a:spcAft>
+                  <a:spcPts val="0"/>
+                </a:spcAft>
+                <a:defRPr/>
+              </a:pPr>
+              <a:r>
+                <a:rPr lang="es-PE" sz="3600" dirty="0">
+                  <a:latin typeface="+mj-lt"/>
+                </a:rPr>
+                <a:t>	      </a:t>
+              </a:r>
+              <a:r>
+                <a:rPr lang="es-PE" sz="3600" b="1" dirty="0">
+                  <a:latin typeface="+mj-lt"/>
+                </a:rPr>
+                <a:t>BASTANTEO DE PODERES</a:t>
+              </a:r>
+            </a:p>
+            <a:p>
+              <a:pPr fontAlgn="auto">
+                <a:spcBef>
+                  <a:spcPts val="0"/>
+                </a:spcBef>
+                <a:spcAft>
+                  <a:spcPts val="0"/>
+                </a:spcAft>
+                <a:defRPr/>
+              </a:pPr>
+              <a:endParaRPr lang="es-ES" dirty="0">
+                <a:latin typeface="+mn-lt"/>
+              </a:endParaRPr>
+            </a:p>
+          </p:txBody>
+        </p:sp>
+        <p:pic>
+          <p:nvPicPr>
+            <p:cNvPr id="19461" name="7 Imagen" descr="logo_java.png"/>
+            <p:cNvPicPr>
+              <a:picLocks noChangeAspect="1"/>
+            </p:cNvPicPr>
+            <p:nvPr/>
+          </p:nvPicPr>
+          <p:blipFill>
+            <a:blip r:embed="rId3" cstate="print"/>
+            <a:srcRect/>
+            <a:stretch>
+              <a:fillRect/>
+            </a:stretch>
+          </p:blipFill>
+          <p:spPr bwMode="auto">
+            <a:xfrm>
+              <a:off x="7668344" y="0"/>
+              <a:ext cx="720080" cy="720080"/>
+            </a:xfrm>
+            <a:prstGeom prst="rect">
+              <a:avLst/>
+            </a:prstGeom>
+            <a:noFill/>
+            <a:ln w="9525">
+              <a:noFill/>
+              <a:miter lim="800000"/>
+              <a:headEnd/>
+              <a:tailEnd/>
+            </a:ln>
+          </p:spPr>
+        </p:pic>
+        <p:pic>
+          <p:nvPicPr>
+            <p:cNvPr id="19462" name="8 Imagen" descr="logo_epe.jpg"/>
+            <p:cNvPicPr>
+              <a:picLocks noChangeAspect="1"/>
+            </p:cNvPicPr>
+            <p:nvPr/>
+          </p:nvPicPr>
+          <p:blipFill>
+            <a:blip r:embed="rId4" cstate="print"/>
+            <a:srcRect/>
+            <a:stretch>
+              <a:fillRect/>
+            </a:stretch>
+          </p:blipFill>
+          <p:spPr bwMode="auto">
+            <a:xfrm>
+              <a:off x="0" y="0"/>
+              <a:ext cx="695325" cy="885825"/>
+            </a:xfrm>
+            <a:prstGeom prst="rect">
+              <a:avLst/>
+            </a:prstGeom>
+            <a:noFill/>
+            <a:ln w="9525">
+              <a:noFill/>
+              <a:miter lim="800000"/>
+              <a:headEnd/>
+              <a:tailEnd/>
+            </a:ln>
+          </p:spPr>
+        </p:pic>
+      </p:grpSp>
     </p:spTree>
-    <p:extLst>
-      <p:ext uri="{BB962C8B-B14F-4D97-AF65-F5344CB8AC3E}">
-        <p14:creationId xmlns="" xmlns:p14="http://schemas.microsoft.com/office/powerpoint/2010/main" val="4270756147"/>
-      </p:ext>
-    </p:extLst>
   </p:cSld>
   <p:clrMapOvr>
     <a:masterClrMapping/>
@@ -4322,189 +7688,174 @@
           <a:chExt cx="0" cy="0"/>
         </a:xfrm>
       </p:grpSpPr>
-      <p:sp>
-        <p:nvSpPr>
-          <p:cNvPr id="5" name="4 Marcador de contenido"/>
-          <p:cNvSpPr>
-            <a:spLocks noGrp="1"/>
-          </p:cNvSpPr>
+      <p:pic>
+        <p:nvPicPr>
+          <p:cNvPr id="20481" name="6 Marcador de contenido" descr="Inscribir.png"/>
+          <p:cNvPicPr>
+            <a:picLocks noGrp="1" noChangeAspect="1"/>
+          </p:cNvPicPr>
           <p:nvPr>
             <p:ph idx="1"/>
           </p:nvPr>
-        </p:nvSpPr>
+        </p:nvPicPr>
+        <p:blipFill>
+          <a:blip r:embed="rId3" cstate="print"/>
+          <a:srcRect t="7578" b="11694"/>
+          <a:stretch>
+            <a:fillRect/>
+          </a:stretch>
+        </p:blipFill>
         <p:spPr>
           <a:xfrm>
-            <a:off x="457200" y="1600200"/>
-            <a:ext cx="7859216" cy="4800600"/>
+            <a:off x="1412875" y="1125538"/>
+            <a:ext cx="5708650" cy="4606925"/>
           </a:xfrm>
         </p:spPr>
-        <p:style>
-          <a:lnRef idx="2">
-            <a:schemeClr val="accent1"/>
-          </a:lnRef>
-          <a:fillRef idx="1">
-            <a:schemeClr val="lt1"/>
-          </a:fillRef>
-          <a:effectRef idx="0">
-            <a:schemeClr val="accent1"/>
-          </a:effectRef>
-          <a:fontRef idx="minor">
-            <a:schemeClr val="dk1"/>
-          </a:fontRef>
-        </p:style>
-        <p:txBody>
-          <a:bodyPr>
-            <a:normAutofit/>
-          </a:bodyPr>
-          <a:lstStyle/>
-          <a:p>
-            <a:pPr>
-              <a:buNone/>
-            </a:pPr>
-            <a:r>
-              <a:rPr lang="es-PE" sz="2000" b="1" dirty="0" smtClean="0"/>
-              <a:t>ID:</a:t>
-            </a:r>
-            <a:r>
-              <a:rPr lang="es-PE" sz="2000" dirty="0" smtClean="0"/>
-              <a:t> 3</a:t>
-            </a:r>
-          </a:p>
-          <a:p>
-            <a:pPr>
-              <a:buNone/>
-            </a:pPr>
-            <a:r>
-              <a:rPr lang="es-PE" sz="2000" b="1" dirty="0" smtClean="0"/>
-              <a:t>Descripción:</a:t>
-            </a:r>
-          </a:p>
-          <a:p>
-            <a:r>
-              <a:rPr lang="es-PE" sz="2000" dirty="0" smtClean="0"/>
-              <a:t>Como supervisor deseo agregar el listado de poderes para que los abogados puedan asignarlos a los representantes según bastanteo.</a:t>
-            </a:r>
-          </a:p>
-          <a:p>
-            <a:pPr>
-              <a:buNone/>
-            </a:pPr>
-            <a:r>
-              <a:rPr lang="es-PE" sz="2000" b="1" dirty="0" smtClean="0"/>
-              <a:t>Cuando:</a:t>
-            </a:r>
-          </a:p>
-          <a:p>
-            <a:r>
-              <a:rPr lang="es-PE" sz="2000" dirty="0" smtClean="0"/>
-              <a:t>Agrego un poder debo indicar su código corto de consulta (ej.: CHCO, EFRE), el nombre (ej.: Cobro de Cheques, Retiro en Efectivo) y el tipo producto/servicio (</a:t>
-            </a:r>
-            <a:r>
-              <a:rPr lang="es-PE" sz="2000" dirty="0" err="1" smtClean="0"/>
-              <a:t>ej</a:t>
-            </a:r>
-            <a:r>
-              <a:rPr lang="es-PE" sz="2000" dirty="0" smtClean="0"/>
-              <a:t>: Activo, Pasivo).</a:t>
-            </a:r>
-          </a:p>
-          <a:p>
-            <a:pPr>
-              <a:buNone/>
-            </a:pPr>
-            <a:r>
-              <a:rPr lang="es-PE" sz="2000" b="1" dirty="0" smtClean="0"/>
-              <a:t>Importancia:</a:t>
-            </a:r>
-            <a:r>
-              <a:rPr lang="es-PE" sz="2000" dirty="0" smtClean="0"/>
-              <a:t> 550</a:t>
-            </a:r>
-          </a:p>
-          <a:p>
-            <a:pPr>
-              <a:buNone/>
-            </a:pPr>
-            <a:r>
-              <a:rPr lang="es-PE" sz="2000" b="1" dirty="0" smtClean="0"/>
-              <a:t>Espero:</a:t>
-            </a:r>
-          </a:p>
-          <a:p>
-            <a:pPr>
-              <a:buNone/>
-            </a:pPr>
-            <a:r>
-              <a:rPr lang="es-PE" sz="2000" dirty="0" smtClean="0"/>
-              <a:t>- Confirmación de la agregación Ok.</a:t>
-            </a:r>
-          </a:p>
-          <a:p>
-            <a:pPr>
-              <a:buNone/>
-            </a:pPr>
-            <a:r>
-              <a:rPr lang="es-PE" sz="2000" dirty="0" smtClean="0"/>
-              <a:t>- Mensaje de error si no se ingresan los datos requeridos.</a:t>
-            </a:r>
-          </a:p>
-          <a:p>
-            <a:pPr>
-              <a:buNone/>
-            </a:pPr>
-            <a:r>
-              <a:rPr lang="es-PE" sz="2000" dirty="0" smtClean="0"/>
-              <a:t>- Mensaje de error si ya se agregó el poder (código corto).</a:t>
-            </a:r>
-          </a:p>
-          <a:p>
-            <a:pPr>
-              <a:buNone/>
-            </a:pPr>
-            <a:endParaRPr lang="es-PE" sz="2000" b="1" dirty="0" smtClean="0"/>
-          </a:p>
-          <a:p>
-            <a:endParaRPr lang="es-PE" sz="2000" dirty="0"/>
-          </a:p>
-        </p:txBody>
-      </p:sp>
-      <p:sp>
-        <p:nvSpPr>
-          <p:cNvPr id="6" name="5 Título"/>
-          <p:cNvSpPr>
-            <a:spLocks noGrp="1"/>
-          </p:cNvSpPr>
-          <p:nvPr>
-            <p:ph type="title"/>
-          </p:nvPr>
-        </p:nvSpPr>
-        <p:spPr/>
-        <p:txBody>
-          <a:bodyPr/>
-          <a:lstStyle/>
-          <a:p>
-            <a:pPr algn="ctr"/>
-            <a:r>
-              <a:rPr lang="es-ES" sz="3600" b="1" dirty="0" smtClean="0"/>
-              <a:t>Historia: Agregar Poderes</a:t>
-            </a:r>
-            <a:r>
-              <a:rPr lang="es-PE" b="1" i="1" dirty="0" smtClean="0"/>
-              <a:t/>
-            </a:r>
-            <a:br>
-              <a:rPr lang="es-PE" b="1" i="1" dirty="0" smtClean="0"/>
-            </a:br>
-            <a:endParaRPr lang="es-PE" dirty="0"/>
-          </a:p>
-        </p:txBody>
-      </p:sp>
+      </p:pic>
+      <p:grpSp>
+        <p:nvGrpSpPr>
+          <p:cNvPr id="20482" name="2 Grupo"/>
+          <p:cNvGrpSpPr>
+            <a:grpSpLocks/>
+          </p:cNvGrpSpPr>
+          <p:nvPr/>
+        </p:nvGrpSpPr>
+        <p:grpSpPr bwMode="auto">
+          <a:xfrm>
+            <a:off x="0" y="0"/>
+            <a:ext cx="8459788" cy="923925"/>
+            <a:chOff x="0" y="0"/>
+            <a:chExt cx="8460432" cy="923330"/>
+          </a:xfrm>
+        </p:grpSpPr>
+        <p:sp>
+          <p:nvSpPr>
+            <p:cNvPr id="4" name="3 CuadroTexto"/>
+            <p:cNvSpPr txBox="1"/>
+            <p:nvPr/>
+          </p:nvSpPr>
+          <p:spPr>
+            <a:xfrm>
+              <a:off x="0" y="0"/>
+              <a:ext cx="8460432" cy="923330"/>
+            </a:xfrm>
+            <a:prstGeom prst="rect">
+              <a:avLst/>
+            </a:prstGeom>
+            <a:solidFill>
+              <a:srgbClr val="FFC000"/>
+            </a:solidFill>
+          </p:spPr>
+          <p:txBody>
+            <a:bodyPr>
+              <a:spAutoFit/>
+            </a:bodyPr>
+            <a:lstStyle/>
+            <a:p>
+              <a:pPr fontAlgn="auto">
+                <a:spcBef>
+                  <a:spcPts val="0"/>
+                </a:spcBef>
+                <a:spcAft>
+                  <a:spcPts val="0"/>
+                </a:spcAft>
+                <a:defRPr/>
+              </a:pPr>
+              <a:r>
+                <a:rPr lang="es-PE" sz="3600" dirty="0">
+                  <a:latin typeface="+mj-lt"/>
+                </a:rPr>
+                <a:t>	      </a:t>
+              </a:r>
+              <a:r>
+                <a:rPr lang="es-PE" sz="3600" b="1" dirty="0">
+                  <a:latin typeface="+mj-lt"/>
+                </a:rPr>
+                <a:t>BASTANTEO DE PODERES</a:t>
+              </a:r>
+            </a:p>
+            <a:p>
+              <a:pPr fontAlgn="auto">
+                <a:spcBef>
+                  <a:spcPts val="0"/>
+                </a:spcBef>
+                <a:spcAft>
+                  <a:spcPts val="0"/>
+                </a:spcAft>
+                <a:defRPr/>
+              </a:pPr>
+              <a:endParaRPr lang="es-ES" dirty="0">
+                <a:latin typeface="+mn-lt"/>
+              </a:endParaRPr>
+            </a:p>
+          </p:txBody>
+        </p:sp>
+        <p:pic>
+          <p:nvPicPr>
+            <p:cNvPr id="20484" name="4 Imagen" descr="logo_java.png"/>
+            <p:cNvPicPr>
+              <a:picLocks noChangeAspect="1"/>
+            </p:cNvPicPr>
+            <p:nvPr/>
+          </p:nvPicPr>
+          <p:blipFill>
+            <a:blip r:embed="rId4" cstate="print"/>
+            <a:srcRect/>
+            <a:stretch>
+              <a:fillRect/>
+            </a:stretch>
+          </p:blipFill>
+          <p:spPr bwMode="auto">
+            <a:xfrm>
+              <a:off x="7668344" y="0"/>
+              <a:ext cx="720080" cy="720080"/>
+            </a:xfrm>
+            <a:prstGeom prst="rect">
+              <a:avLst/>
+            </a:prstGeom>
+            <a:noFill/>
+            <a:ln w="9525">
+              <a:noFill/>
+              <a:miter lim="800000"/>
+              <a:headEnd/>
+              <a:tailEnd/>
+            </a:ln>
+          </p:spPr>
+        </p:pic>
+        <p:pic>
+          <p:nvPicPr>
+            <p:cNvPr id="20485" name="5 Imagen" descr="logo_epe.jpg"/>
+            <p:cNvPicPr>
+              <a:picLocks noChangeAspect="1"/>
+            </p:cNvPicPr>
+            <p:nvPr/>
+          </p:nvPicPr>
+          <p:blipFill>
+            <a:blip r:embed="rId5" cstate="print"/>
+            <a:srcRect/>
+            <a:stretch>
+              <a:fillRect/>
+            </a:stretch>
+          </p:blipFill>
+          <p:spPr bwMode="auto">
+            <a:xfrm>
+              <a:off x="0" y="0"/>
+              <a:ext cx="695325" cy="885825"/>
+            </a:xfrm>
+            <a:prstGeom prst="rect">
+              <a:avLst/>
+            </a:prstGeom>
+            <a:noFill/>
+            <a:ln w="9525">
+              <a:noFill/>
+              <a:miter lim="800000"/>
+              <a:headEnd/>
+              <a:tailEnd/>
+            </a:ln>
+          </p:spPr>
+        </p:pic>
+      </p:grpSp>
     </p:spTree>
-    <p:extLst>
-      <p:ext uri="{BB962C8B-B14F-4D97-AF65-F5344CB8AC3E}">
-        <p14:creationId xmlns="" xmlns:p14="http://schemas.microsoft.com/office/powerpoint/2010/main" val="4121851476"/>
-      </p:ext>
-    </p:extLst>
   </p:cSld>
   <p:clrMapOvr>
     <a:masterClrMapping/>
@@ -4536,37 +7887,612 @@
           <a:chExt cx="0" cy="0"/>
         </a:xfrm>
       </p:grpSpPr>
+      <p:sp>
+        <p:nvSpPr>
+          <p:cNvPr id="5" name="4 Marcador de contenido"/>
+          <p:cNvSpPr>
+            <a:spLocks noGrp="1"/>
+          </p:cNvSpPr>
+          <p:nvPr>
+            <p:ph idx="1"/>
+          </p:nvPr>
+        </p:nvSpPr>
+        <p:spPr>
+          <a:xfrm>
+            <a:off x="457200" y="1600200"/>
+            <a:ext cx="7859713" cy="4800600"/>
+          </a:xfrm>
+        </p:spPr>
+        <p:style>
+          <a:lnRef idx="2">
+            <a:schemeClr val="accent1"/>
+          </a:lnRef>
+          <a:fillRef idx="1">
+            <a:schemeClr val="lt1"/>
+          </a:fillRef>
+          <a:effectRef idx="0">
+            <a:schemeClr val="accent1"/>
+          </a:effectRef>
+          <a:fontRef idx="minor">
+            <a:schemeClr val="dk1"/>
+          </a:fontRef>
+        </p:style>
+        <p:txBody>
+          <a:bodyPr rtlCol="0">
+            <a:normAutofit/>
+          </a:bodyPr>
+          <a:lstStyle/>
+          <a:p>
+            <a:pPr fontAlgn="auto">
+              <a:spcAft>
+                <a:spcPts val="0"/>
+              </a:spcAft>
+              <a:buFont typeface="Arial" pitchFamily="34" charset="0"/>
+              <a:buNone/>
+              <a:defRPr/>
+            </a:pPr>
+            <a:r>
+              <a:rPr lang="es-PE" sz="2000" b="1" dirty="0" smtClean="0"/>
+              <a:t>ID:</a:t>
+            </a:r>
+            <a:r>
+              <a:rPr lang="es-PE" sz="2000" dirty="0" smtClean="0"/>
+              <a:t> 3</a:t>
+            </a:r>
+          </a:p>
+          <a:p>
+            <a:pPr fontAlgn="auto">
+              <a:spcAft>
+                <a:spcPts val="0"/>
+              </a:spcAft>
+              <a:buFont typeface="Arial" pitchFamily="34" charset="0"/>
+              <a:buNone/>
+              <a:defRPr/>
+            </a:pPr>
+            <a:r>
+              <a:rPr lang="es-PE" sz="2000" b="1" dirty="0" smtClean="0"/>
+              <a:t>Descripción:</a:t>
+            </a:r>
+          </a:p>
+          <a:p>
+            <a:pPr fontAlgn="auto">
+              <a:spcAft>
+                <a:spcPts val="0"/>
+              </a:spcAft>
+              <a:buFont typeface="Arial" pitchFamily="34" charset="0"/>
+              <a:buChar char="•"/>
+              <a:defRPr/>
+            </a:pPr>
+            <a:r>
+              <a:rPr lang="es-PE" sz="2000" dirty="0" smtClean="0"/>
+              <a:t>Como supervisor deseo agregar el listado de poderes para que los abogados puedan asignarlos a los representantes según bastanteo.</a:t>
+            </a:r>
+          </a:p>
+          <a:p>
+            <a:pPr fontAlgn="auto">
+              <a:spcAft>
+                <a:spcPts val="0"/>
+              </a:spcAft>
+              <a:buFont typeface="Arial" pitchFamily="34" charset="0"/>
+              <a:buNone/>
+              <a:defRPr/>
+            </a:pPr>
+            <a:r>
+              <a:rPr lang="es-PE" sz="2000" b="1" dirty="0" smtClean="0"/>
+              <a:t>Cuando:</a:t>
+            </a:r>
+          </a:p>
+          <a:p>
+            <a:pPr fontAlgn="auto">
+              <a:spcAft>
+                <a:spcPts val="0"/>
+              </a:spcAft>
+              <a:buFont typeface="Arial" pitchFamily="34" charset="0"/>
+              <a:buChar char="•"/>
+              <a:defRPr/>
+            </a:pPr>
+            <a:r>
+              <a:rPr lang="es-PE" sz="2000" dirty="0" smtClean="0"/>
+              <a:t>Agrego un poder debo indicar su código corto de consulta (ej.: CHCO, EFRE), el nombre (ej.: Cobro de Cheques, Retiro en Efectivo) y el tipo producto/servicio (ej: Activo, Pasivo).</a:t>
+            </a:r>
+          </a:p>
+          <a:p>
+            <a:pPr fontAlgn="auto">
+              <a:spcAft>
+                <a:spcPts val="0"/>
+              </a:spcAft>
+              <a:buFont typeface="Arial" pitchFamily="34" charset="0"/>
+              <a:buNone/>
+              <a:defRPr/>
+            </a:pPr>
+            <a:r>
+              <a:rPr lang="es-PE" sz="2000" b="1" dirty="0" smtClean="0"/>
+              <a:t>Importancia:</a:t>
+            </a:r>
+            <a:r>
+              <a:rPr lang="es-PE" sz="2000" dirty="0" smtClean="0"/>
+              <a:t> 550</a:t>
+            </a:r>
+          </a:p>
+          <a:p>
+            <a:pPr fontAlgn="auto">
+              <a:spcAft>
+                <a:spcPts val="0"/>
+              </a:spcAft>
+              <a:buFont typeface="Arial" pitchFamily="34" charset="0"/>
+              <a:buNone/>
+              <a:defRPr/>
+            </a:pPr>
+            <a:r>
+              <a:rPr lang="es-PE" sz="2000" b="1" dirty="0" smtClean="0"/>
+              <a:t>Espero:</a:t>
+            </a:r>
+          </a:p>
+          <a:p>
+            <a:pPr fontAlgn="auto">
+              <a:spcAft>
+                <a:spcPts val="0"/>
+              </a:spcAft>
+              <a:buFont typeface="Arial" pitchFamily="34" charset="0"/>
+              <a:buNone/>
+              <a:defRPr/>
+            </a:pPr>
+            <a:r>
+              <a:rPr lang="es-PE" sz="2000" dirty="0" smtClean="0"/>
+              <a:t>- Confirmación de la agregación Ok.</a:t>
+            </a:r>
+          </a:p>
+          <a:p>
+            <a:pPr fontAlgn="auto">
+              <a:spcAft>
+                <a:spcPts val="0"/>
+              </a:spcAft>
+              <a:buFont typeface="Arial" pitchFamily="34" charset="0"/>
+              <a:buNone/>
+              <a:defRPr/>
+            </a:pPr>
+            <a:r>
+              <a:rPr lang="es-PE" sz="2000" dirty="0" smtClean="0"/>
+              <a:t>- Mensaje de error si no se ingresan los datos requeridos.</a:t>
+            </a:r>
+          </a:p>
+          <a:p>
+            <a:pPr fontAlgn="auto">
+              <a:spcAft>
+                <a:spcPts val="0"/>
+              </a:spcAft>
+              <a:buFont typeface="Arial" pitchFamily="34" charset="0"/>
+              <a:buNone/>
+              <a:defRPr/>
+            </a:pPr>
+            <a:r>
+              <a:rPr lang="es-PE" sz="2000" dirty="0" smtClean="0"/>
+              <a:t>- Mensaje de error si ya se agregó el poder (código corto).</a:t>
+            </a:r>
+          </a:p>
+          <a:p>
+            <a:pPr fontAlgn="auto">
+              <a:spcAft>
+                <a:spcPts val="0"/>
+              </a:spcAft>
+              <a:buFont typeface="Arial" pitchFamily="34" charset="0"/>
+              <a:buNone/>
+              <a:defRPr/>
+            </a:pPr>
+            <a:endParaRPr lang="es-PE" sz="2000" b="1" dirty="0" smtClean="0"/>
+          </a:p>
+          <a:p>
+            <a:pPr fontAlgn="auto">
+              <a:spcAft>
+                <a:spcPts val="0"/>
+              </a:spcAft>
+              <a:buFont typeface="Arial" pitchFamily="34" charset="0"/>
+              <a:buChar char="•"/>
+              <a:defRPr/>
+            </a:pPr>
+            <a:endParaRPr lang="es-PE" sz="2000" dirty="0"/>
+          </a:p>
+        </p:txBody>
+      </p:sp>
+      <p:sp>
+        <p:nvSpPr>
+          <p:cNvPr id="6" name="5 Título"/>
+          <p:cNvSpPr>
+            <a:spLocks noGrp="1"/>
+          </p:cNvSpPr>
+          <p:nvPr>
+            <p:ph type="title"/>
+          </p:nvPr>
+        </p:nvSpPr>
+        <p:spPr>
+          <a:xfrm>
+            <a:off x="468313" y="1052513"/>
+            <a:ext cx="7620000" cy="490537"/>
+          </a:xfrm>
+        </p:spPr>
+        <p:txBody>
+          <a:bodyPr/>
+          <a:lstStyle/>
+          <a:p>
+            <a:pPr algn="ctr" fontAlgn="auto">
+              <a:spcAft>
+                <a:spcPts val="0"/>
+              </a:spcAft>
+              <a:defRPr/>
+            </a:pPr>
+            <a:r>
+              <a:rPr lang="es-ES" sz="3600" b="1" dirty="0" smtClean="0"/>
+              <a:t/>
+            </a:r>
+            <a:br>
+              <a:rPr lang="es-ES" sz="3600" b="1" dirty="0" smtClean="0"/>
+            </a:br>
+            <a:r>
+              <a:rPr lang="es-ES" sz="3600" b="1" dirty="0" smtClean="0"/>
+              <a:t>Historia: Agregar Poderes</a:t>
+            </a:r>
+            <a:r>
+              <a:rPr lang="es-PE" b="1" i="1" dirty="0" smtClean="0"/>
+              <a:t/>
+            </a:r>
+            <a:br>
+              <a:rPr lang="es-PE" b="1" i="1" dirty="0" smtClean="0"/>
+            </a:br>
+            <a:endParaRPr lang="es-PE" dirty="0"/>
+          </a:p>
+        </p:txBody>
+      </p:sp>
+      <p:grpSp>
+        <p:nvGrpSpPr>
+          <p:cNvPr id="21507" name="3 Grupo"/>
+          <p:cNvGrpSpPr>
+            <a:grpSpLocks/>
+          </p:cNvGrpSpPr>
+          <p:nvPr/>
+        </p:nvGrpSpPr>
+        <p:grpSpPr bwMode="auto">
+          <a:xfrm>
+            <a:off x="0" y="0"/>
+            <a:ext cx="8459788" cy="923925"/>
+            <a:chOff x="0" y="0"/>
+            <a:chExt cx="8460432" cy="923330"/>
+          </a:xfrm>
+        </p:grpSpPr>
+        <p:sp>
+          <p:nvSpPr>
+            <p:cNvPr id="7" name="6 CuadroTexto"/>
+            <p:cNvSpPr txBox="1"/>
+            <p:nvPr/>
+          </p:nvSpPr>
+          <p:spPr>
+            <a:xfrm>
+              <a:off x="0" y="0"/>
+              <a:ext cx="8460432" cy="923330"/>
+            </a:xfrm>
+            <a:prstGeom prst="rect">
+              <a:avLst/>
+            </a:prstGeom>
+            <a:solidFill>
+              <a:srgbClr val="FFC000"/>
+            </a:solidFill>
+          </p:spPr>
+          <p:txBody>
+            <a:bodyPr>
+              <a:spAutoFit/>
+            </a:bodyPr>
+            <a:lstStyle/>
+            <a:p>
+              <a:pPr fontAlgn="auto">
+                <a:spcBef>
+                  <a:spcPts val="0"/>
+                </a:spcBef>
+                <a:spcAft>
+                  <a:spcPts val="0"/>
+                </a:spcAft>
+                <a:defRPr/>
+              </a:pPr>
+              <a:r>
+                <a:rPr lang="es-PE" sz="3600" dirty="0">
+                  <a:latin typeface="+mj-lt"/>
+                </a:rPr>
+                <a:t>	      </a:t>
+              </a:r>
+              <a:r>
+                <a:rPr lang="es-PE" sz="3600" b="1" dirty="0">
+                  <a:latin typeface="+mj-lt"/>
+                </a:rPr>
+                <a:t>BASTANTEO DE PODERES</a:t>
+              </a:r>
+            </a:p>
+            <a:p>
+              <a:pPr fontAlgn="auto">
+                <a:spcBef>
+                  <a:spcPts val="0"/>
+                </a:spcBef>
+                <a:spcAft>
+                  <a:spcPts val="0"/>
+                </a:spcAft>
+                <a:defRPr/>
+              </a:pPr>
+              <a:endParaRPr lang="es-ES" dirty="0">
+                <a:latin typeface="+mn-lt"/>
+              </a:endParaRPr>
+            </a:p>
+          </p:txBody>
+        </p:sp>
+        <p:pic>
+          <p:nvPicPr>
+            <p:cNvPr id="21509" name="7 Imagen" descr="logo_java.png"/>
+            <p:cNvPicPr>
+              <a:picLocks noChangeAspect="1"/>
+            </p:cNvPicPr>
+            <p:nvPr/>
+          </p:nvPicPr>
+          <p:blipFill>
+            <a:blip r:embed="rId3" cstate="print"/>
+            <a:srcRect/>
+            <a:stretch>
+              <a:fillRect/>
+            </a:stretch>
+          </p:blipFill>
+          <p:spPr bwMode="auto">
+            <a:xfrm>
+              <a:off x="7668344" y="0"/>
+              <a:ext cx="720080" cy="720080"/>
+            </a:xfrm>
+            <a:prstGeom prst="rect">
+              <a:avLst/>
+            </a:prstGeom>
+            <a:noFill/>
+            <a:ln w="9525">
+              <a:noFill/>
+              <a:miter lim="800000"/>
+              <a:headEnd/>
+              <a:tailEnd/>
+            </a:ln>
+          </p:spPr>
+        </p:pic>
+        <p:pic>
+          <p:nvPicPr>
+            <p:cNvPr id="21510" name="8 Imagen" descr="logo_epe.jpg"/>
+            <p:cNvPicPr>
+              <a:picLocks noChangeAspect="1"/>
+            </p:cNvPicPr>
+            <p:nvPr/>
+          </p:nvPicPr>
+          <p:blipFill>
+            <a:blip r:embed="rId4" cstate="print"/>
+            <a:srcRect/>
+            <a:stretch>
+              <a:fillRect/>
+            </a:stretch>
+          </p:blipFill>
+          <p:spPr bwMode="auto">
+            <a:xfrm>
+              <a:off x="0" y="0"/>
+              <a:ext cx="695325" cy="885825"/>
+            </a:xfrm>
+            <a:prstGeom prst="rect">
+              <a:avLst/>
+            </a:prstGeom>
+            <a:noFill/>
+            <a:ln w="9525">
+              <a:noFill/>
+              <a:miter lim="800000"/>
+              <a:headEnd/>
+              <a:tailEnd/>
+            </a:ln>
+          </p:spPr>
+        </p:pic>
+      </p:grpSp>
+    </p:spTree>
+  </p:cSld>
+  <p:clrMapOvr>
+    <a:masterClrMapping/>
+  </p:clrMapOvr>
+  <p:timing>
+    <p:tnLst>
+      <p:par>
+        <p:cTn id="1" dur="indefinite" restart="never" nodeType="tmRoot"/>
+      </p:par>
+    </p:tnLst>
+  </p:timing>
+</p:sld>
+</file>
+
+<file path=ppt/slides/slide9.xml><?xml version="1.0" encoding="utf-8"?>
+<p:sld xmlns:a="http://schemas.openxmlformats.org/drawingml/2006/main" xmlns:r="http://schemas.openxmlformats.org/officeDocument/2006/relationships" xmlns:p="http://schemas.openxmlformats.org/presentationml/2006/main">
+  <p:cSld>
+    <p:spTree>
+      <p:nvGrpSpPr>
+        <p:cNvPr id="1" name=""/>
+        <p:cNvGrpSpPr/>
+        <p:nvPr/>
+      </p:nvGrpSpPr>
+      <p:grpSpPr>
+        <a:xfrm>
+          <a:off x="0" y="0"/>
+          <a:ext cx="0" cy="0"/>
+          <a:chOff x="0" y="0"/>
+          <a:chExt cx="0" cy="0"/>
+        </a:xfrm>
+      </p:grpSpPr>
       <p:pic>
         <p:nvPicPr>
-          <p:cNvPr id="3" name="2 Imagen" descr="AgregarPoderes.jpg"/>
+          <p:cNvPr id="22529" name="2 Imagen" descr="AgregarPoderes.jpg"/>
           <p:cNvPicPr>
             <a:picLocks noChangeAspect="1"/>
           </p:cNvPicPr>
           <p:nvPr/>
         </p:nvPicPr>
         <p:blipFill>
-          <a:blip r:embed="rId2" cstate="print"/>
-          <a:srcRect b="29000"/>
+          <a:blip r:embed="rId3" cstate="print"/>
+          <a:srcRect b="28999"/>
           <a:stretch>
             <a:fillRect/>
           </a:stretch>
         </p:blipFill>
-        <p:spPr>
+        <p:spPr bwMode="auto">
           <a:xfrm>
-            <a:off x="539552" y="836712"/>
-            <a:ext cx="7162260" cy="5085184"/>
+            <a:off x="539750" y="836613"/>
+            <a:ext cx="7162800" cy="5084762"/>
           </a:xfrm>
           <a:prstGeom prst="rect">
             <a:avLst/>
           </a:prstGeom>
+          <a:noFill/>
+          <a:ln w="9525">
+            <a:noFill/>
+            <a:miter lim="800000"/>
+            <a:headEnd/>
+            <a:tailEnd/>
+          </a:ln>
         </p:spPr>
       </p:pic>
+      <p:grpSp>
+        <p:nvGrpSpPr>
+          <p:cNvPr id="22530" name="3 Grupo"/>
+          <p:cNvGrpSpPr>
+            <a:grpSpLocks/>
+          </p:cNvGrpSpPr>
+          <p:nvPr/>
+        </p:nvGrpSpPr>
+        <p:grpSpPr bwMode="auto">
+          <a:xfrm>
+            <a:off x="0" y="0"/>
+            <a:ext cx="8459788" cy="923925"/>
+            <a:chOff x="0" y="0"/>
+            <a:chExt cx="8460432" cy="923330"/>
+          </a:xfrm>
+        </p:grpSpPr>
+        <p:sp>
+          <p:nvSpPr>
+            <p:cNvPr id="5" name="4 CuadroTexto"/>
+            <p:cNvSpPr txBox="1"/>
+            <p:nvPr/>
+          </p:nvSpPr>
+          <p:spPr>
+            <a:xfrm>
+              <a:off x="0" y="0"/>
+              <a:ext cx="8460432" cy="923330"/>
+            </a:xfrm>
+            <a:prstGeom prst="rect">
+              <a:avLst/>
+            </a:prstGeom>
+            <a:solidFill>
+              <a:srgbClr val="FFC000"/>
+            </a:solidFill>
+          </p:spPr>
+          <p:txBody>
+            <a:bodyPr>
+              <a:spAutoFit/>
+            </a:bodyPr>
+            <a:lstStyle/>
+            <a:p>
+              <a:pPr fontAlgn="auto">
+                <a:spcBef>
+                  <a:spcPts val="0"/>
+                </a:spcBef>
+                <a:spcAft>
+                  <a:spcPts val="0"/>
+                </a:spcAft>
+                <a:defRPr/>
+              </a:pPr>
+              <a:r>
+                <a:rPr lang="es-PE" sz="3600" dirty="0">
+                  <a:latin typeface="+mj-lt"/>
+                </a:rPr>
+                <a:t>	      </a:t>
+              </a:r>
+              <a:r>
+                <a:rPr lang="es-PE" sz="3600" b="1" dirty="0">
+                  <a:latin typeface="+mj-lt"/>
+                </a:rPr>
+                <a:t>BASTANTEO DE PODERES</a:t>
+              </a:r>
+            </a:p>
+            <a:p>
+              <a:pPr fontAlgn="auto">
+                <a:spcBef>
+                  <a:spcPts val="0"/>
+                </a:spcBef>
+                <a:spcAft>
+                  <a:spcPts val="0"/>
+                </a:spcAft>
+                <a:defRPr/>
+              </a:pPr>
+              <a:endParaRPr lang="es-ES" dirty="0">
+                <a:latin typeface="+mn-lt"/>
+              </a:endParaRPr>
+            </a:p>
+          </p:txBody>
+        </p:sp>
+        <p:pic>
+          <p:nvPicPr>
+            <p:cNvPr id="22532" name="5 Imagen" descr="logo_java.png"/>
+            <p:cNvPicPr>
+              <a:picLocks noChangeAspect="1"/>
+            </p:cNvPicPr>
+            <p:nvPr/>
+          </p:nvPicPr>
+          <p:blipFill>
+            <a:blip r:embed="rId4" cstate="print"/>
+            <a:srcRect/>
+            <a:stretch>
+              <a:fillRect/>
+            </a:stretch>
+          </p:blipFill>
+          <p:spPr bwMode="auto">
+            <a:xfrm>
+              <a:off x="7668344" y="0"/>
+              <a:ext cx="720080" cy="720080"/>
+            </a:xfrm>
+            <a:prstGeom prst="rect">
+              <a:avLst/>
+            </a:prstGeom>
+            <a:noFill/>
+            <a:ln w="9525">
+              <a:noFill/>
+              <a:miter lim="800000"/>
+              <a:headEnd/>
+              <a:tailEnd/>
+            </a:ln>
+          </p:spPr>
+        </p:pic>
+        <p:pic>
+          <p:nvPicPr>
+            <p:cNvPr id="22533" name="6 Imagen" descr="logo_epe.jpg"/>
+            <p:cNvPicPr>
+              <a:picLocks noChangeAspect="1"/>
+            </p:cNvPicPr>
+            <p:nvPr/>
+          </p:nvPicPr>
+          <p:blipFill>
+            <a:blip r:embed="rId5" cstate="print"/>
+            <a:srcRect/>
+            <a:stretch>
+              <a:fillRect/>
+            </a:stretch>
+          </p:blipFill>
+          <p:spPr bwMode="auto">
+            <a:xfrm>
+              <a:off x="0" y="0"/>
+              <a:ext cx="695325" cy="885825"/>
+            </a:xfrm>
+            <a:prstGeom prst="rect">
+              <a:avLst/>
+            </a:prstGeom>
+            <a:noFill/>
+            <a:ln w="9525">
+              <a:noFill/>
+              <a:miter lim="800000"/>
+              <a:headEnd/>
+              <a:tailEnd/>
+            </a:ln>
+          </p:spPr>
+        </p:pic>
+      </p:grpSp>
     </p:spTree>
-    <p:extLst>
-      <p:ext uri="{BB962C8B-B14F-4D97-AF65-F5344CB8AC3E}">
-        <p14:creationId xmlns="" xmlns:p14="http://schemas.microsoft.com/office/powerpoint/2010/main" val="2716019624"/>
-      </p:ext>
-    </p:extLst>
   </p:cSld>
   <p:clrMapOvr>
     <a:masterClrMapping/>
@@ -5095,4 +9021,287 @@
   <a:objectDefaults/>
   <a:extraClrSchemeLst/>
 </a:theme>
+</file>
+
+<file path=ppt/theme/theme3.xml><?xml version="1.0" encoding="utf-8"?>
+<a:theme xmlns:a="http://schemas.openxmlformats.org/drawingml/2006/main" name="Tema de Office">
+  <a:themeElements>
+    <a:clrScheme name="">
+      <a:dk1>
+        <a:srgbClr val="000000"/>
+      </a:dk1>
+      <a:lt1>
+        <a:srgbClr val="FFFFFF"/>
+      </a:lt1>
+      <a:dk2>
+        <a:srgbClr val="000000"/>
+      </a:dk2>
+      <a:lt2>
+        <a:srgbClr val="808080"/>
+      </a:lt2>
+      <a:accent1>
+        <a:srgbClr val="BBE0E3"/>
+      </a:accent1>
+      <a:accent2>
+        <a:srgbClr val="333399"/>
+      </a:accent2>
+      <a:accent3>
+        <a:srgbClr val="FFFFFF"/>
+      </a:accent3>
+      <a:accent4>
+        <a:srgbClr val="000000"/>
+      </a:accent4>
+      <a:accent5>
+        <a:srgbClr val="DAEDEF"/>
+      </a:accent5>
+      <a:accent6>
+        <a:srgbClr val="2D2D8A"/>
+      </a:accent6>
+      <a:hlink>
+        <a:srgbClr val="009999"/>
+      </a:hlink>
+      <a:folHlink>
+        <a:srgbClr val="99CC00"/>
+      </a:folHlink>
+    </a:clrScheme>
+    <a:fontScheme name="Office">
+      <a:majorFont>
+        <a:latin typeface="Calibri"/>
+        <a:ea typeface=""/>
+        <a:cs typeface=""/>
+        <a:font script="Jpan" typeface="ＭＳ Ｐゴシック"/>
+        <a:font script="Hang" typeface="맑은 고딕"/>
+        <a:font script="Hans" typeface="宋体"/>
+        <a:font script="Hant" typeface="新細明體"/>
+        <a:font script="Arab" typeface="Times New Roman"/>
+        <a:font script="Hebr" typeface="Times New Roman"/>
+        <a:font script="Thai" typeface="Angsana New"/>
+        <a:font script="Ethi" typeface="Nyala"/>
+        <a:font script="Beng" typeface="Vrinda"/>
+        <a:font script="Gujr" typeface="Shruti"/>
+        <a:font script="Khmr" typeface="MoolBoran"/>
+        <a:font script="Knda" typeface="Tunga"/>
+        <a:font script="Guru" typeface="Raavi"/>
+        <a:font script="Cans" typeface="Euphemia"/>
+        <a:font script="Cher" typeface="Plantagenet Cherokee"/>
+        <a:font script="Yiii" typeface="Microsoft Yi Baiti"/>
+        <a:font script="Tibt" typeface="Microsoft Himalaya"/>
+        <a:font script="Thaa" typeface="MV Boli"/>
+        <a:font script="Deva" typeface="Mangal"/>
+        <a:font script="Telu" typeface="Gautami"/>
+        <a:font script="Taml" typeface="Latha"/>
+        <a:font script="Syrc" typeface="Estrangelo Edessa"/>
+        <a:font script="Orya" typeface="Kalinga"/>
+        <a:font script="Mlym" typeface="Kartika"/>
+        <a:font script="Laoo" typeface="DokChampa"/>
+        <a:font script="Sinh" typeface="Iskoola Pota"/>
+        <a:font script="Mong" typeface="Mongolian Baiti"/>
+        <a:font script="Viet" typeface="Times New Roman"/>
+        <a:font script="Uigh" typeface="Microsoft Uighur"/>
+      </a:majorFont>
+      <a:minorFont>
+        <a:latin typeface="Calibri"/>
+        <a:ea typeface=""/>
+        <a:cs typeface=""/>
+        <a:font script="Jpan" typeface="ＭＳ Ｐゴシック"/>
+        <a:font script="Hang" typeface="맑은 고딕"/>
+        <a:font script="Hans" typeface="宋体"/>
+        <a:font script="Hant" typeface="新細明體"/>
+        <a:font script="Arab" typeface="Arial"/>
+        <a:font script="Hebr" typeface="Arial"/>
+        <a:font script="Thai" typeface="Cordia New"/>
+        <a:font script="Ethi" typeface="Nyala"/>
+        <a:font script="Beng" typeface="Vrinda"/>
+        <a:font script="Gujr" typeface="Shruti"/>
+        <a:font script="Khmr" typeface="DaunPenh"/>
+        <a:font script="Knda" typeface="Tunga"/>
+        <a:font script="Guru" typeface="Raavi"/>
+        <a:font script="Cans" typeface="Euphemia"/>
+        <a:font script="Cher" typeface="Plantagenet Cherokee"/>
+        <a:font script="Yiii" typeface="Microsoft Yi Baiti"/>
+        <a:font script="Tibt" typeface="Microsoft Himalaya"/>
+        <a:font script="Thaa" typeface="MV Boli"/>
+        <a:font script="Deva" typeface="Mangal"/>
+        <a:font script="Telu" typeface="Gautami"/>
+        <a:font script="Taml" typeface="Latha"/>
+        <a:font script="Syrc" typeface="Estrangelo Edessa"/>
+        <a:font script="Orya" typeface="Kalinga"/>
+        <a:font script="Mlym" typeface="Kartika"/>
+        <a:font script="Laoo" typeface="DokChampa"/>
+        <a:font script="Sinh" typeface="Iskoola Pota"/>
+        <a:font script="Mong" typeface="Mongolian Baiti"/>
+        <a:font script="Viet" typeface="Arial"/>
+        <a:font script="Uigh" typeface="Microsoft Uighur"/>
+      </a:minorFont>
+    </a:fontScheme>
+    <a:fmtScheme name="Office">
+      <a:fillStyleLst>
+        <a:solidFill>
+          <a:schemeClr val="phClr"/>
+        </a:solidFill>
+        <a:gradFill rotWithShape="1">
+          <a:gsLst>
+            <a:gs pos="0">
+              <a:schemeClr val="phClr">
+                <a:tint val="50000"/>
+                <a:satMod val="300000"/>
+              </a:schemeClr>
+            </a:gs>
+            <a:gs pos="35000">
+              <a:schemeClr val="phClr">
+                <a:tint val="37000"/>
+                <a:satMod val="300000"/>
+              </a:schemeClr>
+            </a:gs>
+            <a:gs pos="100000">
+              <a:schemeClr val="phClr">
+                <a:tint val="15000"/>
+                <a:satMod val="350000"/>
+              </a:schemeClr>
+            </a:gs>
+          </a:gsLst>
+          <a:lin ang="16200000" scaled="1"/>
+        </a:gradFill>
+        <a:gradFill rotWithShape="1">
+          <a:gsLst>
+            <a:gs pos="0">
+              <a:schemeClr val="phClr">
+                <a:shade val="51000"/>
+                <a:satMod val="130000"/>
+              </a:schemeClr>
+            </a:gs>
+            <a:gs pos="80000">
+              <a:schemeClr val="phClr">
+                <a:shade val="93000"/>
+                <a:satMod val="130000"/>
+              </a:schemeClr>
+            </a:gs>
+            <a:gs pos="100000">
+              <a:schemeClr val="phClr">
+                <a:shade val="94000"/>
+                <a:satMod val="135000"/>
+              </a:schemeClr>
+            </a:gs>
+          </a:gsLst>
+          <a:lin ang="16200000" scaled="0"/>
+        </a:gradFill>
+      </a:fillStyleLst>
+      <a:lnStyleLst>
+        <a:ln w="9525" cap="flat" cmpd="sng" algn="ctr">
+          <a:solidFill>
+            <a:schemeClr val="phClr">
+              <a:shade val="95000"/>
+              <a:satMod val="105000"/>
+            </a:schemeClr>
+          </a:solidFill>
+          <a:prstDash val="solid"/>
+        </a:ln>
+        <a:ln w="25400" cap="flat" cmpd="sng" algn="ctr">
+          <a:solidFill>
+            <a:schemeClr val="phClr"/>
+          </a:solidFill>
+          <a:prstDash val="solid"/>
+        </a:ln>
+        <a:ln w="38100" cap="flat" cmpd="sng" algn="ctr">
+          <a:solidFill>
+            <a:schemeClr val="phClr"/>
+          </a:solidFill>
+          <a:prstDash val="solid"/>
+        </a:ln>
+      </a:lnStyleLst>
+      <a:effectStyleLst>
+        <a:effectStyle>
+          <a:effectLst>
+            <a:outerShdw blurRad="40000" dist="20000" dir="5400000" rotWithShape="0">
+              <a:srgbClr val="000000">
+                <a:alpha val="38000"/>
+              </a:srgbClr>
+            </a:outerShdw>
+          </a:effectLst>
+        </a:effectStyle>
+        <a:effectStyle>
+          <a:effectLst>
+            <a:outerShdw blurRad="40000" dist="23000" dir="5400000" rotWithShape="0">
+              <a:srgbClr val="000000">
+                <a:alpha val="35000"/>
+              </a:srgbClr>
+            </a:outerShdw>
+          </a:effectLst>
+        </a:effectStyle>
+        <a:effectStyle>
+          <a:effectLst>
+            <a:outerShdw blurRad="40000" dist="23000" dir="5400000" rotWithShape="0">
+              <a:srgbClr val="000000">
+                <a:alpha val="35000"/>
+              </a:srgbClr>
+            </a:outerShdw>
+          </a:effectLst>
+          <a:scene3d>
+            <a:camera prst="orthographicFront">
+              <a:rot lat="0" lon="0" rev="0"/>
+            </a:camera>
+            <a:lightRig rig="threePt" dir="t">
+              <a:rot lat="0" lon="0" rev="1200000"/>
+            </a:lightRig>
+          </a:scene3d>
+          <a:sp3d>
+            <a:bevelT w="63500" h="25400"/>
+          </a:sp3d>
+        </a:effectStyle>
+      </a:effectStyleLst>
+      <a:bgFillStyleLst>
+        <a:solidFill>
+          <a:schemeClr val="phClr"/>
+        </a:solidFill>
+        <a:gradFill rotWithShape="1">
+          <a:gsLst>
+            <a:gs pos="0">
+              <a:schemeClr val="phClr">
+                <a:tint val="40000"/>
+                <a:satMod val="350000"/>
+              </a:schemeClr>
+            </a:gs>
+            <a:gs pos="40000">
+              <a:schemeClr val="phClr">
+                <a:tint val="45000"/>
+                <a:shade val="99000"/>
+                <a:satMod val="350000"/>
+              </a:schemeClr>
+            </a:gs>
+            <a:gs pos="100000">
+              <a:schemeClr val="phClr">
+                <a:shade val="20000"/>
+                <a:satMod val="255000"/>
+              </a:schemeClr>
+            </a:gs>
+          </a:gsLst>
+          <a:path path="circle">
+            <a:fillToRect l="50000" t="-80000" r="50000" b="180000"/>
+          </a:path>
+        </a:gradFill>
+        <a:gradFill rotWithShape="1">
+          <a:gsLst>
+            <a:gs pos="0">
+              <a:schemeClr val="phClr">
+                <a:tint val="80000"/>
+                <a:satMod val="300000"/>
+              </a:schemeClr>
+            </a:gs>
+            <a:gs pos="100000">
+              <a:schemeClr val="phClr">
+                <a:shade val="30000"/>
+                <a:satMod val="200000"/>
+              </a:schemeClr>
+            </a:gs>
+          </a:gsLst>
+          <a:path path="circle">
+            <a:fillToRect l="50000" t="50000" r="50000" b="50000"/>
+          </a:path>
+        </a:gradFill>
+      </a:bgFillStyleLst>
+    </a:fmtScheme>
+  </a:themeElements>
+  <a:objectDefaults/>
+  <a:extraClrSchemeLst/>
+</a:theme>
 </file>
--- a/Documentacion/Presentacion ppt.pptx
+++ b/Documentacion/Presentacion ppt.pptx
@@ -5,11 +5,8 @@
     <p:sldMasterId id="2147483804" r:id="rId1"/>
   </p:sldMasterIdLst>
   <p:notesMasterIdLst>
-    <p:notesMasterId r:id="rId14"/>
+    <p:notesMasterId r:id="rId17"/>
   </p:notesMasterIdLst>
-  <p:handoutMasterIdLst>
-    <p:handoutMasterId r:id="rId15"/>
-  </p:handoutMasterIdLst>
   <p:sldIdLst>
     <p:sldId id="256" r:id="rId2"/>
     <p:sldId id="271" r:id="rId3"/>
@@ -20,9 +17,12 @@
     <p:sldId id="259" r:id="rId8"/>
     <p:sldId id="270" r:id="rId9"/>
     <p:sldId id="267" r:id="rId10"/>
-    <p:sldId id="274" r:id="rId11"/>
+    <p:sldId id="277" r:id="rId11"/>
     <p:sldId id="272" r:id="rId12"/>
-    <p:sldId id="273" r:id="rId13"/>
+    <p:sldId id="276" r:id="rId13"/>
+    <p:sldId id="273" r:id="rId14"/>
+    <p:sldId id="275" r:id="rId15"/>
+    <p:sldId id="274" r:id="rId16"/>
   </p:sldIdLst>
   <p:sldSz cx="9144000" cy="6858000" type="screen4x3"/>
   <p:notesSz cx="6858000" cy="9144000"/>
@@ -30,349 +30,98 @@
     <a:defPPr>
       <a:defRPr lang="es-PE"/>
     </a:defPPr>
-    <a:lvl1pPr algn="l" rtl="0" fontAlgn="base">
-      <a:spcBef>
-        <a:spcPct val="0"/>
-      </a:spcBef>
-      <a:spcAft>
-        <a:spcPct val="0"/>
-      </a:spcAft>
-      <a:defRPr kern="1200">
+    <a:lvl1pPr marL="0" algn="l" defTabSz="914400" rtl="0" eaLnBrk="1" latinLnBrk="0" hangingPunct="1">
+      <a:defRPr sz="1800" kern="1200">
         <a:solidFill>
           <a:schemeClr val="tx1"/>
         </a:solidFill>
-        <a:latin typeface="Arial" charset="0"/>
+        <a:latin typeface="+mn-lt"/>
         <a:ea typeface="+mn-ea"/>
         <a:cs typeface="+mn-cs"/>
       </a:defRPr>
     </a:lvl1pPr>
-    <a:lvl2pPr marL="457200" algn="l" rtl="0" fontAlgn="base">
-      <a:spcBef>
-        <a:spcPct val="0"/>
-      </a:spcBef>
-      <a:spcAft>
-        <a:spcPct val="0"/>
-      </a:spcAft>
-      <a:defRPr kern="1200">
+    <a:lvl2pPr marL="457200" algn="l" defTabSz="914400" rtl="0" eaLnBrk="1" latinLnBrk="0" hangingPunct="1">
+      <a:defRPr sz="1800" kern="1200">
         <a:solidFill>
           <a:schemeClr val="tx1"/>
         </a:solidFill>
-        <a:latin typeface="Arial" charset="0"/>
+        <a:latin typeface="+mn-lt"/>
         <a:ea typeface="+mn-ea"/>
         <a:cs typeface="+mn-cs"/>
       </a:defRPr>
     </a:lvl2pPr>
-    <a:lvl3pPr marL="914400" algn="l" rtl="0" fontAlgn="base">
-      <a:spcBef>
-        <a:spcPct val="0"/>
-      </a:spcBef>
-      <a:spcAft>
-        <a:spcPct val="0"/>
-      </a:spcAft>
-      <a:defRPr kern="1200">
+    <a:lvl3pPr marL="914400" algn="l" defTabSz="914400" rtl="0" eaLnBrk="1" latinLnBrk="0" hangingPunct="1">
+      <a:defRPr sz="1800" kern="1200">
         <a:solidFill>
           <a:schemeClr val="tx1"/>
         </a:solidFill>
-        <a:latin typeface="Arial" charset="0"/>
+        <a:latin typeface="+mn-lt"/>
         <a:ea typeface="+mn-ea"/>
         <a:cs typeface="+mn-cs"/>
       </a:defRPr>
     </a:lvl3pPr>
-    <a:lvl4pPr marL="1371600" algn="l" rtl="0" fontAlgn="base">
-      <a:spcBef>
-        <a:spcPct val="0"/>
-      </a:spcBef>
-      <a:spcAft>
-        <a:spcPct val="0"/>
-      </a:spcAft>
-      <a:defRPr kern="1200">
+    <a:lvl4pPr marL="1371600" algn="l" defTabSz="914400" rtl="0" eaLnBrk="1" latinLnBrk="0" hangingPunct="1">
+      <a:defRPr sz="1800" kern="1200">
         <a:solidFill>
           <a:schemeClr val="tx1"/>
         </a:solidFill>
-        <a:latin typeface="Arial" charset="0"/>
+        <a:latin typeface="+mn-lt"/>
         <a:ea typeface="+mn-ea"/>
         <a:cs typeface="+mn-cs"/>
       </a:defRPr>
     </a:lvl4pPr>
-    <a:lvl5pPr marL="1828800" algn="l" rtl="0" fontAlgn="base">
-      <a:spcBef>
-        <a:spcPct val="0"/>
-      </a:spcBef>
-      <a:spcAft>
-        <a:spcPct val="0"/>
-      </a:spcAft>
-      <a:defRPr kern="1200">
+    <a:lvl5pPr marL="1828800" algn="l" defTabSz="914400" rtl="0" eaLnBrk="1" latinLnBrk="0" hangingPunct="1">
+      <a:defRPr sz="1800" kern="1200">
         <a:solidFill>
           <a:schemeClr val="tx1"/>
         </a:solidFill>
-        <a:latin typeface="Arial" charset="0"/>
+        <a:latin typeface="+mn-lt"/>
         <a:ea typeface="+mn-ea"/>
         <a:cs typeface="+mn-cs"/>
       </a:defRPr>
     </a:lvl5pPr>
     <a:lvl6pPr marL="2286000" algn="l" defTabSz="914400" rtl="0" eaLnBrk="1" latinLnBrk="0" hangingPunct="1">
-      <a:defRPr kern="1200">
+      <a:defRPr sz="1800" kern="1200">
         <a:solidFill>
           <a:schemeClr val="tx1"/>
         </a:solidFill>
-        <a:latin typeface="Arial" charset="0"/>
+        <a:latin typeface="+mn-lt"/>
         <a:ea typeface="+mn-ea"/>
         <a:cs typeface="+mn-cs"/>
       </a:defRPr>
     </a:lvl6pPr>
     <a:lvl7pPr marL="2743200" algn="l" defTabSz="914400" rtl="0" eaLnBrk="1" latinLnBrk="0" hangingPunct="1">
-      <a:defRPr kern="1200">
+      <a:defRPr sz="1800" kern="1200">
         <a:solidFill>
           <a:schemeClr val="tx1"/>
         </a:solidFill>
-        <a:latin typeface="Arial" charset="0"/>
+        <a:latin typeface="+mn-lt"/>
         <a:ea typeface="+mn-ea"/>
         <a:cs typeface="+mn-cs"/>
       </a:defRPr>
     </a:lvl7pPr>
     <a:lvl8pPr marL="3200400" algn="l" defTabSz="914400" rtl="0" eaLnBrk="1" latinLnBrk="0" hangingPunct="1">
-      <a:defRPr kern="1200">
+      <a:defRPr sz="1800" kern="1200">
         <a:solidFill>
           <a:schemeClr val="tx1"/>
         </a:solidFill>
-        <a:latin typeface="Arial" charset="0"/>
+        <a:latin typeface="+mn-lt"/>
         <a:ea typeface="+mn-ea"/>
         <a:cs typeface="+mn-cs"/>
       </a:defRPr>
     </a:lvl8pPr>
     <a:lvl9pPr marL="3657600" algn="l" defTabSz="914400" rtl="0" eaLnBrk="1" latinLnBrk="0" hangingPunct="1">
-      <a:defRPr kern="1200">
+      <a:defRPr sz="1800" kern="1200">
         <a:solidFill>
           <a:schemeClr val="tx1"/>
         </a:solidFill>
-        <a:latin typeface="Arial" charset="0"/>
+        <a:latin typeface="+mn-lt"/>
         <a:ea typeface="+mn-ea"/>
         <a:cs typeface="+mn-cs"/>
       </a:defRPr>
     </a:lvl9pPr>
   </p:defaultTextStyle>
 </p:presentation>
-</file>
-
-<file path=ppt/handoutMasters/handoutMaster1.xml><?xml version="1.0" encoding="utf-8"?>
-<p:handoutMaster xmlns:a="http://schemas.openxmlformats.org/drawingml/2006/main" xmlns:r="http://schemas.openxmlformats.org/officeDocument/2006/relationships" xmlns:p="http://schemas.openxmlformats.org/presentationml/2006/main">
-  <p:cSld>
-    <p:bg>
-      <p:bgPr>
-        <a:solidFill>
-          <a:schemeClr val="bg1"/>
-        </a:solidFill>
-        <a:effectLst/>
-      </p:bgPr>
-    </p:bg>
-    <p:spTree>
-      <p:nvGrpSpPr>
-        <p:cNvPr id="1" name=""/>
-        <p:cNvGrpSpPr/>
-        <p:nvPr/>
-      </p:nvGrpSpPr>
-      <p:grpSpPr>
-        <a:xfrm>
-          <a:off x="0" y="0"/>
-          <a:ext cx="0" cy="0"/>
-          <a:chOff x="0" y="0"/>
-          <a:chExt cx="0" cy="0"/>
-        </a:xfrm>
-      </p:grpSpPr>
-      <p:sp>
-        <p:nvSpPr>
-          <p:cNvPr id="27650" name="Rectangle 2"/>
-          <p:cNvSpPr>
-            <a:spLocks noGrp="1" noChangeArrowheads="1"/>
-          </p:cNvSpPr>
-          <p:nvPr>
-            <p:ph type="hdr" sz="quarter"/>
-          </p:nvPr>
-        </p:nvSpPr>
-        <p:spPr bwMode="auto">
-          <a:xfrm>
-            <a:off x="0" y="0"/>
-            <a:ext cx="2971800" cy="457200"/>
-          </a:xfrm>
-          <a:prstGeom prst="rect">
-            <a:avLst/>
-          </a:prstGeom>
-          <a:noFill/>
-          <a:ln w="9525">
-            <a:noFill/>
-            <a:miter lim="800000"/>
-            <a:headEnd/>
-            <a:tailEnd/>
-          </a:ln>
-          <a:effectLst/>
-        </p:spPr>
-        <p:txBody>
-          <a:bodyPr vert="horz" wrap="square" lIns="91440" tIns="45720" rIns="91440" bIns="45720" numCol="1" anchor="t" anchorCtr="0" compatLnSpc="1">
-            <a:prstTxWarp prst="textNoShape">
-              <a:avLst/>
-            </a:prstTxWarp>
-          </a:bodyPr>
-          <a:lstStyle>
-            <a:lvl1pPr>
-              <a:defRPr sz="1200">
-                <a:latin typeface="Calibri" pitchFamily="34" charset="0"/>
-              </a:defRPr>
-            </a:lvl1pPr>
-          </a:lstStyle>
-          <a:p>
-            <a:endParaRPr lang="en-US"/>
-          </a:p>
-        </p:txBody>
-      </p:sp>
-      <p:sp>
-        <p:nvSpPr>
-          <p:cNvPr id="27651" name="Rectangle 3"/>
-          <p:cNvSpPr>
-            <a:spLocks noGrp="1" noChangeArrowheads="1"/>
-          </p:cNvSpPr>
-          <p:nvPr>
-            <p:ph type="dt" sz="quarter" idx="1"/>
-          </p:nvPr>
-        </p:nvSpPr>
-        <p:spPr bwMode="auto">
-          <a:xfrm>
-            <a:off x="3884613" y="0"/>
-            <a:ext cx="2971800" cy="457200"/>
-          </a:xfrm>
-          <a:prstGeom prst="rect">
-            <a:avLst/>
-          </a:prstGeom>
-          <a:noFill/>
-          <a:ln w="9525">
-            <a:noFill/>
-            <a:miter lim="800000"/>
-            <a:headEnd/>
-            <a:tailEnd/>
-          </a:ln>
-          <a:effectLst/>
-        </p:spPr>
-        <p:txBody>
-          <a:bodyPr vert="horz" wrap="square" lIns="91440" tIns="45720" rIns="91440" bIns="45720" numCol="1" anchor="t" anchorCtr="0" compatLnSpc="1">
-            <a:prstTxWarp prst="textNoShape">
-              <a:avLst/>
-            </a:prstTxWarp>
-          </a:bodyPr>
-          <a:lstStyle>
-            <a:lvl1pPr algn="r">
-              <a:defRPr sz="1200">
-                <a:latin typeface="Calibri" pitchFamily="34" charset="0"/>
-              </a:defRPr>
-            </a:lvl1pPr>
-          </a:lstStyle>
-          <a:p>
-            <a:fld id="{BCFC7CF4-D90D-4E28-A888-9C7FB898C6CF}" type="datetimeFigureOut">
-              <a:rPr lang="en-US"/>
-              <a:pPr/>
-              <a:t>11/21/2011</a:t>
-            </a:fld>
-            <a:endParaRPr lang="en-US"/>
-          </a:p>
-        </p:txBody>
-      </p:sp>
-      <p:sp>
-        <p:nvSpPr>
-          <p:cNvPr id="27652" name="Rectangle 4"/>
-          <p:cNvSpPr>
-            <a:spLocks noGrp="1" noChangeArrowheads="1"/>
-          </p:cNvSpPr>
-          <p:nvPr>
-            <p:ph type="ftr" sz="quarter" idx="2"/>
-          </p:nvPr>
-        </p:nvSpPr>
-        <p:spPr bwMode="auto">
-          <a:xfrm>
-            <a:off x="0" y="8685213"/>
-            <a:ext cx="2971800" cy="457200"/>
-          </a:xfrm>
-          <a:prstGeom prst="rect">
-            <a:avLst/>
-          </a:prstGeom>
-          <a:noFill/>
-          <a:ln w="9525">
-            <a:noFill/>
-            <a:miter lim="800000"/>
-            <a:headEnd/>
-            <a:tailEnd/>
-          </a:ln>
-          <a:effectLst/>
-        </p:spPr>
-        <p:txBody>
-          <a:bodyPr vert="horz" wrap="square" lIns="91440" tIns="45720" rIns="91440" bIns="45720" numCol="1" anchor="b" anchorCtr="0" compatLnSpc="1">
-            <a:prstTxWarp prst="textNoShape">
-              <a:avLst/>
-            </a:prstTxWarp>
-          </a:bodyPr>
-          <a:lstStyle>
-            <a:lvl1pPr>
-              <a:defRPr sz="1200">
-                <a:latin typeface="Calibri" pitchFamily="34" charset="0"/>
-              </a:defRPr>
-            </a:lvl1pPr>
-          </a:lstStyle>
-          <a:p>
-            <a:endParaRPr lang="en-US"/>
-          </a:p>
-        </p:txBody>
-      </p:sp>
-      <p:sp>
-        <p:nvSpPr>
-          <p:cNvPr id="27653" name="Rectangle 5"/>
-          <p:cNvSpPr>
-            <a:spLocks noGrp="1" noChangeArrowheads="1"/>
-          </p:cNvSpPr>
-          <p:nvPr>
-            <p:ph type="sldNum" sz="quarter" idx="3"/>
-          </p:nvPr>
-        </p:nvSpPr>
-        <p:spPr bwMode="auto">
-          <a:xfrm>
-            <a:off x="3884613" y="8685213"/>
-            <a:ext cx="2971800" cy="457200"/>
-          </a:xfrm>
-          <a:prstGeom prst="rect">
-            <a:avLst/>
-          </a:prstGeom>
-          <a:noFill/>
-          <a:ln w="9525">
-            <a:noFill/>
-            <a:miter lim="800000"/>
-            <a:headEnd/>
-            <a:tailEnd/>
-          </a:ln>
-          <a:effectLst/>
-        </p:spPr>
-        <p:txBody>
-          <a:bodyPr vert="horz" wrap="square" lIns="91440" tIns="45720" rIns="91440" bIns="45720" numCol="1" anchor="b" anchorCtr="0" compatLnSpc="1">
-            <a:prstTxWarp prst="textNoShape">
-              <a:avLst/>
-            </a:prstTxWarp>
-          </a:bodyPr>
-          <a:lstStyle>
-            <a:lvl1pPr algn="r">
-              <a:defRPr sz="1200">
-                <a:latin typeface="Calibri" pitchFamily="34" charset="0"/>
-              </a:defRPr>
-            </a:lvl1pPr>
-          </a:lstStyle>
-          <a:p>
-            <a:fld id="{6D05C532-E64C-4190-8CCB-34A1C1962F4C}" type="slidenum">
-              <a:rPr lang="en-US"/>
-              <a:pPr/>
-              <a:t>‹Nº›</a:t>
-            </a:fld>
-            <a:endParaRPr lang="en-US"/>
-          </a:p>
-        </p:txBody>
-      </p:sp>
-    </p:spTree>
-  </p:cSld>
-  <p:clrMap bg1="lt1" tx1="dk1" bg2="lt2" tx2="dk2" accent1="accent1" accent2="accent2" accent3="accent3" accent4="accent4" accent5="accent5" accent6="accent6" hlink="hlink" folHlink="folHlink"/>
-</p:handoutMaster>
 </file>
 
 <file path=ppt/notesMasters/notesMaster1.xml><?xml version="1.0" encoding="utf-8"?>
@@ -419,23 +168,12 @@
         <p:txBody>
           <a:bodyPr vert="horz" lIns="91440" tIns="45720" rIns="91440" bIns="45720" rtlCol="0"/>
           <a:lstStyle>
-            <a:lvl1pPr algn="l" fontAlgn="auto">
-              <a:spcBef>
-                <a:spcPts val="0"/>
-              </a:spcBef>
-              <a:spcAft>
-                <a:spcPts val="0"/>
-              </a:spcAft>
-              <a:defRPr sz="1200" dirty="0">
-                <a:latin typeface="+mn-lt"/>
-              </a:defRPr>
+            <a:lvl1pPr algn="l">
+              <a:defRPr sz="1200"/>
             </a:lvl1pPr>
           </a:lstStyle>
           <a:p>
-            <a:pPr>
-              <a:defRPr/>
-            </a:pPr>
-            <a:endParaRPr lang="es-PE"/>
+            <a:endParaRPr lang="es-PE" dirty="0"/>
           </a:p>
         </p:txBody>
       </p:sp>
@@ -461,28 +199,15 @@
         <p:txBody>
           <a:bodyPr vert="horz" lIns="91440" tIns="45720" rIns="91440" bIns="45720" rtlCol="0"/>
           <a:lstStyle>
-            <a:lvl1pPr algn="r" fontAlgn="auto">
-              <a:spcBef>
-                <a:spcPts val="0"/>
-              </a:spcBef>
-              <a:spcAft>
-                <a:spcPts val="0"/>
-              </a:spcAft>
-              <a:defRPr sz="1200" smtClean="0">
-                <a:latin typeface="+mn-lt"/>
-              </a:defRPr>
+            <a:lvl1pPr algn="r">
+              <a:defRPr sz="1200"/>
             </a:lvl1pPr>
           </a:lstStyle>
           <a:p>
-            <a:pPr>
-              <a:defRPr/>
-            </a:pPr>
-            <a:fld id="{466215F1-5A6E-4207-AC4B-284EC9DD1DC5}" type="datetimeFigureOut">
-              <a:rPr lang="es-PE"/>
-              <a:pPr>
-                <a:defRPr/>
-              </a:pPr>
-              <a:t>21/11/2011</a:t>
+            <a:fld id="{0007A05F-237D-4D86-96CD-CE52F13E2254}" type="datetimeFigureOut">
+              <a:rPr lang="es-PE" smtClean="0"/>
+              <a:pPr/>
+              <a:t>09/12/2011</a:t>
             </a:fld>
             <a:endParaRPr lang="es-PE" dirty="0"/>
           </a:p>
@@ -517,8 +242,7 @@
           <a:bodyPr vert="horz" lIns="91440" tIns="45720" rIns="91440" bIns="45720" rtlCol="0" anchor="ctr"/>
           <a:lstStyle/>
           <a:p>
-            <a:pPr lvl="0"/>
-            <a:endParaRPr lang="es-PE" noProof="0" dirty="0"/>
+            <a:endParaRPr lang="es-PE" dirty="0"/>
           </a:p>
         </p:txBody>
       </p:sp>
@@ -549,38 +273,38 @@
           <a:p>
             <a:pPr lvl="0"/>
             <a:r>
-              <a:rPr lang="es-ES" noProof="0" smtClean="0"/>
+              <a:rPr lang="es-ES" smtClean="0"/>
               <a:t>Haga clic para modificar el estilo de texto del patrón</a:t>
             </a:r>
           </a:p>
           <a:p>
             <a:pPr lvl="1"/>
             <a:r>
-              <a:rPr lang="es-ES" noProof="0" smtClean="0"/>
+              <a:rPr lang="es-ES" smtClean="0"/>
               <a:t>Segundo nivel</a:t>
             </a:r>
           </a:p>
           <a:p>
             <a:pPr lvl="2"/>
             <a:r>
-              <a:rPr lang="es-ES" noProof="0" smtClean="0"/>
+              <a:rPr lang="es-ES" smtClean="0"/>
               <a:t>Tercer nivel</a:t>
             </a:r>
           </a:p>
           <a:p>
             <a:pPr lvl="3"/>
             <a:r>
-              <a:rPr lang="es-ES" noProof="0" smtClean="0"/>
+              <a:rPr lang="es-ES" smtClean="0"/>
               <a:t>Cuarto nivel</a:t>
             </a:r>
           </a:p>
           <a:p>
             <a:pPr lvl="4"/>
             <a:r>
-              <a:rPr lang="es-ES" noProof="0" smtClean="0"/>
+              <a:rPr lang="es-ES" smtClean="0"/>
               <a:t>Quinto nivel</a:t>
             </a:r>
-            <a:endParaRPr lang="es-PE" noProof="0"/>
+            <a:endParaRPr lang="es-PE"/>
           </a:p>
         </p:txBody>
       </p:sp>
@@ -606,23 +330,12 @@
         <p:txBody>
           <a:bodyPr vert="horz" lIns="91440" tIns="45720" rIns="91440" bIns="45720" rtlCol="0" anchor="b"/>
           <a:lstStyle>
-            <a:lvl1pPr algn="l" fontAlgn="auto">
-              <a:spcBef>
-                <a:spcPts val="0"/>
-              </a:spcBef>
-              <a:spcAft>
-                <a:spcPts val="0"/>
-              </a:spcAft>
-              <a:defRPr sz="1200" dirty="0">
-                <a:latin typeface="+mn-lt"/>
-              </a:defRPr>
+            <a:lvl1pPr algn="l">
+              <a:defRPr sz="1200"/>
             </a:lvl1pPr>
           </a:lstStyle>
           <a:p>
-            <a:pPr>
-              <a:defRPr/>
-            </a:pPr>
-            <a:endParaRPr lang="es-PE"/>
+            <a:endParaRPr lang="es-PE" dirty="0"/>
           </a:p>
         </p:txBody>
       </p:sp>
@@ -648,27 +361,14 @@
         <p:txBody>
           <a:bodyPr vert="horz" lIns="91440" tIns="45720" rIns="91440" bIns="45720" rtlCol="0" anchor="b"/>
           <a:lstStyle>
-            <a:lvl1pPr algn="r" fontAlgn="auto">
-              <a:spcBef>
-                <a:spcPts val="0"/>
-              </a:spcBef>
-              <a:spcAft>
-                <a:spcPts val="0"/>
-              </a:spcAft>
-              <a:defRPr sz="1200" smtClean="0">
-                <a:latin typeface="+mn-lt"/>
-              </a:defRPr>
+            <a:lvl1pPr algn="r">
+              <a:defRPr sz="1200"/>
             </a:lvl1pPr>
           </a:lstStyle>
           <a:p>
-            <a:pPr>
-              <a:defRPr/>
-            </a:pPr>
-            <a:fld id="{7807588B-20EC-47A3-82F0-58B0FE97A2BE}" type="slidenum">
-              <a:rPr lang="es-PE"/>
-              <a:pPr>
-                <a:defRPr/>
-              </a:pPr>
+            <a:fld id="{63B3396D-71E6-470F-8E29-DF789CC60801}" type="slidenum">
+              <a:rPr lang="es-PE" smtClean="0"/>
+              <a:pPr/>
               <a:t>‹Nº›</a:t>
             </a:fld>
             <a:endParaRPr lang="es-PE" dirty="0"/>
@@ -679,13 +379,7 @@
   </p:cSld>
   <p:clrMap bg1="lt1" tx1="dk1" bg2="lt2" tx2="dk2" accent1="accent1" accent2="accent2" accent3="accent3" accent4="accent4" accent5="accent5" accent6="accent6" hlink="hlink" folHlink="folHlink"/>
   <p:notesStyle>
-    <a:lvl1pPr algn="l" rtl="0" fontAlgn="base">
-      <a:spcBef>
-        <a:spcPct val="30000"/>
-      </a:spcBef>
-      <a:spcAft>
-        <a:spcPct val="0"/>
-      </a:spcAft>
+    <a:lvl1pPr marL="0" algn="l" defTabSz="914400" rtl="0" eaLnBrk="1" latinLnBrk="0" hangingPunct="1">
       <a:defRPr sz="1200" kern="1200">
         <a:solidFill>
           <a:schemeClr val="tx1"/>
@@ -695,13 +389,7 @@
         <a:cs typeface="+mn-cs"/>
       </a:defRPr>
     </a:lvl1pPr>
-    <a:lvl2pPr marL="457200" algn="l" rtl="0" fontAlgn="base">
-      <a:spcBef>
-        <a:spcPct val="30000"/>
-      </a:spcBef>
-      <a:spcAft>
-        <a:spcPct val="0"/>
-      </a:spcAft>
+    <a:lvl2pPr marL="457200" algn="l" defTabSz="914400" rtl="0" eaLnBrk="1" latinLnBrk="0" hangingPunct="1">
       <a:defRPr sz="1200" kern="1200">
         <a:solidFill>
           <a:schemeClr val="tx1"/>
@@ -711,13 +399,7 @@
         <a:cs typeface="+mn-cs"/>
       </a:defRPr>
     </a:lvl2pPr>
-    <a:lvl3pPr marL="914400" algn="l" rtl="0" fontAlgn="base">
-      <a:spcBef>
-        <a:spcPct val="30000"/>
-      </a:spcBef>
-      <a:spcAft>
-        <a:spcPct val="0"/>
-      </a:spcAft>
+    <a:lvl3pPr marL="914400" algn="l" defTabSz="914400" rtl="0" eaLnBrk="1" latinLnBrk="0" hangingPunct="1">
       <a:defRPr sz="1200" kern="1200">
         <a:solidFill>
           <a:schemeClr val="tx1"/>
@@ -727,13 +409,7 @@
         <a:cs typeface="+mn-cs"/>
       </a:defRPr>
     </a:lvl3pPr>
-    <a:lvl4pPr marL="1371600" algn="l" rtl="0" fontAlgn="base">
-      <a:spcBef>
-        <a:spcPct val="30000"/>
-      </a:spcBef>
-      <a:spcAft>
-        <a:spcPct val="0"/>
-      </a:spcAft>
+    <a:lvl4pPr marL="1371600" algn="l" defTabSz="914400" rtl="0" eaLnBrk="1" latinLnBrk="0" hangingPunct="1">
       <a:defRPr sz="1200" kern="1200">
         <a:solidFill>
           <a:schemeClr val="tx1"/>
@@ -743,13 +419,7 @@
         <a:cs typeface="+mn-cs"/>
       </a:defRPr>
     </a:lvl4pPr>
-    <a:lvl5pPr marL="1828800" algn="l" rtl="0" fontAlgn="base">
-      <a:spcBef>
-        <a:spcPct val="30000"/>
-      </a:spcBef>
-      <a:spcAft>
-        <a:spcPct val="0"/>
-      </a:spcAft>
+    <a:lvl5pPr marL="1828800" algn="l" defTabSz="914400" rtl="0" eaLnBrk="1" latinLnBrk="0" hangingPunct="1">
       <a:defRPr sz="1200" kern="1200">
         <a:solidFill>
           <a:schemeClr val="tx1"/>
@@ -803,870 +473,6 @@
 </p:notesMaster>
 </file>
 
-<file path=ppt/notesSlides/notesSlide1.xml><?xml version="1.0" encoding="utf-8"?>
-<p:notes xmlns:a="http://schemas.openxmlformats.org/drawingml/2006/main" xmlns:r="http://schemas.openxmlformats.org/officeDocument/2006/relationships" xmlns:p="http://schemas.openxmlformats.org/presentationml/2006/main">
-  <p:cSld>
-    <p:spTree>
-      <p:nvGrpSpPr>
-        <p:cNvPr id="1" name=""/>
-        <p:cNvGrpSpPr/>
-        <p:nvPr/>
-      </p:nvGrpSpPr>
-      <p:grpSpPr>
-        <a:xfrm>
-          <a:off x="0" y="0"/>
-          <a:ext cx="0" cy="0"/>
-          <a:chOff x="0" y="0"/>
-          <a:chExt cx="0" cy="0"/>
-        </a:xfrm>
-      </p:grpSpPr>
-      <p:sp>
-        <p:nvSpPr>
-          <p:cNvPr id="28674" name="Rectangle 2"/>
-          <p:cNvSpPr>
-            <a:spLocks noGrp="1" noRot="1" noChangeAspect="1" noTextEdit="1"/>
-          </p:cNvSpPr>
-          <p:nvPr>
-            <p:ph type="sldImg"/>
-          </p:nvPr>
-        </p:nvSpPr>
-        <p:spPr bwMode="auto">
-          <a:noFill/>
-          <a:ln>
-            <a:solidFill>
-              <a:srgbClr val="000000"/>
-            </a:solidFill>
-            <a:miter lim="800000"/>
-            <a:headEnd/>
-            <a:tailEnd/>
-          </a:ln>
-        </p:spPr>
-      </p:sp>
-      <p:sp>
-        <p:nvSpPr>
-          <p:cNvPr id="28675" name="Rectangle 3"/>
-          <p:cNvSpPr>
-            <a:spLocks noGrp="1"/>
-          </p:cNvSpPr>
-          <p:nvPr>
-            <p:ph type="body" idx="1"/>
-          </p:nvPr>
-        </p:nvSpPr>
-        <p:spPr bwMode="auto">
-          <a:noFill/>
-        </p:spPr>
-        <p:txBody>
-          <a:bodyPr wrap="square" numCol="1" anchor="t" anchorCtr="0" compatLnSpc="1">
-            <a:prstTxWarp prst="textNoShape">
-              <a:avLst/>
-            </a:prstTxWarp>
-          </a:bodyPr>
-          <a:lstStyle/>
-          <a:p>
-            <a:endParaRPr lang="en-US" smtClean="0"/>
-          </a:p>
-        </p:txBody>
-      </p:sp>
-    </p:spTree>
-  </p:cSld>
-  <p:clrMapOvr>
-    <a:masterClrMapping/>
-  </p:clrMapOvr>
-</p:notes>
-</file>
-
-<file path=ppt/notesSlides/notesSlide10.xml><?xml version="1.0" encoding="utf-8"?>
-<p:notes xmlns:a="http://schemas.openxmlformats.org/drawingml/2006/main" xmlns:r="http://schemas.openxmlformats.org/officeDocument/2006/relationships" xmlns:p="http://schemas.openxmlformats.org/presentationml/2006/main">
-  <p:cSld>
-    <p:spTree>
-      <p:nvGrpSpPr>
-        <p:cNvPr id="1" name=""/>
-        <p:cNvGrpSpPr/>
-        <p:nvPr/>
-      </p:nvGrpSpPr>
-      <p:grpSpPr>
-        <a:xfrm>
-          <a:off x="0" y="0"/>
-          <a:ext cx="0" cy="0"/>
-          <a:chOff x="0" y="0"/>
-          <a:chExt cx="0" cy="0"/>
-        </a:xfrm>
-      </p:grpSpPr>
-      <p:sp>
-        <p:nvSpPr>
-          <p:cNvPr id="37890" name="Rectangle 2"/>
-          <p:cNvSpPr>
-            <a:spLocks noGrp="1" noRot="1" noChangeAspect="1" noTextEdit="1"/>
-          </p:cNvSpPr>
-          <p:nvPr>
-            <p:ph type="sldImg"/>
-          </p:nvPr>
-        </p:nvSpPr>
-        <p:spPr bwMode="auto">
-          <a:noFill/>
-          <a:ln>
-            <a:solidFill>
-              <a:srgbClr val="000000"/>
-            </a:solidFill>
-            <a:miter lim="800000"/>
-            <a:headEnd/>
-            <a:tailEnd/>
-          </a:ln>
-        </p:spPr>
-      </p:sp>
-      <p:sp>
-        <p:nvSpPr>
-          <p:cNvPr id="37891" name="Rectangle 3"/>
-          <p:cNvSpPr>
-            <a:spLocks noGrp="1"/>
-          </p:cNvSpPr>
-          <p:nvPr>
-            <p:ph type="body" idx="1"/>
-          </p:nvPr>
-        </p:nvSpPr>
-        <p:spPr bwMode="auto">
-          <a:noFill/>
-        </p:spPr>
-        <p:txBody>
-          <a:bodyPr wrap="square" numCol="1" anchor="t" anchorCtr="0" compatLnSpc="1">
-            <a:prstTxWarp prst="textNoShape">
-              <a:avLst/>
-            </a:prstTxWarp>
-          </a:bodyPr>
-          <a:lstStyle/>
-          <a:p>
-            <a:endParaRPr lang="en-US" smtClean="0"/>
-          </a:p>
-        </p:txBody>
-      </p:sp>
-    </p:spTree>
-  </p:cSld>
-  <p:clrMapOvr>
-    <a:masterClrMapping/>
-  </p:clrMapOvr>
-</p:notes>
-</file>
-
-<file path=ppt/notesSlides/notesSlide11.xml><?xml version="1.0" encoding="utf-8"?>
-<p:notes xmlns:a="http://schemas.openxmlformats.org/drawingml/2006/main" xmlns:r="http://schemas.openxmlformats.org/officeDocument/2006/relationships" xmlns:p="http://schemas.openxmlformats.org/presentationml/2006/main">
-  <p:cSld>
-    <p:spTree>
-      <p:nvGrpSpPr>
-        <p:cNvPr id="1" name=""/>
-        <p:cNvGrpSpPr/>
-        <p:nvPr/>
-      </p:nvGrpSpPr>
-      <p:grpSpPr>
-        <a:xfrm>
-          <a:off x="0" y="0"/>
-          <a:ext cx="0" cy="0"/>
-          <a:chOff x="0" y="0"/>
-          <a:chExt cx="0" cy="0"/>
-        </a:xfrm>
-      </p:grpSpPr>
-      <p:sp>
-        <p:nvSpPr>
-          <p:cNvPr id="38914" name="Rectangle 2"/>
-          <p:cNvSpPr>
-            <a:spLocks noGrp="1" noRot="1" noChangeAspect="1" noTextEdit="1"/>
-          </p:cNvSpPr>
-          <p:nvPr>
-            <p:ph type="sldImg"/>
-          </p:nvPr>
-        </p:nvSpPr>
-        <p:spPr bwMode="auto">
-          <a:noFill/>
-          <a:ln>
-            <a:solidFill>
-              <a:srgbClr val="000000"/>
-            </a:solidFill>
-            <a:miter lim="800000"/>
-            <a:headEnd/>
-            <a:tailEnd/>
-          </a:ln>
-        </p:spPr>
-      </p:sp>
-      <p:sp>
-        <p:nvSpPr>
-          <p:cNvPr id="38915" name="Rectangle 3"/>
-          <p:cNvSpPr>
-            <a:spLocks noGrp="1"/>
-          </p:cNvSpPr>
-          <p:nvPr>
-            <p:ph type="body" idx="1"/>
-          </p:nvPr>
-        </p:nvSpPr>
-        <p:spPr bwMode="auto">
-          <a:noFill/>
-        </p:spPr>
-        <p:txBody>
-          <a:bodyPr wrap="square" numCol="1" anchor="t" anchorCtr="0" compatLnSpc="1">
-            <a:prstTxWarp prst="textNoShape">
-              <a:avLst/>
-            </a:prstTxWarp>
-          </a:bodyPr>
-          <a:lstStyle/>
-          <a:p>
-            <a:endParaRPr lang="en-US" smtClean="0"/>
-          </a:p>
-        </p:txBody>
-      </p:sp>
-    </p:spTree>
-  </p:cSld>
-  <p:clrMapOvr>
-    <a:masterClrMapping/>
-  </p:clrMapOvr>
-</p:notes>
-</file>
-
-<file path=ppt/notesSlides/notesSlide12.xml><?xml version="1.0" encoding="utf-8"?>
-<p:notes xmlns:a="http://schemas.openxmlformats.org/drawingml/2006/main" xmlns:r="http://schemas.openxmlformats.org/officeDocument/2006/relationships" xmlns:p="http://schemas.openxmlformats.org/presentationml/2006/main">
-  <p:cSld>
-    <p:spTree>
-      <p:nvGrpSpPr>
-        <p:cNvPr id="1" name=""/>
-        <p:cNvGrpSpPr/>
-        <p:nvPr/>
-      </p:nvGrpSpPr>
-      <p:grpSpPr>
-        <a:xfrm>
-          <a:off x="0" y="0"/>
-          <a:ext cx="0" cy="0"/>
-          <a:chOff x="0" y="0"/>
-          <a:chExt cx="0" cy="0"/>
-        </a:xfrm>
-      </p:grpSpPr>
-      <p:sp>
-        <p:nvSpPr>
-          <p:cNvPr id="39938" name="Rectangle 2"/>
-          <p:cNvSpPr>
-            <a:spLocks noGrp="1" noRot="1" noChangeAspect="1" noTextEdit="1"/>
-          </p:cNvSpPr>
-          <p:nvPr>
-            <p:ph type="sldImg"/>
-          </p:nvPr>
-        </p:nvSpPr>
-        <p:spPr bwMode="auto">
-          <a:noFill/>
-          <a:ln>
-            <a:solidFill>
-              <a:srgbClr val="000000"/>
-            </a:solidFill>
-            <a:miter lim="800000"/>
-            <a:headEnd/>
-            <a:tailEnd/>
-          </a:ln>
-        </p:spPr>
-      </p:sp>
-      <p:sp>
-        <p:nvSpPr>
-          <p:cNvPr id="39939" name="Rectangle 3"/>
-          <p:cNvSpPr>
-            <a:spLocks noGrp="1"/>
-          </p:cNvSpPr>
-          <p:nvPr>
-            <p:ph type="body" idx="1"/>
-          </p:nvPr>
-        </p:nvSpPr>
-        <p:spPr bwMode="auto">
-          <a:noFill/>
-        </p:spPr>
-        <p:txBody>
-          <a:bodyPr wrap="square" numCol="1" anchor="t" anchorCtr="0" compatLnSpc="1">
-            <a:prstTxWarp prst="textNoShape">
-              <a:avLst/>
-            </a:prstTxWarp>
-          </a:bodyPr>
-          <a:lstStyle/>
-          <a:p>
-            <a:endParaRPr lang="en-US" smtClean="0"/>
-          </a:p>
-        </p:txBody>
-      </p:sp>
-    </p:spTree>
-  </p:cSld>
-  <p:clrMapOvr>
-    <a:masterClrMapping/>
-  </p:clrMapOvr>
-</p:notes>
-</file>
-
-<file path=ppt/notesSlides/notesSlide2.xml><?xml version="1.0" encoding="utf-8"?>
-<p:notes xmlns:a="http://schemas.openxmlformats.org/drawingml/2006/main" xmlns:r="http://schemas.openxmlformats.org/officeDocument/2006/relationships" xmlns:p="http://schemas.openxmlformats.org/presentationml/2006/main">
-  <p:cSld>
-    <p:spTree>
-      <p:nvGrpSpPr>
-        <p:cNvPr id="1" name=""/>
-        <p:cNvGrpSpPr/>
-        <p:nvPr/>
-      </p:nvGrpSpPr>
-      <p:grpSpPr>
-        <a:xfrm>
-          <a:off x="0" y="0"/>
-          <a:ext cx="0" cy="0"/>
-          <a:chOff x="0" y="0"/>
-          <a:chExt cx="0" cy="0"/>
-        </a:xfrm>
-      </p:grpSpPr>
-      <p:sp>
-        <p:nvSpPr>
-          <p:cNvPr id="29698" name="Rectangle 2"/>
-          <p:cNvSpPr>
-            <a:spLocks noGrp="1" noRot="1" noChangeAspect="1" noTextEdit="1"/>
-          </p:cNvSpPr>
-          <p:nvPr>
-            <p:ph type="sldImg"/>
-          </p:nvPr>
-        </p:nvSpPr>
-        <p:spPr bwMode="auto">
-          <a:noFill/>
-          <a:ln>
-            <a:solidFill>
-              <a:srgbClr val="000000"/>
-            </a:solidFill>
-            <a:miter lim="800000"/>
-            <a:headEnd/>
-            <a:tailEnd/>
-          </a:ln>
-        </p:spPr>
-      </p:sp>
-      <p:sp>
-        <p:nvSpPr>
-          <p:cNvPr id="29699" name="Rectangle 3"/>
-          <p:cNvSpPr>
-            <a:spLocks noGrp="1"/>
-          </p:cNvSpPr>
-          <p:nvPr>
-            <p:ph type="body" idx="1"/>
-          </p:nvPr>
-        </p:nvSpPr>
-        <p:spPr bwMode="auto">
-          <a:noFill/>
-        </p:spPr>
-        <p:txBody>
-          <a:bodyPr wrap="square" numCol="1" anchor="t" anchorCtr="0" compatLnSpc="1">
-            <a:prstTxWarp prst="textNoShape">
-              <a:avLst/>
-            </a:prstTxWarp>
-          </a:bodyPr>
-          <a:lstStyle/>
-          <a:p>
-            <a:endParaRPr lang="en-US" smtClean="0"/>
-          </a:p>
-        </p:txBody>
-      </p:sp>
-    </p:spTree>
-  </p:cSld>
-  <p:clrMapOvr>
-    <a:masterClrMapping/>
-  </p:clrMapOvr>
-</p:notes>
-</file>
-
-<file path=ppt/notesSlides/notesSlide3.xml><?xml version="1.0" encoding="utf-8"?>
-<p:notes xmlns:a="http://schemas.openxmlformats.org/drawingml/2006/main" xmlns:r="http://schemas.openxmlformats.org/officeDocument/2006/relationships" xmlns:p="http://schemas.openxmlformats.org/presentationml/2006/main">
-  <p:cSld>
-    <p:spTree>
-      <p:nvGrpSpPr>
-        <p:cNvPr id="1" name=""/>
-        <p:cNvGrpSpPr/>
-        <p:nvPr/>
-      </p:nvGrpSpPr>
-      <p:grpSpPr>
-        <a:xfrm>
-          <a:off x="0" y="0"/>
-          <a:ext cx="0" cy="0"/>
-          <a:chOff x="0" y="0"/>
-          <a:chExt cx="0" cy="0"/>
-        </a:xfrm>
-      </p:grpSpPr>
-      <p:sp>
-        <p:nvSpPr>
-          <p:cNvPr id="30722" name="Rectangle 2"/>
-          <p:cNvSpPr>
-            <a:spLocks noGrp="1" noRot="1" noChangeAspect="1" noTextEdit="1"/>
-          </p:cNvSpPr>
-          <p:nvPr>
-            <p:ph type="sldImg"/>
-          </p:nvPr>
-        </p:nvSpPr>
-        <p:spPr bwMode="auto">
-          <a:noFill/>
-          <a:ln>
-            <a:solidFill>
-              <a:srgbClr val="000000"/>
-            </a:solidFill>
-            <a:miter lim="800000"/>
-            <a:headEnd/>
-            <a:tailEnd/>
-          </a:ln>
-        </p:spPr>
-      </p:sp>
-      <p:sp>
-        <p:nvSpPr>
-          <p:cNvPr id="30723" name="Rectangle 3"/>
-          <p:cNvSpPr>
-            <a:spLocks noGrp="1"/>
-          </p:cNvSpPr>
-          <p:nvPr>
-            <p:ph type="body" idx="1"/>
-          </p:nvPr>
-        </p:nvSpPr>
-        <p:spPr bwMode="auto">
-          <a:noFill/>
-        </p:spPr>
-        <p:txBody>
-          <a:bodyPr wrap="square" numCol="1" anchor="t" anchorCtr="0" compatLnSpc="1">
-            <a:prstTxWarp prst="textNoShape">
-              <a:avLst/>
-            </a:prstTxWarp>
-          </a:bodyPr>
-          <a:lstStyle/>
-          <a:p>
-            <a:endParaRPr lang="en-US" smtClean="0"/>
-          </a:p>
-        </p:txBody>
-      </p:sp>
-    </p:spTree>
-  </p:cSld>
-  <p:clrMapOvr>
-    <a:masterClrMapping/>
-  </p:clrMapOvr>
-</p:notes>
-</file>
-
-<file path=ppt/notesSlides/notesSlide4.xml><?xml version="1.0" encoding="utf-8"?>
-<p:notes xmlns:a="http://schemas.openxmlformats.org/drawingml/2006/main" xmlns:r="http://schemas.openxmlformats.org/officeDocument/2006/relationships" xmlns:p="http://schemas.openxmlformats.org/presentationml/2006/main">
-  <p:cSld>
-    <p:spTree>
-      <p:nvGrpSpPr>
-        <p:cNvPr id="1" name=""/>
-        <p:cNvGrpSpPr/>
-        <p:nvPr/>
-      </p:nvGrpSpPr>
-      <p:grpSpPr>
-        <a:xfrm>
-          <a:off x="0" y="0"/>
-          <a:ext cx="0" cy="0"/>
-          <a:chOff x="0" y="0"/>
-          <a:chExt cx="0" cy="0"/>
-        </a:xfrm>
-      </p:grpSpPr>
-      <p:sp>
-        <p:nvSpPr>
-          <p:cNvPr id="31746" name="Rectangle 2"/>
-          <p:cNvSpPr>
-            <a:spLocks noGrp="1" noRot="1" noChangeAspect="1" noTextEdit="1"/>
-          </p:cNvSpPr>
-          <p:nvPr>
-            <p:ph type="sldImg"/>
-          </p:nvPr>
-        </p:nvSpPr>
-        <p:spPr bwMode="auto">
-          <a:noFill/>
-          <a:ln>
-            <a:solidFill>
-              <a:srgbClr val="000000"/>
-            </a:solidFill>
-            <a:miter lim="800000"/>
-            <a:headEnd/>
-            <a:tailEnd/>
-          </a:ln>
-        </p:spPr>
-      </p:sp>
-      <p:sp>
-        <p:nvSpPr>
-          <p:cNvPr id="31747" name="Rectangle 3"/>
-          <p:cNvSpPr>
-            <a:spLocks noGrp="1"/>
-          </p:cNvSpPr>
-          <p:nvPr>
-            <p:ph type="body" idx="1"/>
-          </p:nvPr>
-        </p:nvSpPr>
-        <p:spPr bwMode="auto">
-          <a:noFill/>
-        </p:spPr>
-        <p:txBody>
-          <a:bodyPr wrap="square" numCol="1" anchor="t" anchorCtr="0" compatLnSpc="1">
-            <a:prstTxWarp prst="textNoShape">
-              <a:avLst/>
-            </a:prstTxWarp>
-          </a:bodyPr>
-          <a:lstStyle/>
-          <a:p>
-            <a:endParaRPr lang="en-US" smtClean="0"/>
-          </a:p>
-        </p:txBody>
-      </p:sp>
-    </p:spTree>
-  </p:cSld>
-  <p:clrMapOvr>
-    <a:masterClrMapping/>
-  </p:clrMapOvr>
-</p:notes>
-</file>
-
-<file path=ppt/notesSlides/notesSlide5.xml><?xml version="1.0" encoding="utf-8"?>
-<p:notes xmlns:a="http://schemas.openxmlformats.org/drawingml/2006/main" xmlns:r="http://schemas.openxmlformats.org/officeDocument/2006/relationships" xmlns:p="http://schemas.openxmlformats.org/presentationml/2006/main">
-  <p:cSld>
-    <p:spTree>
-      <p:nvGrpSpPr>
-        <p:cNvPr id="1" name=""/>
-        <p:cNvGrpSpPr/>
-        <p:nvPr/>
-      </p:nvGrpSpPr>
-      <p:grpSpPr>
-        <a:xfrm>
-          <a:off x="0" y="0"/>
-          <a:ext cx="0" cy="0"/>
-          <a:chOff x="0" y="0"/>
-          <a:chExt cx="0" cy="0"/>
-        </a:xfrm>
-      </p:grpSpPr>
-      <p:sp>
-        <p:nvSpPr>
-          <p:cNvPr id="32770" name="Rectangle 2"/>
-          <p:cNvSpPr>
-            <a:spLocks noGrp="1" noRot="1" noChangeAspect="1" noTextEdit="1"/>
-          </p:cNvSpPr>
-          <p:nvPr>
-            <p:ph type="sldImg"/>
-          </p:nvPr>
-        </p:nvSpPr>
-        <p:spPr bwMode="auto">
-          <a:noFill/>
-          <a:ln>
-            <a:solidFill>
-              <a:srgbClr val="000000"/>
-            </a:solidFill>
-            <a:miter lim="800000"/>
-            <a:headEnd/>
-            <a:tailEnd/>
-          </a:ln>
-        </p:spPr>
-      </p:sp>
-      <p:sp>
-        <p:nvSpPr>
-          <p:cNvPr id="32771" name="Rectangle 3"/>
-          <p:cNvSpPr>
-            <a:spLocks noGrp="1"/>
-          </p:cNvSpPr>
-          <p:nvPr>
-            <p:ph type="body" idx="1"/>
-          </p:nvPr>
-        </p:nvSpPr>
-        <p:spPr bwMode="auto">
-          <a:noFill/>
-        </p:spPr>
-        <p:txBody>
-          <a:bodyPr wrap="square" numCol="1" anchor="t" anchorCtr="0" compatLnSpc="1">
-            <a:prstTxWarp prst="textNoShape">
-              <a:avLst/>
-            </a:prstTxWarp>
-          </a:bodyPr>
-          <a:lstStyle/>
-          <a:p>
-            <a:endParaRPr lang="en-US" smtClean="0"/>
-          </a:p>
-        </p:txBody>
-      </p:sp>
-    </p:spTree>
-  </p:cSld>
-  <p:clrMapOvr>
-    <a:masterClrMapping/>
-  </p:clrMapOvr>
-</p:notes>
-</file>
-
-<file path=ppt/notesSlides/notesSlide6.xml><?xml version="1.0" encoding="utf-8"?>
-<p:notes xmlns:a="http://schemas.openxmlformats.org/drawingml/2006/main" xmlns:r="http://schemas.openxmlformats.org/officeDocument/2006/relationships" xmlns:p="http://schemas.openxmlformats.org/presentationml/2006/main">
-  <p:cSld>
-    <p:spTree>
-      <p:nvGrpSpPr>
-        <p:cNvPr id="1" name=""/>
-        <p:cNvGrpSpPr/>
-        <p:nvPr/>
-      </p:nvGrpSpPr>
-      <p:grpSpPr>
-        <a:xfrm>
-          <a:off x="0" y="0"/>
-          <a:ext cx="0" cy="0"/>
-          <a:chOff x="0" y="0"/>
-          <a:chExt cx="0" cy="0"/>
-        </a:xfrm>
-      </p:grpSpPr>
-      <p:sp>
-        <p:nvSpPr>
-          <p:cNvPr id="33794" name="Rectangle 2"/>
-          <p:cNvSpPr>
-            <a:spLocks noGrp="1" noRot="1" noChangeAspect="1" noTextEdit="1"/>
-          </p:cNvSpPr>
-          <p:nvPr>
-            <p:ph type="sldImg"/>
-          </p:nvPr>
-        </p:nvSpPr>
-        <p:spPr bwMode="auto">
-          <a:noFill/>
-          <a:ln>
-            <a:solidFill>
-              <a:srgbClr val="000000"/>
-            </a:solidFill>
-            <a:miter lim="800000"/>
-            <a:headEnd/>
-            <a:tailEnd/>
-          </a:ln>
-        </p:spPr>
-      </p:sp>
-      <p:sp>
-        <p:nvSpPr>
-          <p:cNvPr id="33795" name="Rectangle 3"/>
-          <p:cNvSpPr>
-            <a:spLocks noGrp="1"/>
-          </p:cNvSpPr>
-          <p:nvPr>
-            <p:ph type="body" idx="1"/>
-          </p:nvPr>
-        </p:nvSpPr>
-        <p:spPr bwMode="auto">
-          <a:noFill/>
-        </p:spPr>
-        <p:txBody>
-          <a:bodyPr wrap="square" numCol="1" anchor="t" anchorCtr="0" compatLnSpc="1">
-            <a:prstTxWarp prst="textNoShape">
-              <a:avLst/>
-            </a:prstTxWarp>
-          </a:bodyPr>
-          <a:lstStyle/>
-          <a:p>
-            <a:endParaRPr lang="en-US" smtClean="0"/>
-          </a:p>
-        </p:txBody>
-      </p:sp>
-    </p:spTree>
-  </p:cSld>
-  <p:clrMapOvr>
-    <a:masterClrMapping/>
-  </p:clrMapOvr>
-</p:notes>
-</file>
-
-<file path=ppt/notesSlides/notesSlide7.xml><?xml version="1.0" encoding="utf-8"?>
-<p:notes xmlns:a="http://schemas.openxmlformats.org/drawingml/2006/main" xmlns:r="http://schemas.openxmlformats.org/officeDocument/2006/relationships" xmlns:p="http://schemas.openxmlformats.org/presentationml/2006/main">
-  <p:cSld>
-    <p:spTree>
-      <p:nvGrpSpPr>
-        <p:cNvPr id="1" name=""/>
-        <p:cNvGrpSpPr/>
-        <p:nvPr/>
-      </p:nvGrpSpPr>
-      <p:grpSpPr>
-        <a:xfrm>
-          <a:off x="0" y="0"/>
-          <a:ext cx="0" cy="0"/>
-          <a:chOff x="0" y="0"/>
-          <a:chExt cx="0" cy="0"/>
-        </a:xfrm>
-      </p:grpSpPr>
-      <p:sp>
-        <p:nvSpPr>
-          <p:cNvPr id="34818" name="Rectangle 2"/>
-          <p:cNvSpPr>
-            <a:spLocks noGrp="1" noRot="1" noChangeAspect="1" noTextEdit="1"/>
-          </p:cNvSpPr>
-          <p:nvPr>
-            <p:ph type="sldImg"/>
-          </p:nvPr>
-        </p:nvSpPr>
-        <p:spPr bwMode="auto">
-          <a:noFill/>
-          <a:ln>
-            <a:solidFill>
-              <a:srgbClr val="000000"/>
-            </a:solidFill>
-            <a:miter lim="800000"/>
-            <a:headEnd/>
-            <a:tailEnd/>
-          </a:ln>
-        </p:spPr>
-      </p:sp>
-      <p:sp>
-        <p:nvSpPr>
-          <p:cNvPr id="34819" name="Rectangle 3"/>
-          <p:cNvSpPr>
-            <a:spLocks noGrp="1"/>
-          </p:cNvSpPr>
-          <p:nvPr>
-            <p:ph type="body" idx="1"/>
-          </p:nvPr>
-        </p:nvSpPr>
-        <p:spPr bwMode="auto">
-          <a:noFill/>
-        </p:spPr>
-        <p:txBody>
-          <a:bodyPr wrap="square" numCol="1" anchor="t" anchorCtr="0" compatLnSpc="1">
-            <a:prstTxWarp prst="textNoShape">
-              <a:avLst/>
-            </a:prstTxWarp>
-          </a:bodyPr>
-          <a:lstStyle/>
-          <a:p>
-            <a:endParaRPr lang="en-US" smtClean="0"/>
-          </a:p>
-        </p:txBody>
-      </p:sp>
-    </p:spTree>
-  </p:cSld>
-  <p:clrMapOvr>
-    <a:masterClrMapping/>
-  </p:clrMapOvr>
-</p:notes>
-</file>
-
-<file path=ppt/notesSlides/notesSlide8.xml><?xml version="1.0" encoding="utf-8"?>
-<p:notes xmlns:a="http://schemas.openxmlformats.org/drawingml/2006/main" xmlns:r="http://schemas.openxmlformats.org/officeDocument/2006/relationships" xmlns:p="http://schemas.openxmlformats.org/presentationml/2006/main">
-  <p:cSld>
-    <p:spTree>
-      <p:nvGrpSpPr>
-        <p:cNvPr id="1" name=""/>
-        <p:cNvGrpSpPr/>
-        <p:nvPr/>
-      </p:nvGrpSpPr>
-      <p:grpSpPr>
-        <a:xfrm>
-          <a:off x="0" y="0"/>
-          <a:ext cx="0" cy="0"/>
-          <a:chOff x="0" y="0"/>
-          <a:chExt cx="0" cy="0"/>
-        </a:xfrm>
-      </p:grpSpPr>
-      <p:sp>
-        <p:nvSpPr>
-          <p:cNvPr id="35842" name="Rectangle 2"/>
-          <p:cNvSpPr>
-            <a:spLocks noGrp="1" noRot="1" noChangeAspect="1" noTextEdit="1"/>
-          </p:cNvSpPr>
-          <p:nvPr>
-            <p:ph type="sldImg"/>
-          </p:nvPr>
-        </p:nvSpPr>
-        <p:spPr bwMode="auto">
-          <a:noFill/>
-          <a:ln>
-            <a:solidFill>
-              <a:srgbClr val="000000"/>
-            </a:solidFill>
-            <a:miter lim="800000"/>
-            <a:headEnd/>
-            <a:tailEnd/>
-          </a:ln>
-        </p:spPr>
-      </p:sp>
-      <p:sp>
-        <p:nvSpPr>
-          <p:cNvPr id="35843" name="Rectangle 3"/>
-          <p:cNvSpPr>
-            <a:spLocks noGrp="1"/>
-          </p:cNvSpPr>
-          <p:nvPr>
-            <p:ph type="body" idx="1"/>
-          </p:nvPr>
-        </p:nvSpPr>
-        <p:spPr bwMode="auto">
-          <a:noFill/>
-        </p:spPr>
-        <p:txBody>
-          <a:bodyPr wrap="square" numCol="1" anchor="t" anchorCtr="0" compatLnSpc="1">
-            <a:prstTxWarp prst="textNoShape">
-              <a:avLst/>
-            </a:prstTxWarp>
-          </a:bodyPr>
-          <a:lstStyle/>
-          <a:p>
-            <a:endParaRPr lang="en-US" smtClean="0"/>
-          </a:p>
-        </p:txBody>
-      </p:sp>
-    </p:spTree>
-  </p:cSld>
-  <p:clrMapOvr>
-    <a:masterClrMapping/>
-  </p:clrMapOvr>
-</p:notes>
-</file>
-
-<file path=ppt/notesSlides/notesSlide9.xml><?xml version="1.0" encoding="utf-8"?>
-<p:notes xmlns:a="http://schemas.openxmlformats.org/drawingml/2006/main" xmlns:r="http://schemas.openxmlformats.org/officeDocument/2006/relationships" xmlns:p="http://schemas.openxmlformats.org/presentationml/2006/main">
-  <p:cSld>
-    <p:spTree>
-      <p:nvGrpSpPr>
-        <p:cNvPr id="1" name=""/>
-        <p:cNvGrpSpPr/>
-        <p:nvPr/>
-      </p:nvGrpSpPr>
-      <p:grpSpPr>
-        <a:xfrm>
-          <a:off x="0" y="0"/>
-          <a:ext cx="0" cy="0"/>
-          <a:chOff x="0" y="0"/>
-          <a:chExt cx="0" cy="0"/>
-        </a:xfrm>
-      </p:grpSpPr>
-      <p:sp>
-        <p:nvSpPr>
-          <p:cNvPr id="36866" name="Rectangle 2"/>
-          <p:cNvSpPr>
-            <a:spLocks noGrp="1" noRot="1" noChangeAspect="1" noTextEdit="1"/>
-          </p:cNvSpPr>
-          <p:nvPr>
-            <p:ph type="sldImg"/>
-          </p:nvPr>
-        </p:nvSpPr>
-        <p:spPr bwMode="auto">
-          <a:noFill/>
-          <a:ln>
-            <a:solidFill>
-              <a:srgbClr val="000000"/>
-            </a:solidFill>
-            <a:miter lim="800000"/>
-            <a:headEnd/>
-            <a:tailEnd/>
-          </a:ln>
-        </p:spPr>
-      </p:sp>
-      <p:sp>
-        <p:nvSpPr>
-          <p:cNvPr id="36867" name="Rectangle 3"/>
-          <p:cNvSpPr>
-            <a:spLocks noGrp="1"/>
-          </p:cNvSpPr>
-          <p:nvPr>
-            <p:ph type="body" idx="1"/>
-          </p:nvPr>
-        </p:nvSpPr>
-        <p:spPr bwMode="auto">
-          <a:noFill/>
-        </p:spPr>
-        <p:txBody>
-          <a:bodyPr wrap="square" numCol="1" anchor="t" anchorCtr="0" compatLnSpc="1">
-            <a:prstTxWarp prst="textNoShape">
-              <a:avLst/>
-            </a:prstTxWarp>
-          </a:bodyPr>
-          <a:lstStyle/>
-          <a:p>
-            <a:endParaRPr lang="en-US" smtClean="0"/>
-          </a:p>
-        </p:txBody>
-      </p:sp>
-    </p:spTree>
-  </p:cSld>
-  <p:clrMapOvr>
-    <a:masterClrMapping/>
-  </p:clrMapOvr>
-</p:notes>
-</file>
-
 <file path=ppt/slideLayouts/slideLayout1.xml><?xml version="1.0" encoding="utf-8"?>
 <p:sldLayout xmlns:a="http://schemas.openxmlformats.org/drawingml/2006/main" xmlns:r="http://schemas.openxmlformats.org/officeDocument/2006/relationships" xmlns:p="http://schemas.openxmlformats.org/presentationml/2006/main" type="title" preserve="1">
   <p:cSld name="Diapositiva de título">
@@ -1691,7 +497,7 @@
             <a:spLocks noGrp="1"/>
           </p:cNvSpPr>
           <p:nvPr>
-            <p:ph type="ctrTitle"/>
+            <p:ph type="ctrTitle" hasCustomPrompt="1"/>
           </p:nvPr>
         </p:nvSpPr>
         <p:spPr>
@@ -1717,7 +523,7 @@
           <a:p>
             <a:r>
               <a:rPr lang="en-US" dirty="0" err="1" smtClean="0"/>
-              <a:t>Click to edit Master title style</a:t>
+              <a:t>hola</a:t>
             </a:r>
             <a:endParaRPr lang="en-US" dirty="0"/>
           </a:p>
@@ -1740,7 +546,7 @@
           </a:xfrm>
         </p:spPr>
         <p:txBody>
-          <a:bodyPr>
+          <a:bodyPr anchor="t">
             <a:normAutofit/>
           </a:bodyPr>
           <a:lstStyle>
@@ -1946,34 +752,23 @@
       </p:sp>
       <p:sp>
         <p:nvSpPr>
-          <p:cNvPr id="4" name="Slide Number Placeholder 5"/>
+          <p:cNvPr id="4" name="Date Placeholder 3"/>
           <p:cNvSpPr>
             <a:spLocks noGrp="1"/>
           </p:cNvSpPr>
           <p:nvPr>
-            <p:ph type="sldNum" sz="quarter" idx="10"/>
-          </p:nvPr>
-        </p:nvSpPr>
-        <p:spPr>
-          <a:ln/>
-        </p:spPr>
+            <p:ph type="dt" sz="half" idx="10"/>
+          </p:nvPr>
+        </p:nvSpPr>
+        <p:spPr/>
         <p:txBody>
           <a:bodyPr/>
-          <a:lstStyle>
-            <a:lvl1pPr>
-              <a:defRPr/>
-            </a:lvl1pPr>
-          </a:lstStyle>
-          <a:p>
-            <a:pPr>
-              <a:defRPr/>
-            </a:pPr>
-            <a:fld id="{85AE5A1C-3D22-4E4A-98A3-B2047AF310D7}" type="slidenum">
-              <a:rPr lang="es-PE"/>
-              <a:pPr>
-                <a:defRPr/>
-              </a:pPr>
-              <a:t>‹Nº›</a:t>
+          <a:lstStyle/>
+          <a:p>
+            <a:fld id="{468F0D72-8056-4982-839C-6B5742D0CAF2}" type="datetimeFigureOut">
+              <a:rPr lang="es-PE" smtClean="0"/>
+              <a:pPr/>
+              <a:t>09/12/2011</a:t>
             </a:fld>
             <a:endParaRPr lang="es-PE" dirty="0"/>
           </a:p>
@@ -1992,47 +787,31 @@
         <p:spPr/>
         <p:txBody>
           <a:bodyPr/>
-          <a:lstStyle>
-            <a:lvl1pPr>
-              <a:defRPr/>
-            </a:lvl1pPr>
-          </a:lstStyle>
-          <a:p>
-            <a:pPr>
-              <a:defRPr/>
-            </a:pPr>
-            <a:endParaRPr lang="es-PE"/>
-          </a:p>
-        </p:txBody>
-      </p:sp>
-      <p:sp>
-        <p:nvSpPr>
-          <p:cNvPr id="6" name="Date Placeholder 3"/>
+          <a:lstStyle/>
+          <a:p>
+            <a:endParaRPr lang="es-PE" dirty="0"/>
+          </a:p>
+        </p:txBody>
+      </p:sp>
+      <p:sp>
+        <p:nvSpPr>
+          <p:cNvPr id="6" name="Slide Number Placeholder 5"/>
           <p:cNvSpPr>
             <a:spLocks noGrp="1"/>
           </p:cNvSpPr>
           <p:nvPr>
-            <p:ph type="dt" sz="half" idx="12"/>
+            <p:ph type="sldNum" sz="quarter" idx="12"/>
           </p:nvPr>
         </p:nvSpPr>
         <p:spPr/>
         <p:txBody>
           <a:bodyPr/>
-          <a:lstStyle>
-            <a:lvl1pPr>
-              <a:defRPr/>
-            </a:lvl1pPr>
-          </a:lstStyle>
-          <a:p>
-            <a:pPr>
-              <a:defRPr/>
-            </a:pPr>
-            <a:fld id="{D37D0F2F-DA4A-47F4-8F10-F55FCDC18574}" type="datetimeFigureOut">
-              <a:rPr lang="es-PE"/>
-              <a:pPr>
-                <a:defRPr/>
-              </a:pPr>
-              <a:t>21/11/2011</a:t>
+          <a:lstStyle/>
+          <a:p>
+            <a:fld id="{D42D44A9-5D44-4256-98ED-6C0FAEEAA66C}" type="slidenum">
+              <a:rPr lang="es-PE" smtClean="0"/>
+              <a:pPr/>
+              <a:t>‹Nº›</a:t>
             </a:fld>
             <a:endParaRPr lang="es-PE" dirty="0"/>
           </a:p>
@@ -2150,34 +929,23 @@
       </p:sp>
       <p:sp>
         <p:nvSpPr>
-          <p:cNvPr id="4" name="Slide Number Placeholder 5"/>
+          <p:cNvPr id="4" name="Date Placeholder 3"/>
           <p:cNvSpPr>
             <a:spLocks noGrp="1"/>
           </p:cNvSpPr>
           <p:nvPr>
-            <p:ph type="sldNum" sz="quarter" idx="10"/>
-          </p:nvPr>
-        </p:nvSpPr>
-        <p:spPr>
-          <a:ln/>
-        </p:spPr>
+            <p:ph type="dt" sz="half" idx="10"/>
+          </p:nvPr>
+        </p:nvSpPr>
+        <p:spPr/>
         <p:txBody>
           <a:bodyPr/>
-          <a:lstStyle>
-            <a:lvl1pPr>
-              <a:defRPr/>
-            </a:lvl1pPr>
-          </a:lstStyle>
-          <a:p>
-            <a:pPr>
-              <a:defRPr/>
-            </a:pPr>
-            <a:fld id="{FF8B6BE8-9101-4506-8DF8-5EA8F3E78615}" type="slidenum">
-              <a:rPr lang="es-PE"/>
-              <a:pPr>
-                <a:defRPr/>
-              </a:pPr>
-              <a:t>‹Nº›</a:t>
+          <a:lstStyle/>
+          <a:p>
+            <a:fld id="{468F0D72-8056-4982-839C-6B5742D0CAF2}" type="datetimeFigureOut">
+              <a:rPr lang="es-PE" smtClean="0"/>
+              <a:pPr/>
+              <a:t>09/12/2011</a:t>
             </a:fld>
             <a:endParaRPr lang="es-PE" dirty="0"/>
           </a:p>
@@ -2196,47 +964,31 @@
         <p:spPr/>
         <p:txBody>
           <a:bodyPr/>
-          <a:lstStyle>
-            <a:lvl1pPr>
-              <a:defRPr/>
-            </a:lvl1pPr>
-          </a:lstStyle>
-          <a:p>
-            <a:pPr>
-              <a:defRPr/>
-            </a:pPr>
-            <a:endParaRPr lang="es-PE"/>
-          </a:p>
-        </p:txBody>
-      </p:sp>
-      <p:sp>
-        <p:nvSpPr>
-          <p:cNvPr id="6" name="Date Placeholder 3"/>
+          <a:lstStyle/>
+          <a:p>
+            <a:endParaRPr lang="es-PE" dirty="0"/>
+          </a:p>
+        </p:txBody>
+      </p:sp>
+      <p:sp>
+        <p:nvSpPr>
+          <p:cNvPr id="6" name="Slide Number Placeholder 5"/>
           <p:cNvSpPr>
             <a:spLocks noGrp="1"/>
           </p:cNvSpPr>
           <p:nvPr>
-            <p:ph type="dt" sz="half" idx="12"/>
+            <p:ph type="sldNum" sz="quarter" idx="12"/>
           </p:nvPr>
         </p:nvSpPr>
         <p:spPr/>
         <p:txBody>
           <a:bodyPr/>
-          <a:lstStyle>
-            <a:lvl1pPr>
-              <a:defRPr/>
-            </a:lvl1pPr>
-          </a:lstStyle>
-          <a:p>
-            <a:pPr>
-              <a:defRPr/>
-            </a:pPr>
-            <a:fld id="{EF230A42-BDE1-4498-B51A-0EA10F0BFBB4}" type="datetimeFigureOut">
-              <a:rPr lang="es-PE"/>
-              <a:pPr>
-                <a:defRPr/>
-              </a:pPr>
-              <a:t>21/11/2011</a:t>
+          <a:lstStyle/>
+          <a:p>
+            <a:fld id="{D42D44A9-5D44-4256-98ED-6C0FAEEAA66C}" type="slidenum">
+              <a:rPr lang="es-PE" smtClean="0"/>
+              <a:pPr/>
+              <a:t>‹Nº›</a:t>
             </a:fld>
             <a:endParaRPr lang="es-PE" dirty="0"/>
           </a:p>
@@ -2344,34 +1096,23 @@
       </p:sp>
       <p:sp>
         <p:nvSpPr>
-          <p:cNvPr id="4" name="Slide Number Placeholder 5"/>
+          <p:cNvPr id="4" name="Date Placeholder 3"/>
           <p:cNvSpPr>
             <a:spLocks noGrp="1"/>
           </p:cNvSpPr>
           <p:nvPr>
-            <p:ph type="sldNum" sz="quarter" idx="10"/>
-          </p:nvPr>
-        </p:nvSpPr>
-        <p:spPr>
-          <a:ln/>
-        </p:spPr>
+            <p:ph type="dt" sz="half" idx="10"/>
+          </p:nvPr>
+        </p:nvSpPr>
+        <p:spPr/>
         <p:txBody>
           <a:bodyPr/>
-          <a:lstStyle>
-            <a:lvl1pPr>
-              <a:defRPr/>
-            </a:lvl1pPr>
-          </a:lstStyle>
-          <a:p>
-            <a:pPr>
-              <a:defRPr/>
-            </a:pPr>
-            <a:fld id="{5009B379-6E72-4287-B14E-B24FE9FC0602}" type="slidenum">
-              <a:rPr lang="es-PE"/>
-              <a:pPr>
-                <a:defRPr/>
-              </a:pPr>
-              <a:t>‹Nº›</a:t>
+          <a:lstStyle/>
+          <a:p>
+            <a:fld id="{468F0D72-8056-4982-839C-6B5742D0CAF2}" type="datetimeFigureOut">
+              <a:rPr lang="es-PE" smtClean="0"/>
+              <a:pPr/>
+              <a:t>09/12/2011</a:t>
             </a:fld>
             <a:endParaRPr lang="es-PE" dirty="0"/>
           </a:p>
@@ -2390,47 +1131,31 @@
         <p:spPr/>
         <p:txBody>
           <a:bodyPr/>
-          <a:lstStyle>
-            <a:lvl1pPr>
-              <a:defRPr/>
-            </a:lvl1pPr>
-          </a:lstStyle>
-          <a:p>
-            <a:pPr>
-              <a:defRPr/>
-            </a:pPr>
-            <a:endParaRPr lang="es-PE"/>
-          </a:p>
-        </p:txBody>
-      </p:sp>
-      <p:sp>
-        <p:nvSpPr>
-          <p:cNvPr id="6" name="Date Placeholder 3"/>
+          <a:lstStyle/>
+          <a:p>
+            <a:endParaRPr lang="es-PE" dirty="0"/>
+          </a:p>
+        </p:txBody>
+      </p:sp>
+      <p:sp>
+        <p:nvSpPr>
+          <p:cNvPr id="6" name="Slide Number Placeholder 5"/>
           <p:cNvSpPr>
             <a:spLocks noGrp="1"/>
           </p:cNvSpPr>
           <p:nvPr>
-            <p:ph type="dt" sz="half" idx="12"/>
+            <p:ph type="sldNum" sz="quarter" idx="12"/>
           </p:nvPr>
         </p:nvSpPr>
         <p:spPr/>
         <p:txBody>
           <a:bodyPr/>
-          <a:lstStyle>
-            <a:lvl1pPr>
-              <a:defRPr/>
-            </a:lvl1pPr>
-          </a:lstStyle>
-          <a:p>
-            <a:pPr>
-              <a:defRPr/>
-            </a:pPr>
-            <a:fld id="{E8A9279C-E8C0-4015-B7E0-388CE93F6C4E}" type="datetimeFigureOut">
-              <a:rPr lang="es-PE"/>
-              <a:pPr>
-                <a:defRPr/>
-              </a:pPr>
-              <a:t>21/11/2011</a:t>
+          <a:lstStyle/>
+          <a:p>
+            <a:fld id="{D42D44A9-5D44-4256-98ED-6C0FAEEAA66C}" type="slidenum">
+              <a:rPr lang="es-PE" smtClean="0"/>
+              <a:pPr/>
+              <a:t>‹Nº›</a:t>
             </a:fld>
             <a:endParaRPr lang="es-PE" dirty="0"/>
           </a:p>
@@ -2614,34 +1339,23 @@
       </p:sp>
       <p:sp>
         <p:nvSpPr>
-          <p:cNvPr id="4" name="Slide Number Placeholder 5"/>
+          <p:cNvPr id="4" name="Date Placeholder 3"/>
           <p:cNvSpPr>
             <a:spLocks noGrp="1"/>
           </p:cNvSpPr>
           <p:nvPr>
-            <p:ph type="sldNum" sz="quarter" idx="10"/>
-          </p:nvPr>
-        </p:nvSpPr>
-        <p:spPr>
-          <a:ln/>
-        </p:spPr>
+            <p:ph type="dt" sz="half" idx="10"/>
+          </p:nvPr>
+        </p:nvSpPr>
+        <p:spPr/>
         <p:txBody>
           <a:bodyPr/>
-          <a:lstStyle>
-            <a:lvl1pPr>
-              <a:defRPr/>
-            </a:lvl1pPr>
-          </a:lstStyle>
-          <a:p>
-            <a:pPr>
-              <a:defRPr/>
-            </a:pPr>
-            <a:fld id="{880DC6E2-AAEA-4C76-8773-E756E81E9CD7}" type="slidenum">
-              <a:rPr lang="es-PE"/>
-              <a:pPr>
-                <a:defRPr/>
-              </a:pPr>
-              <a:t>‹Nº›</a:t>
+          <a:lstStyle/>
+          <a:p>
+            <a:fld id="{468F0D72-8056-4982-839C-6B5742D0CAF2}" type="datetimeFigureOut">
+              <a:rPr lang="es-PE" smtClean="0"/>
+              <a:pPr/>
+              <a:t>09/12/2011</a:t>
             </a:fld>
             <a:endParaRPr lang="es-PE" dirty="0"/>
           </a:p>
@@ -2660,47 +1374,31 @@
         <p:spPr/>
         <p:txBody>
           <a:bodyPr/>
-          <a:lstStyle>
-            <a:lvl1pPr>
-              <a:defRPr/>
-            </a:lvl1pPr>
-          </a:lstStyle>
-          <a:p>
-            <a:pPr>
-              <a:defRPr/>
-            </a:pPr>
-            <a:endParaRPr lang="es-PE"/>
-          </a:p>
-        </p:txBody>
-      </p:sp>
-      <p:sp>
-        <p:nvSpPr>
-          <p:cNvPr id="6" name="Date Placeholder 3"/>
+          <a:lstStyle/>
+          <a:p>
+            <a:endParaRPr lang="es-PE" dirty="0"/>
+          </a:p>
+        </p:txBody>
+      </p:sp>
+      <p:sp>
+        <p:nvSpPr>
+          <p:cNvPr id="6" name="Slide Number Placeholder 5"/>
           <p:cNvSpPr>
             <a:spLocks noGrp="1"/>
           </p:cNvSpPr>
           <p:nvPr>
-            <p:ph type="dt" sz="half" idx="12"/>
+            <p:ph type="sldNum" sz="quarter" idx="12"/>
           </p:nvPr>
         </p:nvSpPr>
         <p:spPr/>
         <p:txBody>
           <a:bodyPr/>
-          <a:lstStyle>
-            <a:lvl1pPr>
-              <a:defRPr/>
-            </a:lvl1pPr>
-          </a:lstStyle>
-          <a:p>
-            <a:pPr>
-              <a:defRPr/>
-            </a:pPr>
-            <a:fld id="{04820C23-2C65-4C28-8B97-ADD13D8C57A9}" type="datetimeFigureOut">
-              <a:rPr lang="es-PE"/>
-              <a:pPr>
-                <a:defRPr/>
-              </a:pPr>
-              <a:t>21/11/2011</a:t>
+          <a:lstStyle/>
+          <a:p>
+            <a:fld id="{D42D44A9-5D44-4256-98ED-6C0FAEEAA66C}" type="slidenum">
+              <a:rPr lang="es-PE" smtClean="0"/>
+              <a:pPr/>
+              <a:t>‹Nº›</a:t>
             </a:fld>
             <a:endParaRPr lang="es-PE" dirty="0"/>
           </a:p>
@@ -2926,34 +1624,23 @@
       </p:sp>
       <p:sp>
         <p:nvSpPr>
-          <p:cNvPr id="5" name="Slide Number Placeholder 5"/>
+          <p:cNvPr id="5" name="Date Placeholder 4"/>
           <p:cNvSpPr>
             <a:spLocks noGrp="1"/>
           </p:cNvSpPr>
           <p:nvPr>
-            <p:ph type="sldNum" sz="quarter" idx="10"/>
-          </p:nvPr>
-        </p:nvSpPr>
-        <p:spPr>
-          <a:ln/>
-        </p:spPr>
+            <p:ph type="dt" sz="half" idx="10"/>
+          </p:nvPr>
+        </p:nvSpPr>
+        <p:spPr/>
         <p:txBody>
           <a:bodyPr/>
-          <a:lstStyle>
-            <a:lvl1pPr>
-              <a:defRPr/>
-            </a:lvl1pPr>
-          </a:lstStyle>
-          <a:p>
-            <a:pPr>
-              <a:defRPr/>
-            </a:pPr>
-            <a:fld id="{712955A2-6D7B-4FDB-AD53-4C0585B56F86}" type="slidenum">
-              <a:rPr lang="es-PE"/>
-              <a:pPr>
-                <a:defRPr/>
-              </a:pPr>
-              <a:t>‹Nº›</a:t>
+          <a:lstStyle/>
+          <a:p>
+            <a:fld id="{468F0D72-8056-4982-839C-6B5742D0CAF2}" type="datetimeFigureOut">
+              <a:rPr lang="es-PE" smtClean="0"/>
+              <a:pPr/>
+              <a:t>09/12/2011</a:t>
             </a:fld>
             <a:endParaRPr lang="es-PE" dirty="0"/>
           </a:p>
@@ -2961,7 +1648,7 @@
       </p:sp>
       <p:sp>
         <p:nvSpPr>
-          <p:cNvPr id="6" name="Footer Placeholder 4"/>
+          <p:cNvPr id="6" name="Footer Placeholder 5"/>
           <p:cNvSpPr>
             <a:spLocks noGrp="1"/>
           </p:cNvSpPr>
@@ -2972,47 +1659,31 @@
         <p:spPr/>
         <p:txBody>
           <a:bodyPr/>
-          <a:lstStyle>
-            <a:lvl1pPr>
-              <a:defRPr/>
-            </a:lvl1pPr>
-          </a:lstStyle>
-          <a:p>
-            <a:pPr>
-              <a:defRPr/>
-            </a:pPr>
-            <a:endParaRPr lang="es-PE"/>
-          </a:p>
-        </p:txBody>
-      </p:sp>
-      <p:sp>
-        <p:nvSpPr>
-          <p:cNvPr id="7" name="Date Placeholder 3"/>
+          <a:lstStyle/>
+          <a:p>
+            <a:endParaRPr lang="es-PE" dirty="0"/>
+          </a:p>
+        </p:txBody>
+      </p:sp>
+      <p:sp>
+        <p:nvSpPr>
+          <p:cNvPr id="7" name="Slide Number Placeholder 6"/>
           <p:cNvSpPr>
             <a:spLocks noGrp="1"/>
           </p:cNvSpPr>
           <p:nvPr>
-            <p:ph type="dt" sz="half" idx="12"/>
+            <p:ph type="sldNum" sz="quarter" idx="12"/>
           </p:nvPr>
         </p:nvSpPr>
         <p:spPr/>
         <p:txBody>
           <a:bodyPr/>
-          <a:lstStyle>
-            <a:lvl1pPr>
-              <a:defRPr/>
-            </a:lvl1pPr>
-          </a:lstStyle>
-          <a:p>
-            <a:pPr>
-              <a:defRPr/>
-            </a:pPr>
-            <a:fld id="{54992554-A2B1-4122-ABA4-F02D02BBFBDD}" type="datetimeFigureOut">
-              <a:rPr lang="es-PE"/>
-              <a:pPr>
-                <a:defRPr/>
-              </a:pPr>
-              <a:t>21/11/2011</a:t>
+          <a:lstStyle/>
+          <a:p>
+            <a:fld id="{D42D44A9-5D44-4256-98ED-6C0FAEEAA66C}" type="slidenum">
+              <a:rPr lang="es-PE" smtClean="0"/>
+              <a:pPr/>
+              <a:t>‹Nº›</a:t>
             </a:fld>
             <a:endParaRPr lang="es-PE" dirty="0"/>
           </a:p>
@@ -3384,34 +2055,23 @@
       </p:sp>
       <p:sp>
         <p:nvSpPr>
-          <p:cNvPr id="7" name="Slide Number Placeholder 5"/>
+          <p:cNvPr id="7" name="Date Placeholder 6"/>
           <p:cNvSpPr>
             <a:spLocks noGrp="1"/>
           </p:cNvSpPr>
           <p:nvPr>
-            <p:ph type="sldNum" sz="quarter" idx="10"/>
-          </p:nvPr>
-        </p:nvSpPr>
-        <p:spPr>
-          <a:ln/>
-        </p:spPr>
+            <p:ph type="dt" sz="half" idx="10"/>
+          </p:nvPr>
+        </p:nvSpPr>
+        <p:spPr/>
         <p:txBody>
           <a:bodyPr/>
-          <a:lstStyle>
-            <a:lvl1pPr>
-              <a:defRPr/>
-            </a:lvl1pPr>
-          </a:lstStyle>
-          <a:p>
-            <a:pPr>
-              <a:defRPr/>
-            </a:pPr>
-            <a:fld id="{A2C1B7AF-AB9B-4F80-9FA6-6622CA997639}" type="slidenum">
-              <a:rPr lang="es-PE"/>
-              <a:pPr>
-                <a:defRPr/>
-              </a:pPr>
-              <a:t>‹Nº›</a:t>
+          <a:lstStyle/>
+          <a:p>
+            <a:fld id="{468F0D72-8056-4982-839C-6B5742D0CAF2}" type="datetimeFigureOut">
+              <a:rPr lang="es-PE" smtClean="0"/>
+              <a:pPr/>
+              <a:t>09/12/2011</a:t>
             </a:fld>
             <a:endParaRPr lang="es-PE" dirty="0"/>
           </a:p>
@@ -3419,7 +2079,7 @@
       </p:sp>
       <p:sp>
         <p:nvSpPr>
-          <p:cNvPr id="8" name="Footer Placeholder 4"/>
+          <p:cNvPr id="8" name="Footer Placeholder 7"/>
           <p:cNvSpPr>
             <a:spLocks noGrp="1"/>
           </p:cNvSpPr>
@@ -3430,47 +2090,31 @@
         <p:spPr/>
         <p:txBody>
           <a:bodyPr/>
-          <a:lstStyle>
-            <a:lvl1pPr>
-              <a:defRPr/>
-            </a:lvl1pPr>
-          </a:lstStyle>
-          <a:p>
-            <a:pPr>
-              <a:defRPr/>
-            </a:pPr>
-            <a:endParaRPr lang="es-PE"/>
-          </a:p>
-        </p:txBody>
-      </p:sp>
-      <p:sp>
-        <p:nvSpPr>
-          <p:cNvPr id="9" name="Date Placeholder 3"/>
+          <a:lstStyle/>
+          <a:p>
+            <a:endParaRPr lang="es-PE" dirty="0"/>
+          </a:p>
+        </p:txBody>
+      </p:sp>
+      <p:sp>
+        <p:nvSpPr>
+          <p:cNvPr id="9" name="Slide Number Placeholder 8"/>
           <p:cNvSpPr>
             <a:spLocks noGrp="1"/>
           </p:cNvSpPr>
           <p:nvPr>
-            <p:ph type="dt" sz="half" idx="12"/>
+            <p:ph type="sldNum" sz="quarter" idx="12"/>
           </p:nvPr>
         </p:nvSpPr>
         <p:spPr/>
         <p:txBody>
           <a:bodyPr/>
-          <a:lstStyle>
-            <a:lvl1pPr>
-              <a:defRPr/>
-            </a:lvl1pPr>
-          </a:lstStyle>
-          <a:p>
-            <a:pPr>
-              <a:defRPr/>
-            </a:pPr>
-            <a:fld id="{22138D6D-7566-4D43-A27E-1290F069DB4D}" type="datetimeFigureOut">
-              <a:rPr lang="es-PE"/>
-              <a:pPr>
-                <a:defRPr/>
-              </a:pPr>
-              <a:t>21/11/2011</a:t>
+          <a:lstStyle/>
+          <a:p>
+            <a:fld id="{D42D44A9-5D44-4256-98ED-6C0FAEEAA66C}" type="slidenum">
+              <a:rPr lang="es-PE" smtClean="0"/>
+              <a:pPr/>
+              <a:t>‹Nº›</a:t>
             </a:fld>
             <a:endParaRPr lang="es-PE" dirty="0"/>
           </a:p>
@@ -3526,34 +2170,23 @@
       </p:sp>
       <p:sp>
         <p:nvSpPr>
-          <p:cNvPr id="3" name="Slide Number Placeholder 5"/>
+          <p:cNvPr id="3" name="Date Placeholder 2"/>
           <p:cNvSpPr>
             <a:spLocks noGrp="1"/>
           </p:cNvSpPr>
           <p:nvPr>
-            <p:ph type="sldNum" sz="quarter" idx="10"/>
-          </p:nvPr>
-        </p:nvSpPr>
-        <p:spPr>
-          <a:ln/>
-        </p:spPr>
+            <p:ph type="dt" sz="half" idx="10"/>
+          </p:nvPr>
+        </p:nvSpPr>
+        <p:spPr/>
         <p:txBody>
           <a:bodyPr/>
-          <a:lstStyle>
-            <a:lvl1pPr>
-              <a:defRPr/>
-            </a:lvl1pPr>
-          </a:lstStyle>
-          <a:p>
-            <a:pPr>
-              <a:defRPr/>
-            </a:pPr>
-            <a:fld id="{616A06B7-437F-4F5C-89AA-8CC3F87141C2}" type="slidenum">
-              <a:rPr lang="es-PE"/>
-              <a:pPr>
-                <a:defRPr/>
-              </a:pPr>
-              <a:t>‹Nº›</a:t>
+          <a:lstStyle/>
+          <a:p>
+            <a:fld id="{468F0D72-8056-4982-839C-6B5742D0CAF2}" type="datetimeFigureOut">
+              <a:rPr lang="es-PE" smtClean="0"/>
+              <a:pPr/>
+              <a:t>09/12/2011</a:t>
             </a:fld>
             <a:endParaRPr lang="es-PE" dirty="0"/>
           </a:p>
@@ -3561,7 +2194,7 @@
       </p:sp>
       <p:sp>
         <p:nvSpPr>
-          <p:cNvPr id="4" name="Footer Placeholder 4"/>
+          <p:cNvPr id="4" name="Footer Placeholder 3"/>
           <p:cNvSpPr>
             <a:spLocks noGrp="1"/>
           </p:cNvSpPr>
@@ -3572,47 +2205,31 @@
         <p:spPr/>
         <p:txBody>
           <a:bodyPr/>
-          <a:lstStyle>
-            <a:lvl1pPr>
-              <a:defRPr/>
-            </a:lvl1pPr>
-          </a:lstStyle>
-          <a:p>
-            <a:pPr>
-              <a:defRPr/>
-            </a:pPr>
-            <a:endParaRPr lang="es-PE"/>
-          </a:p>
-        </p:txBody>
-      </p:sp>
-      <p:sp>
-        <p:nvSpPr>
-          <p:cNvPr id="5" name="Date Placeholder 3"/>
+          <a:lstStyle/>
+          <a:p>
+            <a:endParaRPr lang="es-PE" dirty="0"/>
+          </a:p>
+        </p:txBody>
+      </p:sp>
+      <p:sp>
+        <p:nvSpPr>
+          <p:cNvPr id="5" name="Slide Number Placeholder 4"/>
           <p:cNvSpPr>
             <a:spLocks noGrp="1"/>
           </p:cNvSpPr>
           <p:nvPr>
-            <p:ph type="dt" sz="half" idx="12"/>
+            <p:ph type="sldNum" sz="quarter" idx="12"/>
           </p:nvPr>
         </p:nvSpPr>
         <p:spPr/>
         <p:txBody>
           <a:bodyPr/>
-          <a:lstStyle>
-            <a:lvl1pPr>
-              <a:defRPr/>
-            </a:lvl1pPr>
-          </a:lstStyle>
-          <a:p>
-            <a:pPr>
-              <a:defRPr/>
-            </a:pPr>
-            <a:fld id="{B4EDBE70-D4E5-456A-862A-6CB29839BFC0}" type="datetimeFigureOut">
-              <a:rPr lang="es-PE"/>
-              <a:pPr>
-                <a:defRPr/>
-              </a:pPr>
-              <a:t>21/11/2011</a:t>
+          <a:lstStyle/>
+          <a:p>
+            <a:fld id="{D42D44A9-5D44-4256-98ED-6C0FAEEAA66C}" type="slidenum">
+              <a:rPr lang="es-PE" smtClean="0"/>
+              <a:pPr/>
+              <a:t>‹Nº›</a:t>
             </a:fld>
             <a:endParaRPr lang="es-PE" dirty="0"/>
           </a:p>
@@ -3645,34 +2262,23 @@
       </p:grpSpPr>
       <p:sp>
         <p:nvSpPr>
-          <p:cNvPr id="2" name="Slide Number Placeholder 5"/>
+          <p:cNvPr id="2" name="Date Placeholder 1"/>
           <p:cNvSpPr>
             <a:spLocks noGrp="1"/>
           </p:cNvSpPr>
           <p:nvPr>
-            <p:ph type="sldNum" sz="quarter" idx="10"/>
-          </p:nvPr>
-        </p:nvSpPr>
-        <p:spPr>
-          <a:ln/>
-        </p:spPr>
+            <p:ph type="dt" sz="half" idx="10"/>
+          </p:nvPr>
+        </p:nvSpPr>
+        <p:spPr/>
         <p:txBody>
           <a:bodyPr/>
-          <a:lstStyle>
-            <a:lvl1pPr>
-              <a:defRPr/>
-            </a:lvl1pPr>
-          </a:lstStyle>
-          <a:p>
-            <a:pPr>
-              <a:defRPr/>
-            </a:pPr>
-            <a:fld id="{0622AF31-CD0A-44E2-936A-B502DA3FAA25}" type="slidenum">
-              <a:rPr lang="es-PE"/>
-              <a:pPr>
-                <a:defRPr/>
-              </a:pPr>
-              <a:t>‹Nº›</a:t>
+          <a:lstStyle/>
+          <a:p>
+            <a:fld id="{468F0D72-8056-4982-839C-6B5742D0CAF2}" type="datetimeFigureOut">
+              <a:rPr lang="es-PE" smtClean="0"/>
+              <a:pPr/>
+              <a:t>09/12/2011</a:t>
             </a:fld>
             <a:endParaRPr lang="es-PE" dirty="0"/>
           </a:p>
@@ -3680,7 +2286,7 @@
       </p:sp>
       <p:sp>
         <p:nvSpPr>
-          <p:cNvPr id="3" name="Footer Placeholder 4"/>
+          <p:cNvPr id="3" name="Footer Placeholder 2"/>
           <p:cNvSpPr>
             <a:spLocks noGrp="1"/>
           </p:cNvSpPr>
@@ -3691,47 +2297,31 @@
         <p:spPr/>
         <p:txBody>
           <a:bodyPr/>
-          <a:lstStyle>
-            <a:lvl1pPr>
-              <a:defRPr/>
-            </a:lvl1pPr>
-          </a:lstStyle>
-          <a:p>
-            <a:pPr>
-              <a:defRPr/>
-            </a:pPr>
-            <a:endParaRPr lang="es-PE"/>
-          </a:p>
-        </p:txBody>
-      </p:sp>
-      <p:sp>
-        <p:nvSpPr>
-          <p:cNvPr id="4" name="Date Placeholder 3"/>
+          <a:lstStyle/>
+          <a:p>
+            <a:endParaRPr lang="es-PE" dirty="0"/>
+          </a:p>
+        </p:txBody>
+      </p:sp>
+      <p:sp>
+        <p:nvSpPr>
+          <p:cNvPr id="4" name="Slide Number Placeholder 3"/>
           <p:cNvSpPr>
             <a:spLocks noGrp="1"/>
           </p:cNvSpPr>
           <p:nvPr>
-            <p:ph type="dt" sz="half" idx="12"/>
+            <p:ph type="sldNum" sz="quarter" idx="12"/>
           </p:nvPr>
         </p:nvSpPr>
         <p:spPr/>
         <p:txBody>
           <a:bodyPr/>
-          <a:lstStyle>
-            <a:lvl1pPr>
-              <a:defRPr/>
-            </a:lvl1pPr>
-          </a:lstStyle>
-          <a:p>
-            <a:pPr>
-              <a:defRPr/>
-            </a:pPr>
-            <a:fld id="{839301D5-4C1A-4EB3-8AC2-7800A27F214D}" type="datetimeFigureOut">
-              <a:rPr lang="es-PE"/>
-              <a:pPr>
-                <a:defRPr/>
-              </a:pPr>
-              <a:t>21/11/2011</a:t>
+          <a:lstStyle/>
+          <a:p>
+            <a:fld id="{D42D44A9-5D44-4256-98ED-6C0FAEEAA66C}" type="slidenum">
+              <a:rPr lang="es-PE" smtClean="0"/>
+              <a:pPr/>
+              <a:t>‹Nº›</a:t>
             </a:fld>
             <a:endParaRPr lang="es-PE" dirty="0"/>
           </a:p>
@@ -3863,6 +2453,73 @@
       </p:sp>
       <p:sp>
         <p:nvSpPr>
+          <p:cNvPr id="5" name="Date Placeholder 4"/>
+          <p:cNvSpPr>
+            <a:spLocks noGrp="1"/>
+          </p:cNvSpPr>
+          <p:nvPr>
+            <p:ph type="dt" sz="half" idx="10"/>
+          </p:nvPr>
+        </p:nvSpPr>
+        <p:spPr/>
+        <p:txBody>
+          <a:bodyPr/>
+          <a:lstStyle/>
+          <a:p>
+            <a:fld id="{468F0D72-8056-4982-839C-6B5742D0CAF2}" type="datetimeFigureOut">
+              <a:rPr lang="es-PE" smtClean="0"/>
+              <a:pPr/>
+              <a:t>09/12/2011</a:t>
+            </a:fld>
+            <a:endParaRPr lang="es-PE" dirty="0"/>
+          </a:p>
+        </p:txBody>
+      </p:sp>
+      <p:sp>
+        <p:nvSpPr>
+          <p:cNvPr id="6" name="Footer Placeholder 5"/>
+          <p:cNvSpPr>
+            <a:spLocks noGrp="1"/>
+          </p:cNvSpPr>
+          <p:nvPr>
+            <p:ph type="ftr" sz="quarter" idx="11"/>
+          </p:nvPr>
+        </p:nvSpPr>
+        <p:spPr/>
+        <p:txBody>
+          <a:bodyPr/>
+          <a:lstStyle/>
+          <a:p>
+            <a:endParaRPr lang="es-PE" dirty="0"/>
+          </a:p>
+        </p:txBody>
+      </p:sp>
+      <p:sp>
+        <p:nvSpPr>
+          <p:cNvPr id="7" name="Slide Number Placeholder 6"/>
+          <p:cNvSpPr>
+            <a:spLocks noGrp="1"/>
+          </p:cNvSpPr>
+          <p:nvPr>
+            <p:ph type="sldNum" sz="quarter" idx="12"/>
+          </p:nvPr>
+        </p:nvSpPr>
+        <p:spPr/>
+        <p:txBody>
+          <a:bodyPr/>
+          <a:lstStyle/>
+          <a:p>
+            <a:fld id="{D42D44A9-5D44-4256-98ED-6C0FAEEAA66C}" type="slidenum">
+              <a:rPr lang="es-PE" smtClean="0"/>
+              <a:pPr/>
+              <a:t>‹Nº›</a:t>
+            </a:fld>
+            <a:endParaRPr lang="es-PE" dirty="0"/>
+          </a:p>
+        </p:txBody>
+      </p:sp>
+      <p:sp>
+        <p:nvSpPr>
           <p:cNvPr id="9" name="Content Placeholder 8"/>
           <p:cNvSpPr>
             <a:spLocks noGrp="1"/>
@@ -3915,100 +2572,6 @@
               <a:t>Quinto nivel</a:t>
             </a:r>
             <a:endParaRPr lang="en-US"/>
-          </a:p>
-        </p:txBody>
-      </p:sp>
-      <p:sp>
-        <p:nvSpPr>
-          <p:cNvPr id="5" name="Slide Number Placeholder 5"/>
-          <p:cNvSpPr>
-            <a:spLocks noGrp="1"/>
-          </p:cNvSpPr>
-          <p:nvPr>
-            <p:ph type="sldNum" sz="quarter" idx="14"/>
-          </p:nvPr>
-        </p:nvSpPr>
-        <p:spPr>
-          <a:ln/>
-        </p:spPr>
-        <p:txBody>
-          <a:bodyPr/>
-          <a:lstStyle>
-            <a:lvl1pPr>
-              <a:defRPr/>
-            </a:lvl1pPr>
-          </a:lstStyle>
-          <a:p>
-            <a:pPr>
-              <a:defRPr/>
-            </a:pPr>
-            <a:fld id="{E9F60111-8A28-457F-9C42-33131215D6A4}" type="slidenum">
-              <a:rPr lang="es-PE"/>
-              <a:pPr>
-                <a:defRPr/>
-              </a:pPr>
-              <a:t>‹Nº›</a:t>
-            </a:fld>
-            <a:endParaRPr lang="es-PE" dirty="0"/>
-          </a:p>
-        </p:txBody>
-      </p:sp>
-      <p:sp>
-        <p:nvSpPr>
-          <p:cNvPr id="6" name="Footer Placeholder 4"/>
-          <p:cNvSpPr>
-            <a:spLocks noGrp="1"/>
-          </p:cNvSpPr>
-          <p:nvPr>
-            <p:ph type="ftr" sz="quarter" idx="15"/>
-          </p:nvPr>
-        </p:nvSpPr>
-        <p:spPr/>
-        <p:txBody>
-          <a:bodyPr/>
-          <a:lstStyle>
-            <a:lvl1pPr>
-              <a:defRPr/>
-            </a:lvl1pPr>
-          </a:lstStyle>
-          <a:p>
-            <a:pPr>
-              <a:defRPr/>
-            </a:pPr>
-            <a:endParaRPr lang="es-PE"/>
-          </a:p>
-        </p:txBody>
-      </p:sp>
-      <p:sp>
-        <p:nvSpPr>
-          <p:cNvPr id="7" name="Date Placeholder 3"/>
-          <p:cNvSpPr>
-            <a:spLocks noGrp="1"/>
-          </p:cNvSpPr>
-          <p:nvPr>
-            <p:ph type="dt" sz="half" idx="16"/>
-          </p:nvPr>
-        </p:nvSpPr>
-        <p:spPr/>
-        <p:txBody>
-          <a:bodyPr/>
-          <a:lstStyle>
-            <a:lvl1pPr>
-              <a:defRPr/>
-            </a:lvl1pPr>
-          </a:lstStyle>
-          <a:p>
-            <a:pPr>
-              <a:defRPr/>
-            </a:pPr>
-            <a:fld id="{595690DD-DFF4-4589-A432-A88A14D55197}" type="datetimeFigureOut">
-              <a:rPr lang="es-PE"/>
-              <a:pPr>
-                <a:defRPr/>
-              </a:pPr>
-              <a:t>21/11/2011</a:t>
-            </a:fld>
-            <a:endParaRPr lang="es-PE" dirty="0"/>
           </a:p>
         </p:txBody>
       </p:sp>
@@ -4093,9 +2656,7 @@
           </a:xfrm>
         </p:spPr>
         <p:txBody>
-          <a:bodyPr rtlCol="0">
-            <a:normAutofit/>
-          </a:bodyPr>
+          <a:bodyPr/>
           <a:lstStyle>
             <a:lvl1pPr marL="0" indent="0">
               <a:buNone/>
@@ -4135,12 +2696,11 @@
             </a:lvl9pPr>
           </a:lstStyle>
           <a:p>
-            <a:pPr lvl="0"/>
-            <a:r>
-              <a:rPr lang="es-ES" noProof="0" dirty="0" smtClean="0"/>
+            <a:r>
+              <a:rPr lang="es-ES" dirty="0" smtClean="0"/>
               <a:t>Haga clic en el icono para agregar una imagen</a:t>
             </a:r>
-            <a:endParaRPr lang="en-US" noProof="0" dirty="0"/>
+            <a:endParaRPr lang="en-US" dirty="0"/>
           </a:p>
         </p:txBody>
       </p:sp>
@@ -4213,33 +2773,46 @@
       </p:sp>
       <p:sp>
         <p:nvSpPr>
-          <p:cNvPr id="5" name="Slide Number Placeholder 5"/>
+          <p:cNvPr id="8" name="Date Placeholder 7"/>
           <p:cNvSpPr>
             <a:spLocks noGrp="1"/>
           </p:cNvSpPr>
           <p:nvPr>
-            <p:ph type="sldNum" sz="quarter" idx="10"/>
-          </p:nvPr>
-        </p:nvSpPr>
-        <p:spPr>
-          <a:ln/>
-        </p:spPr>
+            <p:ph type="dt" sz="half" idx="10"/>
+          </p:nvPr>
+        </p:nvSpPr>
+        <p:spPr/>
         <p:txBody>
           <a:bodyPr/>
-          <a:lstStyle>
-            <a:lvl1pPr>
-              <a:defRPr/>
-            </a:lvl1pPr>
-          </a:lstStyle>
-          <a:p>
-            <a:pPr>
-              <a:defRPr/>
-            </a:pPr>
-            <a:fld id="{9015F784-82A2-49B7-A727-C13141361616}" type="slidenum">
-              <a:rPr lang="es-PE"/>
-              <a:pPr>
-                <a:defRPr/>
-              </a:pPr>
+          <a:lstStyle/>
+          <a:p>
+            <a:fld id="{468F0D72-8056-4982-839C-6B5742D0CAF2}" type="datetimeFigureOut">
+              <a:rPr lang="es-PE" smtClean="0"/>
+              <a:pPr/>
+              <a:t>09/12/2011</a:t>
+            </a:fld>
+            <a:endParaRPr lang="es-PE" dirty="0"/>
+          </a:p>
+        </p:txBody>
+      </p:sp>
+      <p:sp>
+        <p:nvSpPr>
+          <p:cNvPr id="9" name="Slide Number Placeholder 8"/>
+          <p:cNvSpPr>
+            <a:spLocks noGrp="1"/>
+          </p:cNvSpPr>
+          <p:nvPr>
+            <p:ph type="sldNum" sz="quarter" idx="11"/>
+          </p:nvPr>
+        </p:nvSpPr>
+        <p:spPr/>
+        <p:txBody>
+          <a:bodyPr/>
+          <a:lstStyle/>
+          <a:p>
+            <a:fld id="{D42D44A9-5D44-4256-98ED-6C0FAEEAA66C}" type="slidenum">
+              <a:rPr lang="es-PE" smtClean="0"/>
+              <a:pPr/>
               <a:t>‹Nº›</a:t>
             </a:fld>
             <a:endParaRPr lang="es-PE" dirty="0"/>
@@ -4248,59 +2821,19 @@
       </p:sp>
       <p:sp>
         <p:nvSpPr>
-          <p:cNvPr id="6" name="Footer Placeholder 4"/>
+          <p:cNvPr id="10" name="Footer Placeholder 9"/>
           <p:cNvSpPr>
             <a:spLocks noGrp="1"/>
           </p:cNvSpPr>
           <p:nvPr>
-            <p:ph type="ftr" sz="quarter" idx="11"/>
+            <p:ph type="ftr" sz="quarter" idx="12"/>
           </p:nvPr>
         </p:nvSpPr>
         <p:spPr/>
         <p:txBody>
           <a:bodyPr/>
-          <a:lstStyle>
-            <a:lvl1pPr>
-              <a:defRPr/>
-            </a:lvl1pPr>
-          </a:lstStyle>
-          <a:p>
-            <a:pPr>
-              <a:defRPr/>
-            </a:pPr>
-            <a:endParaRPr lang="es-PE"/>
-          </a:p>
-        </p:txBody>
-      </p:sp>
-      <p:sp>
-        <p:nvSpPr>
-          <p:cNvPr id="7" name="Date Placeholder 3"/>
-          <p:cNvSpPr>
-            <a:spLocks noGrp="1"/>
-          </p:cNvSpPr>
-          <p:nvPr>
-            <p:ph type="dt" sz="half" idx="12"/>
-          </p:nvPr>
-        </p:nvSpPr>
-        <p:spPr/>
-        <p:txBody>
-          <a:bodyPr/>
-          <a:lstStyle>
-            <a:lvl1pPr>
-              <a:defRPr/>
-            </a:lvl1pPr>
-          </a:lstStyle>
-          <a:p>
-            <a:pPr>
-              <a:defRPr/>
-            </a:pPr>
-            <a:fld id="{039C9B9B-A345-4FCA-A122-7181C6C10FF0}" type="datetimeFigureOut">
-              <a:rPr lang="es-PE"/>
-              <a:pPr>
-                <a:defRPr/>
-              </a:pPr>
-              <a:t>21/11/2011</a:t>
-            </a:fld>
+          <a:lstStyle/>
+          <a:p>
             <a:endParaRPr lang="es-PE" dirty="0"/>
           </a:p>
         </p:txBody>
@@ -4370,7 +2903,7 @@
       </p:sp>
       <p:sp>
         <p:nvSpPr>
-          <p:cNvPr id="1027" name="Text Placeholder 2"/>
+          <p:cNvPr id="3" name="Text Placeholder 2"/>
           <p:cNvSpPr>
             <a:spLocks noGrp="1"/>
           </p:cNvSpPr>
@@ -4378,7 +2911,7 @@
             <p:ph type="body" idx="1"/>
           </p:nvPr>
         </p:nvSpPr>
-        <p:spPr bwMode="auto">
+        <p:spPr>
           <a:xfrm>
             <a:off x="457200" y="1600200"/>
             <a:ext cx="7620000" cy="4800600"/>
@@ -4386,19 +2919,10 @@
           <a:prstGeom prst="rect">
             <a:avLst/>
           </a:prstGeom>
-          <a:noFill/>
-          <a:ln w="9525">
-            <a:noFill/>
-            <a:miter lim="800000"/>
-            <a:headEnd/>
-            <a:tailEnd/>
-          </a:ln>
         </p:spPr>
         <p:txBody>
-          <a:bodyPr vert="horz" wrap="square" lIns="91440" tIns="45720" rIns="91440" bIns="45720" numCol="1" anchor="t" anchorCtr="0" compatLnSpc="1">
-            <a:prstTxWarp prst="textNoShape">
-              <a:avLst/>
-            </a:prstTxWarp>
+          <a:bodyPr vert="horz" lIns="91440" tIns="45720" rIns="91440" bIns="45720" rtlCol="0">
+            <a:normAutofit/>
           </a:bodyPr>
           <a:lstStyle/>
           <a:p>
@@ -4435,7 +2959,7 @@
               <a:rPr lang="es-ES" smtClean="0"/>
               <a:t>Quinto nivel</a:t>
             </a:r>
-            <a:endParaRPr lang="en-US" smtClean="0"/>
+            <a:endParaRPr lang="en-US" dirty="0"/>
           </a:p>
         </p:txBody>
       </p:sp>
@@ -4477,18 +3001,10 @@
           </a:fontRef>
         </p:style>
         <p:txBody>
-          <a:bodyPr anchor="ctr"/>
+          <a:bodyPr rtlCol="0" anchor="ctr"/>
           <a:lstStyle/>
           <a:p>
-            <a:pPr algn="ctr" fontAlgn="auto">
-              <a:spcBef>
-                <a:spcPts val="0"/>
-              </a:spcBef>
-              <a:spcAft>
-                <a:spcPts val="0"/>
-              </a:spcAft>
-              <a:defRPr/>
-            </a:pPr>
+            <a:pPr algn="ctr"/>
             <a:endParaRPr lang="en-US" dirty="0"/>
           </a:p>
         </p:txBody>
@@ -4531,18 +3047,10 @@
           </a:fontRef>
         </p:style>
         <p:txBody>
-          <a:bodyPr anchor="ctr"/>
+          <a:bodyPr rtlCol="0" anchor="ctr"/>
           <a:lstStyle/>
           <a:p>
-            <a:pPr algn="ctr" fontAlgn="auto">
-              <a:spcBef>
-                <a:spcPts val="0"/>
-              </a:spcBef>
-              <a:spcAft>
-                <a:spcPts val="0"/>
-              </a:spcAft>
-              <a:defRPr/>
-            </a:pPr>
+            <a:pPr algn="ctr"/>
             <a:endParaRPr lang="en-US" dirty="0"/>
           </a:p>
         </p:txBody>
@@ -4559,8 +3067,8 @@
         </p:nvSpPr>
         <p:spPr>
           <a:xfrm>
-            <a:off x="8531225" y="5648325"/>
-            <a:ext cx="549275" cy="396875"/>
+            <a:off x="8531788" y="5648960"/>
+            <a:ext cx="548640" cy="396240"/>
           </a:xfrm>
           <a:prstGeom prst="bracketPair">
             <a:avLst>
@@ -4576,30 +3084,18 @@
         <p:txBody>
           <a:bodyPr vert="horz" lIns="0" tIns="0" rIns="0" bIns="0" rtlCol="0" anchor="ctr"/>
           <a:lstStyle>
-            <a:lvl1pPr algn="ctr" fontAlgn="auto">
-              <a:spcBef>
-                <a:spcPts val="0"/>
-              </a:spcBef>
-              <a:spcAft>
-                <a:spcPts val="0"/>
-              </a:spcAft>
-              <a:defRPr sz="1800" smtClean="0">
+            <a:lvl1pPr algn="ctr">
+              <a:defRPr sz="1800">
                 <a:solidFill>
                   <a:srgbClr val="FFFFFF"/>
                 </a:solidFill>
-                <a:latin typeface="+mn-lt"/>
               </a:defRPr>
             </a:lvl1pPr>
           </a:lstStyle>
           <a:p>
-            <a:pPr>
-              <a:defRPr/>
-            </a:pPr>
-            <a:fld id="{A5ECF4AF-378D-49C2-88D0-3F7361E31C2E}" type="slidenum">
-              <a:rPr lang="es-PE"/>
-              <a:pPr>
-                <a:defRPr/>
-              </a:pPr>
+            <a:fld id="{D42D44A9-5D44-4256-98ED-6C0FAEEAA66C}" type="slidenum">
+              <a:rPr lang="es-PE" smtClean="0"/>
+              <a:pPr/>
               <a:t>‹Nº›</a:t>
             </a:fld>
             <a:endParaRPr lang="es-PE" dirty="0"/>
@@ -4618,8 +3114,8 @@
         </p:nvSpPr>
         <p:spPr>
           <a:xfrm rot="16200000">
-            <a:off x="7587456" y="4048919"/>
-            <a:ext cx="2366963" cy="365125"/>
+            <a:off x="7586910" y="4048760"/>
+            <a:ext cx="2367281" cy="365760"/>
           </a:xfrm>
           <a:prstGeom prst="rect">
             <a:avLst/>
@@ -4628,26 +3124,16 @@
         <p:txBody>
           <a:bodyPr vert="horz" lIns="91440" tIns="45720" rIns="91440" bIns="45720" rtlCol="0" anchor="ctr"/>
           <a:lstStyle>
-            <a:lvl1pPr algn="r" fontAlgn="auto">
-              <a:spcBef>
-                <a:spcPts val="0"/>
-              </a:spcBef>
-              <a:spcAft>
-                <a:spcPts val="0"/>
-              </a:spcAft>
-              <a:defRPr sz="1200" dirty="0">
+            <a:lvl1pPr algn="r">
+              <a:defRPr sz="1200">
                 <a:solidFill>
                   <a:schemeClr val="bg2"/>
                 </a:solidFill>
-                <a:latin typeface="+mn-lt"/>
               </a:defRPr>
             </a:lvl1pPr>
           </a:lstStyle>
           <a:p>
-            <a:pPr>
-              <a:defRPr/>
-            </a:pPr>
-            <a:endParaRPr lang="es-PE"/>
+            <a:endParaRPr lang="es-PE" dirty="0"/>
           </a:p>
         </p:txBody>
       </p:sp>
@@ -4663,8 +3149,8 @@
         </p:nvSpPr>
         <p:spPr>
           <a:xfrm rot="16200000">
-            <a:off x="7551738" y="1646237"/>
-            <a:ext cx="2438400" cy="365125"/>
+            <a:off x="7551351" y="1645920"/>
+            <a:ext cx="2438399" cy="365760"/>
           </a:xfrm>
           <a:prstGeom prst="rect">
             <a:avLst/>
@@ -4673,31 +3159,19 @@
         <p:txBody>
           <a:bodyPr vert="horz" lIns="91440" tIns="45720" rIns="91440" bIns="45720" rtlCol="0" anchor="ctr"/>
           <a:lstStyle>
-            <a:lvl1pPr algn="l" fontAlgn="auto">
-              <a:spcBef>
-                <a:spcPts val="0"/>
-              </a:spcBef>
-              <a:spcAft>
-                <a:spcPts val="0"/>
-              </a:spcAft>
-              <a:defRPr sz="1200" smtClean="0">
+            <a:lvl1pPr algn="l">
+              <a:defRPr sz="1200">
                 <a:solidFill>
                   <a:schemeClr val="bg2"/>
                 </a:solidFill>
-                <a:latin typeface="+mn-lt"/>
               </a:defRPr>
             </a:lvl1pPr>
           </a:lstStyle>
           <a:p>
-            <a:pPr>
-              <a:defRPr/>
-            </a:pPr>
-            <a:fld id="{B24F3BAC-D6B8-4CC4-8980-4DF2F2393937}" type="datetimeFigureOut">
-              <a:rPr lang="es-PE"/>
-              <a:pPr>
-                <a:defRPr/>
-              </a:pPr>
-              <a:t>21/11/2011</a:t>
+            <a:fld id="{468F0D72-8056-4982-839C-6B5742D0CAF2}" type="datetimeFigureOut">
+              <a:rPr lang="es-PE" smtClean="0"/>
+              <a:pPr/>
+              <a:t>09/12/2011</a:t>
             </a:fld>
             <a:endParaRPr lang="es-PE" dirty="0"/>
           </a:p>
@@ -4707,161 +3181,48 @@
   </p:cSld>
   <p:clrMap bg1="lt1" tx1="dk1" bg2="lt2" tx2="dk2" accent1="accent1" accent2="accent2" accent3="accent3" accent4="accent4" accent5="accent5" accent6="accent6" hlink="hlink" folHlink="folHlink"/>
   <p:sldLayoutIdLst>
-    <p:sldLayoutId id="2147483816" r:id="rId1"/>
-    <p:sldLayoutId id="2147483815" r:id="rId2"/>
-    <p:sldLayoutId id="2147483814" r:id="rId3"/>
-    <p:sldLayoutId id="2147483813" r:id="rId4"/>
-    <p:sldLayoutId id="2147483812" r:id="rId5"/>
-    <p:sldLayoutId id="2147483811" r:id="rId6"/>
-    <p:sldLayoutId id="2147483810" r:id="rId7"/>
-    <p:sldLayoutId id="2147483809" r:id="rId8"/>
-    <p:sldLayoutId id="2147483808" r:id="rId9"/>
-    <p:sldLayoutId id="2147483807" r:id="rId10"/>
-    <p:sldLayoutId id="2147483806" r:id="rId11"/>
+    <p:sldLayoutId id="2147483805" r:id="rId1"/>
+    <p:sldLayoutId id="2147483806" r:id="rId2"/>
+    <p:sldLayoutId id="2147483807" r:id="rId3"/>
+    <p:sldLayoutId id="2147483808" r:id="rId4"/>
+    <p:sldLayoutId id="2147483809" r:id="rId5"/>
+    <p:sldLayoutId id="2147483810" r:id="rId6"/>
+    <p:sldLayoutId id="2147483811" r:id="rId7"/>
+    <p:sldLayoutId id="2147483812" r:id="rId8"/>
+    <p:sldLayoutId id="2147483813" r:id="rId9"/>
+    <p:sldLayoutId id="2147483814" r:id="rId10"/>
+    <p:sldLayoutId id="2147483815" r:id="rId11"/>
   </p:sldLayoutIdLst>
   <p:txStyles>
     <p:titleStyle>
-      <a:lvl1pPr algn="l" rtl="0" fontAlgn="base">
+      <a:lvl1pPr algn="l" defTabSz="914400" rtl="0" eaLnBrk="1" latinLnBrk="0" hangingPunct="1">
         <a:spcBef>
           <a:spcPct val="0"/>
         </a:spcBef>
-        <a:spcAft>
-          <a:spcPct val="0"/>
-        </a:spcAft>
-        <a:defRPr sz="4600" kern="1200" spc="-100">
+        <a:buNone/>
+        <a:defRPr sz="4600" kern="1200" cap="none" spc="-100" baseline="0">
+          <a:ln>
+            <a:noFill/>
+          </a:ln>
           <a:solidFill>
             <a:schemeClr val="tx2"/>
           </a:solidFill>
+          <a:effectLst/>
           <a:latin typeface="+mj-lt"/>
           <a:ea typeface="+mj-ea"/>
           <a:cs typeface="+mj-cs"/>
         </a:defRPr>
       </a:lvl1pPr>
-      <a:lvl2pPr algn="l" rtl="0" fontAlgn="base">
-        <a:spcBef>
-          <a:spcPct val="0"/>
-        </a:spcBef>
-        <a:spcAft>
-          <a:spcPct val="0"/>
-        </a:spcAft>
-        <a:defRPr sz="4600">
-          <a:solidFill>
-            <a:schemeClr val="tx2"/>
-          </a:solidFill>
-          <a:latin typeface="Cambria" pitchFamily="18" charset="0"/>
-        </a:defRPr>
-      </a:lvl2pPr>
-      <a:lvl3pPr algn="l" rtl="0" fontAlgn="base">
-        <a:spcBef>
-          <a:spcPct val="0"/>
-        </a:spcBef>
-        <a:spcAft>
-          <a:spcPct val="0"/>
-        </a:spcAft>
-        <a:defRPr sz="4600">
-          <a:solidFill>
-            <a:schemeClr val="tx2"/>
-          </a:solidFill>
-          <a:latin typeface="Cambria" pitchFamily="18" charset="0"/>
-        </a:defRPr>
-      </a:lvl3pPr>
-      <a:lvl4pPr algn="l" rtl="0" fontAlgn="base">
-        <a:spcBef>
-          <a:spcPct val="0"/>
-        </a:spcBef>
-        <a:spcAft>
-          <a:spcPct val="0"/>
-        </a:spcAft>
-        <a:defRPr sz="4600">
-          <a:solidFill>
-            <a:schemeClr val="tx2"/>
-          </a:solidFill>
-          <a:latin typeface="Cambria" pitchFamily="18" charset="0"/>
-        </a:defRPr>
-      </a:lvl4pPr>
-      <a:lvl5pPr algn="l" rtl="0" fontAlgn="base">
-        <a:spcBef>
-          <a:spcPct val="0"/>
-        </a:spcBef>
-        <a:spcAft>
-          <a:spcPct val="0"/>
-        </a:spcAft>
-        <a:defRPr sz="4600">
-          <a:solidFill>
-            <a:schemeClr val="tx2"/>
-          </a:solidFill>
-          <a:latin typeface="Cambria" pitchFamily="18" charset="0"/>
-        </a:defRPr>
-      </a:lvl5pPr>
-      <a:lvl6pPr marL="457200" algn="l" rtl="0" fontAlgn="base">
-        <a:spcBef>
-          <a:spcPct val="0"/>
-        </a:spcBef>
-        <a:spcAft>
-          <a:spcPct val="0"/>
-        </a:spcAft>
-        <a:defRPr sz="4600">
-          <a:solidFill>
-            <a:schemeClr val="tx2"/>
-          </a:solidFill>
-          <a:latin typeface="Cambria" pitchFamily="18" charset="0"/>
-        </a:defRPr>
-      </a:lvl6pPr>
-      <a:lvl7pPr marL="914400" algn="l" rtl="0" fontAlgn="base">
-        <a:spcBef>
-          <a:spcPct val="0"/>
-        </a:spcBef>
-        <a:spcAft>
-          <a:spcPct val="0"/>
-        </a:spcAft>
-        <a:defRPr sz="4600">
-          <a:solidFill>
-            <a:schemeClr val="tx2"/>
-          </a:solidFill>
-          <a:latin typeface="Cambria" pitchFamily="18" charset="0"/>
-        </a:defRPr>
-      </a:lvl7pPr>
-      <a:lvl8pPr marL="1371600" algn="l" rtl="0" fontAlgn="base">
-        <a:spcBef>
-          <a:spcPct val="0"/>
-        </a:spcBef>
-        <a:spcAft>
-          <a:spcPct val="0"/>
-        </a:spcAft>
-        <a:defRPr sz="4600">
-          <a:solidFill>
-            <a:schemeClr val="tx2"/>
-          </a:solidFill>
-          <a:latin typeface="Cambria" pitchFamily="18" charset="0"/>
-        </a:defRPr>
-      </a:lvl8pPr>
-      <a:lvl9pPr marL="1828800" algn="l" rtl="0" fontAlgn="base">
-        <a:spcBef>
-          <a:spcPct val="0"/>
-        </a:spcBef>
-        <a:spcAft>
-          <a:spcPct val="0"/>
-        </a:spcAft>
-        <a:defRPr sz="4600">
-          <a:solidFill>
-            <a:schemeClr val="tx2"/>
-          </a:solidFill>
-          <a:latin typeface="Cambria" pitchFamily="18" charset="0"/>
-        </a:defRPr>
-      </a:lvl9pPr>
     </p:titleStyle>
     <p:bodyStyle>
-      <a:lvl1pPr marL="342900" indent="-228600" algn="l" rtl="0" fontAlgn="base">
+      <a:lvl1pPr marL="342900" indent="-228600" algn="l" defTabSz="914400" rtl="0" eaLnBrk="1" latinLnBrk="0" hangingPunct="1">
         <a:spcBef>
           <a:spcPct val="20000"/>
         </a:spcBef>
-        <a:spcAft>
-          <a:spcPct val="0"/>
-        </a:spcAft>
         <a:buClr>
           <a:schemeClr val="accent1"/>
         </a:buClr>
-        <a:buFont typeface="Arial" charset="0"/>
+        <a:buFont typeface="Arial" pitchFamily="34" charset="0"/>
         <a:buChar char="•"/>
         <a:defRPr sz="2200" kern="1200">
           <a:solidFill>
@@ -4872,17 +3233,14 @@
           <a:cs typeface="+mn-cs"/>
         </a:defRPr>
       </a:lvl1pPr>
-      <a:lvl2pPr marL="639763" indent="-228600" algn="l" rtl="0" fontAlgn="base">
+      <a:lvl2pPr marL="640080" indent="-228600" algn="l" defTabSz="914400" rtl="0" eaLnBrk="1" latinLnBrk="0" hangingPunct="1">
         <a:spcBef>
           <a:spcPct val="20000"/>
         </a:spcBef>
-        <a:spcAft>
-          <a:spcPct val="0"/>
-        </a:spcAft>
         <a:buClr>
           <a:schemeClr val="accent2"/>
         </a:buClr>
-        <a:buFont typeface="Arial" charset="0"/>
+        <a:buFont typeface="Arial" pitchFamily="34" charset="0"/>
         <a:buChar char="•"/>
         <a:defRPr sz="2000" kern="1200">
           <a:solidFill>
@@ -4893,19 +3251,16 @@
           <a:cs typeface="+mn-cs"/>
         </a:defRPr>
       </a:lvl2pPr>
-      <a:lvl3pPr marL="1004888" indent="-228600" algn="l" rtl="0" fontAlgn="base">
+      <a:lvl3pPr marL="1005840" indent="-228600" algn="l" defTabSz="914400" rtl="0" eaLnBrk="1" latinLnBrk="0" hangingPunct="1">
         <a:spcBef>
           <a:spcPct val="20000"/>
         </a:spcBef>
-        <a:spcAft>
-          <a:spcPct val="0"/>
-        </a:spcAft>
         <a:buClr>
-          <a:srgbClr val="D2CB6C"/>
+          <a:schemeClr val="accent3"/>
         </a:buClr>
-        <a:buFont typeface="Arial" charset="0"/>
+        <a:buFont typeface="Arial" pitchFamily="34" charset="0"/>
         <a:buChar char="•"/>
-        <a:defRPr kern="1200">
+        <a:defRPr sz="1800" kern="1200">
           <a:solidFill>
             <a:schemeClr val="tx1"/>
           </a:solidFill>
@@ -4914,17 +3269,14 @@
           <a:cs typeface="+mn-cs"/>
         </a:defRPr>
       </a:lvl3pPr>
-      <a:lvl4pPr marL="1279525" indent="-228600" algn="l" rtl="0" fontAlgn="base">
+      <a:lvl4pPr marL="1280160" indent="-228600" algn="l" defTabSz="914400" rtl="0" eaLnBrk="1" latinLnBrk="0" hangingPunct="1">
         <a:spcBef>
           <a:spcPct val="20000"/>
         </a:spcBef>
-        <a:spcAft>
-          <a:spcPct val="0"/>
-        </a:spcAft>
         <a:buClr>
-          <a:srgbClr val="95A39D"/>
+          <a:schemeClr val="accent4"/>
         </a:buClr>
-        <a:buFont typeface="Arial" charset="0"/>
+        <a:buFont typeface="Arial" pitchFamily="34" charset="0"/>
         <a:buChar char="•"/>
         <a:defRPr sz="1600" kern="1200">
           <a:solidFill>
@@ -4935,19 +3287,16 @@
           <a:cs typeface="+mn-cs"/>
         </a:defRPr>
       </a:lvl4pPr>
-      <a:lvl5pPr marL="1554163" indent="-228600" algn="l" rtl="0" fontAlgn="base">
+      <a:lvl5pPr marL="1554480" indent="-228600" algn="l" defTabSz="914400" rtl="0" eaLnBrk="1" latinLnBrk="0" hangingPunct="1">
         <a:spcBef>
           <a:spcPct val="20000"/>
         </a:spcBef>
-        <a:spcAft>
-          <a:spcPct val="0"/>
-        </a:spcAft>
         <a:buClr>
-          <a:srgbClr val="C89F5D"/>
+          <a:schemeClr val="accent5"/>
         </a:buClr>
-        <a:buFont typeface="Arial" charset="0"/>
+        <a:buFont typeface="Arial" pitchFamily="34" charset="0"/>
         <a:buChar char="•"/>
-        <a:defRPr sz="1400" kern="1200">
+        <a:defRPr sz="1400" kern="1200" baseline="0">
           <a:solidFill>
             <a:schemeClr val="tx1"/>
           </a:solidFill>
@@ -5157,20 +3506,15 @@
         </p:nvSpPr>
         <p:spPr>
           <a:xfrm>
-            <a:off x="179388" y="1196975"/>
-            <a:ext cx="8048625" cy="3086100"/>
+            <a:off x="179512" y="1196752"/>
+            <a:ext cx="8047856" cy="3086199"/>
           </a:xfrm>
         </p:spPr>
         <p:txBody>
           <a:bodyPr/>
           <a:lstStyle/>
           <a:p>
-            <a:pPr fontAlgn="auto">
-              <a:spcAft>
-                <a:spcPts val="0"/>
-              </a:spcAft>
-              <a:defRPr/>
-            </a:pPr>
+            <a:pPr lvl="0"/>
             <a:r>
               <a:rPr lang="es-PE" sz="7000" dirty="0" smtClean="0"/>
               <a:t/>
@@ -5198,159 +3542,81 @@
         </p:nvSpPr>
         <p:spPr>
           <a:xfrm>
-            <a:off x="685800" y="4572000"/>
-            <a:ext cx="6461125" cy="1736725"/>
+            <a:off x="611560" y="4437112"/>
+            <a:ext cx="7486600" cy="1737320"/>
           </a:xfrm>
         </p:spPr>
         <p:txBody>
-          <a:bodyPr rtlCol="0">
+          <a:bodyPr>
             <a:normAutofit fontScale="77500" lnSpcReduction="20000"/>
           </a:bodyPr>
           <a:lstStyle/>
           <a:p>
-            <a:pPr fontAlgn="auto">
-              <a:spcAft>
-                <a:spcPts val="0"/>
-              </a:spcAft>
-              <a:buFont typeface="Arial" pitchFamily="34" charset="0"/>
-              <a:buNone/>
-              <a:defRPr/>
-            </a:pPr>
             <a:r>
               <a:rPr lang="es-PE" dirty="0" smtClean="0"/>
               <a:t> </a:t>
             </a:r>
           </a:p>
           <a:p>
-            <a:pPr fontAlgn="auto">
-              <a:spcAft>
-                <a:spcPts val="0"/>
-              </a:spcAft>
-              <a:buFont typeface="Arial" pitchFamily="34" charset="0"/>
-              <a:buNone/>
-              <a:defRPr/>
-            </a:pPr>
             <a:r>
               <a:rPr lang="es-PE" sz="3000" dirty="0" smtClean="0"/>
               <a:t>Integrantes</a:t>
             </a:r>
           </a:p>
           <a:p>
-            <a:pPr fontAlgn="auto">
-              <a:spcAft>
-                <a:spcPts val="0"/>
-              </a:spcAft>
-              <a:buFont typeface="Arial" pitchFamily="34" charset="0"/>
-              <a:buNone/>
-              <a:defRPr/>
-            </a:pPr>
             <a:r>
               <a:rPr lang="es-PE" sz="3000" dirty="0" smtClean="0"/>
               <a:t> </a:t>
             </a:r>
           </a:p>
           <a:p>
-            <a:pPr fontAlgn="auto">
-              <a:spcAft>
-                <a:spcPts val="0"/>
-              </a:spcAft>
-              <a:buFont typeface="Arial" pitchFamily="34" charset="0"/>
-              <a:buNone/>
-              <a:defRPr/>
-            </a:pPr>
+            <a:r>
+              <a:rPr lang="es-ES" sz="1400" b="1" dirty="0" smtClean="0"/>
+              <a:t>De La Cruz Saavedra, Omar Alberto</a:t>
+            </a:r>
+            <a:endParaRPr lang="es-PE" sz="1400" b="1" dirty="0" smtClean="0"/>
+          </a:p>
+          <a:p>
+            <a:r>
+              <a:rPr lang="es-ES" sz="1400" b="1" dirty="0" smtClean="0"/>
+              <a:t>Gabriel Tuesta, Vanessa Vilma</a:t>
+            </a:r>
+            <a:endParaRPr lang="es-PE" sz="1400" b="1" dirty="0" smtClean="0"/>
+          </a:p>
+          <a:p>
+            <a:r>
+              <a:rPr lang="es-ES" sz="1400" b="1" dirty="0" smtClean="0"/>
+              <a:t>Guevara Ramos, Derwin Yusepi				         Profesor: José Díaz	</a:t>
+            </a:r>
+            <a:endParaRPr lang="es-PE" sz="1400" b="1" dirty="0" smtClean="0"/>
+          </a:p>
+          <a:p>
+            <a:r>
+              <a:rPr lang="es-ES" sz="1400" b="1" dirty="0" smtClean="0"/>
+              <a:t>Ortega Alvarez, Ritchard Eduardo	</a:t>
+            </a:r>
             <a:r>
               <a:rPr lang="es-ES" sz="1300" b="1" dirty="0" smtClean="0"/>
-              <a:t>De La Cruz Saavedra, Omar Alberto</a:t>
-            </a:r>
-            <a:endParaRPr lang="es-PE" sz="1300" b="1" dirty="0" smtClean="0"/>
-          </a:p>
-          <a:p>
-            <a:pPr fontAlgn="auto">
-              <a:spcAft>
-                <a:spcPts val="0"/>
-              </a:spcAft>
-              <a:buFont typeface="Arial" pitchFamily="34" charset="0"/>
-              <a:buNone/>
-              <a:defRPr/>
-            </a:pPr>
-            <a:r>
-              <a:rPr lang="es-ES" sz="1300" b="1" dirty="0" smtClean="0"/>
-              <a:t>Gabriel Tuesta, Vanessa Vilma</a:t>
-            </a:r>
-            <a:endParaRPr lang="es-PE" sz="1300" b="1" dirty="0" smtClean="0"/>
-          </a:p>
-          <a:p>
-            <a:pPr fontAlgn="auto">
-              <a:spcAft>
-                <a:spcPts val="0"/>
-              </a:spcAft>
-              <a:buFont typeface="Arial" pitchFamily="34" charset="0"/>
-              <a:buNone/>
-              <a:defRPr/>
-            </a:pPr>
-            <a:r>
-              <a:rPr lang="es-ES" sz="1300" b="1" dirty="0" smtClean="0"/>
-              <a:t>Guevara Ramos, </a:t>
-            </a:r>
-            <a:r>
-              <a:rPr lang="es-ES" sz="1300" b="1" dirty="0" err="1" smtClean="0"/>
-              <a:t>Derwin</a:t>
-            </a:r>
-            <a:r>
-              <a:rPr lang="es-ES" sz="1300" b="1" dirty="0" smtClean="0"/>
-              <a:t> </a:t>
-            </a:r>
-            <a:r>
-              <a:rPr lang="es-ES" sz="1300" b="1" dirty="0" err="1" smtClean="0"/>
-              <a:t>Yusepi</a:t>
-            </a:r>
-            <a:endParaRPr lang="es-PE" sz="1300" b="1" dirty="0" smtClean="0"/>
-          </a:p>
-          <a:p>
-            <a:pPr fontAlgn="auto">
-              <a:spcAft>
-                <a:spcPts val="0"/>
-              </a:spcAft>
-              <a:buFont typeface="Arial" pitchFamily="34" charset="0"/>
-              <a:buNone/>
-              <a:defRPr/>
-            </a:pPr>
-            <a:r>
-              <a:rPr lang="es-ES" sz="1300" b="1" dirty="0" smtClean="0"/>
-              <a:t>Ortega </a:t>
-            </a:r>
-            <a:r>
-              <a:rPr lang="es-ES" sz="1300" b="1" dirty="0" err="1" smtClean="0"/>
-              <a:t>Alvarez</a:t>
-            </a:r>
-            <a:r>
-              <a:rPr lang="es-ES" sz="1300" b="1" dirty="0" smtClean="0"/>
-              <a:t>, </a:t>
-            </a:r>
-            <a:r>
-              <a:rPr lang="es-ES" sz="1300" b="1" dirty="0" err="1" smtClean="0"/>
-              <a:t>Ritchard</a:t>
-            </a:r>
-            <a:r>
-              <a:rPr lang="es-ES" sz="1300" b="1" dirty="0" smtClean="0"/>
-              <a:t> Eduardo</a:t>
-            </a:r>
-            <a:endParaRPr lang="es-PE" sz="1300" b="1" dirty="0"/>
+              <a:t>		          </a:t>
+            </a:r>
+            <a:r>
+              <a:rPr lang="es-ES" sz="1400" b="1" dirty="0" smtClean="0"/>
+              <a:t>Diciembre 10, 2011.</a:t>
+            </a:r>
+            <a:endParaRPr lang="es-PE" sz="1400" b="1" dirty="0"/>
           </a:p>
         </p:txBody>
       </p:sp>
       <p:grpSp>
         <p:nvGrpSpPr>
-          <p:cNvPr id="14339" name="8 Grupo"/>
-          <p:cNvGrpSpPr>
-            <a:grpSpLocks/>
-          </p:cNvGrpSpPr>
+          <p:cNvPr id="9" name="8 Grupo"/>
+          <p:cNvGrpSpPr/>
           <p:nvPr/>
         </p:nvGrpSpPr>
-        <p:grpSpPr bwMode="auto">
+        <p:grpSpPr>
           <a:xfrm>
             <a:off x="0" y="0"/>
-            <a:ext cx="8459788" cy="923925"/>
+            <a:ext cx="8460432" cy="923330"/>
             <a:chOff x="0" y="0"/>
             <a:chExt cx="8460432" cy="923330"/>
           </a:xfrm>
@@ -5374,52 +3640,56 @@
             </a:solidFill>
           </p:spPr>
           <p:txBody>
-            <a:bodyPr>
+            <a:bodyPr wrap="square" rtlCol="0">
               <a:spAutoFit/>
             </a:bodyPr>
             <a:lstStyle/>
             <a:p>
-              <a:pPr fontAlgn="auto">
-                <a:spcBef>
-                  <a:spcPts val="0"/>
-                </a:spcBef>
-                <a:spcAft>
-                  <a:spcPts val="0"/>
-                </a:spcAft>
-                <a:defRPr/>
-              </a:pPr>
               <a:r>
-                <a:rPr lang="es-PE" sz="3600" dirty="0">
+                <a:rPr lang="es-PE" sz="3600" dirty="0" smtClean="0">
                   <a:latin typeface="+mj-lt"/>
                 </a:rPr>
                 <a:t>	      </a:t>
               </a:r>
               <a:r>
-                <a:rPr lang="es-PE" sz="3600" b="1" dirty="0">
+                <a:rPr lang="es-PE" sz="3600" b="1" dirty="0" smtClean="0">
                   <a:latin typeface="+mj-lt"/>
                 </a:rPr>
                 <a:t>BASTANTEO DE PODERES</a:t>
               </a:r>
             </a:p>
             <a:p>
-              <a:pPr fontAlgn="auto">
-                <a:spcBef>
-                  <a:spcPts val="0"/>
-                </a:spcBef>
-                <a:spcAft>
-                  <a:spcPts val="0"/>
-                </a:spcAft>
-                <a:defRPr/>
-              </a:pPr>
-              <a:endParaRPr lang="es-ES" dirty="0">
-                <a:latin typeface="+mn-lt"/>
-              </a:endParaRPr>
+              <a:endParaRPr lang="es-ES" dirty="0"/>
             </a:p>
           </p:txBody>
         </p:sp>
         <p:pic>
           <p:nvPicPr>
-            <p:cNvPr id="14341" name="4 Imagen" descr="logo_java.png"/>
+            <p:cNvPr id="5" name="4 Imagen" descr="logo_java.png"/>
+            <p:cNvPicPr>
+              <a:picLocks noChangeAspect="1"/>
+            </p:cNvPicPr>
+            <p:nvPr/>
+          </p:nvPicPr>
+          <p:blipFill>
+            <a:blip r:embed="rId2" cstate="print"/>
+            <a:stretch>
+              <a:fillRect/>
+            </a:stretch>
+          </p:blipFill>
+          <p:spPr>
+            <a:xfrm>
+              <a:off x="7668344" y="0"/>
+              <a:ext cx="720080" cy="720080"/>
+            </a:xfrm>
+            <a:prstGeom prst="rect">
+              <a:avLst/>
+            </a:prstGeom>
+          </p:spPr>
+        </p:pic>
+        <p:pic>
+          <p:nvPicPr>
+            <p:cNvPr id="8" name="7 Imagen" descr="logo_epe.jpg"/>
             <p:cNvPicPr>
               <a:picLocks noChangeAspect="1"/>
             </p:cNvPicPr>
@@ -5427,44 +3697,11 @@
           </p:nvPicPr>
           <p:blipFill>
             <a:blip r:embed="rId3" cstate="print"/>
-            <a:srcRect/>
             <a:stretch>
               <a:fillRect/>
             </a:stretch>
           </p:blipFill>
-          <p:spPr bwMode="auto">
-            <a:xfrm>
-              <a:off x="7668344" y="0"/>
-              <a:ext cx="720080" cy="720080"/>
-            </a:xfrm>
-            <a:prstGeom prst="rect">
-              <a:avLst/>
-            </a:prstGeom>
-            <a:noFill/>
-            <a:ln w="9525">
-              <a:noFill/>
-              <a:miter lim="800000"/>
-              <a:headEnd/>
-              <a:tailEnd/>
-            </a:ln>
-          </p:spPr>
-        </p:pic>
-        <p:pic>
-          <p:nvPicPr>
-            <p:cNvPr id="14342" name="7 Imagen" descr="logo_epe.jpg"/>
-            <p:cNvPicPr>
-              <a:picLocks noChangeAspect="1"/>
-            </p:cNvPicPr>
-            <p:nvPr/>
-          </p:nvPicPr>
-          <p:blipFill>
-            <a:blip r:embed="rId4" cstate="print"/>
-            <a:srcRect/>
-            <a:stretch>
-              <a:fillRect/>
-            </a:stretch>
-          </p:blipFill>
-          <p:spPr bwMode="auto">
+          <p:spPr>
             <a:xfrm>
               <a:off x="0" y="0"/>
               <a:ext cx="695325" cy="885825"/>
@@ -5472,17 +3709,15 @@
             <a:prstGeom prst="rect">
               <a:avLst/>
             </a:prstGeom>
-            <a:noFill/>
-            <a:ln w="9525">
-              <a:noFill/>
-              <a:miter lim="800000"/>
-              <a:headEnd/>
-              <a:tailEnd/>
-            </a:ln>
           </p:spPr>
         </p:pic>
       </p:grpSp>
     </p:spTree>
+    <p:extLst>
+      <p:ext uri="{BB962C8B-B14F-4D97-AF65-F5344CB8AC3E}">
+        <p14:creationId xmlns="" xmlns:p14="http://schemas.microsoft.com/office/powerpoint/2010/main" val="4127172830"/>
+      </p:ext>
+    </p:extLst>
   </p:cSld>
   <p:clrMapOvr>
     <a:masterClrMapping/>
@@ -5514,25 +3749,57 @@
           <a:chExt cx="0" cy="0"/>
         </a:xfrm>
       </p:grpSpPr>
+      <p:pic>
+        <p:nvPicPr>
+          <p:cNvPr id="4" name="3 Imagen"/>
+          <p:cNvPicPr>
+            <a:picLocks noChangeAspect="1" noChangeArrowheads="1"/>
+          </p:cNvPicPr>
+          <p:nvPr/>
+        </p:nvPicPr>
+        <p:blipFill>
+          <a:blip r:embed="rId2" cstate="print"/>
+          <a:srcRect/>
+          <a:stretch>
+            <a:fillRect/>
+          </a:stretch>
+        </p:blipFill>
+        <p:spPr bwMode="auto">
+          <a:xfrm>
+            <a:off x="827584" y="1988840"/>
+            <a:ext cx="6979591" cy="3312368"/>
+          </a:xfrm>
+          <a:prstGeom prst="rect">
+            <a:avLst/>
+          </a:prstGeom>
+          <a:noFill/>
+          <a:ln w="57150">
+            <a:solidFill>
+              <a:srgbClr val="0070C0"/>
+            </a:solidFill>
+            <a:miter lim="800000"/>
+            <a:headEnd/>
+            <a:tailEnd/>
+          </a:ln>
+        </p:spPr>
+      </p:pic>
       <p:grpSp>
         <p:nvGrpSpPr>
-          <p:cNvPr id="26627" name="3 Grupo"/>
-          <p:cNvGrpSpPr>
-            <a:grpSpLocks/>
-          </p:cNvGrpSpPr>
+          <p:cNvPr id="5" name="4 Grupo"/>
+          <p:cNvGrpSpPr/>
           <p:nvPr/>
         </p:nvGrpSpPr>
-        <p:grpSpPr bwMode="auto">
+        <p:grpSpPr>
           <a:xfrm>
             <a:off x="0" y="0"/>
-            <a:ext cx="8459788" cy="923925"/>
+            <a:ext cx="8460432" cy="923330"/>
             <a:chOff x="0" y="0"/>
             <a:chExt cx="8460432" cy="923330"/>
           </a:xfrm>
         </p:grpSpPr>
         <p:sp>
           <p:nvSpPr>
-            <p:cNvPr id="5" name="4 CuadroTexto"/>
+            <p:cNvPr id="6" name="5 CuadroTexto"/>
             <p:cNvSpPr txBox="1"/>
             <p:nvPr/>
           </p:nvSpPr>
@@ -5549,52 +3816,32 @@
             </a:solidFill>
           </p:spPr>
           <p:txBody>
-            <a:bodyPr>
+            <a:bodyPr wrap="square" rtlCol="0">
               <a:spAutoFit/>
             </a:bodyPr>
             <a:lstStyle/>
             <a:p>
-              <a:pPr fontAlgn="auto">
-                <a:spcBef>
-                  <a:spcPts val="0"/>
-                </a:spcBef>
-                <a:spcAft>
-                  <a:spcPts val="0"/>
-                </a:spcAft>
-                <a:defRPr/>
-              </a:pPr>
               <a:r>
-                <a:rPr lang="es-PE" sz="3600" dirty="0">
+                <a:rPr lang="es-PE" sz="3600" dirty="0" smtClean="0">
                   <a:latin typeface="+mj-lt"/>
                 </a:rPr>
                 <a:t>	      </a:t>
               </a:r>
               <a:r>
-                <a:rPr lang="es-PE" sz="3600" b="1" dirty="0">
+                <a:rPr lang="es-PE" sz="3600" b="1" dirty="0" smtClean="0">
                   <a:latin typeface="+mj-lt"/>
                 </a:rPr>
                 <a:t>BASTANTEO DE PODERES</a:t>
               </a:r>
             </a:p>
             <a:p>
-              <a:pPr fontAlgn="auto">
-                <a:spcBef>
-                  <a:spcPts val="0"/>
-                </a:spcBef>
-                <a:spcAft>
-                  <a:spcPts val="0"/>
-                </a:spcAft>
-                <a:defRPr/>
-              </a:pPr>
-              <a:endParaRPr lang="es-ES" dirty="0">
-                <a:latin typeface="+mn-lt"/>
-              </a:endParaRPr>
+              <a:endParaRPr lang="es-ES" dirty="0"/>
             </a:p>
           </p:txBody>
         </p:sp>
         <p:pic>
           <p:nvPicPr>
-            <p:cNvPr id="26629" name="5 Imagen" descr="logo_java.png"/>
+            <p:cNvPr id="7" name="6 Imagen" descr="logo_java.png"/>
             <p:cNvPicPr>
               <a:picLocks noChangeAspect="1"/>
             </p:cNvPicPr>
@@ -5602,12 +3849,11 @@
           </p:nvPicPr>
           <p:blipFill>
             <a:blip r:embed="rId3" cstate="print"/>
-            <a:srcRect/>
             <a:stretch>
               <a:fillRect/>
             </a:stretch>
           </p:blipFill>
-          <p:spPr bwMode="auto">
+          <p:spPr>
             <a:xfrm>
               <a:off x="7668344" y="0"/>
               <a:ext cx="720080" cy="720080"/>
@@ -5615,18 +3861,11 @@
             <a:prstGeom prst="rect">
               <a:avLst/>
             </a:prstGeom>
-            <a:noFill/>
-            <a:ln w="9525">
-              <a:noFill/>
-              <a:miter lim="800000"/>
-              <a:headEnd/>
-              <a:tailEnd/>
-            </a:ln>
           </p:spPr>
         </p:pic>
         <p:pic>
           <p:nvPicPr>
-            <p:cNvPr id="26630" name="6 Imagen" descr="logo_epe.jpg"/>
+            <p:cNvPr id="8" name="7 Imagen" descr="logo_epe.jpg"/>
             <p:cNvPicPr>
               <a:picLocks noChangeAspect="1"/>
             </p:cNvPicPr>
@@ -5634,12 +3873,11 @@
           </p:nvPicPr>
           <p:blipFill>
             <a:blip r:embed="rId4" cstate="print"/>
-            <a:srcRect/>
             <a:stretch>
               <a:fillRect/>
             </a:stretch>
           </p:blipFill>
-          <p:spPr bwMode="auto">
+          <p:spPr>
             <a:xfrm>
               <a:off x="0" y="0"/>
               <a:ext cx="695325" cy="885825"/>
@@ -5647,42 +3885,47 @@
             <a:prstGeom prst="rect">
               <a:avLst/>
             </a:prstGeom>
-            <a:noFill/>
-            <a:ln w="9525">
-              <a:noFill/>
-              <a:miter lim="800000"/>
-              <a:headEnd/>
-              <a:tailEnd/>
-            </a:ln>
           </p:spPr>
         </p:pic>
       </p:grpSp>
-      <p:pic>
-        <p:nvPicPr>
-          <p:cNvPr id="26631" name="Picture 7" descr="diagrama de clases"/>
-          <p:cNvPicPr>
-            <a:picLocks noChangeAspect="1" noChangeArrowheads="1"/>
-          </p:cNvPicPr>
+      <p:sp>
+        <p:nvSpPr>
+          <p:cNvPr id="9" name="5 CuadroTexto"/>
+          <p:cNvSpPr txBox="1">
+            <a:spLocks noChangeArrowheads="1"/>
+          </p:cNvSpPr>
           <p:nvPr/>
-        </p:nvPicPr>
-        <p:blipFill>
-          <a:blip r:embed="rId5" cstate="print"/>
-          <a:srcRect b="10922"/>
-          <a:stretch>
-            <a:fillRect/>
-          </a:stretch>
-        </p:blipFill>
+        </p:nvSpPr>
         <p:spPr bwMode="auto">
           <a:xfrm>
-            <a:off x="1763713" y="981075"/>
-            <a:ext cx="4995862" cy="5256213"/>
+            <a:off x="683568" y="1268760"/>
+            <a:ext cx="3889375" cy="369888"/>
           </a:xfrm>
           <a:prstGeom prst="rect">
             <a:avLst/>
           </a:prstGeom>
           <a:noFill/>
+          <a:ln w="9525">
+            <a:noFill/>
+            <a:miter lim="800000"/>
+            <a:headEnd/>
+            <a:tailEnd/>
+          </a:ln>
         </p:spPr>
-      </p:pic>
+        <p:txBody>
+          <a:bodyPr>
+            <a:spAutoFit/>
+          </a:bodyPr>
+          <a:lstStyle/>
+          <a:p>
+            <a:r>
+              <a:rPr lang="es-PE" b="1" dirty="0" smtClean="0"/>
+              <a:t>Esquema del proyecto</a:t>
+            </a:r>
+            <a:endParaRPr lang="es-PE" b="1" u="sng" dirty="0"/>
+          </a:p>
+        </p:txBody>
+      </p:sp>
     </p:spTree>
   </p:cSld>
   <p:clrMapOvr>
@@ -5715,50 +3958,16 @@
           <a:chExt cx="0" cy="0"/>
         </a:xfrm>
       </p:grpSpPr>
-      <p:pic>
-        <p:nvPicPr>
-          <p:cNvPr id="23553" name="Picture 2"/>
-          <p:cNvPicPr>
-            <a:picLocks noChangeAspect="1" noChangeArrowheads="1"/>
-          </p:cNvPicPr>
-          <p:nvPr/>
-        </p:nvPicPr>
-        <p:blipFill>
-          <a:blip r:embed="rId3" cstate="print"/>
-          <a:srcRect/>
-          <a:stretch>
-            <a:fillRect/>
-          </a:stretch>
-        </p:blipFill>
-        <p:spPr bwMode="auto">
-          <a:xfrm>
-            <a:off x="111125" y="1628775"/>
-            <a:ext cx="8258175" cy="4464050"/>
-          </a:xfrm>
-          <a:prstGeom prst="rect">
-            <a:avLst/>
-          </a:prstGeom>
-          <a:noFill/>
-          <a:ln w="9525">
-            <a:noFill/>
-            <a:miter lim="800000"/>
-            <a:headEnd/>
-            <a:tailEnd/>
-          </a:ln>
-        </p:spPr>
-      </p:pic>
       <p:grpSp>
         <p:nvGrpSpPr>
-          <p:cNvPr id="23554" name="5 Grupo"/>
-          <p:cNvGrpSpPr>
-            <a:grpSpLocks/>
-          </p:cNvGrpSpPr>
+          <p:cNvPr id="6" name="5 Grupo"/>
+          <p:cNvGrpSpPr/>
           <p:nvPr/>
         </p:nvGrpSpPr>
-        <p:grpSpPr bwMode="auto">
+        <p:grpSpPr>
           <a:xfrm>
             <a:off x="0" y="0"/>
-            <a:ext cx="8459788" cy="923925"/>
+            <a:ext cx="8460432" cy="923330"/>
             <a:chOff x="0" y="0"/>
             <a:chExt cx="8460432" cy="923330"/>
           </a:xfrm>
@@ -5782,65 +3991,44 @@
             </a:solidFill>
           </p:spPr>
           <p:txBody>
-            <a:bodyPr>
+            <a:bodyPr wrap="square" rtlCol="0">
               <a:spAutoFit/>
             </a:bodyPr>
             <a:lstStyle/>
             <a:p>
-              <a:pPr fontAlgn="auto">
-                <a:spcBef>
-                  <a:spcPts val="0"/>
-                </a:spcBef>
-                <a:spcAft>
-                  <a:spcPts val="0"/>
-                </a:spcAft>
-                <a:defRPr/>
-              </a:pPr>
               <a:r>
-                <a:rPr lang="es-PE" sz="3600" dirty="0">
+                <a:rPr lang="es-PE" sz="3600" dirty="0" smtClean="0">
                   <a:latin typeface="+mj-lt"/>
                 </a:rPr>
                 <a:t>	      </a:t>
               </a:r>
               <a:r>
-                <a:rPr lang="es-PE" sz="3600" b="1" dirty="0">
+                <a:rPr lang="es-PE" sz="3600" b="1" dirty="0" smtClean="0">
                   <a:latin typeface="+mj-lt"/>
                 </a:rPr>
                 <a:t>BASTANTEO DE PODERES</a:t>
               </a:r>
             </a:p>
             <a:p>
-              <a:pPr fontAlgn="auto">
-                <a:spcBef>
-                  <a:spcPts val="0"/>
-                </a:spcBef>
-                <a:spcAft>
-                  <a:spcPts val="0"/>
-                </a:spcAft>
-                <a:defRPr/>
-              </a:pPr>
-              <a:endParaRPr lang="es-ES" dirty="0">
-                <a:latin typeface="+mn-lt"/>
-              </a:endParaRPr>
+              <a:endParaRPr lang="es-ES" dirty="0"/>
             </a:p>
           </p:txBody>
         </p:sp>
         <p:pic>
           <p:nvPicPr>
-            <p:cNvPr id="23556" name="7 Imagen" descr="logo_java.png"/>
+            <p:cNvPr id="8" name="7 Imagen" descr="logo_java.png"/>
             <p:cNvPicPr>
               <a:picLocks noChangeAspect="1"/>
             </p:cNvPicPr>
             <p:nvPr/>
           </p:nvPicPr>
           <p:blipFill>
-            <a:blip r:embed="rId4" cstate="print"/>
-            <a:srcRect/>
+            <a:blip r:embed="rId2" cstate="print"/>
             <a:stretch>
               <a:fillRect/>
             </a:stretch>
           </p:blipFill>
-          <p:spPr bwMode="auto">
+          <p:spPr>
             <a:xfrm>
               <a:off x="7668344" y="0"/>
               <a:ext cx="720080" cy="720080"/>
@@ -5848,31 +4036,23 @@
             <a:prstGeom prst="rect">
               <a:avLst/>
             </a:prstGeom>
-            <a:noFill/>
-            <a:ln w="9525">
-              <a:noFill/>
-              <a:miter lim="800000"/>
-              <a:headEnd/>
-              <a:tailEnd/>
-            </a:ln>
           </p:spPr>
         </p:pic>
         <p:pic>
           <p:nvPicPr>
-            <p:cNvPr id="23557" name="8 Imagen" descr="logo_epe.jpg"/>
+            <p:cNvPr id="9" name="8 Imagen" descr="logo_epe.jpg"/>
             <p:cNvPicPr>
               <a:picLocks noChangeAspect="1"/>
             </p:cNvPicPr>
             <p:nvPr/>
           </p:nvPicPr>
           <p:blipFill>
-            <a:blip r:embed="rId5" cstate="print"/>
-            <a:srcRect/>
+            <a:blip r:embed="rId3" cstate="print"/>
             <a:stretch>
               <a:fillRect/>
             </a:stretch>
           </p:blipFill>
-          <p:spPr bwMode="auto">
+          <p:spPr>
             <a:xfrm>
               <a:off x="0" y="0"/>
               <a:ext cx="695325" cy="885825"/>
@@ -5880,16 +4060,40 @@
             <a:prstGeom prst="rect">
               <a:avLst/>
             </a:prstGeom>
-            <a:noFill/>
-            <a:ln w="9525">
-              <a:noFill/>
-              <a:miter lim="800000"/>
-              <a:headEnd/>
-              <a:tailEnd/>
-            </a:ln>
           </p:spPr>
         </p:pic>
       </p:grpSp>
+      <p:pic>
+        <p:nvPicPr>
+          <p:cNvPr id="12" name="Picture 6"/>
+          <p:cNvPicPr>
+            <a:picLocks noChangeAspect="1" noChangeArrowheads="1"/>
+          </p:cNvPicPr>
+          <p:nvPr/>
+        </p:nvPicPr>
+        <p:blipFill>
+          <a:blip r:embed="rId4" cstate="print"/>
+          <a:srcRect/>
+          <a:stretch>
+            <a:fillRect/>
+          </a:stretch>
+        </p:blipFill>
+        <p:spPr bwMode="auto">
+          <a:xfrm>
+            <a:off x="179512" y="1556792"/>
+            <a:ext cx="8181975" cy="4533900"/>
+          </a:xfrm>
+          <a:prstGeom prst="rect">
+            <a:avLst/>
+          </a:prstGeom>
+          <a:noFill/>
+          <a:ln w="38100">
+            <a:solidFill>
+              <a:schemeClr val="accent1"/>
+            </a:solidFill>
+          </a:ln>
+        </p:spPr>
+      </p:pic>
     </p:spTree>
   </p:cSld>
   <p:clrMapOvr>
@@ -5922,67 +4126,50 @@
           <a:chExt cx="0" cy="0"/>
         </a:xfrm>
       </p:grpSpPr>
-      <p:sp>
-        <p:nvSpPr>
-          <p:cNvPr id="24577" name="Rectangle 6"/>
-          <p:cNvSpPr>
-            <a:spLocks noChangeArrowheads="1"/>
-          </p:cNvSpPr>
+      <p:pic>
+        <p:nvPicPr>
+          <p:cNvPr id="1026" name="Imagen 4"/>
+          <p:cNvPicPr>
+            <a:picLocks noChangeAspect="1" noChangeArrowheads="1"/>
+          </p:cNvPicPr>
           <p:nvPr/>
-        </p:nvSpPr>
+        </p:nvPicPr>
+        <p:blipFill>
+          <a:blip r:embed="rId2" cstate="print"/>
+          <a:srcRect/>
+          <a:stretch>
+            <a:fillRect/>
+          </a:stretch>
+        </p:blipFill>
         <p:spPr bwMode="auto">
           <a:xfrm>
-            <a:off x="539750" y="3068638"/>
-            <a:ext cx="7772400" cy="923925"/>
+            <a:off x="539552" y="1844824"/>
+            <a:ext cx="7560840" cy="4500500"/>
           </a:xfrm>
           <a:prstGeom prst="rect">
             <a:avLst/>
           </a:prstGeom>
           <a:noFill/>
-          <a:ln w="9525">
-            <a:noFill/>
+          <a:ln w="57150">
+            <a:solidFill>
+              <a:srgbClr val="0070C0"/>
+            </a:solidFill>
             <a:miter lim="800000"/>
             <a:headEnd/>
             <a:tailEnd/>
           </a:ln>
         </p:spPr>
-        <p:txBody>
-          <a:bodyPr lIns="92075" tIns="46038" rIns="92075" bIns="46038">
-            <a:spAutoFit/>
-          </a:bodyPr>
-          <a:lstStyle/>
-          <a:p>
-            <a:pPr algn="ctr"/>
-            <a:r>
-              <a:rPr lang="es-ES_tradnl" sz="5400" b="1">
-                <a:solidFill>
-                  <a:srgbClr val="C00000"/>
-                </a:solidFill>
-                <a:latin typeface="Calibri" pitchFamily="34" charset="0"/>
-              </a:rPr>
-              <a:t>Muchas Gracias!</a:t>
-            </a:r>
-            <a:endParaRPr lang="en-US" sz="5400" b="1">
-              <a:solidFill>
-                <a:srgbClr val="C00000"/>
-              </a:solidFill>
-              <a:latin typeface="Calibri" pitchFamily="34" charset="0"/>
-            </a:endParaRPr>
-          </a:p>
-        </p:txBody>
-      </p:sp>
+      </p:pic>
       <p:grpSp>
         <p:nvGrpSpPr>
-          <p:cNvPr id="24578" name="5 Grupo"/>
-          <p:cNvGrpSpPr>
-            <a:grpSpLocks/>
-          </p:cNvGrpSpPr>
+          <p:cNvPr id="6" name="5 Grupo"/>
+          <p:cNvGrpSpPr/>
           <p:nvPr/>
         </p:nvGrpSpPr>
-        <p:grpSpPr bwMode="auto">
+        <p:grpSpPr>
           <a:xfrm>
             <a:off x="0" y="0"/>
-            <a:ext cx="8459788" cy="923925"/>
+            <a:ext cx="8460432" cy="923330"/>
             <a:chOff x="0" y="0"/>
             <a:chExt cx="8460432" cy="923330"/>
           </a:xfrm>
@@ -6006,52 +4193,32 @@
             </a:solidFill>
           </p:spPr>
           <p:txBody>
-            <a:bodyPr>
+            <a:bodyPr wrap="square" rtlCol="0">
               <a:spAutoFit/>
             </a:bodyPr>
             <a:lstStyle/>
             <a:p>
-              <a:pPr fontAlgn="auto">
-                <a:spcBef>
-                  <a:spcPts val="0"/>
-                </a:spcBef>
-                <a:spcAft>
-                  <a:spcPts val="0"/>
-                </a:spcAft>
-                <a:defRPr/>
-              </a:pPr>
               <a:r>
-                <a:rPr lang="es-PE" sz="3600" dirty="0">
+                <a:rPr lang="es-PE" sz="3600" dirty="0" smtClean="0">
                   <a:latin typeface="+mj-lt"/>
                 </a:rPr>
                 <a:t>	      </a:t>
               </a:r>
               <a:r>
-                <a:rPr lang="es-PE" sz="3600" b="1" dirty="0">
+                <a:rPr lang="es-PE" sz="3600" b="1" dirty="0" smtClean="0">
                   <a:latin typeface="+mj-lt"/>
                 </a:rPr>
                 <a:t>BASTANTEO DE PODERES</a:t>
               </a:r>
             </a:p>
             <a:p>
-              <a:pPr fontAlgn="auto">
-                <a:spcBef>
-                  <a:spcPts val="0"/>
-                </a:spcBef>
-                <a:spcAft>
-                  <a:spcPts val="0"/>
-                </a:spcAft>
-                <a:defRPr/>
-              </a:pPr>
-              <a:endParaRPr lang="es-ES" dirty="0">
-                <a:latin typeface="+mn-lt"/>
-              </a:endParaRPr>
+              <a:endParaRPr lang="es-ES" dirty="0"/>
             </a:p>
           </p:txBody>
         </p:sp>
         <p:pic>
           <p:nvPicPr>
-            <p:cNvPr id="24580" name="7 Imagen" descr="logo_java.png"/>
+            <p:cNvPr id="8" name="7 Imagen" descr="logo_java.png"/>
             <p:cNvPicPr>
               <a:picLocks noChangeAspect="1"/>
             </p:cNvPicPr>
@@ -6059,12 +4226,11 @@
           </p:nvPicPr>
           <p:blipFill>
             <a:blip r:embed="rId3" cstate="print"/>
-            <a:srcRect/>
             <a:stretch>
               <a:fillRect/>
             </a:stretch>
           </p:blipFill>
-          <p:spPr bwMode="auto">
+          <p:spPr>
             <a:xfrm>
               <a:off x="7668344" y="0"/>
               <a:ext cx="720080" cy="720080"/>
@@ -6072,18 +4238,11 @@
             <a:prstGeom prst="rect">
               <a:avLst/>
             </a:prstGeom>
-            <a:noFill/>
-            <a:ln w="9525">
-              <a:noFill/>
-              <a:miter lim="800000"/>
-              <a:headEnd/>
-              <a:tailEnd/>
-            </a:ln>
           </p:spPr>
         </p:pic>
         <p:pic>
           <p:nvPicPr>
-            <p:cNvPr id="24581" name="8 Imagen" descr="logo_epe.jpg"/>
+            <p:cNvPr id="9" name="8 Imagen" descr="logo_epe.jpg"/>
             <p:cNvPicPr>
               <a:picLocks noChangeAspect="1"/>
             </p:cNvPicPr>
@@ -6091,12 +4250,11 @@
           </p:nvPicPr>
           <p:blipFill>
             <a:blip r:embed="rId4" cstate="print"/>
-            <a:srcRect/>
             <a:stretch>
               <a:fillRect/>
             </a:stretch>
           </p:blipFill>
-          <p:spPr bwMode="auto">
+          <p:spPr>
             <a:xfrm>
               <a:off x="0" y="0"/>
               <a:ext cx="695325" cy="885825"/>
@@ -6104,16 +4262,674 @@
             <a:prstGeom prst="rect">
               <a:avLst/>
             </a:prstGeom>
-            <a:noFill/>
-            <a:ln w="9525">
-              <a:noFill/>
-              <a:miter lim="800000"/>
-              <a:headEnd/>
-              <a:tailEnd/>
-            </a:ln>
           </p:spPr>
         </p:pic>
       </p:grpSp>
+      <p:sp>
+        <p:nvSpPr>
+          <p:cNvPr id="10" name="5 CuadroTexto"/>
+          <p:cNvSpPr txBox="1">
+            <a:spLocks noChangeArrowheads="1"/>
+          </p:cNvSpPr>
+          <p:nvPr/>
+        </p:nvSpPr>
+        <p:spPr bwMode="auto">
+          <a:xfrm>
+            <a:off x="251520" y="1052736"/>
+            <a:ext cx="3889375" cy="369888"/>
+          </a:xfrm>
+          <a:prstGeom prst="rect">
+            <a:avLst/>
+          </a:prstGeom>
+          <a:noFill/>
+          <a:ln w="9525">
+            <a:noFill/>
+            <a:miter lim="800000"/>
+            <a:headEnd/>
+            <a:tailEnd/>
+          </a:ln>
+        </p:spPr>
+        <p:txBody>
+          <a:bodyPr>
+            <a:spAutoFit/>
+          </a:bodyPr>
+          <a:lstStyle/>
+          <a:p>
+            <a:r>
+              <a:rPr lang="es-PE" b="1" dirty="0" smtClean="0"/>
+              <a:t>Representación de ENTIDADES</a:t>
+            </a:r>
+            <a:endParaRPr lang="es-PE" b="1" u="sng" dirty="0"/>
+          </a:p>
+        </p:txBody>
+      </p:sp>
+    </p:spTree>
+  </p:cSld>
+  <p:clrMapOvr>
+    <a:masterClrMapping/>
+  </p:clrMapOvr>
+  <p:timing>
+    <p:tnLst>
+      <p:par>
+        <p:cTn id="1" dur="indefinite" restart="never" nodeType="tmRoot"/>
+      </p:par>
+    </p:tnLst>
+  </p:timing>
+</p:sld>
+</file>
+
+<file path=ppt/slides/slide13.xml><?xml version="1.0" encoding="utf-8"?>
+<p:sld xmlns:a="http://schemas.openxmlformats.org/drawingml/2006/main" xmlns:r="http://schemas.openxmlformats.org/officeDocument/2006/relationships" xmlns:p="http://schemas.openxmlformats.org/presentationml/2006/main">
+  <p:cSld>
+    <p:spTree>
+      <p:nvGrpSpPr>
+        <p:cNvPr id="1" name=""/>
+        <p:cNvGrpSpPr/>
+        <p:nvPr/>
+      </p:nvGrpSpPr>
+      <p:grpSpPr>
+        <a:xfrm>
+          <a:off x="0" y="0"/>
+          <a:ext cx="0" cy="0"/>
+          <a:chOff x="0" y="0"/>
+          <a:chExt cx="0" cy="0"/>
+        </a:xfrm>
+      </p:grpSpPr>
+      <p:grpSp>
+        <p:nvGrpSpPr>
+          <p:cNvPr id="6" name="5 Grupo"/>
+          <p:cNvGrpSpPr/>
+          <p:nvPr/>
+        </p:nvGrpSpPr>
+        <p:grpSpPr>
+          <a:xfrm>
+            <a:off x="0" y="0"/>
+            <a:ext cx="8460432" cy="923330"/>
+            <a:chOff x="0" y="0"/>
+            <a:chExt cx="8460432" cy="923330"/>
+          </a:xfrm>
+        </p:grpSpPr>
+        <p:sp>
+          <p:nvSpPr>
+            <p:cNvPr id="7" name="6 CuadroTexto"/>
+            <p:cNvSpPr txBox="1"/>
+            <p:nvPr/>
+          </p:nvSpPr>
+          <p:spPr>
+            <a:xfrm>
+              <a:off x="0" y="0"/>
+              <a:ext cx="8460432" cy="923330"/>
+            </a:xfrm>
+            <a:prstGeom prst="rect">
+              <a:avLst/>
+            </a:prstGeom>
+            <a:solidFill>
+              <a:srgbClr val="FFC000"/>
+            </a:solidFill>
+          </p:spPr>
+          <p:txBody>
+            <a:bodyPr wrap="square" rtlCol="0">
+              <a:spAutoFit/>
+            </a:bodyPr>
+            <a:lstStyle/>
+            <a:p>
+              <a:r>
+                <a:rPr lang="es-PE" sz="3600" dirty="0" smtClean="0">
+                  <a:latin typeface="+mj-lt"/>
+                </a:rPr>
+                <a:t>	      </a:t>
+              </a:r>
+              <a:r>
+                <a:rPr lang="es-PE" sz="3600" b="1" dirty="0" smtClean="0">
+                  <a:latin typeface="+mj-lt"/>
+                </a:rPr>
+                <a:t>BASTANTEO DE PODERES</a:t>
+              </a:r>
+            </a:p>
+            <a:p>
+              <a:endParaRPr lang="es-ES" dirty="0"/>
+            </a:p>
+          </p:txBody>
+        </p:sp>
+        <p:pic>
+          <p:nvPicPr>
+            <p:cNvPr id="8" name="7 Imagen" descr="logo_java.png"/>
+            <p:cNvPicPr>
+              <a:picLocks noChangeAspect="1"/>
+            </p:cNvPicPr>
+            <p:nvPr/>
+          </p:nvPicPr>
+          <p:blipFill>
+            <a:blip r:embed="rId2" cstate="print"/>
+            <a:stretch>
+              <a:fillRect/>
+            </a:stretch>
+          </p:blipFill>
+          <p:spPr>
+            <a:xfrm>
+              <a:off x="7668344" y="0"/>
+              <a:ext cx="720080" cy="720080"/>
+            </a:xfrm>
+            <a:prstGeom prst="rect">
+              <a:avLst/>
+            </a:prstGeom>
+          </p:spPr>
+        </p:pic>
+        <p:pic>
+          <p:nvPicPr>
+            <p:cNvPr id="9" name="8 Imagen" descr="logo_epe.jpg"/>
+            <p:cNvPicPr>
+              <a:picLocks noChangeAspect="1"/>
+            </p:cNvPicPr>
+            <p:nvPr/>
+          </p:nvPicPr>
+          <p:blipFill>
+            <a:blip r:embed="rId3" cstate="print"/>
+            <a:stretch>
+              <a:fillRect/>
+            </a:stretch>
+          </p:blipFill>
+          <p:spPr>
+            <a:xfrm>
+              <a:off x="0" y="0"/>
+              <a:ext cx="695325" cy="885825"/>
+            </a:xfrm>
+            <a:prstGeom prst="rect">
+              <a:avLst/>
+            </a:prstGeom>
+          </p:spPr>
+        </p:pic>
+      </p:grpSp>
+      <p:pic>
+        <p:nvPicPr>
+          <p:cNvPr id="1026" name="Imagen 1"/>
+          <p:cNvPicPr>
+            <a:picLocks noChangeAspect="1" noChangeArrowheads="1"/>
+          </p:cNvPicPr>
+          <p:nvPr/>
+        </p:nvPicPr>
+        <p:blipFill>
+          <a:blip r:embed="rId4" cstate="print"/>
+          <a:srcRect/>
+          <a:stretch>
+            <a:fillRect/>
+          </a:stretch>
+        </p:blipFill>
+        <p:spPr bwMode="auto">
+          <a:xfrm>
+            <a:off x="323528" y="1556792"/>
+            <a:ext cx="7551124" cy="5040560"/>
+          </a:xfrm>
+          <a:prstGeom prst="rect">
+            <a:avLst/>
+          </a:prstGeom>
+          <a:noFill/>
+          <a:ln w="38100">
+            <a:solidFill>
+              <a:srgbClr val="0070C0"/>
+            </a:solidFill>
+            <a:miter lim="800000"/>
+            <a:headEnd/>
+            <a:tailEnd/>
+          </a:ln>
+        </p:spPr>
+      </p:pic>
+      <p:sp>
+        <p:nvSpPr>
+          <p:cNvPr id="10" name="5 CuadroTexto"/>
+          <p:cNvSpPr txBox="1">
+            <a:spLocks noChangeArrowheads="1"/>
+          </p:cNvSpPr>
+          <p:nvPr/>
+        </p:nvSpPr>
+        <p:spPr bwMode="auto">
+          <a:xfrm>
+            <a:off x="251520" y="1052736"/>
+            <a:ext cx="3889375" cy="369888"/>
+          </a:xfrm>
+          <a:prstGeom prst="rect">
+            <a:avLst/>
+          </a:prstGeom>
+          <a:noFill/>
+          <a:ln w="9525">
+            <a:noFill/>
+            <a:miter lim="800000"/>
+            <a:headEnd/>
+            <a:tailEnd/>
+          </a:ln>
+        </p:spPr>
+        <p:txBody>
+          <a:bodyPr>
+            <a:spAutoFit/>
+          </a:bodyPr>
+          <a:lstStyle/>
+          <a:p>
+            <a:r>
+              <a:rPr lang="es-PE" b="1" dirty="0" smtClean="0"/>
+              <a:t>Diagrama UML</a:t>
+            </a:r>
+            <a:endParaRPr lang="es-PE" b="1" u="sng" dirty="0"/>
+          </a:p>
+        </p:txBody>
+      </p:sp>
+    </p:spTree>
+  </p:cSld>
+  <p:clrMapOvr>
+    <a:masterClrMapping/>
+  </p:clrMapOvr>
+  <p:timing>
+    <p:tnLst>
+      <p:par>
+        <p:cTn id="1" dur="indefinite" restart="never" nodeType="tmRoot"/>
+      </p:par>
+    </p:tnLst>
+  </p:timing>
+</p:sld>
+</file>
+
+<file path=ppt/slides/slide14.xml><?xml version="1.0" encoding="utf-8"?>
+<p:sld xmlns:a="http://schemas.openxmlformats.org/drawingml/2006/main" xmlns:r="http://schemas.openxmlformats.org/officeDocument/2006/relationships" xmlns:p="http://schemas.openxmlformats.org/presentationml/2006/main">
+  <p:cSld>
+    <p:spTree>
+      <p:nvGrpSpPr>
+        <p:cNvPr id="1" name=""/>
+        <p:cNvGrpSpPr/>
+        <p:nvPr/>
+      </p:nvGrpSpPr>
+      <p:grpSpPr>
+        <a:xfrm>
+          <a:off x="0" y="0"/>
+          <a:ext cx="0" cy="0"/>
+          <a:chOff x="0" y="0"/>
+          <a:chExt cx="0" cy="0"/>
+        </a:xfrm>
+      </p:grpSpPr>
+      <p:pic>
+        <p:nvPicPr>
+          <p:cNvPr id="2050" name="Imagen 1"/>
+          <p:cNvPicPr>
+            <a:picLocks noChangeAspect="1" noChangeArrowheads="1"/>
+          </p:cNvPicPr>
+          <p:nvPr/>
+        </p:nvPicPr>
+        <p:blipFill>
+          <a:blip r:embed="rId2" cstate="print"/>
+          <a:srcRect/>
+          <a:stretch>
+            <a:fillRect/>
+          </a:stretch>
+        </p:blipFill>
+        <p:spPr bwMode="auto">
+          <a:xfrm>
+            <a:off x="1619672" y="1556792"/>
+            <a:ext cx="5184576" cy="5040560"/>
+          </a:xfrm>
+          <a:prstGeom prst="rect">
+            <a:avLst/>
+          </a:prstGeom>
+          <a:noFill/>
+          <a:ln w="57150">
+            <a:solidFill>
+              <a:srgbClr val="0070C0"/>
+            </a:solidFill>
+            <a:miter lim="800000"/>
+            <a:headEnd/>
+            <a:tailEnd/>
+          </a:ln>
+        </p:spPr>
+      </p:pic>
+      <p:grpSp>
+        <p:nvGrpSpPr>
+          <p:cNvPr id="5" name="4 Grupo"/>
+          <p:cNvGrpSpPr/>
+          <p:nvPr/>
+        </p:nvGrpSpPr>
+        <p:grpSpPr>
+          <a:xfrm>
+            <a:off x="0" y="0"/>
+            <a:ext cx="8460432" cy="923330"/>
+            <a:chOff x="0" y="0"/>
+            <a:chExt cx="8460432" cy="923330"/>
+          </a:xfrm>
+        </p:grpSpPr>
+        <p:sp>
+          <p:nvSpPr>
+            <p:cNvPr id="6" name="5 CuadroTexto"/>
+            <p:cNvSpPr txBox="1"/>
+            <p:nvPr/>
+          </p:nvSpPr>
+          <p:spPr>
+            <a:xfrm>
+              <a:off x="0" y="0"/>
+              <a:ext cx="8460432" cy="923330"/>
+            </a:xfrm>
+            <a:prstGeom prst="rect">
+              <a:avLst/>
+            </a:prstGeom>
+            <a:solidFill>
+              <a:srgbClr val="FFC000"/>
+            </a:solidFill>
+          </p:spPr>
+          <p:txBody>
+            <a:bodyPr wrap="square" rtlCol="0">
+              <a:spAutoFit/>
+            </a:bodyPr>
+            <a:lstStyle/>
+            <a:p>
+              <a:r>
+                <a:rPr lang="es-PE" sz="3600" dirty="0" smtClean="0">
+                  <a:latin typeface="+mj-lt"/>
+                </a:rPr>
+                <a:t>	      </a:t>
+              </a:r>
+              <a:r>
+                <a:rPr lang="es-PE" sz="3600" b="1" dirty="0" smtClean="0">
+                  <a:latin typeface="+mj-lt"/>
+                </a:rPr>
+                <a:t>BASTANTEO DE PODERES</a:t>
+              </a:r>
+            </a:p>
+            <a:p>
+              <a:endParaRPr lang="es-ES" dirty="0"/>
+            </a:p>
+          </p:txBody>
+        </p:sp>
+        <p:pic>
+          <p:nvPicPr>
+            <p:cNvPr id="7" name="6 Imagen" descr="logo_java.png"/>
+            <p:cNvPicPr>
+              <a:picLocks noChangeAspect="1"/>
+            </p:cNvPicPr>
+            <p:nvPr/>
+          </p:nvPicPr>
+          <p:blipFill>
+            <a:blip r:embed="rId3" cstate="print"/>
+            <a:stretch>
+              <a:fillRect/>
+            </a:stretch>
+          </p:blipFill>
+          <p:spPr>
+            <a:xfrm>
+              <a:off x="7668344" y="0"/>
+              <a:ext cx="720080" cy="720080"/>
+            </a:xfrm>
+            <a:prstGeom prst="rect">
+              <a:avLst/>
+            </a:prstGeom>
+          </p:spPr>
+        </p:pic>
+        <p:pic>
+          <p:nvPicPr>
+            <p:cNvPr id="8" name="7 Imagen" descr="logo_epe.jpg"/>
+            <p:cNvPicPr>
+              <a:picLocks noChangeAspect="1"/>
+            </p:cNvPicPr>
+            <p:nvPr/>
+          </p:nvPicPr>
+          <p:blipFill>
+            <a:blip r:embed="rId4" cstate="print"/>
+            <a:stretch>
+              <a:fillRect/>
+            </a:stretch>
+          </p:blipFill>
+          <p:spPr>
+            <a:xfrm>
+              <a:off x="0" y="0"/>
+              <a:ext cx="695325" cy="885825"/>
+            </a:xfrm>
+            <a:prstGeom prst="rect">
+              <a:avLst/>
+            </a:prstGeom>
+          </p:spPr>
+        </p:pic>
+      </p:grpSp>
+      <p:sp>
+        <p:nvSpPr>
+          <p:cNvPr id="9" name="5 CuadroTexto"/>
+          <p:cNvSpPr txBox="1">
+            <a:spLocks noChangeArrowheads="1"/>
+          </p:cNvSpPr>
+          <p:nvPr/>
+        </p:nvSpPr>
+        <p:spPr bwMode="auto">
+          <a:xfrm>
+            <a:off x="683568" y="1052736"/>
+            <a:ext cx="3889375" cy="369888"/>
+          </a:xfrm>
+          <a:prstGeom prst="rect">
+            <a:avLst/>
+          </a:prstGeom>
+          <a:noFill/>
+          <a:ln w="9525">
+            <a:noFill/>
+            <a:miter lim="800000"/>
+            <a:headEnd/>
+            <a:tailEnd/>
+          </a:ln>
+        </p:spPr>
+        <p:txBody>
+          <a:bodyPr>
+            <a:spAutoFit/>
+          </a:bodyPr>
+          <a:lstStyle/>
+          <a:p>
+            <a:r>
+              <a:rPr lang="es-PE" b="1" dirty="0" smtClean="0"/>
+              <a:t>Arquitectura java del proyecto</a:t>
+            </a:r>
+            <a:endParaRPr lang="es-PE" b="1" u="sng" dirty="0"/>
+          </a:p>
+        </p:txBody>
+      </p:sp>
+    </p:spTree>
+  </p:cSld>
+  <p:clrMapOvr>
+    <a:masterClrMapping/>
+  </p:clrMapOvr>
+  <p:timing>
+    <p:tnLst>
+      <p:par>
+        <p:cTn id="1" dur="indefinite" restart="never" nodeType="tmRoot"/>
+      </p:par>
+    </p:tnLst>
+  </p:timing>
+</p:sld>
+</file>
+
+<file path=ppt/slides/slide15.xml><?xml version="1.0" encoding="utf-8"?>
+<p:sld xmlns:a="http://schemas.openxmlformats.org/drawingml/2006/main" xmlns:r="http://schemas.openxmlformats.org/officeDocument/2006/relationships" xmlns:p="http://schemas.openxmlformats.org/presentationml/2006/main">
+  <p:cSld>
+    <p:spTree>
+      <p:nvGrpSpPr>
+        <p:cNvPr id="1" name=""/>
+        <p:cNvGrpSpPr/>
+        <p:nvPr/>
+      </p:nvGrpSpPr>
+      <p:grpSpPr>
+        <a:xfrm>
+          <a:off x="0" y="0"/>
+          <a:ext cx="0" cy="0"/>
+          <a:chOff x="0" y="0"/>
+          <a:chExt cx="0" cy="0"/>
+        </a:xfrm>
+      </p:grpSpPr>
+      <p:pic>
+        <p:nvPicPr>
+          <p:cNvPr id="3074" name="Imagen 3"/>
+          <p:cNvPicPr>
+            <a:picLocks noChangeAspect="1" noChangeArrowheads="1"/>
+          </p:cNvPicPr>
+          <p:nvPr/>
+        </p:nvPicPr>
+        <p:blipFill>
+          <a:blip r:embed="rId2" cstate="print"/>
+          <a:srcRect/>
+          <a:stretch>
+            <a:fillRect/>
+          </a:stretch>
+        </p:blipFill>
+        <p:spPr bwMode="auto">
+          <a:xfrm>
+            <a:off x="1187624" y="1916832"/>
+            <a:ext cx="5832648" cy="4518248"/>
+          </a:xfrm>
+          <a:prstGeom prst="rect">
+            <a:avLst/>
+          </a:prstGeom>
+          <a:noFill/>
+          <a:ln w="57150">
+            <a:solidFill>
+              <a:srgbClr val="0070C0"/>
+            </a:solidFill>
+            <a:miter lim="800000"/>
+            <a:headEnd/>
+            <a:tailEnd/>
+          </a:ln>
+        </p:spPr>
+      </p:pic>
+      <p:grpSp>
+        <p:nvGrpSpPr>
+          <p:cNvPr id="5" name="4 Grupo"/>
+          <p:cNvGrpSpPr/>
+          <p:nvPr/>
+        </p:nvGrpSpPr>
+        <p:grpSpPr>
+          <a:xfrm>
+            <a:off x="0" y="0"/>
+            <a:ext cx="8460432" cy="923330"/>
+            <a:chOff x="0" y="0"/>
+            <a:chExt cx="8460432" cy="923330"/>
+          </a:xfrm>
+        </p:grpSpPr>
+        <p:sp>
+          <p:nvSpPr>
+            <p:cNvPr id="6" name="5 CuadroTexto"/>
+            <p:cNvSpPr txBox="1"/>
+            <p:nvPr/>
+          </p:nvSpPr>
+          <p:spPr>
+            <a:xfrm>
+              <a:off x="0" y="0"/>
+              <a:ext cx="8460432" cy="923330"/>
+            </a:xfrm>
+            <a:prstGeom prst="rect">
+              <a:avLst/>
+            </a:prstGeom>
+            <a:solidFill>
+              <a:srgbClr val="FFC000"/>
+            </a:solidFill>
+          </p:spPr>
+          <p:txBody>
+            <a:bodyPr wrap="square" rtlCol="0">
+              <a:spAutoFit/>
+            </a:bodyPr>
+            <a:lstStyle/>
+            <a:p>
+              <a:r>
+                <a:rPr lang="es-PE" sz="3600" dirty="0" smtClean="0">
+                  <a:latin typeface="+mj-lt"/>
+                </a:rPr>
+                <a:t>	      </a:t>
+              </a:r>
+              <a:r>
+                <a:rPr lang="es-PE" sz="3600" b="1" dirty="0" smtClean="0">
+                  <a:latin typeface="+mj-lt"/>
+                </a:rPr>
+                <a:t>BASTANTEO DE PODERES</a:t>
+              </a:r>
+            </a:p>
+            <a:p>
+              <a:endParaRPr lang="es-ES" dirty="0"/>
+            </a:p>
+          </p:txBody>
+        </p:sp>
+        <p:pic>
+          <p:nvPicPr>
+            <p:cNvPr id="7" name="6 Imagen" descr="logo_java.png"/>
+            <p:cNvPicPr>
+              <a:picLocks noChangeAspect="1"/>
+            </p:cNvPicPr>
+            <p:nvPr/>
+          </p:nvPicPr>
+          <p:blipFill>
+            <a:blip r:embed="rId3" cstate="print"/>
+            <a:stretch>
+              <a:fillRect/>
+            </a:stretch>
+          </p:blipFill>
+          <p:spPr>
+            <a:xfrm>
+              <a:off x="7668344" y="0"/>
+              <a:ext cx="720080" cy="720080"/>
+            </a:xfrm>
+            <a:prstGeom prst="rect">
+              <a:avLst/>
+            </a:prstGeom>
+          </p:spPr>
+        </p:pic>
+        <p:pic>
+          <p:nvPicPr>
+            <p:cNvPr id="8" name="7 Imagen" descr="logo_epe.jpg"/>
+            <p:cNvPicPr>
+              <a:picLocks noChangeAspect="1"/>
+            </p:cNvPicPr>
+            <p:nvPr/>
+          </p:nvPicPr>
+          <p:blipFill>
+            <a:blip r:embed="rId4" cstate="print"/>
+            <a:stretch>
+              <a:fillRect/>
+            </a:stretch>
+          </p:blipFill>
+          <p:spPr>
+            <a:xfrm>
+              <a:off x="0" y="0"/>
+              <a:ext cx="695325" cy="885825"/>
+            </a:xfrm>
+            <a:prstGeom prst="rect">
+              <a:avLst/>
+            </a:prstGeom>
+          </p:spPr>
+        </p:pic>
+      </p:grpSp>
+      <p:sp>
+        <p:nvSpPr>
+          <p:cNvPr id="9" name="5 CuadroTexto"/>
+          <p:cNvSpPr txBox="1">
+            <a:spLocks noChangeArrowheads="1"/>
+          </p:cNvSpPr>
+          <p:nvPr/>
+        </p:nvSpPr>
+        <p:spPr bwMode="auto">
+          <a:xfrm>
+            <a:off x="683568" y="1052736"/>
+            <a:ext cx="3889375" cy="369888"/>
+          </a:xfrm>
+          <a:prstGeom prst="rect">
+            <a:avLst/>
+          </a:prstGeom>
+          <a:noFill/>
+          <a:ln w="9525">
+            <a:noFill/>
+            <a:miter lim="800000"/>
+            <a:headEnd/>
+            <a:tailEnd/>
+          </a:ln>
+        </p:spPr>
+        <p:txBody>
+          <a:bodyPr>
+            <a:spAutoFit/>
+          </a:bodyPr>
+          <a:lstStyle/>
+          <a:p>
+            <a:r>
+              <a:rPr lang="es-PE" b="1" dirty="0" smtClean="0"/>
+              <a:t>TEST del proyecto a todas sus clases</a:t>
+            </a:r>
+            <a:endParaRPr lang="es-PE" b="1" u="sng" dirty="0"/>
+          </a:p>
+        </p:txBody>
+      </p:sp>
     </p:spTree>
   </p:cSld>
   <p:clrMapOvr>
@@ -6148,7 +4964,7 @@
       </p:grpSpPr>
       <p:sp>
         <p:nvSpPr>
-          <p:cNvPr id="15361" name="Text Box 4"/>
+          <p:cNvPr id="4" name="Text Box 4"/>
           <p:cNvSpPr txBox="1">
             <a:spLocks noChangeArrowheads="1"/>
           </p:cNvSpPr>
@@ -6156,8 +4972,8 @@
         </p:nvSpPr>
         <p:spPr bwMode="auto">
           <a:xfrm>
-            <a:off x="971550" y="2276475"/>
-            <a:ext cx="6629400" cy="3048000"/>
+            <a:off x="971600" y="2276872"/>
+            <a:ext cx="6629400" cy="3046988"/>
           </a:xfrm>
           <a:prstGeom prst="rect">
             <a:avLst/>
@@ -6169,6 +4985,7 @@
             <a:headEnd/>
             <a:tailEnd/>
           </a:ln>
+          <a:effectLst/>
         </p:spPr>
         <p:txBody>
           <a:bodyPr>
@@ -6182,17 +4999,19 @@
               </a:spcBef>
             </a:pPr>
             <a:r>
-              <a:rPr lang="es-MX" sz="3200" i="1">
-                <a:latin typeface="Calibri" pitchFamily="34" charset="0"/>
-              </a:rPr>
-              <a:t>En el presente trabajo nos hemos propuesto alcanzar nuestro objetivo el cual es cumplir la metodología de historia de usuarios o casos de prueba identificando los requerimientos del proyecto.</a:t>
-            </a:r>
-          </a:p>
-        </p:txBody>
-      </p:sp>
-      <p:sp>
-        <p:nvSpPr>
-          <p:cNvPr id="15362" name="Text Box 2"/>
+              <a:rPr lang="es-MX" sz="3200" i="1" dirty="0"/>
+              <a:t>En el presente trabajo nos hemos propuesto alcanzar nuestro objetivo el cual es cumplir </a:t>
+            </a:r>
+            <a:r>
+              <a:rPr lang="es-MX" sz="3200" i="1" dirty="0" smtClean="0"/>
+              <a:t>la metodología de historia de usuarios o casos de prueba identificando los requerimientos del proyecto.</a:t>
+            </a:r>
+          </a:p>
+        </p:txBody>
+      </p:sp>
+      <p:sp>
+        <p:nvSpPr>
+          <p:cNvPr id="5" name="Text Box 2"/>
           <p:cNvSpPr txBox="1">
             <a:spLocks noChangeArrowheads="1"/>
           </p:cNvSpPr>
@@ -6200,8 +5019,8 @@
         </p:nvSpPr>
         <p:spPr bwMode="auto">
           <a:xfrm>
-            <a:off x="1547813" y="1268413"/>
-            <a:ext cx="5562600" cy="579437"/>
+            <a:off x="1547664" y="1268760"/>
+            <a:ext cx="5562600" cy="579438"/>
           </a:xfrm>
           <a:prstGeom prst="rect">
             <a:avLst/>
@@ -6213,6 +5032,7 @@
             <a:headEnd/>
             <a:tailEnd/>
           </a:ln>
+          <a:effectLst/>
         </p:spPr>
         <p:txBody>
           <a:bodyPr>
@@ -6226,29 +5046,23 @@
               </a:spcBef>
             </a:pPr>
             <a:r>
-              <a:rPr lang="es-MX" sz="3200" b="1">
-                <a:latin typeface="Calibri" pitchFamily="34" charset="0"/>
-              </a:rPr>
+              <a:rPr lang="es-MX" sz="3200" b="1" dirty="0"/>
               <a:t>INTRODUCCION</a:t>
             </a:r>
-            <a:endParaRPr lang="es-ES" sz="3200" b="1">
-              <a:latin typeface="Calibri" pitchFamily="34" charset="0"/>
-            </a:endParaRPr>
+            <a:endParaRPr lang="es-ES" sz="3200" b="1" dirty="0"/>
           </a:p>
         </p:txBody>
       </p:sp>
       <p:grpSp>
         <p:nvGrpSpPr>
-          <p:cNvPr id="15363" name="7 Grupo"/>
-          <p:cNvGrpSpPr>
-            <a:grpSpLocks/>
-          </p:cNvGrpSpPr>
+          <p:cNvPr id="8" name="7 Grupo"/>
+          <p:cNvGrpSpPr/>
           <p:nvPr/>
         </p:nvGrpSpPr>
-        <p:grpSpPr bwMode="auto">
+        <p:grpSpPr>
           <a:xfrm>
             <a:off x="0" y="0"/>
-            <a:ext cx="8459788" cy="923925"/>
+            <a:ext cx="8460432" cy="923330"/>
             <a:chOff x="0" y="0"/>
             <a:chExt cx="8460432" cy="923330"/>
           </a:xfrm>
@@ -6272,52 +5086,56 @@
             </a:solidFill>
           </p:spPr>
           <p:txBody>
-            <a:bodyPr>
+            <a:bodyPr wrap="square" rtlCol="0">
               <a:spAutoFit/>
             </a:bodyPr>
             <a:lstStyle/>
             <a:p>
-              <a:pPr fontAlgn="auto">
-                <a:spcBef>
-                  <a:spcPts val="0"/>
-                </a:spcBef>
-                <a:spcAft>
-                  <a:spcPts val="0"/>
-                </a:spcAft>
-                <a:defRPr/>
-              </a:pPr>
               <a:r>
-                <a:rPr lang="es-PE" sz="3600" dirty="0">
+                <a:rPr lang="es-PE" sz="3600" dirty="0" smtClean="0">
                   <a:latin typeface="+mj-lt"/>
                 </a:rPr>
                 <a:t>	      </a:t>
               </a:r>
               <a:r>
-                <a:rPr lang="es-PE" sz="3600" b="1" dirty="0">
+                <a:rPr lang="es-PE" sz="3600" b="1" dirty="0" smtClean="0">
                   <a:latin typeface="+mj-lt"/>
                 </a:rPr>
                 <a:t>BASTANTEO DE PODERES</a:t>
               </a:r>
             </a:p>
             <a:p>
-              <a:pPr fontAlgn="auto">
-                <a:spcBef>
-                  <a:spcPts val="0"/>
-                </a:spcBef>
-                <a:spcAft>
-                  <a:spcPts val="0"/>
-                </a:spcAft>
-                <a:defRPr/>
-              </a:pPr>
-              <a:endParaRPr lang="es-ES" dirty="0">
-                <a:latin typeface="+mn-lt"/>
-              </a:endParaRPr>
+              <a:endParaRPr lang="es-ES" dirty="0"/>
             </a:p>
           </p:txBody>
         </p:sp>
         <p:pic>
           <p:nvPicPr>
-            <p:cNvPr id="15365" name="9 Imagen" descr="logo_java.png"/>
+            <p:cNvPr id="10" name="9 Imagen" descr="logo_java.png"/>
+            <p:cNvPicPr>
+              <a:picLocks noChangeAspect="1"/>
+            </p:cNvPicPr>
+            <p:nvPr/>
+          </p:nvPicPr>
+          <p:blipFill>
+            <a:blip r:embed="rId2" cstate="print"/>
+            <a:stretch>
+              <a:fillRect/>
+            </a:stretch>
+          </p:blipFill>
+          <p:spPr>
+            <a:xfrm>
+              <a:off x="7668344" y="0"/>
+              <a:ext cx="720080" cy="720080"/>
+            </a:xfrm>
+            <a:prstGeom prst="rect">
+              <a:avLst/>
+            </a:prstGeom>
+          </p:spPr>
+        </p:pic>
+        <p:pic>
+          <p:nvPicPr>
+            <p:cNvPr id="11" name="10 Imagen" descr="logo_epe.jpg"/>
             <p:cNvPicPr>
               <a:picLocks noChangeAspect="1"/>
             </p:cNvPicPr>
@@ -6325,44 +5143,11 @@
           </p:nvPicPr>
           <p:blipFill>
             <a:blip r:embed="rId3" cstate="print"/>
-            <a:srcRect/>
             <a:stretch>
               <a:fillRect/>
             </a:stretch>
           </p:blipFill>
-          <p:spPr bwMode="auto">
-            <a:xfrm>
-              <a:off x="7668344" y="0"/>
-              <a:ext cx="720080" cy="720080"/>
-            </a:xfrm>
-            <a:prstGeom prst="rect">
-              <a:avLst/>
-            </a:prstGeom>
-            <a:noFill/>
-            <a:ln w="9525">
-              <a:noFill/>
-              <a:miter lim="800000"/>
-              <a:headEnd/>
-              <a:tailEnd/>
-            </a:ln>
-          </p:spPr>
-        </p:pic>
-        <p:pic>
-          <p:nvPicPr>
-            <p:cNvPr id="15366" name="10 Imagen" descr="logo_epe.jpg"/>
-            <p:cNvPicPr>
-              <a:picLocks noChangeAspect="1"/>
-            </p:cNvPicPr>
-            <p:nvPr/>
-          </p:nvPicPr>
-          <p:blipFill>
-            <a:blip r:embed="rId4" cstate="print"/>
-            <a:srcRect/>
-            <a:stretch>
-              <a:fillRect/>
-            </a:stretch>
-          </p:blipFill>
-          <p:spPr bwMode="auto">
+          <p:spPr>
             <a:xfrm>
               <a:off x="0" y="0"/>
               <a:ext cx="695325" cy="885825"/>
@@ -6370,13 +5155,6 @@
             <a:prstGeom prst="rect">
               <a:avLst/>
             </a:prstGeom>
-            <a:noFill/>
-            <a:ln w="9525">
-              <a:noFill/>
-              <a:miter lim="800000"/>
-              <a:headEnd/>
-              <a:tailEnd/>
-            </a:ln>
           </p:spPr>
         </p:pic>
       </p:grpSp>
@@ -6424,23 +5202,18 @@
         </p:nvSpPr>
         <p:spPr>
           <a:xfrm>
-            <a:off x="755650" y="2781300"/>
-            <a:ext cx="7745413" cy="963613"/>
+            <a:off x="755576" y="2780928"/>
+            <a:ext cx="7745505" cy="964629"/>
           </a:xfrm>
         </p:spPr>
         <p:txBody>
-          <a:bodyPr rtlCol="0">
+          <a:bodyPr>
             <a:normAutofit lnSpcReduction="10000"/>
           </a:bodyPr>
           <a:lstStyle/>
           <a:p>
-            <a:pPr marL="68580" indent="0" algn="ctr" fontAlgn="auto">
-              <a:spcAft>
-                <a:spcPts val="0"/>
-              </a:spcAft>
-              <a:buFont typeface="Arial" pitchFamily="34" charset="0"/>
-              <a:buNone/>
-              <a:defRPr/>
+            <a:pPr marL="68580" lvl="0" indent="0" algn="ctr">
+              <a:buNone/>
             </a:pPr>
             <a:r>
               <a:rPr lang="es-PE" sz="6000" b="1" dirty="0"/>
@@ -6448,30 +5221,20 @@
             </a:r>
           </a:p>
           <a:p>
-            <a:pPr fontAlgn="auto">
-              <a:spcAft>
-                <a:spcPts val="0"/>
-              </a:spcAft>
-              <a:buFont typeface="Arial" pitchFamily="34" charset="0"/>
-              <a:buChar char="•"/>
-              <a:defRPr/>
-            </a:pPr>
             <a:endParaRPr lang="es-PE" dirty="0"/>
           </a:p>
         </p:txBody>
       </p:sp>
       <p:grpSp>
         <p:nvGrpSpPr>
-          <p:cNvPr id="16386" name="3 Grupo"/>
-          <p:cNvGrpSpPr>
-            <a:grpSpLocks/>
-          </p:cNvGrpSpPr>
+          <p:cNvPr id="4" name="3 Grupo"/>
+          <p:cNvGrpSpPr/>
           <p:nvPr/>
         </p:nvGrpSpPr>
-        <p:grpSpPr bwMode="auto">
+        <p:grpSpPr>
           <a:xfrm>
             <a:off x="0" y="0"/>
-            <a:ext cx="8459788" cy="923925"/>
+            <a:ext cx="8460432" cy="923330"/>
             <a:chOff x="0" y="0"/>
             <a:chExt cx="8460432" cy="923330"/>
           </a:xfrm>
@@ -6495,52 +5258,56 @@
             </a:solidFill>
           </p:spPr>
           <p:txBody>
-            <a:bodyPr>
+            <a:bodyPr wrap="square" rtlCol="0">
               <a:spAutoFit/>
             </a:bodyPr>
             <a:lstStyle/>
             <a:p>
-              <a:pPr fontAlgn="auto">
-                <a:spcBef>
-                  <a:spcPts val="0"/>
-                </a:spcBef>
-                <a:spcAft>
-                  <a:spcPts val="0"/>
-                </a:spcAft>
-                <a:defRPr/>
-              </a:pPr>
               <a:r>
-                <a:rPr lang="es-PE" sz="3600" dirty="0">
+                <a:rPr lang="es-PE" sz="3600" dirty="0" smtClean="0">
                   <a:latin typeface="+mj-lt"/>
                 </a:rPr>
                 <a:t>	      </a:t>
               </a:r>
               <a:r>
-                <a:rPr lang="es-PE" sz="3600" b="1" dirty="0">
+                <a:rPr lang="es-PE" sz="3600" b="1" dirty="0" smtClean="0">
                   <a:latin typeface="+mj-lt"/>
                 </a:rPr>
                 <a:t>BASTANTEO DE PODERES</a:t>
               </a:r>
             </a:p>
             <a:p>
-              <a:pPr fontAlgn="auto">
-                <a:spcBef>
-                  <a:spcPts val="0"/>
-                </a:spcBef>
-                <a:spcAft>
-                  <a:spcPts val="0"/>
-                </a:spcAft>
-                <a:defRPr/>
-              </a:pPr>
-              <a:endParaRPr lang="es-ES" dirty="0">
-                <a:latin typeface="+mn-lt"/>
-              </a:endParaRPr>
+              <a:endParaRPr lang="es-ES" dirty="0"/>
             </a:p>
           </p:txBody>
         </p:sp>
         <p:pic>
           <p:nvPicPr>
-            <p:cNvPr id="16388" name="5 Imagen" descr="logo_java.png"/>
+            <p:cNvPr id="6" name="5 Imagen" descr="logo_java.png"/>
+            <p:cNvPicPr>
+              <a:picLocks noChangeAspect="1"/>
+            </p:cNvPicPr>
+            <p:nvPr/>
+          </p:nvPicPr>
+          <p:blipFill>
+            <a:blip r:embed="rId2" cstate="print"/>
+            <a:stretch>
+              <a:fillRect/>
+            </a:stretch>
+          </p:blipFill>
+          <p:spPr>
+            <a:xfrm>
+              <a:off x="7668344" y="0"/>
+              <a:ext cx="720080" cy="720080"/>
+            </a:xfrm>
+            <a:prstGeom prst="rect">
+              <a:avLst/>
+            </a:prstGeom>
+          </p:spPr>
+        </p:pic>
+        <p:pic>
+          <p:nvPicPr>
+            <p:cNvPr id="7" name="6 Imagen" descr="logo_epe.jpg"/>
             <p:cNvPicPr>
               <a:picLocks noChangeAspect="1"/>
             </p:cNvPicPr>
@@ -6548,44 +5315,11 @@
           </p:nvPicPr>
           <p:blipFill>
             <a:blip r:embed="rId3" cstate="print"/>
-            <a:srcRect/>
             <a:stretch>
               <a:fillRect/>
             </a:stretch>
           </p:blipFill>
-          <p:spPr bwMode="auto">
-            <a:xfrm>
-              <a:off x="7668344" y="0"/>
-              <a:ext cx="720080" cy="720080"/>
-            </a:xfrm>
-            <a:prstGeom prst="rect">
-              <a:avLst/>
-            </a:prstGeom>
-            <a:noFill/>
-            <a:ln w="9525">
-              <a:noFill/>
-              <a:miter lim="800000"/>
-              <a:headEnd/>
-              <a:tailEnd/>
-            </a:ln>
-          </p:spPr>
-        </p:pic>
-        <p:pic>
-          <p:nvPicPr>
-            <p:cNvPr id="16389" name="6 Imagen" descr="logo_epe.jpg"/>
-            <p:cNvPicPr>
-              <a:picLocks noChangeAspect="1"/>
-            </p:cNvPicPr>
-            <p:nvPr/>
-          </p:nvPicPr>
-          <p:blipFill>
-            <a:blip r:embed="rId4" cstate="print"/>
-            <a:srcRect/>
-            <a:stretch>
-              <a:fillRect/>
-            </a:stretch>
-          </p:blipFill>
-          <p:spPr bwMode="auto">
+          <p:spPr>
             <a:xfrm>
               <a:off x="0" y="0"/>
               <a:ext cx="695325" cy="885825"/>
@@ -6593,17 +5327,15 @@
             <a:prstGeom prst="rect">
               <a:avLst/>
             </a:prstGeom>
-            <a:noFill/>
-            <a:ln w="9525">
-              <a:noFill/>
-              <a:miter lim="800000"/>
-              <a:headEnd/>
-              <a:tailEnd/>
-            </a:ln>
           </p:spPr>
         </p:pic>
       </p:grpSp>
     </p:spTree>
+    <p:extLst>
+      <p:ext uri="{BB962C8B-B14F-4D97-AF65-F5344CB8AC3E}">
+        <p14:creationId xmlns="" xmlns:p14="http://schemas.microsoft.com/office/powerpoint/2010/main" val="3003819035"/>
+      </p:ext>
+    </p:extLst>
   </p:cSld>
   <p:clrMapOvr>
     <a:masterClrMapping/>
@@ -6648,7 +5380,7 @@
         <p:spPr>
           <a:xfrm>
             <a:off x="457200" y="1600200"/>
-            <a:ext cx="7859713" cy="4800600"/>
+            <a:ext cx="7859216" cy="4800600"/>
           </a:xfrm>
         </p:spPr>
         <p:style>
@@ -6666,18 +5398,13 @@
           </a:fontRef>
         </p:style>
         <p:txBody>
-          <a:bodyPr rtlCol="0">
+          <a:bodyPr>
             <a:normAutofit fontScale="92500"/>
           </a:bodyPr>
           <a:lstStyle/>
           <a:p>
-            <a:pPr fontAlgn="auto">
-              <a:spcAft>
-                <a:spcPts val="0"/>
-              </a:spcAft>
-              <a:buFont typeface="Arial" pitchFamily="34" charset="0"/>
-              <a:buNone/>
-              <a:defRPr/>
+            <a:pPr>
+              <a:buNone/>
             </a:pPr>
             <a:r>
               <a:rPr lang="es-PE" sz="2000" b="1" dirty="0" smtClean="0"/>
@@ -6685,13 +5412,8 @@
             </a:r>
           </a:p>
           <a:p>
-            <a:pPr fontAlgn="auto">
-              <a:spcAft>
-                <a:spcPts val="0"/>
-              </a:spcAft>
-              <a:buFont typeface="Arial" pitchFamily="34" charset="0"/>
-              <a:buNone/>
-              <a:defRPr/>
+            <a:pPr>
+              <a:buNone/>
             </a:pPr>
             <a:r>
               <a:rPr lang="es-PE" sz="2000" b="1" dirty="0" smtClean="0"/>
@@ -6703,13 +5425,8 @@
             </a:r>
           </a:p>
           <a:p>
-            <a:pPr fontAlgn="auto">
-              <a:spcAft>
-                <a:spcPts val="0"/>
-              </a:spcAft>
-              <a:buFont typeface="Arial" pitchFamily="34" charset="0"/>
-              <a:buNone/>
-              <a:defRPr/>
+            <a:pPr>
+              <a:buNone/>
             </a:pPr>
             <a:r>
               <a:rPr lang="es-PE" sz="2000" b="1" dirty="0" smtClean="0"/>
@@ -6717,13 +5434,8 @@
             </a:r>
           </a:p>
           <a:p>
-            <a:pPr fontAlgn="auto">
-              <a:spcAft>
-                <a:spcPts val="0"/>
-              </a:spcAft>
-              <a:buFont typeface="Arial" pitchFamily="34" charset="0"/>
-              <a:buNone/>
-              <a:defRPr/>
+            <a:pPr>
+              <a:buNone/>
             </a:pPr>
             <a:r>
               <a:rPr lang="es-PE" sz="2100" dirty="0" smtClean="0"/>
@@ -6735,13 +5447,8 @@
             </a:r>
           </a:p>
           <a:p>
-            <a:pPr fontAlgn="auto">
-              <a:spcAft>
-                <a:spcPts val="0"/>
-              </a:spcAft>
-              <a:buFont typeface="Arial" pitchFamily="34" charset="0"/>
-              <a:buNone/>
-              <a:defRPr/>
+            <a:pPr>
+              <a:buNone/>
             </a:pPr>
             <a:r>
               <a:rPr lang="es-PE" sz="2000" b="1" dirty="0" smtClean="0"/>
@@ -6749,13 +5456,8 @@
             </a:r>
           </a:p>
           <a:p>
-            <a:pPr fontAlgn="auto">
-              <a:spcAft>
-                <a:spcPts val="0"/>
-              </a:spcAft>
-              <a:buFont typeface="Arial" pitchFamily="34" charset="0"/>
-              <a:buNone/>
-              <a:defRPr/>
+            <a:pPr>
+              <a:buNone/>
             </a:pPr>
             <a:r>
               <a:rPr lang="es-PE" sz="2000" dirty="0" smtClean="0"/>
@@ -6763,13 +5465,8 @@
             </a:r>
           </a:p>
           <a:p>
-            <a:pPr fontAlgn="auto">
-              <a:spcAft>
-                <a:spcPts val="0"/>
-              </a:spcAft>
-              <a:buFont typeface="Arial" pitchFamily="34" charset="0"/>
-              <a:buNone/>
-              <a:defRPr/>
+            <a:pPr>
+              <a:buNone/>
             </a:pPr>
             <a:r>
               <a:rPr lang="es-PE" sz="2000" b="1" dirty="0" smtClean="0"/>
@@ -6781,13 +5478,8 @@
             </a:r>
           </a:p>
           <a:p>
-            <a:pPr fontAlgn="auto">
-              <a:spcAft>
-                <a:spcPts val="0"/>
-              </a:spcAft>
-              <a:buFont typeface="Arial" pitchFamily="34" charset="0"/>
-              <a:buNone/>
-              <a:defRPr/>
+            <a:pPr>
+              <a:buNone/>
             </a:pPr>
             <a:r>
               <a:rPr lang="es-PE" sz="2000" b="1" dirty="0" smtClean="0"/>
@@ -6795,13 +5487,8 @@
             </a:r>
           </a:p>
           <a:p>
-            <a:pPr fontAlgn="auto">
-              <a:spcAft>
-                <a:spcPts val="0"/>
-              </a:spcAft>
-              <a:buFont typeface="Arial" pitchFamily="34" charset="0"/>
-              <a:buNone/>
-              <a:defRPr/>
+            <a:pPr>
+              <a:buNone/>
             </a:pPr>
             <a:r>
               <a:rPr lang="es-PE" sz="2000" dirty="0" smtClean="0"/>
@@ -6809,13 +5496,8 @@
             </a:r>
           </a:p>
           <a:p>
-            <a:pPr fontAlgn="auto">
-              <a:spcAft>
-                <a:spcPts val="0"/>
-              </a:spcAft>
-              <a:buFont typeface="Arial" pitchFamily="34" charset="0"/>
-              <a:buNone/>
-              <a:defRPr/>
+            <a:pPr>
+              <a:buNone/>
             </a:pPr>
             <a:r>
               <a:rPr lang="es-PE" sz="2000" dirty="0" smtClean="0"/>
@@ -6823,13 +5505,8 @@
             </a:r>
           </a:p>
           <a:p>
-            <a:pPr fontAlgn="auto">
-              <a:spcAft>
-                <a:spcPts val="0"/>
-              </a:spcAft>
-              <a:buFont typeface="Arial" pitchFamily="34" charset="0"/>
-              <a:buNone/>
-              <a:defRPr/>
+            <a:pPr>
+              <a:buNone/>
             </a:pPr>
             <a:r>
               <a:rPr lang="es-PE" sz="2000" dirty="0" smtClean="0"/>
@@ -6837,25 +5514,12 @@
             </a:r>
           </a:p>
           <a:p>
-            <a:pPr fontAlgn="auto">
-              <a:spcAft>
-                <a:spcPts val="0"/>
-              </a:spcAft>
-              <a:buFont typeface="Arial" pitchFamily="34" charset="0"/>
-              <a:buNone/>
-              <a:defRPr/>
+            <a:pPr>
+              <a:buNone/>
             </a:pPr>
             <a:endParaRPr lang="es-PE" sz="2000" b="1" dirty="0" smtClean="0"/>
           </a:p>
           <a:p>
-            <a:pPr fontAlgn="auto">
-              <a:spcAft>
-                <a:spcPts val="0"/>
-              </a:spcAft>
-              <a:buFont typeface="Arial" pitchFamily="34" charset="0"/>
-              <a:buChar char="•"/>
-              <a:defRPr/>
-            </a:pPr>
             <a:endParaRPr lang="es-PE" sz="2000" dirty="0"/>
           </a:p>
         </p:txBody>
@@ -6872,20 +5536,15 @@
         </p:nvSpPr>
         <p:spPr>
           <a:xfrm>
-            <a:off x="539750" y="981075"/>
-            <a:ext cx="7283450" cy="503238"/>
+            <a:off x="539552" y="980728"/>
+            <a:ext cx="7283152" cy="504056"/>
           </a:xfrm>
         </p:spPr>
         <p:txBody>
           <a:bodyPr/>
           <a:lstStyle/>
           <a:p>
-            <a:pPr algn="ctr" fontAlgn="auto">
-              <a:spcAft>
-                <a:spcPts val="0"/>
-              </a:spcAft>
-              <a:defRPr/>
-            </a:pPr>
+            <a:pPr algn="ctr"/>
             <a:r>
               <a:rPr lang="es-ES" sz="3600" b="1" dirty="0" smtClean="0"/>
               <a:t/>
@@ -6910,16 +5569,14 @@
       </p:sp>
       <p:grpSp>
         <p:nvGrpSpPr>
-          <p:cNvPr id="17411" name="6 Grupo"/>
-          <p:cNvGrpSpPr>
-            <a:grpSpLocks/>
-          </p:cNvGrpSpPr>
+          <p:cNvPr id="7" name="6 Grupo"/>
+          <p:cNvGrpSpPr/>
           <p:nvPr/>
         </p:nvGrpSpPr>
-        <p:grpSpPr bwMode="auto">
+        <p:grpSpPr>
           <a:xfrm>
             <a:off x="0" y="0"/>
-            <a:ext cx="8459788" cy="923925"/>
+            <a:ext cx="8460432" cy="923330"/>
             <a:chOff x="0" y="0"/>
             <a:chExt cx="8460432" cy="923330"/>
           </a:xfrm>
@@ -6943,52 +5600,56 @@
             </a:solidFill>
           </p:spPr>
           <p:txBody>
-            <a:bodyPr>
+            <a:bodyPr wrap="square" rtlCol="0">
               <a:spAutoFit/>
             </a:bodyPr>
             <a:lstStyle/>
             <a:p>
-              <a:pPr fontAlgn="auto">
-                <a:spcBef>
-                  <a:spcPts val="0"/>
-                </a:spcBef>
-                <a:spcAft>
-                  <a:spcPts val="0"/>
-                </a:spcAft>
-                <a:defRPr/>
-              </a:pPr>
               <a:r>
-                <a:rPr lang="es-PE" sz="3600" dirty="0">
+                <a:rPr lang="es-PE" sz="3600" dirty="0" smtClean="0">
                   <a:latin typeface="+mj-lt"/>
                 </a:rPr>
                 <a:t>	      </a:t>
               </a:r>
               <a:r>
-                <a:rPr lang="es-PE" sz="3600" b="1" dirty="0">
+                <a:rPr lang="es-PE" sz="3600" b="1" dirty="0" smtClean="0">
                   <a:latin typeface="+mj-lt"/>
                 </a:rPr>
                 <a:t>BASTANTEO DE PODERES</a:t>
               </a:r>
             </a:p>
             <a:p>
-              <a:pPr fontAlgn="auto">
-                <a:spcBef>
-                  <a:spcPts val="0"/>
-                </a:spcBef>
-                <a:spcAft>
-                  <a:spcPts val="0"/>
-                </a:spcAft>
-                <a:defRPr/>
-              </a:pPr>
-              <a:endParaRPr lang="es-ES" dirty="0">
-                <a:latin typeface="+mn-lt"/>
-              </a:endParaRPr>
+              <a:endParaRPr lang="es-ES" dirty="0"/>
             </a:p>
           </p:txBody>
         </p:sp>
         <p:pic>
           <p:nvPicPr>
-            <p:cNvPr id="17413" name="8 Imagen" descr="logo_java.png"/>
+            <p:cNvPr id="9" name="8 Imagen" descr="logo_java.png"/>
+            <p:cNvPicPr>
+              <a:picLocks noChangeAspect="1"/>
+            </p:cNvPicPr>
+            <p:nvPr/>
+          </p:nvPicPr>
+          <p:blipFill>
+            <a:blip r:embed="rId2" cstate="print"/>
+            <a:stretch>
+              <a:fillRect/>
+            </a:stretch>
+          </p:blipFill>
+          <p:spPr>
+            <a:xfrm>
+              <a:off x="7668344" y="0"/>
+              <a:ext cx="720080" cy="720080"/>
+            </a:xfrm>
+            <a:prstGeom prst="rect">
+              <a:avLst/>
+            </a:prstGeom>
+          </p:spPr>
+        </p:pic>
+        <p:pic>
+          <p:nvPicPr>
+            <p:cNvPr id="10" name="9 Imagen" descr="logo_epe.jpg"/>
             <p:cNvPicPr>
               <a:picLocks noChangeAspect="1"/>
             </p:cNvPicPr>
@@ -6996,44 +5657,11 @@
           </p:nvPicPr>
           <p:blipFill>
             <a:blip r:embed="rId3" cstate="print"/>
-            <a:srcRect/>
             <a:stretch>
               <a:fillRect/>
             </a:stretch>
           </p:blipFill>
-          <p:spPr bwMode="auto">
-            <a:xfrm>
-              <a:off x="7668344" y="0"/>
-              <a:ext cx="720080" cy="720080"/>
-            </a:xfrm>
-            <a:prstGeom prst="rect">
-              <a:avLst/>
-            </a:prstGeom>
-            <a:noFill/>
-            <a:ln w="9525">
-              <a:noFill/>
-              <a:miter lim="800000"/>
-              <a:headEnd/>
-              <a:tailEnd/>
-            </a:ln>
-          </p:spPr>
-        </p:pic>
-        <p:pic>
-          <p:nvPicPr>
-            <p:cNvPr id="17414" name="9 Imagen" descr="logo_epe.jpg"/>
-            <p:cNvPicPr>
-              <a:picLocks noChangeAspect="1"/>
-            </p:cNvPicPr>
-            <p:nvPr/>
-          </p:nvPicPr>
-          <p:blipFill>
-            <a:blip r:embed="rId4" cstate="print"/>
-            <a:srcRect/>
-            <a:stretch>
-              <a:fillRect/>
-            </a:stretch>
-          </p:blipFill>
-          <p:spPr bwMode="auto">
+          <p:spPr>
             <a:xfrm>
               <a:off x="0" y="0"/>
               <a:ext cx="695325" cy="885825"/>
@@ -7041,17 +5669,15 @@
             <a:prstGeom prst="rect">
               <a:avLst/>
             </a:prstGeom>
-            <a:noFill/>
-            <a:ln w="9525">
-              <a:noFill/>
-              <a:miter lim="800000"/>
-              <a:headEnd/>
-              <a:tailEnd/>
-            </a:ln>
           </p:spPr>
         </p:pic>
       </p:grpSp>
     </p:spTree>
+    <p:extLst>
+      <p:ext uri="{BB962C8B-B14F-4D97-AF65-F5344CB8AC3E}">
+        <p14:creationId xmlns="" xmlns:p14="http://schemas.microsoft.com/office/powerpoint/2010/main" val="4121851476"/>
+      </p:ext>
+    </p:extLst>
   </p:cSld>
   <p:clrMapOvr>
     <a:masterClrMapping/>
@@ -7085,7 +5711,7 @@
       </p:grpSpPr>
       <p:pic>
         <p:nvPicPr>
-          <p:cNvPr id="18433" name="2 Marcador de contenido" descr="IngresarCliente.jpg"/>
+          <p:cNvPr id="3" name="2 Marcador de contenido" descr="IngresarCliente.jpg"/>
           <p:cNvPicPr>
             <a:picLocks noGrp="1" noChangeAspect="1"/>
           </p:cNvPicPr>
@@ -7094,31 +5720,28 @@
           </p:nvPr>
         </p:nvPicPr>
         <p:blipFill>
-          <a:blip r:embed="rId3" cstate="print"/>
-          <a:srcRect/>
+          <a:blip r:embed="rId2" cstate="print"/>
           <a:stretch>
             <a:fillRect/>
           </a:stretch>
         </p:blipFill>
         <p:spPr>
           <a:xfrm>
-            <a:off x="1116013" y="692150"/>
-            <a:ext cx="6480175" cy="6481763"/>
+            <a:off x="1115616" y="692696"/>
+            <a:ext cx="6480720" cy="6480720"/>
           </a:xfrm>
         </p:spPr>
       </p:pic>
       <p:grpSp>
         <p:nvGrpSpPr>
-          <p:cNvPr id="18434" name="3 Grupo"/>
-          <p:cNvGrpSpPr>
-            <a:grpSpLocks/>
-          </p:cNvGrpSpPr>
+          <p:cNvPr id="4" name="3 Grupo"/>
+          <p:cNvGrpSpPr/>
           <p:nvPr/>
         </p:nvGrpSpPr>
-        <p:grpSpPr bwMode="auto">
+        <p:grpSpPr>
           <a:xfrm>
             <a:off x="0" y="0"/>
-            <a:ext cx="8459788" cy="923925"/>
+            <a:ext cx="8460432" cy="923330"/>
             <a:chOff x="0" y="0"/>
             <a:chExt cx="8460432" cy="923330"/>
           </a:xfrm>
@@ -7142,52 +5765,56 @@
             </a:solidFill>
           </p:spPr>
           <p:txBody>
-            <a:bodyPr>
+            <a:bodyPr wrap="square" rtlCol="0">
               <a:spAutoFit/>
             </a:bodyPr>
             <a:lstStyle/>
             <a:p>
-              <a:pPr fontAlgn="auto">
-                <a:spcBef>
-                  <a:spcPts val="0"/>
-                </a:spcBef>
-                <a:spcAft>
-                  <a:spcPts val="0"/>
-                </a:spcAft>
-                <a:defRPr/>
-              </a:pPr>
               <a:r>
-                <a:rPr lang="es-PE" sz="3600" dirty="0">
+                <a:rPr lang="es-PE" sz="3600" dirty="0" smtClean="0">
                   <a:latin typeface="+mj-lt"/>
                 </a:rPr>
                 <a:t>	      </a:t>
               </a:r>
               <a:r>
-                <a:rPr lang="es-PE" sz="3600" b="1" dirty="0">
+                <a:rPr lang="es-PE" sz="3600" b="1" dirty="0" smtClean="0">
                   <a:latin typeface="+mj-lt"/>
                 </a:rPr>
                 <a:t>BASTANTEO DE PODERES</a:t>
               </a:r>
             </a:p>
             <a:p>
-              <a:pPr fontAlgn="auto">
-                <a:spcBef>
-                  <a:spcPts val="0"/>
-                </a:spcBef>
-                <a:spcAft>
-                  <a:spcPts val="0"/>
-                </a:spcAft>
-                <a:defRPr/>
-              </a:pPr>
-              <a:endParaRPr lang="es-ES" dirty="0">
-                <a:latin typeface="+mn-lt"/>
-              </a:endParaRPr>
+              <a:endParaRPr lang="es-ES" dirty="0"/>
             </a:p>
           </p:txBody>
         </p:sp>
         <p:pic>
           <p:nvPicPr>
-            <p:cNvPr id="18436" name="5 Imagen" descr="logo_java.png"/>
+            <p:cNvPr id="6" name="5 Imagen" descr="logo_java.png"/>
+            <p:cNvPicPr>
+              <a:picLocks noChangeAspect="1"/>
+            </p:cNvPicPr>
+            <p:nvPr/>
+          </p:nvPicPr>
+          <p:blipFill>
+            <a:blip r:embed="rId3" cstate="print"/>
+            <a:stretch>
+              <a:fillRect/>
+            </a:stretch>
+          </p:blipFill>
+          <p:spPr>
+            <a:xfrm>
+              <a:off x="7668344" y="0"/>
+              <a:ext cx="720080" cy="720080"/>
+            </a:xfrm>
+            <a:prstGeom prst="rect">
+              <a:avLst/>
+            </a:prstGeom>
+          </p:spPr>
+        </p:pic>
+        <p:pic>
+          <p:nvPicPr>
+            <p:cNvPr id="7" name="6 Imagen" descr="logo_epe.jpg"/>
             <p:cNvPicPr>
               <a:picLocks noChangeAspect="1"/>
             </p:cNvPicPr>
@@ -7195,44 +5822,11 @@
           </p:nvPicPr>
           <p:blipFill>
             <a:blip r:embed="rId4" cstate="print"/>
-            <a:srcRect/>
             <a:stretch>
               <a:fillRect/>
             </a:stretch>
           </p:blipFill>
-          <p:spPr bwMode="auto">
-            <a:xfrm>
-              <a:off x="7668344" y="0"/>
-              <a:ext cx="720080" cy="720080"/>
-            </a:xfrm>
-            <a:prstGeom prst="rect">
-              <a:avLst/>
-            </a:prstGeom>
-            <a:noFill/>
-            <a:ln w="9525">
-              <a:noFill/>
-              <a:miter lim="800000"/>
-              <a:headEnd/>
-              <a:tailEnd/>
-            </a:ln>
-          </p:spPr>
-        </p:pic>
-        <p:pic>
-          <p:nvPicPr>
-            <p:cNvPr id="18437" name="6 Imagen" descr="logo_epe.jpg"/>
-            <p:cNvPicPr>
-              <a:picLocks noChangeAspect="1"/>
-            </p:cNvPicPr>
-            <p:nvPr/>
-          </p:nvPicPr>
-          <p:blipFill>
-            <a:blip r:embed="rId5" cstate="print"/>
-            <a:srcRect/>
-            <a:stretch>
-              <a:fillRect/>
-            </a:stretch>
-          </p:blipFill>
-          <p:spPr bwMode="auto">
+          <p:spPr>
             <a:xfrm>
               <a:off x="0" y="0"/>
               <a:ext cx="695325" cy="885825"/>
@@ -7240,13 +5834,6 @@
             <a:prstGeom prst="rect">
               <a:avLst/>
             </a:prstGeom>
-            <a:noFill/>
-            <a:ln w="9525">
-              <a:noFill/>
-              <a:miter lim="800000"/>
-              <a:headEnd/>
-              <a:tailEnd/>
-            </a:ln>
           </p:spPr>
         </p:pic>
       </p:grpSp>
@@ -7294,7 +5881,7 @@
         </p:nvSpPr>
         <p:spPr>
           <a:xfrm>
-            <a:off x="468313" y="1773238"/>
+            <a:off x="467544" y="1772816"/>
             <a:ext cx="7620000" cy="4800600"/>
           </a:xfrm>
           <a:ln>
@@ -7304,18 +5891,13 @@
           </a:ln>
         </p:spPr>
         <p:txBody>
-          <a:bodyPr rtlCol="0">
+          <a:bodyPr>
             <a:normAutofit fontScale="92500" lnSpcReduction="10000"/>
           </a:bodyPr>
           <a:lstStyle/>
           <a:p>
-            <a:pPr algn="just" fontAlgn="auto">
-              <a:spcAft>
-                <a:spcPts val="0"/>
-              </a:spcAft>
-              <a:buFont typeface="Arial" pitchFamily="34" charset="0"/>
-              <a:buNone/>
-              <a:defRPr/>
+            <a:pPr algn="just">
+              <a:buNone/>
             </a:pPr>
             <a:r>
               <a:rPr lang="es-ES" b="1" dirty="0" smtClean="0"/>
@@ -7328,13 +5910,8 @@
             <a:endParaRPr lang="es-PE" dirty="0" smtClean="0"/>
           </a:p>
           <a:p>
-            <a:pPr algn="just" fontAlgn="auto">
-              <a:spcAft>
-                <a:spcPts val="0"/>
-              </a:spcAft>
-              <a:buFont typeface="Arial" pitchFamily="34" charset="0"/>
-              <a:buNone/>
-              <a:defRPr/>
+            <a:pPr algn="just">
+              <a:buNone/>
             </a:pPr>
             <a:r>
               <a:rPr lang="es-ES" b="1" dirty="0" smtClean="0"/>
@@ -7343,14 +5920,7 @@
             <a:endParaRPr lang="es-PE" dirty="0" smtClean="0"/>
           </a:p>
           <a:p>
-            <a:pPr algn="just" fontAlgn="auto">
-              <a:spcAft>
-                <a:spcPts val="0"/>
-              </a:spcAft>
-              <a:buFont typeface="Arial" pitchFamily="34" charset="0"/>
-              <a:buChar char="•"/>
-              <a:defRPr/>
-            </a:pPr>
+            <a:pPr algn="just"/>
             <a:r>
               <a:rPr lang="es-ES" dirty="0" smtClean="0"/>
               <a:t>Como supervisor deseo registrar clientes de modo que los abogados puedan bastantear sus poderes bancarios.</a:t>
@@ -7358,13 +5928,8 @@
             <a:endParaRPr lang="es-PE" dirty="0" smtClean="0"/>
           </a:p>
           <a:p>
-            <a:pPr algn="just" fontAlgn="auto">
-              <a:spcAft>
-                <a:spcPts val="0"/>
-              </a:spcAft>
-              <a:buFont typeface="Arial" pitchFamily="34" charset="0"/>
-              <a:buNone/>
-              <a:defRPr/>
+            <a:pPr algn="just">
+              <a:buNone/>
             </a:pPr>
             <a:r>
               <a:rPr lang="es-ES" b="1" dirty="0" smtClean="0"/>
@@ -7373,14 +5938,7 @@
             <a:endParaRPr lang="es-PE" dirty="0" smtClean="0"/>
           </a:p>
           <a:p>
-            <a:pPr algn="just" fontAlgn="auto">
-              <a:spcAft>
-                <a:spcPts val="0"/>
-              </a:spcAft>
-              <a:buFont typeface="Arial" pitchFamily="34" charset="0"/>
-              <a:buChar char="•"/>
-              <a:defRPr/>
-            </a:pPr>
+            <a:pPr algn="just"/>
             <a:r>
               <a:rPr lang="es-ES" dirty="0" smtClean="0"/>
               <a:t>Inscribo un representante debo indicar su tipo y número de documento, sus nombres y apellidos, cargo en la empresa y un grupo de bastanteo (A, B, C, etc.).</a:t>
@@ -7388,13 +5946,8 @@
             <a:endParaRPr lang="es-PE" dirty="0" smtClean="0"/>
           </a:p>
           <a:p>
-            <a:pPr algn="just" fontAlgn="auto">
-              <a:spcAft>
-                <a:spcPts val="0"/>
-              </a:spcAft>
-              <a:buFont typeface="Arial" pitchFamily="34" charset="0"/>
-              <a:buNone/>
-              <a:defRPr/>
+            <a:pPr algn="just">
+              <a:buNone/>
             </a:pPr>
             <a:r>
               <a:rPr lang="es-ES" b="1" dirty="0" smtClean="0"/>
@@ -7407,13 +5960,8 @@
             <a:endParaRPr lang="es-PE" dirty="0" smtClean="0"/>
           </a:p>
           <a:p>
-            <a:pPr algn="just" fontAlgn="auto">
-              <a:spcAft>
-                <a:spcPts val="0"/>
-              </a:spcAft>
-              <a:buFont typeface="Arial" pitchFamily="34" charset="0"/>
-              <a:buNone/>
-              <a:defRPr/>
+            <a:pPr algn="just">
+              <a:buNone/>
             </a:pPr>
             <a:r>
               <a:rPr lang="es-ES" b="1" dirty="0" smtClean="0"/>
@@ -7422,13 +5970,8 @@
             <a:endParaRPr lang="es-PE" dirty="0" smtClean="0"/>
           </a:p>
           <a:p>
-            <a:pPr algn="just" fontAlgn="auto">
-              <a:spcAft>
-                <a:spcPts val="0"/>
-              </a:spcAft>
-              <a:buFont typeface="Arial" pitchFamily="34" charset="0"/>
-              <a:buNone/>
-              <a:defRPr/>
+            <a:pPr algn="just">
+              <a:buNone/>
             </a:pPr>
             <a:r>
               <a:rPr lang="es-ES" dirty="0" smtClean="0"/>
@@ -7437,13 +5980,8 @@
             <a:endParaRPr lang="es-PE" dirty="0" smtClean="0"/>
           </a:p>
           <a:p>
-            <a:pPr algn="just" fontAlgn="auto">
-              <a:spcAft>
-                <a:spcPts val="0"/>
-              </a:spcAft>
-              <a:buFont typeface="Arial" pitchFamily="34" charset="0"/>
-              <a:buNone/>
-              <a:defRPr/>
+            <a:pPr algn="just">
+              <a:buNone/>
             </a:pPr>
             <a:r>
               <a:rPr lang="es-ES" dirty="0" smtClean="0"/>
@@ -7452,13 +5990,8 @@
             <a:endParaRPr lang="es-PE" dirty="0" smtClean="0"/>
           </a:p>
           <a:p>
-            <a:pPr algn="just" fontAlgn="auto">
-              <a:spcAft>
-                <a:spcPts val="0"/>
-              </a:spcAft>
-              <a:buFont typeface="Arial" pitchFamily="34" charset="0"/>
-              <a:buNone/>
-              <a:defRPr/>
+            <a:pPr algn="just">
+              <a:buNone/>
             </a:pPr>
             <a:r>
               <a:rPr lang="es-ES" dirty="0" smtClean="0"/>
@@ -7467,14 +6000,6 @@
             <a:endParaRPr lang="es-PE" dirty="0" smtClean="0"/>
           </a:p>
           <a:p>
-            <a:pPr fontAlgn="auto">
-              <a:spcAft>
-                <a:spcPts val="0"/>
-              </a:spcAft>
-              <a:buFont typeface="Arial" pitchFamily="34" charset="0"/>
-              <a:buChar char="•"/>
-              <a:defRPr/>
-            </a:pPr>
             <a:endParaRPr lang="es-PE" sz="2000" dirty="0"/>
           </a:p>
         </p:txBody>
@@ -7491,20 +6016,15 @@
         </p:nvSpPr>
         <p:spPr>
           <a:xfrm>
-            <a:off x="468313" y="981075"/>
-            <a:ext cx="7620000" cy="706438"/>
+            <a:off x="467544" y="980728"/>
+            <a:ext cx="7620000" cy="706090"/>
           </a:xfrm>
         </p:spPr>
         <p:txBody>
           <a:bodyPr/>
           <a:lstStyle/>
           <a:p>
-            <a:pPr algn="ctr" fontAlgn="auto">
-              <a:spcAft>
-                <a:spcPts val="0"/>
-              </a:spcAft>
-              <a:defRPr/>
-            </a:pPr>
+            <a:pPr algn="ctr"/>
             <a:r>
               <a:rPr lang="es-ES" sz="3600" b="1" dirty="0" smtClean="0"/>
               <a:t>Historia: Inscribir Representantes</a:t>
@@ -7515,16 +6035,14 @@
       </p:sp>
       <p:grpSp>
         <p:nvGrpSpPr>
-          <p:cNvPr id="19459" name="3 Grupo"/>
-          <p:cNvGrpSpPr>
-            <a:grpSpLocks/>
-          </p:cNvGrpSpPr>
+          <p:cNvPr id="4" name="3 Grupo"/>
+          <p:cNvGrpSpPr/>
           <p:nvPr/>
         </p:nvGrpSpPr>
-        <p:grpSpPr bwMode="auto">
+        <p:grpSpPr>
           <a:xfrm>
             <a:off x="0" y="0"/>
-            <a:ext cx="8459788" cy="923925"/>
+            <a:ext cx="8460432" cy="923330"/>
             <a:chOff x="0" y="0"/>
             <a:chExt cx="8460432" cy="923330"/>
           </a:xfrm>
@@ -7548,52 +6066,56 @@
             </a:solidFill>
           </p:spPr>
           <p:txBody>
-            <a:bodyPr>
+            <a:bodyPr wrap="square" rtlCol="0">
               <a:spAutoFit/>
             </a:bodyPr>
             <a:lstStyle/>
             <a:p>
-              <a:pPr fontAlgn="auto">
-                <a:spcBef>
-                  <a:spcPts val="0"/>
-                </a:spcBef>
-                <a:spcAft>
-                  <a:spcPts val="0"/>
-                </a:spcAft>
-                <a:defRPr/>
-              </a:pPr>
               <a:r>
-                <a:rPr lang="es-PE" sz="3600" dirty="0">
+                <a:rPr lang="es-PE" sz="3600" dirty="0" smtClean="0">
                   <a:latin typeface="+mj-lt"/>
                 </a:rPr>
                 <a:t>	      </a:t>
               </a:r>
               <a:r>
-                <a:rPr lang="es-PE" sz="3600" b="1" dirty="0">
+                <a:rPr lang="es-PE" sz="3600" b="1" dirty="0" smtClean="0">
                   <a:latin typeface="+mj-lt"/>
                 </a:rPr>
                 <a:t>BASTANTEO DE PODERES</a:t>
               </a:r>
             </a:p>
             <a:p>
-              <a:pPr fontAlgn="auto">
-                <a:spcBef>
-                  <a:spcPts val="0"/>
-                </a:spcBef>
-                <a:spcAft>
-                  <a:spcPts val="0"/>
-                </a:spcAft>
-                <a:defRPr/>
-              </a:pPr>
-              <a:endParaRPr lang="es-ES" dirty="0">
-                <a:latin typeface="+mn-lt"/>
-              </a:endParaRPr>
+              <a:endParaRPr lang="es-ES" dirty="0"/>
             </a:p>
           </p:txBody>
         </p:sp>
         <p:pic>
           <p:nvPicPr>
-            <p:cNvPr id="19461" name="7 Imagen" descr="logo_java.png"/>
+            <p:cNvPr id="8" name="7 Imagen" descr="logo_java.png"/>
+            <p:cNvPicPr>
+              <a:picLocks noChangeAspect="1"/>
+            </p:cNvPicPr>
+            <p:nvPr/>
+          </p:nvPicPr>
+          <p:blipFill>
+            <a:blip r:embed="rId2" cstate="print"/>
+            <a:stretch>
+              <a:fillRect/>
+            </a:stretch>
+          </p:blipFill>
+          <p:spPr>
+            <a:xfrm>
+              <a:off x="7668344" y="0"/>
+              <a:ext cx="720080" cy="720080"/>
+            </a:xfrm>
+            <a:prstGeom prst="rect">
+              <a:avLst/>
+            </a:prstGeom>
+          </p:spPr>
+        </p:pic>
+        <p:pic>
+          <p:nvPicPr>
+            <p:cNvPr id="9" name="8 Imagen" descr="logo_epe.jpg"/>
             <p:cNvPicPr>
               <a:picLocks noChangeAspect="1"/>
             </p:cNvPicPr>
@@ -7601,44 +6123,11 @@
           </p:nvPicPr>
           <p:blipFill>
             <a:blip r:embed="rId3" cstate="print"/>
-            <a:srcRect/>
             <a:stretch>
               <a:fillRect/>
             </a:stretch>
           </p:blipFill>
-          <p:spPr bwMode="auto">
-            <a:xfrm>
-              <a:off x="7668344" y="0"/>
-              <a:ext cx="720080" cy="720080"/>
-            </a:xfrm>
-            <a:prstGeom prst="rect">
-              <a:avLst/>
-            </a:prstGeom>
-            <a:noFill/>
-            <a:ln w="9525">
-              <a:noFill/>
-              <a:miter lim="800000"/>
-              <a:headEnd/>
-              <a:tailEnd/>
-            </a:ln>
-          </p:spPr>
-        </p:pic>
-        <p:pic>
-          <p:nvPicPr>
-            <p:cNvPr id="19462" name="8 Imagen" descr="logo_epe.jpg"/>
-            <p:cNvPicPr>
-              <a:picLocks noChangeAspect="1"/>
-            </p:cNvPicPr>
-            <p:nvPr/>
-          </p:nvPicPr>
-          <p:blipFill>
-            <a:blip r:embed="rId4" cstate="print"/>
-            <a:srcRect/>
-            <a:stretch>
-              <a:fillRect/>
-            </a:stretch>
-          </p:blipFill>
-          <p:spPr bwMode="auto">
+          <p:spPr>
             <a:xfrm>
               <a:off x="0" y="0"/>
               <a:ext cx="695325" cy="885825"/>
@@ -7646,17 +6135,15 @@
             <a:prstGeom prst="rect">
               <a:avLst/>
             </a:prstGeom>
-            <a:noFill/>
-            <a:ln w="9525">
-              <a:noFill/>
-              <a:miter lim="800000"/>
-              <a:headEnd/>
-              <a:tailEnd/>
-            </a:ln>
           </p:spPr>
         </p:pic>
       </p:grpSp>
     </p:spTree>
+    <p:extLst>
+      <p:ext uri="{BB962C8B-B14F-4D97-AF65-F5344CB8AC3E}">
+        <p14:creationId xmlns="" xmlns:p14="http://schemas.microsoft.com/office/powerpoint/2010/main" val="4121851476"/>
+      </p:ext>
+    </p:extLst>
   </p:cSld>
   <p:clrMapOvr>
     <a:masterClrMapping/>
@@ -7690,7 +6177,7 @@
       </p:grpSpPr>
       <p:pic>
         <p:nvPicPr>
-          <p:cNvPr id="20481" name="6 Marcador de contenido" descr="Inscribir.png"/>
+          <p:cNvPr id="7" name="6 Marcador de contenido" descr="Inscribir.png"/>
           <p:cNvPicPr>
             <a:picLocks noGrp="1" noChangeAspect="1"/>
           </p:cNvPicPr>
@@ -7699,7 +6186,7 @@
           </p:nvPr>
         </p:nvPicPr>
         <p:blipFill>
-          <a:blip r:embed="rId3" cstate="print"/>
+          <a:blip r:embed="rId2" cstate="print"/>
           <a:srcRect t="7578" b="11694"/>
           <a:stretch>
             <a:fillRect/>
@@ -7707,23 +6194,21 @@
         </p:blipFill>
         <p:spPr>
           <a:xfrm>
-            <a:off x="1412875" y="1125538"/>
-            <a:ext cx="5708650" cy="4606925"/>
+            <a:off x="1412875" y="1124744"/>
+            <a:ext cx="5708650" cy="4608512"/>
           </a:xfrm>
         </p:spPr>
       </p:pic>
       <p:grpSp>
         <p:nvGrpSpPr>
-          <p:cNvPr id="20482" name="2 Grupo"/>
-          <p:cNvGrpSpPr>
-            <a:grpSpLocks/>
-          </p:cNvGrpSpPr>
+          <p:cNvPr id="3" name="2 Grupo"/>
+          <p:cNvGrpSpPr/>
           <p:nvPr/>
         </p:nvGrpSpPr>
-        <p:grpSpPr bwMode="auto">
+        <p:grpSpPr>
           <a:xfrm>
             <a:off x="0" y="0"/>
-            <a:ext cx="8459788" cy="923925"/>
+            <a:ext cx="8460432" cy="923330"/>
             <a:chOff x="0" y="0"/>
             <a:chExt cx="8460432" cy="923330"/>
           </a:xfrm>
@@ -7747,52 +6232,56 @@
             </a:solidFill>
           </p:spPr>
           <p:txBody>
-            <a:bodyPr>
+            <a:bodyPr wrap="square" rtlCol="0">
               <a:spAutoFit/>
             </a:bodyPr>
             <a:lstStyle/>
             <a:p>
-              <a:pPr fontAlgn="auto">
-                <a:spcBef>
-                  <a:spcPts val="0"/>
-                </a:spcBef>
-                <a:spcAft>
-                  <a:spcPts val="0"/>
-                </a:spcAft>
-                <a:defRPr/>
-              </a:pPr>
               <a:r>
-                <a:rPr lang="es-PE" sz="3600" dirty="0">
+                <a:rPr lang="es-PE" sz="3600" dirty="0" smtClean="0">
                   <a:latin typeface="+mj-lt"/>
                 </a:rPr>
                 <a:t>	      </a:t>
               </a:r>
               <a:r>
-                <a:rPr lang="es-PE" sz="3600" b="1" dirty="0">
+                <a:rPr lang="es-PE" sz="3600" b="1" dirty="0" smtClean="0">
                   <a:latin typeface="+mj-lt"/>
                 </a:rPr>
                 <a:t>BASTANTEO DE PODERES</a:t>
               </a:r>
             </a:p>
             <a:p>
-              <a:pPr fontAlgn="auto">
-                <a:spcBef>
-                  <a:spcPts val="0"/>
-                </a:spcBef>
-                <a:spcAft>
-                  <a:spcPts val="0"/>
-                </a:spcAft>
-                <a:defRPr/>
-              </a:pPr>
-              <a:endParaRPr lang="es-ES" dirty="0">
-                <a:latin typeface="+mn-lt"/>
-              </a:endParaRPr>
+              <a:endParaRPr lang="es-ES" dirty="0"/>
             </a:p>
           </p:txBody>
         </p:sp>
         <p:pic>
           <p:nvPicPr>
-            <p:cNvPr id="20484" name="4 Imagen" descr="logo_java.png"/>
+            <p:cNvPr id="5" name="4 Imagen" descr="logo_java.png"/>
+            <p:cNvPicPr>
+              <a:picLocks noChangeAspect="1"/>
+            </p:cNvPicPr>
+            <p:nvPr/>
+          </p:nvPicPr>
+          <p:blipFill>
+            <a:blip r:embed="rId3" cstate="print"/>
+            <a:stretch>
+              <a:fillRect/>
+            </a:stretch>
+          </p:blipFill>
+          <p:spPr>
+            <a:xfrm>
+              <a:off x="7668344" y="0"/>
+              <a:ext cx="720080" cy="720080"/>
+            </a:xfrm>
+            <a:prstGeom prst="rect">
+              <a:avLst/>
+            </a:prstGeom>
+          </p:spPr>
+        </p:pic>
+        <p:pic>
+          <p:nvPicPr>
+            <p:cNvPr id="6" name="5 Imagen" descr="logo_epe.jpg"/>
             <p:cNvPicPr>
               <a:picLocks noChangeAspect="1"/>
             </p:cNvPicPr>
@@ -7800,44 +6289,11 @@
           </p:nvPicPr>
           <p:blipFill>
             <a:blip r:embed="rId4" cstate="print"/>
-            <a:srcRect/>
             <a:stretch>
               <a:fillRect/>
             </a:stretch>
           </p:blipFill>
-          <p:spPr bwMode="auto">
-            <a:xfrm>
-              <a:off x="7668344" y="0"/>
-              <a:ext cx="720080" cy="720080"/>
-            </a:xfrm>
-            <a:prstGeom prst="rect">
-              <a:avLst/>
-            </a:prstGeom>
-            <a:noFill/>
-            <a:ln w="9525">
-              <a:noFill/>
-              <a:miter lim="800000"/>
-              <a:headEnd/>
-              <a:tailEnd/>
-            </a:ln>
-          </p:spPr>
-        </p:pic>
-        <p:pic>
-          <p:nvPicPr>
-            <p:cNvPr id="20485" name="5 Imagen" descr="logo_epe.jpg"/>
-            <p:cNvPicPr>
-              <a:picLocks noChangeAspect="1"/>
-            </p:cNvPicPr>
-            <p:nvPr/>
-          </p:nvPicPr>
-          <p:blipFill>
-            <a:blip r:embed="rId5" cstate="print"/>
-            <a:srcRect/>
-            <a:stretch>
-              <a:fillRect/>
-            </a:stretch>
-          </p:blipFill>
-          <p:spPr bwMode="auto">
+          <p:spPr>
             <a:xfrm>
               <a:off x="0" y="0"/>
               <a:ext cx="695325" cy="885825"/>
@@ -7845,17 +6301,15 @@
             <a:prstGeom prst="rect">
               <a:avLst/>
             </a:prstGeom>
-            <a:noFill/>
-            <a:ln w="9525">
-              <a:noFill/>
-              <a:miter lim="800000"/>
-              <a:headEnd/>
-              <a:tailEnd/>
-            </a:ln>
           </p:spPr>
         </p:pic>
       </p:grpSp>
     </p:spTree>
+    <p:extLst>
+      <p:ext uri="{BB962C8B-B14F-4D97-AF65-F5344CB8AC3E}">
+        <p14:creationId xmlns="" xmlns:p14="http://schemas.microsoft.com/office/powerpoint/2010/main" val="4270756147"/>
+      </p:ext>
+    </p:extLst>
   </p:cSld>
   <p:clrMapOvr>
     <a:masterClrMapping/>
@@ -7900,7 +6354,7 @@
         <p:spPr>
           <a:xfrm>
             <a:off x="457200" y="1600200"/>
-            <a:ext cx="7859713" cy="4800600"/>
+            <a:ext cx="7859216" cy="4800600"/>
           </a:xfrm>
         </p:spPr>
         <p:style>
@@ -7918,18 +6372,13 @@
           </a:fontRef>
         </p:style>
         <p:txBody>
-          <a:bodyPr rtlCol="0">
+          <a:bodyPr>
             <a:normAutofit/>
           </a:bodyPr>
           <a:lstStyle/>
           <a:p>
-            <a:pPr fontAlgn="auto">
-              <a:spcAft>
-                <a:spcPts val="0"/>
-              </a:spcAft>
-              <a:buFont typeface="Arial" pitchFamily="34" charset="0"/>
-              <a:buNone/>
-              <a:defRPr/>
+            <a:pPr>
+              <a:buNone/>
             </a:pPr>
             <a:r>
               <a:rPr lang="es-PE" sz="2000" b="1" dirty="0" smtClean="0"/>
@@ -7941,13 +6390,8 @@
             </a:r>
           </a:p>
           <a:p>
-            <a:pPr fontAlgn="auto">
-              <a:spcAft>
-                <a:spcPts val="0"/>
-              </a:spcAft>
-              <a:buFont typeface="Arial" pitchFamily="34" charset="0"/>
-              <a:buNone/>
-              <a:defRPr/>
+            <a:pPr>
+              <a:buNone/>
             </a:pPr>
             <a:r>
               <a:rPr lang="es-PE" sz="2000" b="1" dirty="0" smtClean="0"/>
@@ -7955,27 +6399,14 @@
             </a:r>
           </a:p>
           <a:p>
-            <a:pPr fontAlgn="auto">
-              <a:spcAft>
-                <a:spcPts val="0"/>
-              </a:spcAft>
-              <a:buFont typeface="Arial" pitchFamily="34" charset="0"/>
-              <a:buChar char="•"/>
-              <a:defRPr/>
-            </a:pPr>
             <a:r>
               <a:rPr lang="es-PE" sz="2000" dirty="0" smtClean="0"/>
               <a:t>Como supervisor deseo agregar el listado de poderes para que los abogados puedan asignarlos a los representantes según bastanteo.</a:t>
             </a:r>
           </a:p>
           <a:p>
-            <a:pPr fontAlgn="auto">
-              <a:spcAft>
-                <a:spcPts val="0"/>
-              </a:spcAft>
-              <a:buFont typeface="Arial" pitchFamily="34" charset="0"/>
-              <a:buNone/>
-              <a:defRPr/>
+            <a:pPr>
+              <a:buNone/>
             </a:pPr>
             <a:r>
               <a:rPr lang="es-PE" sz="2000" b="1" dirty="0" smtClean="0"/>
@@ -7983,27 +6414,14 @@
             </a:r>
           </a:p>
           <a:p>
-            <a:pPr fontAlgn="auto">
-              <a:spcAft>
-                <a:spcPts val="0"/>
-              </a:spcAft>
-              <a:buFont typeface="Arial" pitchFamily="34" charset="0"/>
-              <a:buChar char="•"/>
-              <a:defRPr/>
-            </a:pPr>
             <a:r>
               <a:rPr lang="es-PE" sz="2000" dirty="0" smtClean="0"/>
               <a:t>Agrego un poder debo indicar su código corto de consulta (ej.: CHCO, EFRE), el nombre (ej.: Cobro de Cheques, Retiro en Efectivo) y el tipo producto/servicio (ej: Activo, Pasivo).</a:t>
             </a:r>
           </a:p>
           <a:p>
-            <a:pPr fontAlgn="auto">
-              <a:spcAft>
-                <a:spcPts val="0"/>
-              </a:spcAft>
-              <a:buFont typeface="Arial" pitchFamily="34" charset="0"/>
-              <a:buNone/>
-              <a:defRPr/>
+            <a:pPr>
+              <a:buNone/>
             </a:pPr>
             <a:r>
               <a:rPr lang="es-PE" sz="2000" b="1" dirty="0" smtClean="0"/>
@@ -8015,13 +6433,8 @@
             </a:r>
           </a:p>
           <a:p>
-            <a:pPr fontAlgn="auto">
-              <a:spcAft>
-                <a:spcPts val="0"/>
-              </a:spcAft>
-              <a:buFont typeface="Arial" pitchFamily="34" charset="0"/>
-              <a:buNone/>
-              <a:defRPr/>
+            <a:pPr>
+              <a:buNone/>
             </a:pPr>
             <a:r>
               <a:rPr lang="es-PE" sz="2000" b="1" dirty="0" smtClean="0"/>
@@ -8029,13 +6442,8 @@
             </a:r>
           </a:p>
           <a:p>
-            <a:pPr fontAlgn="auto">
-              <a:spcAft>
-                <a:spcPts val="0"/>
-              </a:spcAft>
-              <a:buFont typeface="Arial" pitchFamily="34" charset="0"/>
-              <a:buNone/>
-              <a:defRPr/>
+            <a:pPr>
+              <a:buNone/>
             </a:pPr>
             <a:r>
               <a:rPr lang="es-PE" sz="2000" dirty="0" smtClean="0"/>
@@ -8043,13 +6451,8 @@
             </a:r>
           </a:p>
           <a:p>
-            <a:pPr fontAlgn="auto">
-              <a:spcAft>
-                <a:spcPts val="0"/>
-              </a:spcAft>
-              <a:buFont typeface="Arial" pitchFamily="34" charset="0"/>
-              <a:buNone/>
-              <a:defRPr/>
+            <a:pPr>
+              <a:buNone/>
             </a:pPr>
             <a:r>
               <a:rPr lang="es-PE" sz="2000" dirty="0" smtClean="0"/>
@@ -8057,13 +6460,8 @@
             </a:r>
           </a:p>
           <a:p>
-            <a:pPr fontAlgn="auto">
-              <a:spcAft>
-                <a:spcPts val="0"/>
-              </a:spcAft>
-              <a:buFont typeface="Arial" pitchFamily="34" charset="0"/>
-              <a:buNone/>
-              <a:defRPr/>
+            <a:pPr>
+              <a:buNone/>
             </a:pPr>
             <a:r>
               <a:rPr lang="es-PE" sz="2000" dirty="0" smtClean="0"/>
@@ -8071,25 +6469,12 @@
             </a:r>
           </a:p>
           <a:p>
-            <a:pPr fontAlgn="auto">
-              <a:spcAft>
-                <a:spcPts val="0"/>
-              </a:spcAft>
-              <a:buFont typeface="Arial" pitchFamily="34" charset="0"/>
-              <a:buNone/>
-              <a:defRPr/>
+            <a:pPr>
+              <a:buNone/>
             </a:pPr>
             <a:endParaRPr lang="es-PE" sz="2000" b="1" dirty="0" smtClean="0"/>
           </a:p>
           <a:p>
-            <a:pPr fontAlgn="auto">
-              <a:spcAft>
-                <a:spcPts val="0"/>
-              </a:spcAft>
-              <a:buFont typeface="Arial" pitchFamily="34" charset="0"/>
-              <a:buChar char="•"/>
-              <a:defRPr/>
-            </a:pPr>
             <a:endParaRPr lang="es-PE" sz="2000" dirty="0"/>
           </a:p>
         </p:txBody>
@@ -8106,20 +6491,15 @@
         </p:nvSpPr>
         <p:spPr>
           <a:xfrm>
-            <a:off x="468313" y="1052513"/>
-            <a:ext cx="7620000" cy="490537"/>
+            <a:off x="467544" y="1052736"/>
+            <a:ext cx="7620000" cy="490066"/>
           </a:xfrm>
         </p:spPr>
         <p:txBody>
           <a:bodyPr/>
           <a:lstStyle/>
           <a:p>
-            <a:pPr algn="ctr" fontAlgn="auto">
-              <a:spcAft>
-                <a:spcPts val="0"/>
-              </a:spcAft>
-              <a:defRPr/>
-            </a:pPr>
+            <a:pPr algn="ctr"/>
             <a:r>
               <a:rPr lang="es-ES" sz="3600" b="1" dirty="0" smtClean="0"/>
               <a:t/>
@@ -8144,16 +6524,14 @@
       </p:sp>
       <p:grpSp>
         <p:nvGrpSpPr>
-          <p:cNvPr id="21507" name="3 Grupo"/>
-          <p:cNvGrpSpPr>
-            <a:grpSpLocks/>
-          </p:cNvGrpSpPr>
+          <p:cNvPr id="4" name="3 Grupo"/>
+          <p:cNvGrpSpPr/>
           <p:nvPr/>
         </p:nvGrpSpPr>
-        <p:grpSpPr bwMode="auto">
+        <p:grpSpPr>
           <a:xfrm>
             <a:off x="0" y="0"/>
-            <a:ext cx="8459788" cy="923925"/>
+            <a:ext cx="8460432" cy="923330"/>
             <a:chOff x="0" y="0"/>
             <a:chExt cx="8460432" cy="923330"/>
           </a:xfrm>
@@ -8177,52 +6555,56 @@
             </a:solidFill>
           </p:spPr>
           <p:txBody>
-            <a:bodyPr>
+            <a:bodyPr wrap="square" rtlCol="0">
               <a:spAutoFit/>
             </a:bodyPr>
             <a:lstStyle/>
             <a:p>
-              <a:pPr fontAlgn="auto">
-                <a:spcBef>
-                  <a:spcPts val="0"/>
-                </a:spcBef>
-                <a:spcAft>
-                  <a:spcPts val="0"/>
-                </a:spcAft>
-                <a:defRPr/>
-              </a:pPr>
               <a:r>
-                <a:rPr lang="es-PE" sz="3600" dirty="0">
+                <a:rPr lang="es-PE" sz="3600" dirty="0" smtClean="0">
                   <a:latin typeface="+mj-lt"/>
                 </a:rPr>
                 <a:t>	      </a:t>
               </a:r>
               <a:r>
-                <a:rPr lang="es-PE" sz="3600" b="1" dirty="0">
+                <a:rPr lang="es-PE" sz="3600" b="1" dirty="0" smtClean="0">
                   <a:latin typeface="+mj-lt"/>
                 </a:rPr>
                 <a:t>BASTANTEO DE PODERES</a:t>
               </a:r>
             </a:p>
             <a:p>
-              <a:pPr fontAlgn="auto">
-                <a:spcBef>
-                  <a:spcPts val="0"/>
-                </a:spcBef>
-                <a:spcAft>
-                  <a:spcPts val="0"/>
-                </a:spcAft>
-                <a:defRPr/>
-              </a:pPr>
-              <a:endParaRPr lang="es-ES" dirty="0">
-                <a:latin typeface="+mn-lt"/>
-              </a:endParaRPr>
+              <a:endParaRPr lang="es-ES" dirty="0"/>
             </a:p>
           </p:txBody>
         </p:sp>
         <p:pic>
           <p:nvPicPr>
-            <p:cNvPr id="21509" name="7 Imagen" descr="logo_java.png"/>
+            <p:cNvPr id="8" name="7 Imagen" descr="logo_java.png"/>
+            <p:cNvPicPr>
+              <a:picLocks noChangeAspect="1"/>
+            </p:cNvPicPr>
+            <p:nvPr/>
+          </p:nvPicPr>
+          <p:blipFill>
+            <a:blip r:embed="rId2" cstate="print"/>
+            <a:stretch>
+              <a:fillRect/>
+            </a:stretch>
+          </p:blipFill>
+          <p:spPr>
+            <a:xfrm>
+              <a:off x="7668344" y="0"/>
+              <a:ext cx="720080" cy="720080"/>
+            </a:xfrm>
+            <a:prstGeom prst="rect">
+              <a:avLst/>
+            </a:prstGeom>
+          </p:spPr>
+        </p:pic>
+        <p:pic>
+          <p:nvPicPr>
+            <p:cNvPr id="9" name="8 Imagen" descr="logo_epe.jpg"/>
             <p:cNvPicPr>
               <a:picLocks noChangeAspect="1"/>
             </p:cNvPicPr>
@@ -8230,44 +6612,11 @@
           </p:nvPicPr>
           <p:blipFill>
             <a:blip r:embed="rId3" cstate="print"/>
-            <a:srcRect/>
             <a:stretch>
               <a:fillRect/>
             </a:stretch>
           </p:blipFill>
-          <p:spPr bwMode="auto">
-            <a:xfrm>
-              <a:off x="7668344" y="0"/>
-              <a:ext cx="720080" cy="720080"/>
-            </a:xfrm>
-            <a:prstGeom prst="rect">
-              <a:avLst/>
-            </a:prstGeom>
-            <a:noFill/>
-            <a:ln w="9525">
-              <a:noFill/>
-              <a:miter lim="800000"/>
-              <a:headEnd/>
-              <a:tailEnd/>
-            </a:ln>
-          </p:spPr>
-        </p:pic>
-        <p:pic>
-          <p:nvPicPr>
-            <p:cNvPr id="21510" name="8 Imagen" descr="logo_epe.jpg"/>
-            <p:cNvPicPr>
-              <a:picLocks noChangeAspect="1"/>
-            </p:cNvPicPr>
-            <p:nvPr/>
-          </p:nvPicPr>
-          <p:blipFill>
-            <a:blip r:embed="rId4" cstate="print"/>
-            <a:srcRect/>
-            <a:stretch>
-              <a:fillRect/>
-            </a:stretch>
-          </p:blipFill>
-          <p:spPr bwMode="auto">
+          <p:spPr>
             <a:xfrm>
               <a:off x="0" y="0"/>
               <a:ext cx="695325" cy="885825"/>
@@ -8275,17 +6624,15 @@
             <a:prstGeom prst="rect">
               <a:avLst/>
             </a:prstGeom>
-            <a:noFill/>
-            <a:ln w="9525">
-              <a:noFill/>
-              <a:miter lim="800000"/>
-              <a:headEnd/>
-              <a:tailEnd/>
-            </a:ln>
           </p:spPr>
         </p:pic>
       </p:grpSp>
     </p:spTree>
+    <p:extLst>
+      <p:ext uri="{BB962C8B-B14F-4D97-AF65-F5344CB8AC3E}">
+        <p14:creationId xmlns="" xmlns:p14="http://schemas.microsoft.com/office/powerpoint/2010/main" val="4121851476"/>
+      </p:ext>
+    </p:extLst>
   </p:cSld>
   <p:clrMapOvr>
     <a:masterClrMapping/>
@@ -8319,48 +6666,39 @@
       </p:grpSpPr>
       <p:pic>
         <p:nvPicPr>
-          <p:cNvPr id="22529" name="2 Imagen" descr="AgregarPoderes.jpg"/>
+          <p:cNvPr id="3" name="2 Imagen" descr="AgregarPoderes.jpg"/>
           <p:cNvPicPr>
             <a:picLocks noChangeAspect="1"/>
           </p:cNvPicPr>
           <p:nvPr/>
         </p:nvPicPr>
         <p:blipFill>
-          <a:blip r:embed="rId3" cstate="print"/>
-          <a:srcRect b="28999"/>
+          <a:blip r:embed="rId2" cstate="print"/>
+          <a:srcRect b="29000"/>
           <a:stretch>
             <a:fillRect/>
           </a:stretch>
         </p:blipFill>
-        <p:spPr bwMode="auto">
+        <p:spPr>
           <a:xfrm>
-            <a:off x="539750" y="836613"/>
-            <a:ext cx="7162800" cy="5084762"/>
+            <a:off x="539552" y="836712"/>
+            <a:ext cx="7162260" cy="5085184"/>
           </a:xfrm>
           <a:prstGeom prst="rect">
             <a:avLst/>
           </a:prstGeom>
-          <a:noFill/>
-          <a:ln w="9525">
-            <a:noFill/>
-            <a:miter lim="800000"/>
-            <a:headEnd/>
-            <a:tailEnd/>
-          </a:ln>
         </p:spPr>
       </p:pic>
       <p:grpSp>
         <p:nvGrpSpPr>
-          <p:cNvPr id="22530" name="3 Grupo"/>
-          <p:cNvGrpSpPr>
-            <a:grpSpLocks/>
-          </p:cNvGrpSpPr>
+          <p:cNvPr id="4" name="3 Grupo"/>
+          <p:cNvGrpSpPr/>
           <p:nvPr/>
         </p:nvGrpSpPr>
-        <p:grpSpPr bwMode="auto">
+        <p:grpSpPr>
           <a:xfrm>
             <a:off x="0" y="0"/>
-            <a:ext cx="8459788" cy="923925"/>
+            <a:ext cx="8460432" cy="923330"/>
             <a:chOff x="0" y="0"/>
             <a:chExt cx="8460432" cy="923330"/>
           </a:xfrm>
@@ -8384,52 +6722,56 @@
             </a:solidFill>
           </p:spPr>
           <p:txBody>
-            <a:bodyPr>
+            <a:bodyPr wrap="square" rtlCol="0">
               <a:spAutoFit/>
             </a:bodyPr>
             <a:lstStyle/>
             <a:p>
-              <a:pPr fontAlgn="auto">
-                <a:spcBef>
-                  <a:spcPts val="0"/>
-                </a:spcBef>
-                <a:spcAft>
-                  <a:spcPts val="0"/>
-                </a:spcAft>
-                <a:defRPr/>
-              </a:pPr>
               <a:r>
-                <a:rPr lang="es-PE" sz="3600" dirty="0">
+                <a:rPr lang="es-PE" sz="3600" dirty="0" smtClean="0">
                   <a:latin typeface="+mj-lt"/>
                 </a:rPr>
                 <a:t>	      </a:t>
               </a:r>
               <a:r>
-                <a:rPr lang="es-PE" sz="3600" b="1" dirty="0">
+                <a:rPr lang="es-PE" sz="3600" b="1" dirty="0" smtClean="0">
                   <a:latin typeface="+mj-lt"/>
                 </a:rPr>
                 <a:t>BASTANTEO DE PODERES</a:t>
               </a:r>
             </a:p>
             <a:p>
-              <a:pPr fontAlgn="auto">
-                <a:spcBef>
-                  <a:spcPts val="0"/>
-                </a:spcBef>
-                <a:spcAft>
-                  <a:spcPts val="0"/>
-                </a:spcAft>
-                <a:defRPr/>
-              </a:pPr>
-              <a:endParaRPr lang="es-ES" dirty="0">
-                <a:latin typeface="+mn-lt"/>
-              </a:endParaRPr>
+              <a:endParaRPr lang="es-ES" dirty="0"/>
             </a:p>
           </p:txBody>
         </p:sp>
         <p:pic>
           <p:nvPicPr>
-            <p:cNvPr id="22532" name="5 Imagen" descr="logo_java.png"/>
+            <p:cNvPr id="6" name="5 Imagen" descr="logo_java.png"/>
+            <p:cNvPicPr>
+              <a:picLocks noChangeAspect="1"/>
+            </p:cNvPicPr>
+            <p:nvPr/>
+          </p:nvPicPr>
+          <p:blipFill>
+            <a:blip r:embed="rId3" cstate="print"/>
+            <a:stretch>
+              <a:fillRect/>
+            </a:stretch>
+          </p:blipFill>
+          <p:spPr>
+            <a:xfrm>
+              <a:off x="7668344" y="0"/>
+              <a:ext cx="720080" cy="720080"/>
+            </a:xfrm>
+            <a:prstGeom prst="rect">
+              <a:avLst/>
+            </a:prstGeom>
+          </p:spPr>
+        </p:pic>
+        <p:pic>
+          <p:nvPicPr>
+            <p:cNvPr id="7" name="6 Imagen" descr="logo_epe.jpg"/>
             <p:cNvPicPr>
               <a:picLocks noChangeAspect="1"/>
             </p:cNvPicPr>
@@ -8437,44 +6779,11 @@
           </p:nvPicPr>
           <p:blipFill>
             <a:blip r:embed="rId4" cstate="print"/>
-            <a:srcRect/>
             <a:stretch>
               <a:fillRect/>
             </a:stretch>
           </p:blipFill>
-          <p:spPr bwMode="auto">
-            <a:xfrm>
-              <a:off x="7668344" y="0"/>
-              <a:ext cx="720080" cy="720080"/>
-            </a:xfrm>
-            <a:prstGeom prst="rect">
-              <a:avLst/>
-            </a:prstGeom>
-            <a:noFill/>
-            <a:ln w="9525">
-              <a:noFill/>
-              <a:miter lim="800000"/>
-              <a:headEnd/>
-              <a:tailEnd/>
-            </a:ln>
-          </p:spPr>
-        </p:pic>
-        <p:pic>
-          <p:nvPicPr>
-            <p:cNvPr id="22533" name="6 Imagen" descr="logo_epe.jpg"/>
-            <p:cNvPicPr>
-              <a:picLocks noChangeAspect="1"/>
-            </p:cNvPicPr>
-            <p:nvPr/>
-          </p:nvPicPr>
-          <p:blipFill>
-            <a:blip r:embed="rId5" cstate="print"/>
-            <a:srcRect/>
-            <a:stretch>
-              <a:fillRect/>
-            </a:stretch>
-          </p:blipFill>
-          <p:spPr bwMode="auto">
+          <p:spPr>
             <a:xfrm>
               <a:off x="0" y="0"/>
               <a:ext cx="695325" cy="885825"/>
@@ -8482,17 +6791,15 @@
             <a:prstGeom prst="rect">
               <a:avLst/>
             </a:prstGeom>
-            <a:noFill/>
-            <a:ln w="9525">
-              <a:noFill/>
-              <a:miter lim="800000"/>
-              <a:headEnd/>
-              <a:tailEnd/>
-            </a:ln>
           </p:spPr>
         </p:pic>
       </p:grpSp>
     </p:spTree>
+    <p:extLst>
+      <p:ext uri="{BB962C8B-B14F-4D97-AF65-F5344CB8AC3E}">
+        <p14:creationId xmlns="" xmlns:p14="http://schemas.microsoft.com/office/powerpoint/2010/main" val="2716019624"/>
+      </p:ext>
+    </p:extLst>
   </p:cSld>
   <p:clrMapOvr>
     <a:masterClrMapping/>
@@ -9021,287 +7328,4 @@
   <a:objectDefaults/>
   <a:extraClrSchemeLst/>
 </a:theme>
-</file>
-
-<file path=ppt/theme/theme3.xml><?xml version="1.0" encoding="utf-8"?>
-<a:theme xmlns:a="http://schemas.openxmlformats.org/drawingml/2006/main" name="Tema de Office">
-  <a:themeElements>
-    <a:clrScheme name="">
-      <a:dk1>
-        <a:srgbClr val="000000"/>
-      </a:dk1>
-      <a:lt1>
-        <a:srgbClr val="FFFFFF"/>
-      </a:lt1>
-      <a:dk2>
-        <a:srgbClr val="000000"/>
-      </a:dk2>
-      <a:lt2>
-        <a:srgbClr val="808080"/>
-      </a:lt2>
-      <a:accent1>
-        <a:srgbClr val="BBE0E3"/>
-      </a:accent1>
-      <a:accent2>
-        <a:srgbClr val="333399"/>
-      </a:accent2>
-      <a:accent3>
-        <a:srgbClr val="FFFFFF"/>
-      </a:accent3>
-      <a:accent4>
-        <a:srgbClr val="000000"/>
-      </a:accent4>
-      <a:accent5>
-        <a:srgbClr val="DAEDEF"/>
-      </a:accent5>
-      <a:accent6>
-        <a:srgbClr val="2D2D8A"/>
-      </a:accent6>
-      <a:hlink>
-        <a:srgbClr val="009999"/>
-      </a:hlink>
-      <a:folHlink>
-        <a:srgbClr val="99CC00"/>
-      </a:folHlink>
-    </a:clrScheme>
-    <a:fontScheme name="Office">
-      <a:majorFont>
-        <a:latin typeface="Calibri"/>
-        <a:ea typeface=""/>
-        <a:cs typeface=""/>
-        <a:font script="Jpan" typeface="ＭＳ Ｐゴシック"/>
-        <a:font script="Hang" typeface="맑은 고딕"/>
-        <a:font script="Hans" typeface="宋体"/>
-        <a:font script="Hant" typeface="新細明體"/>
-        <a:font script="Arab" typeface="Times New Roman"/>
-        <a:font script="Hebr" typeface="Times New Roman"/>
-        <a:font script="Thai" typeface="Angsana New"/>
-        <a:font script="Ethi" typeface="Nyala"/>
-        <a:font script="Beng" typeface="Vrinda"/>
-        <a:font script="Gujr" typeface="Shruti"/>
-        <a:font script="Khmr" typeface="MoolBoran"/>
-        <a:font script="Knda" typeface="Tunga"/>
-        <a:font script="Guru" typeface="Raavi"/>
-        <a:font script="Cans" typeface="Euphemia"/>
-        <a:font script="Cher" typeface="Plantagenet Cherokee"/>
-        <a:font script="Yiii" typeface="Microsoft Yi Baiti"/>
-        <a:font script="Tibt" typeface="Microsoft Himalaya"/>
-        <a:font script="Thaa" typeface="MV Boli"/>
-        <a:font script="Deva" typeface="Mangal"/>
-        <a:font script="Telu" typeface="Gautami"/>
-        <a:font script="Taml" typeface="Latha"/>
-        <a:font script="Syrc" typeface="Estrangelo Edessa"/>
-        <a:font script="Orya" typeface="Kalinga"/>
-        <a:font script="Mlym" typeface="Kartika"/>
-        <a:font script="Laoo" typeface="DokChampa"/>
-        <a:font script="Sinh" typeface="Iskoola Pota"/>
-        <a:font script="Mong" typeface="Mongolian Baiti"/>
-        <a:font script="Viet" typeface="Times New Roman"/>
-        <a:font script="Uigh" typeface="Microsoft Uighur"/>
-      </a:majorFont>
-      <a:minorFont>
-        <a:latin typeface="Calibri"/>
-        <a:ea typeface=""/>
-        <a:cs typeface=""/>
-        <a:font script="Jpan" typeface="ＭＳ Ｐゴシック"/>
-        <a:font script="Hang" typeface="맑은 고딕"/>
-        <a:font script="Hans" typeface="宋体"/>
-        <a:font script="Hant" typeface="新細明體"/>
-        <a:font script="Arab" typeface="Arial"/>
-        <a:font script="Hebr" typeface="Arial"/>
-        <a:font script="Thai" typeface="Cordia New"/>
-        <a:font script="Ethi" typeface="Nyala"/>
-        <a:font script="Beng" typeface="Vrinda"/>
-        <a:font script="Gujr" typeface="Shruti"/>
-        <a:font script="Khmr" typeface="DaunPenh"/>
-        <a:font script="Knda" typeface="Tunga"/>
-        <a:font script="Guru" typeface="Raavi"/>
-        <a:font script="Cans" typeface="Euphemia"/>
-        <a:font script="Cher" typeface="Plantagenet Cherokee"/>
-        <a:font script="Yiii" typeface="Microsoft Yi Baiti"/>
-        <a:font script="Tibt" typeface="Microsoft Himalaya"/>
-        <a:font script="Thaa" typeface="MV Boli"/>
-        <a:font script="Deva" typeface="Mangal"/>
-        <a:font script="Telu" typeface="Gautami"/>
-        <a:font script="Taml" typeface="Latha"/>
-        <a:font script="Syrc" typeface="Estrangelo Edessa"/>
-        <a:font script="Orya" typeface="Kalinga"/>
-        <a:font script="Mlym" typeface="Kartika"/>
-        <a:font script="Laoo" typeface="DokChampa"/>
-        <a:font script="Sinh" typeface="Iskoola Pota"/>
-        <a:font script="Mong" typeface="Mongolian Baiti"/>
-        <a:font script="Viet" typeface="Arial"/>
-        <a:font script="Uigh" typeface="Microsoft Uighur"/>
-      </a:minorFont>
-    </a:fontScheme>
-    <a:fmtScheme name="Office">
-      <a:fillStyleLst>
-        <a:solidFill>
-          <a:schemeClr val="phClr"/>
-        </a:solidFill>
-        <a:gradFill rotWithShape="1">
-          <a:gsLst>
-            <a:gs pos="0">
-              <a:schemeClr val="phClr">
-                <a:tint val="50000"/>
-                <a:satMod val="300000"/>
-              </a:schemeClr>
-            </a:gs>
-            <a:gs pos="35000">
-              <a:schemeClr val="phClr">
-                <a:tint val="37000"/>
-                <a:satMod val="300000"/>
-              </a:schemeClr>
-            </a:gs>
-            <a:gs pos="100000">
-              <a:schemeClr val="phClr">
-                <a:tint val="15000"/>
-                <a:satMod val="350000"/>
-              </a:schemeClr>
-            </a:gs>
-          </a:gsLst>
-          <a:lin ang="16200000" scaled="1"/>
-        </a:gradFill>
-        <a:gradFill rotWithShape="1">
-          <a:gsLst>
-            <a:gs pos="0">
-              <a:schemeClr val="phClr">
-                <a:shade val="51000"/>
-                <a:satMod val="130000"/>
-              </a:schemeClr>
-            </a:gs>
-            <a:gs pos="80000">
-              <a:schemeClr val="phClr">
-                <a:shade val="93000"/>
-                <a:satMod val="130000"/>
-              </a:schemeClr>
-            </a:gs>
-            <a:gs pos="100000">
-              <a:schemeClr val="phClr">
-                <a:shade val="94000"/>
-                <a:satMod val="135000"/>
-              </a:schemeClr>
-            </a:gs>
-          </a:gsLst>
-          <a:lin ang="16200000" scaled="0"/>
-        </a:gradFill>
-      </a:fillStyleLst>
-      <a:lnStyleLst>
-        <a:ln w="9525" cap="flat" cmpd="sng" algn="ctr">
-          <a:solidFill>
-            <a:schemeClr val="phClr">
-              <a:shade val="95000"/>
-              <a:satMod val="105000"/>
-            </a:schemeClr>
-          </a:solidFill>
-          <a:prstDash val="solid"/>
-        </a:ln>
-        <a:ln w="25400" cap="flat" cmpd="sng" algn="ctr">
-          <a:solidFill>
-            <a:schemeClr val="phClr"/>
-          </a:solidFill>
-          <a:prstDash val="solid"/>
-        </a:ln>
-        <a:ln w="38100" cap="flat" cmpd="sng" algn="ctr">
-          <a:solidFill>
-            <a:schemeClr val="phClr"/>
-          </a:solidFill>
-          <a:prstDash val="solid"/>
-        </a:ln>
-      </a:lnStyleLst>
-      <a:effectStyleLst>
-        <a:effectStyle>
-          <a:effectLst>
-            <a:outerShdw blurRad="40000" dist="20000" dir="5400000" rotWithShape="0">
-              <a:srgbClr val="000000">
-                <a:alpha val="38000"/>
-              </a:srgbClr>
-            </a:outerShdw>
-          </a:effectLst>
-        </a:effectStyle>
-        <a:effectStyle>
-          <a:effectLst>
-            <a:outerShdw blurRad="40000" dist="23000" dir="5400000" rotWithShape="0">
-              <a:srgbClr val="000000">
-                <a:alpha val="35000"/>
-              </a:srgbClr>
-            </a:outerShdw>
-          </a:effectLst>
-        </a:effectStyle>
-        <a:effectStyle>
-          <a:effectLst>
-            <a:outerShdw blurRad="40000" dist="23000" dir="5400000" rotWithShape="0">
-              <a:srgbClr val="000000">
-                <a:alpha val="35000"/>
-              </a:srgbClr>
-            </a:outerShdw>
-          </a:effectLst>
-          <a:scene3d>
-            <a:camera prst="orthographicFront">
-              <a:rot lat="0" lon="0" rev="0"/>
-            </a:camera>
-            <a:lightRig rig="threePt" dir="t">
-              <a:rot lat="0" lon="0" rev="1200000"/>
-            </a:lightRig>
-          </a:scene3d>
-          <a:sp3d>
-            <a:bevelT w="63500" h="25400"/>
-          </a:sp3d>
-        </a:effectStyle>
-      </a:effectStyleLst>
-      <a:bgFillStyleLst>
-        <a:solidFill>
-          <a:schemeClr val="phClr"/>
-        </a:solidFill>
-        <a:gradFill rotWithShape="1">
-          <a:gsLst>
-            <a:gs pos="0">
-              <a:schemeClr val="phClr">
-                <a:tint val="40000"/>
-                <a:satMod val="350000"/>
-              </a:schemeClr>
-            </a:gs>
-            <a:gs pos="40000">
-              <a:schemeClr val="phClr">
-                <a:tint val="45000"/>
-                <a:shade val="99000"/>
-                <a:satMod val="350000"/>
-              </a:schemeClr>
-            </a:gs>
-            <a:gs pos="100000">
-              <a:schemeClr val="phClr">
-                <a:shade val="20000"/>
-                <a:satMod val="255000"/>
-              </a:schemeClr>
-            </a:gs>
-          </a:gsLst>
-          <a:path path="circle">
-            <a:fillToRect l="50000" t="-80000" r="50000" b="180000"/>
-          </a:path>
-        </a:gradFill>
-        <a:gradFill rotWithShape="1">
-          <a:gsLst>
-            <a:gs pos="0">
-              <a:schemeClr val="phClr">
-                <a:tint val="80000"/>
-                <a:satMod val="300000"/>
-              </a:schemeClr>
-            </a:gs>
-            <a:gs pos="100000">
-              <a:schemeClr val="phClr">
-                <a:shade val="30000"/>
-                <a:satMod val="200000"/>
-              </a:schemeClr>
-            </a:gs>
-          </a:gsLst>
-          <a:path path="circle">
-            <a:fillToRect l="50000" t="50000" r="50000" b="50000"/>
-          </a:path>
-        </a:gradFill>
-      </a:bgFillStyleLst>
-    </a:fmtScheme>
-  </a:themeElements>
-  <a:objectDefaults/>
-  <a:extraClrSchemeLst/>
-</a:theme>
 </file>